--- a/doc/B3炙りえんがわ_成果発表会資料.pptx
+++ b/doc/B3炙りえんがわ_成果発表会資料.pptx
@@ -8,7 +8,13 @@
     <p:sldId id="256" r:id="rId2"/>
     <p:sldId id="259" r:id="rId3"/>
     <p:sldId id="258" r:id="rId4"/>
-    <p:sldId id="257" r:id="rId5"/>
+    <p:sldId id="265" r:id="rId5"/>
+    <p:sldId id="257" r:id="rId6"/>
+    <p:sldId id="260" r:id="rId7"/>
+    <p:sldId id="261" r:id="rId8"/>
+    <p:sldId id="262" r:id="rId9"/>
+    <p:sldId id="263" r:id="rId10"/>
+    <p:sldId id="264" r:id="rId11"/>
   </p:sldIdLst>
   <p:sldSz cx="12192000" cy="6858000"/>
   <p:notesSz cx="6858000" cy="9144000"/>
@@ -107,6 +113,11 @@
       </a:defRPr>
     </a:lvl9pPr>
   </p:defaultTextStyle>
+  <p:extLst>
+    <p:ext uri="{EFAFB233-063F-42B5-8137-9DF3F51BA10A}">
+      <p15:sldGuideLst xmlns:p15="http://schemas.microsoft.com/office/powerpoint/2012/main"/>
+    </p:ext>
+  </p:extLst>
 </p:presentation>
 </file>
 
@@ -3720,6 +3731,89 @@
 </p:sld>
 </file>
 
+<file path=ppt/slides/slide10.xml><?xml version="1.0" encoding="utf-8"?>
+<p:sld xmlns:a="http://schemas.openxmlformats.org/drawingml/2006/main" xmlns:r="http://schemas.openxmlformats.org/officeDocument/2006/relationships" xmlns:p="http://schemas.openxmlformats.org/presentationml/2006/main">
+  <p:cSld>
+    <p:spTree>
+      <p:nvGrpSpPr>
+        <p:cNvPr id="1" name=""/>
+        <p:cNvGrpSpPr/>
+        <p:nvPr/>
+      </p:nvGrpSpPr>
+      <p:grpSpPr>
+        <a:xfrm>
+          <a:off x="0" y="0"/>
+          <a:ext cx="0" cy="0"/>
+          <a:chOff x="0" y="0"/>
+          <a:chExt cx="0" cy="0"/>
+        </a:xfrm>
+      </p:grpSpPr>
+      <p:sp>
+        <p:nvSpPr>
+          <p:cNvPr id="2" name="タイトル 1">
+            <a:extLst>
+              <a:ext uri="{FF2B5EF4-FFF2-40B4-BE49-F238E27FC236}">
+                <a16:creationId xmlns:a16="http://schemas.microsoft.com/office/drawing/2014/main" id="{23453D38-AFCD-D094-F943-96F0DF4032FD}"/>
+              </a:ext>
+            </a:extLst>
+          </p:cNvPr>
+          <p:cNvSpPr>
+            <a:spLocks noGrp="1"/>
+          </p:cNvSpPr>
+          <p:nvPr>
+            <p:ph type="title"/>
+          </p:nvPr>
+        </p:nvSpPr>
+        <p:spPr/>
+        <p:txBody>
+          <a:bodyPr/>
+          <a:lstStyle/>
+          <a:p>
+            <a:r>
+              <a:rPr kumimoji="1" lang="ja-JP" altLang="en-US" dirty="0"/>
+              <a:t>個人成長：橋本</a:t>
+            </a:r>
+          </a:p>
+        </p:txBody>
+      </p:sp>
+      <p:sp>
+        <p:nvSpPr>
+          <p:cNvPr id="3" name="コンテンツ プレースホルダー 2">
+            <a:extLst>
+              <a:ext uri="{FF2B5EF4-FFF2-40B4-BE49-F238E27FC236}">
+                <a16:creationId xmlns:a16="http://schemas.microsoft.com/office/drawing/2014/main" id="{F1DA795F-5718-E496-CD4F-4F0E6FCD762F}"/>
+              </a:ext>
+            </a:extLst>
+          </p:cNvPr>
+          <p:cNvSpPr>
+            <a:spLocks noGrp="1"/>
+          </p:cNvSpPr>
+          <p:nvPr>
+            <p:ph idx="1"/>
+          </p:nvPr>
+        </p:nvSpPr>
+        <p:spPr/>
+        <p:txBody>
+          <a:bodyPr/>
+          <a:lstStyle/>
+          <a:p>
+            <a:endParaRPr kumimoji="1" lang="ja-JP" altLang="en-US"/>
+          </a:p>
+        </p:txBody>
+      </p:sp>
+    </p:spTree>
+    <p:extLst>
+      <p:ext uri="{BB962C8B-B14F-4D97-AF65-F5344CB8AC3E}">
+        <p14:creationId xmlns:p14="http://schemas.microsoft.com/office/powerpoint/2010/main" val="133445490"/>
+      </p:ext>
+    </p:extLst>
+  </p:cSld>
+  <p:clrMapOvr>
+    <a:masterClrMapping/>
+  </p:clrMapOvr>
+</p:sld>
+</file>
+
 <file path=ppt/slides/slide2.xml><?xml version="1.0" encoding="utf-8"?>
 <p:sld xmlns:a="http://schemas.openxmlformats.org/drawingml/2006/main" xmlns:r="http://schemas.openxmlformats.org/officeDocument/2006/relationships" xmlns:p="http://schemas.openxmlformats.org/presentationml/2006/main">
   <p:cSld>
@@ -3847,8 +3941,13 @@
           <a:p>
             <a:r>
               <a:rPr kumimoji="1" lang="ja-JP" altLang="en-US" dirty="0"/>
-              <a:t>機能面</a:t>
-            </a:r>
+              <a:t>機能説明</a:t>
+            </a:r>
+            <a:r>
+              <a:rPr lang="ja-JP" altLang="en-US" dirty="0"/>
+              <a:t>：アカウント</a:t>
+            </a:r>
+            <a:endParaRPr kumimoji="1" lang="ja-JP" altLang="en-US" dirty="0"/>
           </a:p>
         </p:txBody>
       </p:sp>
@@ -3912,6 +4011,94 @@
           <p:cNvPr id="2" name="タイトル 1">
             <a:extLst>
               <a:ext uri="{FF2B5EF4-FFF2-40B4-BE49-F238E27FC236}">
+                <a16:creationId xmlns:a16="http://schemas.microsoft.com/office/drawing/2014/main" id="{567BCC82-8CB1-3055-6FCE-39E6F1E069C2}"/>
+              </a:ext>
+            </a:extLst>
+          </p:cNvPr>
+          <p:cNvSpPr>
+            <a:spLocks noGrp="1"/>
+          </p:cNvSpPr>
+          <p:nvPr>
+            <p:ph type="title"/>
+          </p:nvPr>
+        </p:nvSpPr>
+        <p:spPr/>
+        <p:txBody>
+          <a:bodyPr/>
+          <a:lstStyle/>
+          <a:p>
+            <a:r>
+              <a:rPr kumimoji="1" lang="ja-JP" altLang="en-US" dirty="0"/>
+              <a:t>機能説明</a:t>
+            </a:r>
+            <a:r>
+              <a:rPr lang="ja-JP" altLang="en-US" dirty="0"/>
+              <a:t>：投稿</a:t>
+            </a:r>
+            <a:endParaRPr kumimoji="1" lang="ja-JP" altLang="en-US" dirty="0"/>
+          </a:p>
+        </p:txBody>
+      </p:sp>
+      <p:sp>
+        <p:nvSpPr>
+          <p:cNvPr id="3" name="コンテンツ プレースホルダー 2">
+            <a:extLst>
+              <a:ext uri="{FF2B5EF4-FFF2-40B4-BE49-F238E27FC236}">
+                <a16:creationId xmlns:a16="http://schemas.microsoft.com/office/drawing/2014/main" id="{A4E6E213-AEA2-33B5-BFFB-4B2752698193}"/>
+              </a:ext>
+            </a:extLst>
+          </p:cNvPr>
+          <p:cNvSpPr>
+            <a:spLocks noGrp="1"/>
+          </p:cNvSpPr>
+          <p:nvPr>
+            <p:ph idx="1"/>
+          </p:nvPr>
+        </p:nvSpPr>
+        <p:spPr/>
+        <p:txBody>
+          <a:bodyPr/>
+          <a:lstStyle/>
+          <a:p>
+            <a:endParaRPr kumimoji="1" lang="ja-JP" altLang="en-US"/>
+          </a:p>
+        </p:txBody>
+      </p:sp>
+    </p:spTree>
+    <p:extLst>
+      <p:ext uri="{BB962C8B-B14F-4D97-AF65-F5344CB8AC3E}">
+        <p14:creationId xmlns:p14="http://schemas.microsoft.com/office/powerpoint/2010/main" val="4282601556"/>
+      </p:ext>
+    </p:extLst>
+  </p:cSld>
+  <p:clrMapOvr>
+    <a:masterClrMapping/>
+  </p:clrMapOvr>
+</p:sld>
+</file>
+
+<file path=ppt/slides/slide5.xml><?xml version="1.0" encoding="utf-8"?>
+<p:sld xmlns:a="http://schemas.openxmlformats.org/drawingml/2006/main" xmlns:r="http://schemas.openxmlformats.org/officeDocument/2006/relationships" xmlns:p="http://schemas.openxmlformats.org/presentationml/2006/main">
+  <p:cSld>
+    <p:spTree>
+      <p:nvGrpSpPr>
+        <p:cNvPr id="1" name=""/>
+        <p:cNvGrpSpPr/>
+        <p:nvPr/>
+      </p:nvGrpSpPr>
+      <p:grpSpPr>
+        <a:xfrm>
+          <a:off x="0" y="0"/>
+          <a:ext cx="0" cy="0"/>
+          <a:chOff x="0" y="0"/>
+          <a:chExt cx="0" cy="0"/>
+        </a:xfrm>
+      </p:grpSpPr>
+      <p:sp>
+        <p:nvSpPr>
+          <p:cNvPr id="2" name="タイトル 1">
+            <a:extLst>
+              <a:ext uri="{FF2B5EF4-FFF2-40B4-BE49-F238E27FC236}">
                 <a16:creationId xmlns:a16="http://schemas.microsoft.com/office/drawing/2014/main" id="{0A9CBAF4-77F7-7A38-92D1-ABEA036B4FA9}"/>
               </a:ext>
             </a:extLst>
@@ -3930,7 +4117,7 @@
           <a:p>
             <a:r>
               <a:rPr kumimoji="1" lang="ja-JP" altLang="en-US" dirty="0"/>
-              <a:t>個人成長</a:t>
+              <a:t>個人成長：遠藤</a:t>
             </a:r>
           </a:p>
         </p:txBody>
@@ -3964,6 +4151,338 @@
     <p:extLst>
       <p:ext uri="{BB962C8B-B14F-4D97-AF65-F5344CB8AC3E}">
         <p14:creationId xmlns:p14="http://schemas.microsoft.com/office/powerpoint/2010/main" val="3207308"/>
+      </p:ext>
+    </p:extLst>
+  </p:cSld>
+  <p:clrMapOvr>
+    <a:masterClrMapping/>
+  </p:clrMapOvr>
+</p:sld>
+</file>
+
+<file path=ppt/slides/slide6.xml><?xml version="1.0" encoding="utf-8"?>
+<p:sld xmlns:a="http://schemas.openxmlformats.org/drawingml/2006/main" xmlns:r="http://schemas.openxmlformats.org/officeDocument/2006/relationships" xmlns:p="http://schemas.openxmlformats.org/presentationml/2006/main">
+  <p:cSld>
+    <p:spTree>
+      <p:nvGrpSpPr>
+        <p:cNvPr id="1" name=""/>
+        <p:cNvGrpSpPr/>
+        <p:nvPr/>
+      </p:nvGrpSpPr>
+      <p:grpSpPr>
+        <a:xfrm>
+          <a:off x="0" y="0"/>
+          <a:ext cx="0" cy="0"/>
+          <a:chOff x="0" y="0"/>
+          <a:chExt cx="0" cy="0"/>
+        </a:xfrm>
+      </p:grpSpPr>
+      <p:sp>
+        <p:nvSpPr>
+          <p:cNvPr id="2" name="タイトル 1">
+            <a:extLst>
+              <a:ext uri="{FF2B5EF4-FFF2-40B4-BE49-F238E27FC236}">
+                <a16:creationId xmlns:a16="http://schemas.microsoft.com/office/drawing/2014/main" id="{E05A2A36-4ADC-26AD-02CC-38D1664B27D7}"/>
+              </a:ext>
+            </a:extLst>
+          </p:cNvPr>
+          <p:cNvSpPr>
+            <a:spLocks noGrp="1"/>
+          </p:cNvSpPr>
+          <p:nvPr>
+            <p:ph type="title"/>
+          </p:nvPr>
+        </p:nvSpPr>
+        <p:spPr/>
+        <p:txBody>
+          <a:bodyPr/>
+          <a:lstStyle/>
+          <a:p>
+            <a:r>
+              <a:rPr kumimoji="1" lang="ja-JP" altLang="en-US" dirty="0"/>
+              <a:t>個人成長：伊藤</a:t>
+            </a:r>
+          </a:p>
+        </p:txBody>
+      </p:sp>
+      <p:sp>
+        <p:nvSpPr>
+          <p:cNvPr id="3" name="コンテンツ プレースホルダー 2">
+            <a:extLst>
+              <a:ext uri="{FF2B5EF4-FFF2-40B4-BE49-F238E27FC236}">
+                <a16:creationId xmlns:a16="http://schemas.microsoft.com/office/drawing/2014/main" id="{937B6F24-6D7E-BC20-D021-80FE71CC78AD}"/>
+              </a:ext>
+            </a:extLst>
+          </p:cNvPr>
+          <p:cNvSpPr>
+            <a:spLocks noGrp="1"/>
+          </p:cNvSpPr>
+          <p:nvPr>
+            <p:ph idx="1"/>
+          </p:nvPr>
+        </p:nvSpPr>
+        <p:spPr/>
+        <p:txBody>
+          <a:bodyPr/>
+          <a:lstStyle/>
+          <a:p>
+            <a:endParaRPr kumimoji="1" lang="ja-JP" altLang="en-US"/>
+          </a:p>
+        </p:txBody>
+      </p:sp>
+    </p:spTree>
+    <p:extLst>
+      <p:ext uri="{BB962C8B-B14F-4D97-AF65-F5344CB8AC3E}">
+        <p14:creationId xmlns:p14="http://schemas.microsoft.com/office/powerpoint/2010/main" val="3396783837"/>
+      </p:ext>
+    </p:extLst>
+  </p:cSld>
+  <p:clrMapOvr>
+    <a:masterClrMapping/>
+  </p:clrMapOvr>
+</p:sld>
+</file>
+
+<file path=ppt/slides/slide7.xml><?xml version="1.0" encoding="utf-8"?>
+<p:sld xmlns:a="http://schemas.openxmlformats.org/drawingml/2006/main" xmlns:r="http://schemas.openxmlformats.org/officeDocument/2006/relationships" xmlns:p="http://schemas.openxmlformats.org/presentationml/2006/main">
+  <p:cSld>
+    <p:spTree>
+      <p:nvGrpSpPr>
+        <p:cNvPr id="1" name=""/>
+        <p:cNvGrpSpPr/>
+        <p:nvPr/>
+      </p:nvGrpSpPr>
+      <p:grpSpPr>
+        <a:xfrm>
+          <a:off x="0" y="0"/>
+          <a:ext cx="0" cy="0"/>
+          <a:chOff x="0" y="0"/>
+          <a:chExt cx="0" cy="0"/>
+        </a:xfrm>
+      </p:grpSpPr>
+      <p:sp>
+        <p:nvSpPr>
+          <p:cNvPr id="2" name="タイトル 1">
+            <a:extLst>
+              <a:ext uri="{FF2B5EF4-FFF2-40B4-BE49-F238E27FC236}">
+                <a16:creationId xmlns:a16="http://schemas.microsoft.com/office/drawing/2014/main" id="{A155AD28-3590-A967-BD95-4908AD33C565}"/>
+              </a:ext>
+            </a:extLst>
+          </p:cNvPr>
+          <p:cNvSpPr>
+            <a:spLocks noGrp="1"/>
+          </p:cNvSpPr>
+          <p:nvPr>
+            <p:ph type="title"/>
+          </p:nvPr>
+        </p:nvSpPr>
+        <p:spPr/>
+        <p:txBody>
+          <a:bodyPr/>
+          <a:lstStyle/>
+          <a:p>
+            <a:r>
+              <a:rPr kumimoji="1" lang="ja-JP" altLang="en-US" dirty="0"/>
+              <a:t>個人成長：石田</a:t>
+            </a:r>
+          </a:p>
+        </p:txBody>
+      </p:sp>
+      <p:sp>
+        <p:nvSpPr>
+          <p:cNvPr id="3" name="コンテンツ プレースホルダー 2">
+            <a:extLst>
+              <a:ext uri="{FF2B5EF4-FFF2-40B4-BE49-F238E27FC236}">
+                <a16:creationId xmlns:a16="http://schemas.microsoft.com/office/drawing/2014/main" id="{A8CB6F8D-C515-85D1-0362-92A7DDE473F8}"/>
+              </a:ext>
+            </a:extLst>
+          </p:cNvPr>
+          <p:cNvSpPr>
+            <a:spLocks noGrp="1"/>
+          </p:cNvSpPr>
+          <p:nvPr>
+            <p:ph idx="1"/>
+          </p:nvPr>
+        </p:nvSpPr>
+        <p:spPr/>
+        <p:txBody>
+          <a:bodyPr/>
+          <a:lstStyle/>
+          <a:p>
+            <a:endParaRPr kumimoji="1" lang="ja-JP" altLang="en-US"/>
+          </a:p>
+        </p:txBody>
+      </p:sp>
+    </p:spTree>
+    <p:extLst>
+      <p:ext uri="{BB962C8B-B14F-4D97-AF65-F5344CB8AC3E}">
+        <p14:creationId xmlns:p14="http://schemas.microsoft.com/office/powerpoint/2010/main" val="4049935424"/>
+      </p:ext>
+    </p:extLst>
+  </p:cSld>
+  <p:clrMapOvr>
+    <a:masterClrMapping/>
+  </p:clrMapOvr>
+</p:sld>
+</file>
+
+<file path=ppt/slides/slide8.xml><?xml version="1.0" encoding="utf-8"?>
+<p:sld xmlns:a="http://schemas.openxmlformats.org/drawingml/2006/main" xmlns:r="http://schemas.openxmlformats.org/officeDocument/2006/relationships" xmlns:p="http://schemas.openxmlformats.org/presentationml/2006/main">
+  <p:cSld>
+    <p:spTree>
+      <p:nvGrpSpPr>
+        <p:cNvPr id="1" name=""/>
+        <p:cNvGrpSpPr/>
+        <p:nvPr/>
+      </p:nvGrpSpPr>
+      <p:grpSpPr>
+        <a:xfrm>
+          <a:off x="0" y="0"/>
+          <a:ext cx="0" cy="0"/>
+          <a:chOff x="0" y="0"/>
+          <a:chExt cx="0" cy="0"/>
+        </a:xfrm>
+      </p:grpSpPr>
+      <p:sp>
+        <p:nvSpPr>
+          <p:cNvPr id="2" name="タイトル 1">
+            <a:extLst>
+              <a:ext uri="{FF2B5EF4-FFF2-40B4-BE49-F238E27FC236}">
+                <a16:creationId xmlns:a16="http://schemas.microsoft.com/office/drawing/2014/main" id="{6A5614FF-780D-088C-3161-49C0AC587D66}"/>
+              </a:ext>
+            </a:extLst>
+          </p:cNvPr>
+          <p:cNvSpPr>
+            <a:spLocks noGrp="1"/>
+          </p:cNvSpPr>
+          <p:nvPr>
+            <p:ph type="title"/>
+          </p:nvPr>
+        </p:nvSpPr>
+        <p:spPr/>
+        <p:txBody>
+          <a:bodyPr/>
+          <a:lstStyle/>
+          <a:p>
+            <a:r>
+              <a:rPr kumimoji="1" lang="ja-JP" altLang="en-US" dirty="0"/>
+              <a:t>個人成長：菊地</a:t>
+            </a:r>
+          </a:p>
+        </p:txBody>
+      </p:sp>
+      <p:sp>
+        <p:nvSpPr>
+          <p:cNvPr id="3" name="コンテンツ プレースホルダー 2">
+            <a:extLst>
+              <a:ext uri="{FF2B5EF4-FFF2-40B4-BE49-F238E27FC236}">
+                <a16:creationId xmlns:a16="http://schemas.microsoft.com/office/drawing/2014/main" id="{EA0F3B9F-13C9-9EFB-5A4B-48A232C2AECB}"/>
+              </a:ext>
+            </a:extLst>
+          </p:cNvPr>
+          <p:cNvSpPr>
+            <a:spLocks noGrp="1"/>
+          </p:cNvSpPr>
+          <p:nvPr>
+            <p:ph idx="1"/>
+          </p:nvPr>
+        </p:nvSpPr>
+        <p:spPr/>
+        <p:txBody>
+          <a:bodyPr/>
+          <a:lstStyle/>
+          <a:p>
+            <a:endParaRPr kumimoji="1" lang="ja-JP" altLang="en-US"/>
+          </a:p>
+        </p:txBody>
+      </p:sp>
+    </p:spTree>
+    <p:extLst>
+      <p:ext uri="{BB962C8B-B14F-4D97-AF65-F5344CB8AC3E}">
+        <p14:creationId xmlns:p14="http://schemas.microsoft.com/office/powerpoint/2010/main" val="2926862431"/>
+      </p:ext>
+    </p:extLst>
+  </p:cSld>
+  <p:clrMapOvr>
+    <a:masterClrMapping/>
+  </p:clrMapOvr>
+</p:sld>
+</file>
+
+<file path=ppt/slides/slide9.xml><?xml version="1.0" encoding="utf-8"?>
+<p:sld xmlns:a="http://schemas.openxmlformats.org/drawingml/2006/main" xmlns:r="http://schemas.openxmlformats.org/officeDocument/2006/relationships" xmlns:p="http://schemas.openxmlformats.org/presentationml/2006/main">
+  <p:cSld>
+    <p:spTree>
+      <p:nvGrpSpPr>
+        <p:cNvPr id="1" name=""/>
+        <p:cNvGrpSpPr/>
+        <p:nvPr/>
+      </p:nvGrpSpPr>
+      <p:grpSpPr>
+        <a:xfrm>
+          <a:off x="0" y="0"/>
+          <a:ext cx="0" cy="0"/>
+          <a:chOff x="0" y="0"/>
+          <a:chExt cx="0" cy="0"/>
+        </a:xfrm>
+      </p:grpSpPr>
+      <p:sp>
+        <p:nvSpPr>
+          <p:cNvPr id="2" name="タイトル 1">
+            <a:extLst>
+              <a:ext uri="{FF2B5EF4-FFF2-40B4-BE49-F238E27FC236}">
+                <a16:creationId xmlns:a16="http://schemas.microsoft.com/office/drawing/2014/main" id="{863C13F7-6F70-0265-46B9-8B304315B195}"/>
+              </a:ext>
+            </a:extLst>
+          </p:cNvPr>
+          <p:cNvSpPr>
+            <a:spLocks noGrp="1"/>
+          </p:cNvSpPr>
+          <p:nvPr>
+            <p:ph type="title"/>
+          </p:nvPr>
+        </p:nvSpPr>
+        <p:spPr/>
+        <p:txBody>
+          <a:bodyPr/>
+          <a:lstStyle/>
+          <a:p>
+            <a:r>
+              <a:rPr kumimoji="1" lang="ja-JP" altLang="en-US" dirty="0"/>
+              <a:t>個人成長：高山</a:t>
+            </a:r>
+          </a:p>
+        </p:txBody>
+      </p:sp>
+      <p:sp>
+        <p:nvSpPr>
+          <p:cNvPr id="3" name="コンテンツ プレースホルダー 2">
+            <a:extLst>
+              <a:ext uri="{FF2B5EF4-FFF2-40B4-BE49-F238E27FC236}">
+                <a16:creationId xmlns:a16="http://schemas.microsoft.com/office/drawing/2014/main" id="{418F4827-B523-FA5B-4F69-94E5962243DD}"/>
+              </a:ext>
+            </a:extLst>
+          </p:cNvPr>
+          <p:cNvSpPr>
+            <a:spLocks noGrp="1"/>
+          </p:cNvSpPr>
+          <p:nvPr>
+            <p:ph idx="1"/>
+          </p:nvPr>
+        </p:nvSpPr>
+        <p:spPr/>
+        <p:txBody>
+          <a:bodyPr/>
+          <a:lstStyle/>
+          <a:p>
+            <a:endParaRPr kumimoji="1" lang="ja-JP" altLang="en-US"/>
+          </a:p>
+        </p:txBody>
+      </p:sp>
+    </p:spTree>
+    <p:extLst>
+      <p:ext uri="{BB962C8B-B14F-4D97-AF65-F5344CB8AC3E}">
+        <p14:creationId xmlns:p14="http://schemas.microsoft.com/office/powerpoint/2010/main" val="588876093"/>
       </p:ext>
     </p:extLst>
   </p:cSld>

--- a/doc/B3炙りえんがわ_成果発表会資料.pptx
+++ b/doc/B3炙りえんがわ_成果発表会資料.pptx
@@ -8,13 +8,18 @@
     <p:sldId id="256" r:id="rId2"/>
     <p:sldId id="259" r:id="rId3"/>
     <p:sldId id="258" r:id="rId4"/>
-    <p:sldId id="265" r:id="rId5"/>
-    <p:sldId id="257" r:id="rId6"/>
-    <p:sldId id="260" r:id="rId7"/>
-    <p:sldId id="261" r:id="rId8"/>
-    <p:sldId id="262" r:id="rId9"/>
-    <p:sldId id="263" r:id="rId10"/>
-    <p:sldId id="264" r:id="rId11"/>
+    <p:sldId id="268" r:id="rId5"/>
+    <p:sldId id="266" r:id="rId6"/>
+    <p:sldId id="269" r:id="rId7"/>
+    <p:sldId id="265" r:id="rId8"/>
+    <p:sldId id="267" r:id="rId9"/>
+    <p:sldId id="257" r:id="rId10"/>
+    <p:sldId id="260" r:id="rId11"/>
+    <p:sldId id="261" r:id="rId12"/>
+    <p:sldId id="262" r:id="rId13"/>
+    <p:sldId id="263" r:id="rId14"/>
+    <p:sldId id="264" r:id="rId15"/>
+    <p:sldId id="270" r:id="rId16"/>
   </p:sldIdLst>
   <p:sldSz cx="12192000" cy="6858000"/>
   <p:notesSz cx="6858000" cy="9144000"/>
@@ -3625,66 +3630,23 @@
       </p:grpSpPr>
       <p:sp>
         <p:nvSpPr>
-          <p:cNvPr id="2" name="タイトル 1">
-            <a:extLst>
-              <a:ext uri="{FF2B5EF4-FFF2-40B4-BE49-F238E27FC236}">
-                <a16:creationId xmlns:a16="http://schemas.microsoft.com/office/drawing/2014/main" id="{74B401C9-27D5-F40D-27D6-87644732023F}"/>
-              </a:ext>
-            </a:extLst>
-          </p:cNvPr>
-          <p:cNvSpPr>
-            <a:spLocks noGrp="1"/>
-          </p:cNvSpPr>
-          <p:nvPr>
-            <p:ph type="ctrTitle"/>
+          <p:cNvPr id="3" name="字幕 2">
+            <a:extLst>
+              <a:ext uri="{FF2B5EF4-FFF2-40B4-BE49-F238E27FC236}">
+                <a16:creationId xmlns:a16="http://schemas.microsoft.com/office/drawing/2014/main" id="{EB52F197-1E75-4B39-DD36-E8E79938C2C5}"/>
+              </a:ext>
+            </a:extLst>
+          </p:cNvPr>
+          <p:cNvSpPr>
+            <a:spLocks noGrp="1"/>
+          </p:cNvSpPr>
+          <p:nvPr>
+            <p:ph type="subTitle" idx="1"/>
           </p:nvPr>
         </p:nvSpPr>
         <p:spPr>
           <a:xfrm>
-            <a:off x="1524000" y="2358887"/>
-            <a:ext cx="9144000" cy="1151076"/>
-          </a:xfrm>
-        </p:spPr>
-        <p:txBody>
-          <a:bodyPr>
-            <a:normAutofit fontScale="90000"/>
-          </a:bodyPr>
-          <a:lstStyle/>
-          <a:p>
-            <a:r>
-              <a:rPr kumimoji="1" lang="en-US" altLang="ja-JP" dirty="0"/>
-              <a:t>FLIFRE</a:t>
-            </a:r>
-            <a:br>
-              <a:rPr kumimoji="1" lang="en-US" altLang="ja-JP" dirty="0"/>
-            </a:br>
-            <a:r>
-              <a:rPr kumimoji="1" lang="en-US" altLang="ja-JP" sz="5300" dirty="0"/>
-              <a:t>Netflix Freak</a:t>
-            </a:r>
-            <a:endParaRPr kumimoji="1" lang="ja-JP" altLang="en-US" dirty="0"/>
-          </a:p>
-        </p:txBody>
-      </p:sp>
-      <p:sp>
-        <p:nvSpPr>
-          <p:cNvPr id="3" name="字幕 2">
-            <a:extLst>
-              <a:ext uri="{FF2B5EF4-FFF2-40B4-BE49-F238E27FC236}">
-                <a16:creationId xmlns:a16="http://schemas.microsoft.com/office/drawing/2014/main" id="{EB52F197-1E75-4B39-DD36-E8E79938C2C5}"/>
-              </a:ext>
-            </a:extLst>
-          </p:cNvPr>
-          <p:cNvSpPr>
-            <a:spLocks noGrp="1"/>
-          </p:cNvSpPr>
-          <p:nvPr>
-            <p:ph type="subTitle" idx="1"/>
-          </p:nvPr>
-        </p:nvSpPr>
-        <p:spPr>
-          <a:xfrm>
-            <a:off x="1524000" y="3747810"/>
+            <a:off x="1524000" y="4496145"/>
             <a:ext cx="9144000" cy="1314519"/>
           </a:xfrm>
         </p:spPr>
@@ -3718,6 +3680,42 @@
           </a:p>
         </p:txBody>
       </p:sp>
+      <p:pic>
+        <p:nvPicPr>
+          <p:cNvPr id="5" name="図 4" descr="ロゴ&#10;&#10;自動的に生成された説明">
+            <a:extLst>
+              <a:ext uri="{FF2B5EF4-FFF2-40B4-BE49-F238E27FC236}">
+                <a16:creationId xmlns:a16="http://schemas.microsoft.com/office/drawing/2014/main" id="{B92A28D1-743A-B8B4-8805-15B29BB454F2}"/>
+              </a:ext>
+            </a:extLst>
+          </p:cNvPr>
+          <p:cNvPicPr>
+            <a:picLocks noChangeAspect="1"/>
+          </p:cNvPicPr>
+          <p:nvPr/>
+        </p:nvPicPr>
+        <p:blipFill>
+          <a:blip r:embed="rId2">
+            <a:extLst>
+              <a:ext uri="{28A0092B-C50C-407E-A947-70E740481C1C}">
+                <a14:useLocalDpi xmlns:a14="http://schemas.microsoft.com/office/drawing/2010/main" val="0"/>
+              </a:ext>
+            </a:extLst>
+          </a:blip>
+          <a:stretch>
+            <a:fillRect/>
+          </a:stretch>
+        </p:blipFill>
+        <p:spPr>
+          <a:xfrm>
+            <a:off x="3339497" y="931221"/>
+            <a:ext cx="5513006" cy="3227406"/>
+          </a:xfrm>
+          <a:prstGeom prst="rect">
+            <a:avLst/>
+          </a:prstGeom>
+        </p:spPr>
+      </p:pic>
     </p:spTree>
     <p:extLst>
       <p:ext uri="{BB962C8B-B14F-4D97-AF65-F5344CB8AC3E}">
@@ -3753,6 +3751,338 @@
           <p:cNvPr id="2" name="タイトル 1">
             <a:extLst>
               <a:ext uri="{FF2B5EF4-FFF2-40B4-BE49-F238E27FC236}">
+                <a16:creationId xmlns:a16="http://schemas.microsoft.com/office/drawing/2014/main" id="{E05A2A36-4ADC-26AD-02CC-38D1664B27D7}"/>
+              </a:ext>
+            </a:extLst>
+          </p:cNvPr>
+          <p:cNvSpPr>
+            <a:spLocks noGrp="1"/>
+          </p:cNvSpPr>
+          <p:nvPr>
+            <p:ph type="title"/>
+          </p:nvPr>
+        </p:nvSpPr>
+        <p:spPr/>
+        <p:txBody>
+          <a:bodyPr/>
+          <a:lstStyle/>
+          <a:p>
+            <a:r>
+              <a:rPr kumimoji="1" lang="ja-JP" altLang="en-US" dirty="0"/>
+              <a:t>個人成長：伊藤</a:t>
+            </a:r>
+          </a:p>
+        </p:txBody>
+      </p:sp>
+      <p:sp>
+        <p:nvSpPr>
+          <p:cNvPr id="3" name="コンテンツ プレースホルダー 2">
+            <a:extLst>
+              <a:ext uri="{FF2B5EF4-FFF2-40B4-BE49-F238E27FC236}">
+                <a16:creationId xmlns:a16="http://schemas.microsoft.com/office/drawing/2014/main" id="{937B6F24-6D7E-BC20-D021-80FE71CC78AD}"/>
+              </a:ext>
+            </a:extLst>
+          </p:cNvPr>
+          <p:cNvSpPr>
+            <a:spLocks noGrp="1"/>
+          </p:cNvSpPr>
+          <p:nvPr>
+            <p:ph idx="1"/>
+          </p:nvPr>
+        </p:nvSpPr>
+        <p:spPr/>
+        <p:txBody>
+          <a:bodyPr/>
+          <a:lstStyle/>
+          <a:p>
+            <a:endParaRPr kumimoji="1" lang="ja-JP" altLang="en-US"/>
+          </a:p>
+        </p:txBody>
+      </p:sp>
+    </p:spTree>
+    <p:extLst>
+      <p:ext uri="{BB962C8B-B14F-4D97-AF65-F5344CB8AC3E}">
+        <p14:creationId xmlns:p14="http://schemas.microsoft.com/office/powerpoint/2010/main" val="3396783837"/>
+      </p:ext>
+    </p:extLst>
+  </p:cSld>
+  <p:clrMapOvr>
+    <a:masterClrMapping/>
+  </p:clrMapOvr>
+</p:sld>
+</file>
+
+<file path=ppt/slides/slide11.xml><?xml version="1.0" encoding="utf-8"?>
+<p:sld xmlns:a="http://schemas.openxmlformats.org/drawingml/2006/main" xmlns:r="http://schemas.openxmlformats.org/officeDocument/2006/relationships" xmlns:p="http://schemas.openxmlformats.org/presentationml/2006/main">
+  <p:cSld>
+    <p:spTree>
+      <p:nvGrpSpPr>
+        <p:cNvPr id="1" name=""/>
+        <p:cNvGrpSpPr/>
+        <p:nvPr/>
+      </p:nvGrpSpPr>
+      <p:grpSpPr>
+        <a:xfrm>
+          <a:off x="0" y="0"/>
+          <a:ext cx="0" cy="0"/>
+          <a:chOff x="0" y="0"/>
+          <a:chExt cx="0" cy="0"/>
+        </a:xfrm>
+      </p:grpSpPr>
+      <p:sp>
+        <p:nvSpPr>
+          <p:cNvPr id="2" name="タイトル 1">
+            <a:extLst>
+              <a:ext uri="{FF2B5EF4-FFF2-40B4-BE49-F238E27FC236}">
+                <a16:creationId xmlns:a16="http://schemas.microsoft.com/office/drawing/2014/main" id="{A155AD28-3590-A967-BD95-4908AD33C565}"/>
+              </a:ext>
+            </a:extLst>
+          </p:cNvPr>
+          <p:cNvSpPr>
+            <a:spLocks noGrp="1"/>
+          </p:cNvSpPr>
+          <p:nvPr>
+            <p:ph type="title"/>
+          </p:nvPr>
+        </p:nvSpPr>
+        <p:spPr/>
+        <p:txBody>
+          <a:bodyPr/>
+          <a:lstStyle/>
+          <a:p>
+            <a:r>
+              <a:rPr kumimoji="1" lang="ja-JP" altLang="en-US" dirty="0"/>
+              <a:t>個人成長：石田</a:t>
+            </a:r>
+          </a:p>
+        </p:txBody>
+      </p:sp>
+      <p:sp>
+        <p:nvSpPr>
+          <p:cNvPr id="3" name="コンテンツ プレースホルダー 2">
+            <a:extLst>
+              <a:ext uri="{FF2B5EF4-FFF2-40B4-BE49-F238E27FC236}">
+                <a16:creationId xmlns:a16="http://schemas.microsoft.com/office/drawing/2014/main" id="{A8CB6F8D-C515-85D1-0362-92A7DDE473F8}"/>
+              </a:ext>
+            </a:extLst>
+          </p:cNvPr>
+          <p:cNvSpPr>
+            <a:spLocks noGrp="1"/>
+          </p:cNvSpPr>
+          <p:nvPr>
+            <p:ph idx="1"/>
+          </p:nvPr>
+        </p:nvSpPr>
+        <p:spPr/>
+        <p:txBody>
+          <a:bodyPr/>
+          <a:lstStyle/>
+          <a:p>
+            <a:endParaRPr kumimoji="1" lang="ja-JP" altLang="en-US"/>
+          </a:p>
+        </p:txBody>
+      </p:sp>
+    </p:spTree>
+    <p:extLst>
+      <p:ext uri="{BB962C8B-B14F-4D97-AF65-F5344CB8AC3E}">
+        <p14:creationId xmlns:p14="http://schemas.microsoft.com/office/powerpoint/2010/main" val="4049935424"/>
+      </p:ext>
+    </p:extLst>
+  </p:cSld>
+  <p:clrMapOvr>
+    <a:masterClrMapping/>
+  </p:clrMapOvr>
+</p:sld>
+</file>
+
+<file path=ppt/slides/slide12.xml><?xml version="1.0" encoding="utf-8"?>
+<p:sld xmlns:a="http://schemas.openxmlformats.org/drawingml/2006/main" xmlns:r="http://schemas.openxmlformats.org/officeDocument/2006/relationships" xmlns:p="http://schemas.openxmlformats.org/presentationml/2006/main">
+  <p:cSld>
+    <p:spTree>
+      <p:nvGrpSpPr>
+        <p:cNvPr id="1" name=""/>
+        <p:cNvGrpSpPr/>
+        <p:nvPr/>
+      </p:nvGrpSpPr>
+      <p:grpSpPr>
+        <a:xfrm>
+          <a:off x="0" y="0"/>
+          <a:ext cx="0" cy="0"/>
+          <a:chOff x="0" y="0"/>
+          <a:chExt cx="0" cy="0"/>
+        </a:xfrm>
+      </p:grpSpPr>
+      <p:sp>
+        <p:nvSpPr>
+          <p:cNvPr id="2" name="タイトル 1">
+            <a:extLst>
+              <a:ext uri="{FF2B5EF4-FFF2-40B4-BE49-F238E27FC236}">
+                <a16:creationId xmlns:a16="http://schemas.microsoft.com/office/drawing/2014/main" id="{6A5614FF-780D-088C-3161-49C0AC587D66}"/>
+              </a:ext>
+            </a:extLst>
+          </p:cNvPr>
+          <p:cNvSpPr>
+            <a:spLocks noGrp="1"/>
+          </p:cNvSpPr>
+          <p:nvPr>
+            <p:ph type="title"/>
+          </p:nvPr>
+        </p:nvSpPr>
+        <p:spPr/>
+        <p:txBody>
+          <a:bodyPr/>
+          <a:lstStyle/>
+          <a:p>
+            <a:r>
+              <a:rPr kumimoji="1" lang="ja-JP" altLang="en-US" dirty="0"/>
+              <a:t>個人成長：菊地</a:t>
+            </a:r>
+          </a:p>
+        </p:txBody>
+      </p:sp>
+      <p:sp>
+        <p:nvSpPr>
+          <p:cNvPr id="3" name="コンテンツ プレースホルダー 2">
+            <a:extLst>
+              <a:ext uri="{FF2B5EF4-FFF2-40B4-BE49-F238E27FC236}">
+                <a16:creationId xmlns:a16="http://schemas.microsoft.com/office/drawing/2014/main" id="{EA0F3B9F-13C9-9EFB-5A4B-48A232C2AECB}"/>
+              </a:ext>
+            </a:extLst>
+          </p:cNvPr>
+          <p:cNvSpPr>
+            <a:spLocks noGrp="1"/>
+          </p:cNvSpPr>
+          <p:nvPr>
+            <p:ph idx="1"/>
+          </p:nvPr>
+        </p:nvSpPr>
+        <p:spPr/>
+        <p:txBody>
+          <a:bodyPr/>
+          <a:lstStyle/>
+          <a:p>
+            <a:endParaRPr kumimoji="1" lang="ja-JP" altLang="en-US"/>
+          </a:p>
+        </p:txBody>
+      </p:sp>
+    </p:spTree>
+    <p:extLst>
+      <p:ext uri="{BB962C8B-B14F-4D97-AF65-F5344CB8AC3E}">
+        <p14:creationId xmlns:p14="http://schemas.microsoft.com/office/powerpoint/2010/main" val="2926862431"/>
+      </p:ext>
+    </p:extLst>
+  </p:cSld>
+  <p:clrMapOvr>
+    <a:masterClrMapping/>
+  </p:clrMapOvr>
+</p:sld>
+</file>
+
+<file path=ppt/slides/slide13.xml><?xml version="1.0" encoding="utf-8"?>
+<p:sld xmlns:a="http://schemas.openxmlformats.org/drawingml/2006/main" xmlns:r="http://schemas.openxmlformats.org/officeDocument/2006/relationships" xmlns:p="http://schemas.openxmlformats.org/presentationml/2006/main">
+  <p:cSld>
+    <p:spTree>
+      <p:nvGrpSpPr>
+        <p:cNvPr id="1" name=""/>
+        <p:cNvGrpSpPr/>
+        <p:nvPr/>
+      </p:nvGrpSpPr>
+      <p:grpSpPr>
+        <a:xfrm>
+          <a:off x="0" y="0"/>
+          <a:ext cx="0" cy="0"/>
+          <a:chOff x="0" y="0"/>
+          <a:chExt cx="0" cy="0"/>
+        </a:xfrm>
+      </p:grpSpPr>
+      <p:sp>
+        <p:nvSpPr>
+          <p:cNvPr id="2" name="タイトル 1">
+            <a:extLst>
+              <a:ext uri="{FF2B5EF4-FFF2-40B4-BE49-F238E27FC236}">
+                <a16:creationId xmlns:a16="http://schemas.microsoft.com/office/drawing/2014/main" id="{863C13F7-6F70-0265-46B9-8B304315B195}"/>
+              </a:ext>
+            </a:extLst>
+          </p:cNvPr>
+          <p:cNvSpPr>
+            <a:spLocks noGrp="1"/>
+          </p:cNvSpPr>
+          <p:nvPr>
+            <p:ph type="title"/>
+          </p:nvPr>
+        </p:nvSpPr>
+        <p:spPr/>
+        <p:txBody>
+          <a:bodyPr/>
+          <a:lstStyle/>
+          <a:p>
+            <a:r>
+              <a:rPr kumimoji="1" lang="ja-JP" altLang="en-US" dirty="0"/>
+              <a:t>個人成長：高山</a:t>
+            </a:r>
+          </a:p>
+        </p:txBody>
+      </p:sp>
+      <p:sp>
+        <p:nvSpPr>
+          <p:cNvPr id="3" name="コンテンツ プレースホルダー 2">
+            <a:extLst>
+              <a:ext uri="{FF2B5EF4-FFF2-40B4-BE49-F238E27FC236}">
+                <a16:creationId xmlns:a16="http://schemas.microsoft.com/office/drawing/2014/main" id="{418F4827-B523-FA5B-4F69-94E5962243DD}"/>
+              </a:ext>
+            </a:extLst>
+          </p:cNvPr>
+          <p:cNvSpPr>
+            <a:spLocks noGrp="1"/>
+          </p:cNvSpPr>
+          <p:nvPr>
+            <p:ph idx="1"/>
+          </p:nvPr>
+        </p:nvSpPr>
+        <p:spPr/>
+        <p:txBody>
+          <a:bodyPr/>
+          <a:lstStyle/>
+          <a:p>
+            <a:endParaRPr kumimoji="1" lang="ja-JP" altLang="en-US"/>
+          </a:p>
+        </p:txBody>
+      </p:sp>
+    </p:spTree>
+    <p:extLst>
+      <p:ext uri="{BB962C8B-B14F-4D97-AF65-F5344CB8AC3E}">
+        <p14:creationId xmlns:p14="http://schemas.microsoft.com/office/powerpoint/2010/main" val="588876093"/>
+      </p:ext>
+    </p:extLst>
+  </p:cSld>
+  <p:clrMapOvr>
+    <a:masterClrMapping/>
+  </p:clrMapOvr>
+</p:sld>
+</file>
+
+<file path=ppt/slides/slide14.xml><?xml version="1.0" encoding="utf-8"?>
+<p:sld xmlns:a="http://schemas.openxmlformats.org/drawingml/2006/main" xmlns:r="http://schemas.openxmlformats.org/officeDocument/2006/relationships" xmlns:p="http://schemas.openxmlformats.org/presentationml/2006/main">
+  <p:cSld>
+    <p:spTree>
+      <p:nvGrpSpPr>
+        <p:cNvPr id="1" name=""/>
+        <p:cNvGrpSpPr/>
+        <p:nvPr/>
+      </p:nvGrpSpPr>
+      <p:grpSpPr>
+        <a:xfrm>
+          <a:off x="0" y="0"/>
+          <a:ext cx="0" cy="0"/>
+          <a:chOff x="0" y="0"/>
+          <a:chExt cx="0" cy="0"/>
+        </a:xfrm>
+      </p:grpSpPr>
+      <p:sp>
+        <p:nvSpPr>
+          <p:cNvPr id="2" name="タイトル 1">
+            <a:extLst>
+              <a:ext uri="{FF2B5EF4-FFF2-40B4-BE49-F238E27FC236}">
                 <a16:creationId xmlns:a16="http://schemas.microsoft.com/office/drawing/2014/main" id="{23453D38-AFCD-D094-F943-96F0DF4032FD}"/>
               </a:ext>
             </a:extLst>
@@ -3805,6 +4135,67 @@
     <p:extLst>
       <p:ext uri="{BB962C8B-B14F-4D97-AF65-F5344CB8AC3E}">
         <p14:creationId xmlns:p14="http://schemas.microsoft.com/office/powerpoint/2010/main" val="133445490"/>
+      </p:ext>
+    </p:extLst>
+  </p:cSld>
+  <p:clrMapOvr>
+    <a:masterClrMapping/>
+  </p:clrMapOvr>
+</p:sld>
+</file>
+
+<file path=ppt/slides/slide15.xml><?xml version="1.0" encoding="utf-8"?>
+<p:sld xmlns:a="http://schemas.openxmlformats.org/drawingml/2006/main" xmlns:r="http://schemas.openxmlformats.org/officeDocument/2006/relationships" xmlns:p="http://schemas.openxmlformats.org/presentationml/2006/main">
+  <p:cSld>
+    <p:spTree>
+      <p:nvGrpSpPr>
+        <p:cNvPr id="1" name=""/>
+        <p:cNvGrpSpPr/>
+        <p:nvPr/>
+      </p:nvGrpSpPr>
+      <p:grpSpPr>
+        <a:xfrm>
+          <a:off x="0" y="0"/>
+          <a:ext cx="0" cy="0"/>
+          <a:chOff x="0" y="0"/>
+          <a:chExt cx="0" cy="0"/>
+        </a:xfrm>
+      </p:grpSpPr>
+      <p:sp>
+        <p:nvSpPr>
+          <p:cNvPr id="3" name="コンテンツ プレースホルダー 2">
+            <a:extLst>
+              <a:ext uri="{FF2B5EF4-FFF2-40B4-BE49-F238E27FC236}">
+                <a16:creationId xmlns:a16="http://schemas.microsoft.com/office/drawing/2014/main" id="{691FC2D8-959C-3D1B-D1CD-BA987EF21143}"/>
+              </a:ext>
+            </a:extLst>
+          </p:cNvPr>
+          <p:cNvSpPr>
+            <a:spLocks noGrp="1"/>
+          </p:cNvSpPr>
+          <p:nvPr>
+            <p:ph idx="1"/>
+          </p:nvPr>
+        </p:nvSpPr>
+        <p:spPr/>
+        <p:txBody>
+          <a:bodyPr/>
+          <a:lstStyle/>
+          <a:p>
+            <a:pPr marL="0" indent="0">
+              <a:buNone/>
+            </a:pPr>
+            <a:r>
+              <a:rPr kumimoji="1" lang="ja-JP" altLang="en-US" dirty="0"/>
+              <a:t>ご清聴ありがとうございました的なスライド</a:t>
+            </a:r>
+          </a:p>
+        </p:txBody>
+      </p:sp>
+    </p:spTree>
+    <p:extLst>
+      <p:ext uri="{BB962C8B-B14F-4D97-AF65-F5344CB8AC3E}">
+        <p14:creationId xmlns:p14="http://schemas.microsoft.com/office/powerpoint/2010/main" val="2174267819"/>
       </p:ext>
     </p:extLst>
   </p:cSld>
@@ -3884,7 +4275,10 @@
           <a:bodyPr/>
           <a:lstStyle/>
           <a:p>
-            <a:endParaRPr kumimoji="1" lang="ja-JP" altLang="en-US"/>
+            <a:r>
+              <a:rPr kumimoji="1" lang="ja-JP" altLang="en-US" dirty="0"/>
+              <a:t>コンセプトなど</a:t>
+            </a:r>
           </a:p>
         </p:txBody>
       </p:sp>
@@ -3940,12 +4334,8 @@
           <a:lstStyle/>
           <a:p>
             <a:r>
-              <a:rPr kumimoji="1" lang="ja-JP" altLang="en-US" dirty="0"/>
-              <a:t>機能説明</a:t>
-            </a:r>
-            <a:r>
               <a:rPr lang="ja-JP" altLang="en-US" dirty="0"/>
-              <a:t>：アカウント</a:t>
+              <a:t>機能説明：ログイン</a:t>
             </a:r>
             <a:endParaRPr kumimoji="1" lang="ja-JP" altLang="en-US" dirty="0"/>
           </a:p>
@@ -4028,12 +4418,8 @@
           <a:lstStyle/>
           <a:p>
             <a:r>
-              <a:rPr kumimoji="1" lang="ja-JP" altLang="en-US" dirty="0"/>
-              <a:t>機能説明</a:t>
-            </a:r>
-            <a:r>
               <a:rPr lang="ja-JP" altLang="en-US" dirty="0"/>
-              <a:t>：投稿</a:t>
+              <a:t>トップページ</a:t>
             </a:r>
             <a:endParaRPr kumimoji="1" lang="ja-JP" altLang="en-US" dirty="0"/>
           </a:p>
@@ -4067,7 +4453,7 @@
     </p:spTree>
     <p:extLst>
       <p:ext uri="{BB962C8B-B14F-4D97-AF65-F5344CB8AC3E}">
-        <p14:creationId xmlns:p14="http://schemas.microsoft.com/office/powerpoint/2010/main" val="4282601556"/>
+        <p14:creationId xmlns:p14="http://schemas.microsoft.com/office/powerpoint/2010/main" val="2935886918"/>
       </p:ext>
     </p:extLst>
   </p:cSld>
@@ -4099,7 +4485,7 @@
           <p:cNvPr id="2" name="タイトル 1">
             <a:extLst>
               <a:ext uri="{FF2B5EF4-FFF2-40B4-BE49-F238E27FC236}">
-                <a16:creationId xmlns:a16="http://schemas.microsoft.com/office/drawing/2014/main" id="{0A9CBAF4-77F7-7A38-92D1-ABEA036B4FA9}"/>
+                <a16:creationId xmlns:a16="http://schemas.microsoft.com/office/drawing/2014/main" id="{567BCC82-8CB1-3055-6FCE-39E6F1E069C2}"/>
               </a:ext>
             </a:extLst>
           </p:cNvPr>
@@ -4116,9 +4502,18 @@
           <a:lstStyle/>
           <a:p>
             <a:r>
-              <a:rPr kumimoji="1" lang="ja-JP" altLang="en-US" dirty="0"/>
-              <a:t>個人成長：遠藤</a:t>
-            </a:r>
+              <a:rPr lang="ja-JP" altLang="en-US" dirty="0"/>
+              <a:t>マイページ</a:t>
+            </a:r>
+            <a:r>
+              <a:rPr lang="en-US" altLang="ja-JP" dirty="0"/>
+              <a:t>/</a:t>
+            </a:r>
+            <a:r>
+              <a:rPr lang="ja-JP" altLang="en-US" dirty="0"/>
+              <a:t>ユーザーページ</a:t>
+            </a:r>
+            <a:endParaRPr kumimoji="1" lang="ja-JP" altLang="en-US" dirty="0"/>
           </a:p>
         </p:txBody>
       </p:sp>
@@ -4127,7 +4522,7 @@
           <p:cNvPr id="3" name="コンテンツ プレースホルダー 2">
             <a:extLst>
               <a:ext uri="{FF2B5EF4-FFF2-40B4-BE49-F238E27FC236}">
-                <a16:creationId xmlns:a16="http://schemas.microsoft.com/office/drawing/2014/main" id="{590BE91B-FB3C-BD4D-141A-15673B7FE364}"/>
+                <a16:creationId xmlns:a16="http://schemas.microsoft.com/office/drawing/2014/main" id="{A4E6E213-AEA2-33B5-BFFB-4B2752698193}"/>
               </a:ext>
             </a:extLst>
           </p:cNvPr>
@@ -4150,7 +4545,7 @@
     </p:spTree>
     <p:extLst>
       <p:ext uri="{BB962C8B-B14F-4D97-AF65-F5344CB8AC3E}">
-        <p14:creationId xmlns:p14="http://schemas.microsoft.com/office/powerpoint/2010/main" val="3207308"/>
+        <p14:creationId xmlns:p14="http://schemas.microsoft.com/office/powerpoint/2010/main" val="1909610053"/>
       </p:ext>
     </p:extLst>
   </p:cSld>
@@ -4182,7 +4577,7 @@
           <p:cNvPr id="2" name="タイトル 1">
             <a:extLst>
               <a:ext uri="{FF2B5EF4-FFF2-40B4-BE49-F238E27FC236}">
-                <a16:creationId xmlns:a16="http://schemas.microsoft.com/office/drawing/2014/main" id="{E05A2A36-4ADC-26AD-02CC-38D1664B27D7}"/>
+                <a16:creationId xmlns:a16="http://schemas.microsoft.com/office/drawing/2014/main" id="{567BCC82-8CB1-3055-6FCE-39E6F1E069C2}"/>
               </a:ext>
             </a:extLst>
           </p:cNvPr>
@@ -4200,7 +4595,7 @@
           <a:p>
             <a:r>
               <a:rPr kumimoji="1" lang="ja-JP" altLang="en-US" dirty="0"/>
-              <a:t>個人成長：伊藤</a:t>
+              <a:t>投稿数ランキング</a:t>
             </a:r>
           </a:p>
         </p:txBody>
@@ -4210,7 +4605,7 @@
           <p:cNvPr id="3" name="コンテンツ プレースホルダー 2">
             <a:extLst>
               <a:ext uri="{FF2B5EF4-FFF2-40B4-BE49-F238E27FC236}">
-                <a16:creationId xmlns:a16="http://schemas.microsoft.com/office/drawing/2014/main" id="{937B6F24-6D7E-BC20-D021-80FE71CC78AD}"/>
+                <a16:creationId xmlns:a16="http://schemas.microsoft.com/office/drawing/2014/main" id="{A4E6E213-AEA2-33B5-BFFB-4B2752698193}"/>
               </a:ext>
             </a:extLst>
           </p:cNvPr>
@@ -4233,7 +4628,7 @@
     </p:spTree>
     <p:extLst>
       <p:ext uri="{BB962C8B-B14F-4D97-AF65-F5344CB8AC3E}">
-        <p14:creationId xmlns:p14="http://schemas.microsoft.com/office/powerpoint/2010/main" val="3396783837"/>
+        <p14:creationId xmlns:p14="http://schemas.microsoft.com/office/powerpoint/2010/main" val="717383438"/>
       </p:ext>
     </p:extLst>
   </p:cSld>
@@ -4265,7 +4660,7 @@
           <p:cNvPr id="2" name="タイトル 1">
             <a:extLst>
               <a:ext uri="{FF2B5EF4-FFF2-40B4-BE49-F238E27FC236}">
-                <a16:creationId xmlns:a16="http://schemas.microsoft.com/office/drawing/2014/main" id="{A155AD28-3590-A967-BD95-4908AD33C565}"/>
+                <a16:creationId xmlns:a16="http://schemas.microsoft.com/office/drawing/2014/main" id="{567BCC82-8CB1-3055-6FCE-39E6F1E069C2}"/>
               </a:ext>
             </a:extLst>
           </p:cNvPr>
@@ -4282,9 +4677,18 @@
           <a:lstStyle/>
           <a:p>
             <a:r>
-              <a:rPr kumimoji="1" lang="ja-JP" altLang="en-US" dirty="0"/>
-              <a:t>個人成長：石田</a:t>
-            </a:r>
+              <a:rPr lang="ja-JP" altLang="en-US" dirty="0"/>
+              <a:t>検索結果</a:t>
+            </a:r>
+            <a:r>
+              <a:rPr lang="en-US" altLang="ja-JP" dirty="0"/>
+              <a:t>/</a:t>
+            </a:r>
+            <a:r>
+              <a:rPr lang="ja-JP" altLang="en-US" dirty="0"/>
+              <a:t>ルーレット</a:t>
+            </a:r>
+            <a:endParaRPr kumimoji="1" lang="ja-JP" altLang="en-US" dirty="0"/>
           </a:p>
         </p:txBody>
       </p:sp>
@@ -4293,7 +4697,7 @@
           <p:cNvPr id="3" name="コンテンツ プレースホルダー 2">
             <a:extLst>
               <a:ext uri="{FF2B5EF4-FFF2-40B4-BE49-F238E27FC236}">
-                <a16:creationId xmlns:a16="http://schemas.microsoft.com/office/drawing/2014/main" id="{A8CB6F8D-C515-85D1-0362-92A7DDE473F8}"/>
+                <a16:creationId xmlns:a16="http://schemas.microsoft.com/office/drawing/2014/main" id="{A4E6E213-AEA2-33B5-BFFB-4B2752698193}"/>
               </a:ext>
             </a:extLst>
           </p:cNvPr>
@@ -4316,7 +4720,7 @@
     </p:spTree>
     <p:extLst>
       <p:ext uri="{BB962C8B-B14F-4D97-AF65-F5344CB8AC3E}">
-        <p14:creationId xmlns:p14="http://schemas.microsoft.com/office/powerpoint/2010/main" val="4049935424"/>
+        <p14:creationId xmlns:p14="http://schemas.microsoft.com/office/powerpoint/2010/main" val="4282601556"/>
       </p:ext>
     </p:extLst>
   </p:cSld>
@@ -4348,7 +4752,7 @@
           <p:cNvPr id="2" name="タイトル 1">
             <a:extLst>
               <a:ext uri="{FF2B5EF4-FFF2-40B4-BE49-F238E27FC236}">
-                <a16:creationId xmlns:a16="http://schemas.microsoft.com/office/drawing/2014/main" id="{6A5614FF-780D-088C-3161-49C0AC587D66}"/>
+                <a16:creationId xmlns:a16="http://schemas.microsoft.com/office/drawing/2014/main" id="{567BCC82-8CB1-3055-6FCE-39E6F1E069C2}"/>
               </a:ext>
             </a:extLst>
           </p:cNvPr>
@@ -4366,8 +4770,13 @@
           <a:p>
             <a:r>
               <a:rPr kumimoji="1" lang="ja-JP" altLang="en-US" dirty="0"/>
-              <a:t>個人成長：菊地</a:t>
-            </a:r>
+              <a:t>機能説明</a:t>
+            </a:r>
+            <a:r>
+              <a:rPr lang="ja-JP" altLang="en-US" dirty="0"/>
+              <a:t>：投稿</a:t>
+            </a:r>
+            <a:endParaRPr kumimoji="1" lang="ja-JP" altLang="en-US" dirty="0"/>
           </a:p>
         </p:txBody>
       </p:sp>
@@ -4376,7 +4785,7 @@
           <p:cNvPr id="3" name="コンテンツ プレースホルダー 2">
             <a:extLst>
               <a:ext uri="{FF2B5EF4-FFF2-40B4-BE49-F238E27FC236}">
-                <a16:creationId xmlns:a16="http://schemas.microsoft.com/office/drawing/2014/main" id="{EA0F3B9F-13C9-9EFB-5A4B-48A232C2AECB}"/>
+                <a16:creationId xmlns:a16="http://schemas.microsoft.com/office/drawing/2014/main" id="{A4E6E213-AEA2-33B5-BFFB-4B2752698193}"/>
               </a:ext>
             </a:extLst>
           </p:cNvPr>
@@ -4399,7 +4808,7 @@
     </p:spTree>
     <p:extLst>
       <p:ext uri="{BB962C8B-B14F-4D97-AF65-F5344CB8AC3E}">
-        <p14:creationId xmlns:p14="http://schemas.microsoft.com/office/powerpoint/2010/main" val="2926862431"/>
+        <p14:creationId xmlns:p14="http://schemas.microsoft.com/office/powerpoint/2010/main" val="869612550"/>
       </p:ext>
     </p:extLst>
   </p:cSld>
@@ -4431,7 +4840,7 @@
           <p:cNvPr id="2" name="タイトル 1">
             <a:extLst>
               <a:ext uri="{FF2B5EF4-FFF2-40B4-BE49-F238E27FC236}">
-                <a16:creationId xmlns:a16="http://schemas.microsoft.com/office/drawing/2014/main" id="{863C13F7-6F70-0265-46B9-8B304315B195}"/>
+                <a16:creationId xmlns:a16="http://schemas.microsoft.com/office/drawing/2014/main" id="{0A9CBAF4-77F7-7A38-92D1-ABEA036B4FA9}"/>
               </a:ext>
             </a:extLst>
           </p:cNvPr>
@@ -4449,7 +4858,7 @@
           <a:p>
             <a:r>
               <a:rPr kumimoji="1" lang="ja-JP" altLang="en-US" dirty="0"/>
-              <a:t>個人成長：高山</a:t>
+              <a:t>個人成長：遠藤</a:t>
             </a:r>
           </a:p>
         </p:txBody>
@@ -4459,7 +4868,7 @@
           <p:cNvPr id="3" name="コンテンツ プレースホルダー 2">
             <a:extLst>
               <a:ext uri="{FF2B5EF4-FFF2-40B4-BE49-F238E27FC236}">
-                <a16:creationId xmlns:a16="http://schemas.microsoft.com/office/drawing/2014/main" id="{418F4827-B523-FA5B-4F69-94E5962243DD}"/>
+                <a16:creationId xmlns:a16="http://schemas.microsoft.com/office/drawing/2014/main" id="{590BE91B-FB3C-BD4D-141A-15673B7FE364}"/>
               </a:ext>
             </a:extLst>
           </p:cNvPr>
@@ -4482,7 +4891,7 @@
     </p:spTree>
     <p:extLst>
       <p:ext uri="{BB962C8B-B14F-4D97-AF65-F5344CB8AC3E}">
-        <p14:creationId xmlns:p14="http://schemas.microsoft.com/office/powerpoint/2010/main" val="588876093"/>
+        <p14:creationId xmlns:p14="http://schemas.microsoft.com/office/powerpoint/2010/main" val="3207308"/>
       </p:ext>
     </p:extLst>
   </p:cSld>

--- a/doc/B3炙りえんがわ_成果発表会資料.pptx
+++ b/doc/B3炙りえんがわ_成果発表会資料.pptx
@@ -2,24 +2,31 @@
 <file path=ppt/presentation.xml><?xml version="1.0" encoding="utf-8"?>
 <p:presentation xmlns:a="http://schemas.openxmlformats.org/drawingml/2006/main" xmlns:r="http://schemas.openxmlformats.org/officeDocument/2006/relationships" xmlns:p="http://schemas.openxmlformats.org/presentationml/2006/main" saveSubsetFonts="1">
   <p:sldMasterIdLst>
-    <p:sldMasterId id="2147483648" r:id="rId1"/>
+    <p:sldMasterId id="2147483660" r:id="rId1"/>
+    <p:sldMasterId id="2147483648" r:id="rId2"/>
   </p:sldMasterIdLst>
+  <p:notesMasterIdLst>
+    <p:notesMasterId r:id="rId21"/>
+  </p:notesMasterIdLst>
   <p:sldIdLst>
-    <p:sldId id="256" r:id="rId2"/>
-    <p:sldId id="259" r:id="rId3"/>
-    <p:sldId id="258" r:id="rId4"/>
-    <p:sldId id="268" r:id="rId5"/>
-    <p:sldId id="266" r:id="rId6"/>
-    <p:sldId id="269" r:id="rId7"/>
-    <p:sldId id="265" r:id="rId8"/>
-    <p:sldId id="267" r:id="rId9"/>
-    <p:sldId id="257" r:id="rId10"/>
-    <p:sldId id="260" r:id="rId11"/>
-    <p:sldId id="261" r:id="rId12"/>
-    <p:sldId id="262" r:id="rId13"/>
-    <p:sldId id="263" r:id="rId14"/>
-    <p:sldId id="264" r:id="rId15"/>
-    <p:sldId id="270" r:id="rId16"/>
+    <p:sldId id="256" r:id="rId3"/>
+    <p:sldId id="259" r:id="rId4"/>
+    <p:sldId id="274" r:id="rId5"/>
+    <p:sldId id="272" r:id="rId6"/>
+    <p:sldId id="258" r:id="rId7"/>
+    <p:sldId id="268" r:id="rId8"/>
+    <p:sldId id="266" r:id="rId9"/>
+    <p:sldId id="269" r:id="rId10"/>
+    <p:sldId id="265" r:id="rId11"/>
+    <p:sldId id="267" r:id="rId12"/>
+    <p:sldId id="271" r:id="rId13"/>
+    <p:sldId id="257" r:id="rId14"/>
+    <p:sldId id="260" r:id="rId15"/>
+    <p:sldId id="261" r:id="rId16"/>
+    <p:sldId id="262" r:id="rId17"/>
+    <p:sldId id="263" r:id="rId18"/>
+    <p:sldId id="264" r:id="rId19"/>
+    <p:sldId id="273" r:id="rId20"/>
   </p:sldIdLst>
   <p:sldSz cx="12192000" cy="6858000"/>
   <p:notesSz cx="6858000" cy="9144000"/>
@@ -126,6 +133,471 @@
 </p:presentation>
 </file>
 
+<file path=ppt/notesMasters/notesMaster1.xml><?xml version="1.0" encoding="utf-8"?>
+<p:notesMaster xmlns:a="http://schemas.openxmlformats.org/drawingml/2006/main" xmlns:r="http://schemas.openxmlformats.org/officeDocument/2006/relationships" xmlns:p="http://schemas.openxmlformats.org/presentationml/2006/main">
+  <p:cSld>
+    <p:bg>
+      <p:bgRef idx="1001">
+        <a:schemeClr val="bg1"/>
+      </p:bgRef>
+    </p:bg>
+    <p:spTree>
+      <p:nvGrpSpPr>
+        <p:cNvPr id="1" name=""/>
+        <p:cNvGrpSpPr/>
+        <p:nvPr/>
+      </p:nvGrpSpPr>
+      <p:grpSpPr>
+        <a:xfrm>
+          <a:off x="0" y="0"/>
+          <a:ext cx="0" cy="0"/>
+          <a:chOff x="0" y="0"/>
+          <a:chExt cx="0" cy="0"/>
+        </a:xfrm>
+      </p:grpSpPr>
+      <p:sp>
+        <p:nvSpPr>
+          <p:cNvPr id="2" name="ヘッダー プレースホルダー 1"/>
+          <p:cNvSpPr>
+            <a:spLocks noGrp="1"/>
+          </p:cNvSpPr>
+          <p:nvPr>
+            <p:ph type="hdr" sz="quarter"/>
+          </p:nvPr>
+        </p:nvSpPr>
+        <p:spPr>
+          <a:xfrm>
+            <a:off x="0" y="0"/>
+            <a:ext cx="2971800" cy="458788"/>
+          </a:xfrm>
+          <a:prstGeom prst="rect">
+            <a:avLst/>
+          </a:prstGeom>
+        </p:spPr>
+        <p:txBody>
+          <a:bodyPr vert="horz" lIns="91440" tIns="45720" rIns="91440" bIns="45720" rtlCol="0"/>
+          <a:lstStyle>
+            <a:lvl1pPr algn="l">
+              <a:defRPr sz="1200"/>
+            </a:lvl1pPr>
+          </a:lstStyle>
+          <a:p>
+            <a:endParaRPr kumimoji="1" lang="ja-JP" altLang="en-US"/>
+          </a:p>
+        </p:txBody>
+      </p:sp>
+      <p:sp>
+        <p:nvSpPr>
+          <p:cNvPr id="3" name="日付プレースホルダー 2"/>
+          <p:cNvSpPr>
+            <a:spLocks noGrp="1"/>
+          </p:cNvSpPr>
+          <p:nvPr>
+            <p:ph type="dt" idx="1"/>
+          </p:nvPr>
+        </p:nvSpPr>
+        <p:spPr>
+          <a:xfrm>
+            <a:off x="3884613" y="0"/>
+            <a:ext cx="2971800" cy="458788"/>
+          </a:xfrm>
+          <a:prstGeom prst="rect">
+            <a:avLst/>
+          </a:prstGeom>
+        </p:spPr>
+        <p:txBody>
+          <a:bodyPr vert="horz" lIns="91440" tIns="45720" rIns="91440" bIns="45720" rtlCol="0"/>
+          <a:lstStyle>
+            <a:lvl1pPr algn="r">
+              <a:defRPr sz="1200"/>
+            </a:lvl1pPr>
+          </a:lstStyle>
+          <a:p>
+            <a:fld id="{C4A7C9A1-BC21-41F0-B9F1-A440215DF1DB}" type="datetimeFigureOut">
+              <a:rPr kumimoji="1" lang="ja-JP" altLang="en-US" smtClean="0"/>
+              <a:t>2022/6/28</a:t>
+            </a:fld>
+            <a:endParaRPr kumimoji="1" lang="ja-JP" altLang="en-US"/>
+          </a:p>
+        </p:txBody>
+      </p:sp>
+      <p:sp>
+        <p:nvSpPr>
+          <p:cNvPr id="4" name="スライド イメージ プレースホルダー 3"/>
+          <p:cNvSpPr>
+            <a:spLocks noGrp="1" noRot="1" noChangeAspect="1"/>
+          </p:cNvSpPr>
+          <p:nvPr>
+            <p:ph type="sldImg" idx="2"/>
+          </p:nvPr>
+        </p:nvSpPr>
+        <p:spPr>
+          <a:xfrm>
+            <a:off x="685800" y="1143000"/>
+            <a:ext cx="5486400" cy="3086100"/>
+          </a:xfrm>
+          <a:prstGeom prst="rect">
+            <a:avLst/>
+          </a:prstGeom>
+          <a:noFill/>
+          <a:ln w="12700">
+            <a:solidFill>
+              <a:prstClr val="black"/>
+            </a:solidFill>
+          </a:ln>
+        </p:spPr>
+        <p:txBody>
+          <a:bodyPr vert="horz" lIns="91440" tIns="45720" rIns="91440" bIns="45720" rtlCol="0" anchor="ctr"/>
+          <a:lstStyle/>
+          <a:p>
+            <a:endParaRPr lang="ja-JP" altLang="en-US"/>
+          </a:p>
+        </p:txBody>
+      </p:sp>
+      <p:sp>
+        <p:nvSpPr>
+          <p:cNvPr id="5" name="ノート プレースホルダー 4"/>
+          <p:cNvSpPr>
+            <a:spLocks noGrp="1"/>
+          </p:cNvSpPr>
+          <p:nvPr>
+            <p:ph type="body" sz="quarter" idx="3"/>
+          </p:nvPr>
+        </p:nvSpPr>
+        <p:spPr>
+          <a:xfrm>
+            <a:off x="685800" y="4400550"/>
+            <a:ext cx="5486400" cy="3600450"/>
+          </a:xfrm>
+          <a:prstGeom prst="rect">
+            <a:avLst/>
+          </a:prstGeom>
+        </p:spPr>
+        <p:txBody>
+          <a:bodyPr vert="horz" lIns="91440" tIns="45720" rIns="91440" bIns="45720" rtlCol="0"/>
+          <a:lstStyle/>
+          <a:p>
+            <a:pPr lvl="0"/>
+            <a:r>
+              <a:rPr kumimoji="1" lang="ja-JP" altLang="en-US"/>
+              <a:t>マスター テキストの書式設定</a:t>
+            </a:r>
+          </a:p>
+          <a:p>
+            <a:pPr lvl="1"/>
+            <a:r>
+              <a:rPr kumimoji="1" lang="ja-JP" altLang="en-US"/>
+              <a:t>第 </a:t>
+            </a:r>
+            <a:r>
+              <a:rPr kumimoji="1" lang="en-US" altLang="ja-JP"/>
+              <a:t>2 </a:t>
+            </a:r>
+            <a:r>
+              <a:rPr kumimoji="1" lang="ja-JP" altLang="en-US"/>
+              <a:t>レベル</a:t>
+            </a:r>
+          </a:p>
+          <a:p>
+            <a:pPr lvl="2"/>
+            <a:r>
+              <a:rPr kumimoji="1" lang="ja-JP" altLang="en-US"/>
+              <a:t>第 </a:t>
+            </a:r>
+            <a:r>
+              <a:rPr kumimoji="1" lang="en-US" altLang="ja-JP"/>
+              <a:t>3 </a:t>
+            </a:r>
+            <a:r>
+              <a:rPr kumimoji="1" lang="ja-JP" altLang="en-US"/>
+              <a:t>レベル</a:t>
+            </a:r>
+          </a:p>
+          <a:p>
+            <a:pPr lvl="3"/>
+            <a:r>
+              <a:rPr kumimoji="1" lang="ja-JP" altLang="en-US"/>
+              <a:t>第 </a:t>
+            </a:r>
+            <a:r>
+              <a:rPr kumimoji="1" lang="en-US" altLang="ja-JP"/>
+              <a:t>4 </a:t>
+            </a:r>
+            <a:r>
+              <a:rPr kumimoji="1" lang="ja-JP" altLang="en-US"/>
+              <a:t>レベル</a:t>
+            </a:r>
+          </a:p>
+          <a:p>
+            <a:pPr lvl="4"/>
+            <a:r>
+              <a:rPr kumimoji="1" lang="ja-JP" altLang="en-US"/>
+              <a:t>第 </a:t>
+            </a:r>
+            <a:r>
+              <a:rPr kumimoji="1" lang="en-US" altLang="ja-JP"/>
+              <a:t>5 </a:t>
+            </a:r>
+            <a:r>
+              <a:rPr kumimoji="1" lang="ja-JP" altLang="en-US"/>
+              <a:t>レベル</a:t>
+            </a:r>
+          </a:p>
+        </p:txBody>
+      </p:sp>
+      <p:sp>
+        <p:nvSpPr>
+          <p:cNvPr id="6" name="フッター プレースホルダー 5"/>
+          <p:cNvSpPr>
+            <a:spLocks noGrp="1"/>
+          </p:cNvSpPr>
+          <p:nvPr>
+            <p:ph type="ftr" sz="quarter" idx="4"/>
+          </p:nvPr>
+        </p:nvSpPr>
+        <p:spPr>
+          <a:xfrm>
+            <a:off x="0" y="8685213"/>
+            <a:ext cx="2971800" cy="458787"/>
+          </a:xfrm>
+          <a:prstGeom prst="rect">
+            <a:avLst/>
+          </a:prstGeom>
+        </p:spPr>
+        <p:txBody>
+          <a:bodyPr vert="horz" lIns="91440" tIns="45720" rIns="91440" bIns="45720" rtlCol="0" anchor="b"/>
+          <a:lstStyle>
+            <a:lvl1pPr algn="l">
+              <a:defRPr sz="1200"/>
+            </a:lvl1pPr>
+          </a:lstStyle>
+          <a:p>
+            <a:endParaRPr kumimoji="1" lang="ja-JP" altLang="en-US"/>
+          </a:p>
+        </p:txBody>
+      </p:sp>
+      <p:sp>
+        <p:nvSpPr>
+          <p:cNvPr id="7" name="スライド番号プレースホルダー 6"/>
+          <p:cNvSpPr>
+            <a:spLocks noGrp="1"/>
+          </p:cNvSpPr>
+          <p:nvPr>
+            <p:ph type="sldNum" sz="quarter" idx="5"/>
+          </p:nvPr>
+        </p:nvSpPr>
+        <p:spPr>
+          <a:xfrm>
+            <a:off x="3884613" y="8685213"/>
+            <a:ext cx="2971800" cy="458787"/>
+          </a:xfrm>
+          <a:prstGeom prst="rect">
+            <a:avLst/>
+          </a:prstGeom>
+        </p:spPr>
+        <p:txBody>
+          <a:bodyPr vert="horz" lIns="91440" tIns="45720" rIns="91440" bIns="45720" rtlCol="0" anchor="b"/>
+          <a:lstStyle>
+            <a:lvl1pPr algn="r">
+              <a:defRPr sz="1200"/>
+            </a:lvl1pPr>
+          </a:lstStyle>
+          <a:p>
+            <a:fld id="{7382D42A-24B4-4602-BEDB-08A64AE7D000}" type="slidenum">
+              <a:rPr kumimoji="1" lang="ja-JP" altLang="en-US" smtClean="0"/>
+              <a:t>‹#›</a:t>
+            </a:fld>
+            <a:endParaRPr kumimoji="1" lang="ja-JP" altLang="en-US"/>
+          </a:p>
+        </p:txBody>
+      </p:sp>
+    </p:spTree>
+    <p:extLst>
+      <p:ext uri="{BB962C8B-B14F-4D97-AF65-F5344CB8AC3E}">
+        <p14:creationId xmlns:p14="http://schemas.microsoft.com/office/powerpoint/2010/main" val="3335102365"/>
+      </p:ext>
+    </p:extLst>
+  </p:cSld>
+  <p:clrMap bg1="lt1" tx1="dk1" bg2="lt2" tx2="dk2" accent1="accent1" accent2="accent2" accent3="accent3" accent4="accent4" accent5="accent5" accent6="accent6" hlink="hlink" folHlink="folHlink"/>
+  <p:notesStyle>
+    <a:lvl1pPr marL="0" algn="l" defTabSz="914400" rtl="0" eaLnBrk="1" latinLnBrk="0" hangingPunct="1">
+      <a:defRPr kumimoji="1" sz="1200" kern="1200">
+        <a:solidFill>
+          <a:schemeClr val="tx1"/>
+        </a:solidFill>
+        <a:latin typeface="+mn-lt"/>
+        <a:ea typeface="+mn-ea"/>
+        <a:cs typeface="+mn-cs"/>
+      </a:defRPr>
+    </a:lvl1pPr>
+    <a:lvl2pPr marL="457200" algn="l" defTabSz="914400" rtl="0" eaLnBrk="1" latinLnBrk="0" hangingPunct="1">
+      <a:defRPr kumimoji="1" sz="1200" kern="1200">
+        <a:solidFill>
+          <a:schemeClr val="tx1"/>
+        </a:solidFill>
+        <a:latin typeface="+mn-lt"/>
+        <a:ea typeface="+mn-ea"/>
+        <a:cs typeface="+mn-cs"/>
+      </a:defRPr>
+    </a:lvl2pPr>
+    <a:lvl3pPr marL="914400" algn="l" defTabSz="914400" rtl="0" eaLnBrk="1" latinLnBrk="0" hangingPunct="1">
+      <a:defRPr kumimoji="1" sz="1200" kern="1200">
+        <a:solidFill>
+          <a:schemeClr val="tx1"/>
+        </a:solidFill>
+        <a:latin typeface="+mn-lt"/>
+        <a:ea typeface="+mn-ea"/>
+        <a:cs typeface="+mn-cs"/>
+      </a:defRPr>
+    </a:lvl3pPr>
+    <a:lvl4pPr marL="1371600" algn="l" defTabSz="914400" rtl="0" eaLnBrk="1" latinLnBrk="0" hangingPunct="1">
+      <a:defRPr kumimoji="1" sz="1200" kern="1200">
+        <a:solidFill>
+          <a:schemeClr val="tx1"/>
+        </a:solidFill>
+        <a:latin typeface="+mn-lt"/>
+        <a:ea typeface="+mn-ea"/>
+        <a:cs typeface="+mn-cs"/>
+      </a:defRPr>
+    </a:lvl4pPr>
+    <a:lvl5pPr marL="1828800" algn="l" defTabSz="914400" rtl="0" eaLnBrk="1" latinLnBrk="0" hangingPunct="1">
+      <a:defRPr kumimoji="1" sz="1200" kern="1200">
+        <a:solidFill>
+          <a:schemeClr val="tx1"/>
+        </a:solidFill>
+        <a:latin typeface="+mn-lt"/>
+        <a:ea typeface="+mn-ea"/>
+        <a:cs typeface="+mn-cs"/>
+      </a:defRPr>
+    </a:lvl5pPr>
+    <a:lvl6pPr marL="2286000" algn="l" defTabSz="914400" rtl="0" eaLnBrk="1" latinLnBrk="0" hangingPunct="1">
+      <a:defRPr kumimoji="1" sz="1200" kern="1200">
+        <a:solidFill>
+          <a:schemeClr val="tx1"/>
+        </a:solidFill>
+        <a:latin typeface="+mn-lt"/>
+        <a:ea typeface="+mn-ea"/>
+        <a:cs typeface="+mn-cs"/>
+      </a:defRPr>
+    </a:lvl6pPr>
+    <a:lvl7pPr marL="2743200" algn="l" defTabSz="914400" rtl="0" eaLnBrk="1" latinLnBrk="0" hangingPunct="1">
+      <a:defRPr kumimoji="1" sz="1200" kern="1200">
+        <a:solidFill>
+          <a:schemeClr val="tx1"/>
+        </a:solidFill>
+        <a:latin typeface="+mn-lt"/>
+        <a:ea typeface="+mn-ea"/>
+        <a:cs typeface="+mn-cs"/>
+      </a:defRPr>
+    </a:lvl7pPr>
+    <a:lvl8pPr marL="3200400" algn="l" defTabSz="914400" rtl="0" eaLnBrk="1" latinLnBrk="0" hangingPunct="1">
+      <a:defRPr kumimoji="1" sz="1200" kern="1200">
+        <a:solidFill>
+          <a:schemeClr val="tx1"/>
+        </a:solidFill>
+        <a:latin typeface="+mn-lt"/>
+        <a:ea typeface="+mn-ea"/>
+        <a:cs typeface="+mn-cs"/>
+      </a:defRPr>
+    </a:lvl8pPr>
+    <a:lvl9pPr marL="3657600" algn="l" defTabSz="914400" rtl="0" eaLnBrk="1" latinLnBrk="0" hangingPunct="1">
+      <a:defRPr kumimoji="1" sz="1200" kern="1200">
+        <a:solidFill>
+          <a:schemeClr val="tx1"/>
+        </a:solidFill>
+        <a:latin typeface="+mn-lt"/>
+        <a:ea typeface="+mn-ea"/>
+        <a:cs typeface="+mn-cs"/>
+      </a:defRPr>
+    </a:lvl9pPr>
+  </p:notesStyle>
+</p:notesMaster>
+</file>
+
+<file path=ppt/notesSlides/notesSlide1.xml><?xml version="1.0" encoding="utf-8"?>
+<p:notes xmlns:a="http://schemas.openxmlformats.org/drawingml/2006/main" xmlns:r="http://schemas.openxmlformats.org/officeDocument/2006/relationships" xmlns:p="http://schemas.openxmlformats.org/presentationml/2006/main">
+  <p:cSld>
+    <p:spTree>
+      <p:nvGrpSpPr>
+        <p:cNvPr id="1" name=""/>
+        <p:cNvGrpSpPr/>
+        <p:nvPr/>
+      </p:nvGrpSpPr>
+      <p:grpSpPr>
+        <a:xfrm>
+          <a:off x="0" y="0"/>
+          <a:ext cx="0" cy="0"/>
+          <a:chOff x="0" y="0"/>
+          <a:chExt cx="0" cy="0"/>
+        </a:xfrm>
+      </p:grpSpPr>
+      <p:sp>
+        <p:nvSpPr>
+          <p:cNvPr id="2" name="スライド イメージ プレースホルダー 1"/>
+          <p:cNvSpPr>
+            <a:spLocks noGrp="1" noRot="1" noChangeAspect="1"/>
+          </p:cNvSpPr>
+          <p:nvPr>
+            <p:ph type="sldImg"/>
+          </p:nvPr>
+        </p:nvSpPr>
+        <p:spPr/>
+      </p:sp>
+      <p:sp>
+        <p:nvSpPr>
+          <p:cNvPr id="3" name="ノート プレースホルダー 2"/>
+          <p:cNvSpPr>
+            <a:spLocks noGrp="1"/>
+          </p:cNvSpPr>
+          <p:nvPr>
+            <p:ph type="body" idx="1"/>
+          </p:nvPr>
+        </p:nvSpPr>
+        <p:spPr/>
+        <p:txBody>
+          <a:bodyPr/>
+          <a:lstStyle/>
+          <a:p>
+            <a:endParaRPr kumimoji="1" lang="ja-JP" altLang="en-US" dirty="0"/>
+          </a:p>
+        </p:txBody>
+      </p:sp>
+      <p:sp>
+        <p:nvSpPr>
+          <p:cNvPr id="4" name="スライド番号プレースホルダー 3"/>
+          <p:cNvSpPr>
+            <a:spLocks noGrp="1"/>
+          </p:cNvSpPr>
+          <p:nvPr>
+            <p:ph type="sldNum" sz="quarter" idx="5"/>
+          </p:nvPr>
+        </p:nvSpPr>
+        <p:spPr/>
+        <p:txBody>
+          <a:bodyPr/>
+          <a:lstStyle/>
+          <a:p>
+            <a:fld id="{D42375A2-42B0-4E26-8948-2F72A7F6ECBF}" type="slidenum">
+              <a:rPr kumimoji="1" lang="ja-JP" altLang="en-US" smtClean="0"/>
+              <a:t>18</a:t>
+            </a:fld>
+            <a:endParaRPr kumimoji="1" lang="ja-JP" altLang="en-US"/>
+          </a:p>
+        </p:txBody>
+      </p:sp>
+    </p:spTree>
+    <p:extLst>
+      <p:ext uri="{BB962C8B-B14F-4D97-AF65-F5344CB8AC3E}">
+        <p14:creationId xmlns:p14="http://schemas.microsoft.com/office/powerpoint/2010/main" val="88572324"/>
+      </p:ext>
+    </p:extLst>
+  </p:cSld>
+  <p:clrMapOvr>
+    <a:masterClrMapping/>
+  </p:clrMapOvr>
+</p:notes>
+</file>
+
 <file path=ppt/slideLayouts/slideLayout1.xml><?xml version="1.0" encoding="utf-8"?>
 <p:sldLayout xmlns:a="http://schemas.openxmlformats.org/drawingml/2006/main" xmlns:r="http://schemas.openxmlformats.org/officeDocument/2006/relationships" xmlns:p="http://schemas.openxmlformats.org/presentationml/2006/main" type="title" preserve="1">
   <p:cSld name="タイトル スライド">
@@ -807,6 +1279,226 @@
     <p:extLst>
       <p:ext uri="{BB962C8B-B14F-4D97-AF65-F5344CB8AC3E}">
         <p14:creationId xmlns:p14="http://schemas.microsoft.com/office/powerpoint/2010/main" val="476250172"/>
+      </p:ext>
+    </p:extLst>
+  </p:cSld>
+  <p:clrMapOvr>
+    <a:masterClrMapping/>
+  </p:clrMapOvr>
+</p:sldLayout>
+</file>
+
+<file path=ppt/slideLayouts/slideLayout12.xml><?xml version="1.0" encoding="utf-8"?>
+<p:sldLayout xmlns:a="http://schemas.openxmlformats.org/drawingml/2006/main" xmlns:r="http://schemas.openxmlformats.org/officeDocument/2006/relationships" xmlns:p="http://schemas.openxmlformats.org/presentationml/2006/main" type="title" preserve="1">
+  <p:cSld name="タイトル スライド">
+    <p:spTree>
+      <p:nvGrpSpPr>
+        <p:cNvPr id="1" name=""/>
+        <p:cNvGrpSpPr/>
+        <p:nvPr/>
+      </p:nvGrpSpPr>
+      <p:grpSpPr>
+        <a:xfrm>
+          <a:off x="0" y="0"/>
+          <a:ext cx="0" cy="0"/>
+          <a:chOff x="0" y="0"/>
+          <a:chExt cx="0" cy="0"/>
+        </a:xfrm>
+      </p:grpSpPr>
+      <p:sp>
+        <p:nvSpPr>
+          <p:cNvPr id="2" name="タイトル 1">
+            <a:extLst>
+              <a:ext uri="{FF2B5EF4-FFF2-40B4-BE49-F238E27FC236}">
+                <a16:creationId xmlns:a16="http://schemas.microsoft.com/office/drawing/2014/main" id="{5BEFBB56-2E51-A19D-0A2A-5F0BB8B29784}"/>
+              </a:ext>
+            </a:extLst>
+          </p:cNvPr>
+          <p:cNvSpPr>
+            <a:spLocks noGrp="1"/>
+          </p:cNvSpPr>
+          <p:nvPr>
+            <p:ph type="ctrTitle"/>
+          </p:nvPr>
+        </p:nvSpPr>
+        <p:spPr>
+          <a:xfrm>
+            <a:off x="1524000" y="1122363"/>
+            <a:ext cx="9144000" cy="2387600"/>
+          </a:xfrm>
+        </p:spPr>
+        <p:txBody>
+          <a:bodyPr anchor="b"/>
+          <a:lstStyle>
+            <a:lvl1pPr algn="ctr">
+              <a:defRPr sz="6000"/>
+            </a:lvl1pPr>
+          </a:lstStyle>
+          <a:p>
+            <a:r>
+              <a:rPr kumimoji="1" lang="ja-JP" altLang="en-US"/>
+              <a:t>マスター タイトルの書式設定</a:t>
+            </a:r>
+          </a:p>
+        </p:txBody>
+      </p:sp>
+      <p:sp>
+        <p:nvSpPr>
+          <p:cNvPr id="3" name="字幕 2">
+            <a:extLst>
+              <a:ext uri="{FF2B5EF4-FFF2-40B4-BE49-F238E27FC236}">
+                <a16:creationId xmlns:a16="http://schemas.microsoft.com/office/drawing/2014/main" id="{21C1EB46-6B77-F168-FDD3-3F3C03E0A7EF}"/>
+              </a:ext>
+            </a:extLst>
+          </p:cNvPr>
+          <p:cNvSpPr>
+            <a:spLocks noGrp="1"/>
+          </p:cNvSpPr>
+          <p:nvPr>
+            <p:ph type="subTitle" idx="1"/>
+          </p:nvPr>
+        </p:nvSpPr>
+        <p:spPr>
+          <a:xfrm>
+            <a:off x="1524000" y="3602038"/>
+            <a:ext cx="9144000" cy="1655762"/>
+          </a:xfrm>
+        </p:spPr>
+        <p:txBody>
+          <a:bodyPr/>
+          <a:lstStyle>
+            <a:lvl1pPr marL="0" indent="0" algn="ctr">
+              <a:buNone/>
+              <a:defRPr sz="2400"/>
+            </a:lvl1pPr>
+            <a:lvl2pPr marL="457200" indent="0" algn="ctr">
+              <a:buNone/>
+              <a:defRPr sz="2000"/>
+            </a:lvl2pPr>
+            <a:lvl3pPr marL="914400" indent="0" algn="ctr">
+              <a:buNone/>
+              <a:defRPr sz="1800"/>
+            </a:lvl3pPr>
+            <a:lvl4pPr marL="1371600" indent="0" algn="ctr">
+              <a:buNone/>
+              <a:defRPr sz="1600"/>
+            </a:lvl4pPr>
+            <a:lvl5pPr marL="1828800" indent="0" algn="ctr">
+              <a:buNone/>
+              <a:defRPr sz="1600"/>
+            </a:lvl5pPr>
+            <a:lvl6pPr marL="2286000" indent="0" algn="ctr">
+              <a:buNone/>
+              <a:defRPr sz="1600"/>
+            </a:lvl6pPr>
+            <a:lvl7pPr marL="2743200" indent="0" algn="ctr">
+              <a:buNone/>
+              <a:defRPr sz="1600"/>
+            </a:lvl7pPr>
+            <a:lvl8pPr marL="3200400" indent="0" algn="ctr">
+              <a:buNone/>
+              <a:defRPr sz="1600"/>
+            </a:lvl8pPr>
+            <a:lvl9pPr marL="3657600" indent="0" algn="ctr">
+              <a:buNone/>
+              <a:defRPr sz="1600"/>
+            </a:lvl9pPr>
+          </a:lstStyle>
+          <a:p>
+            <a:r>
+              <a:rPr kumimoji="1" lang="ja-JP" altLang="en-US"/>
+              <a:t>マスター サブタイトルの書式設定</a:t>
+            </a:r>
+          </a:p>
+        </p:txBody>
+      </p:sp>
+      <p:sp>
+        <p:nvSpPr>
+          <p:cNvPr id="4" name="日付プレースホルダー 3">
+            <a:extLst>
+              <a:ext uri="{FF2B5EF4-FFF2-40B4-BE49-F238E27FC236}">
+                <a16:creationId xmlns:a16="http://schemas.microsoft.com/office/drawing/2014/main" id="{2144D629-C021-33F2-B9CA-CB67D167DE12}"/>
+              </a:ext>
+            </a:extLst>
+          </p:cNvPr>
+          <p:cNvSpPr>
+            <a:spLocks noGrp="1"/>
+          </p:cNvSpPr>
+          <p:nvPr>
+            <p:ph type="dt" sz="half" idx="10"/>
+          </p:nvPr>
+        </p:nvSpPr>
+        <p:spPr/>
+        <p:txBody>
+          <a:bodyPr/>
+          <a:lstStyle/>
+          <a:p>
+            <a:fld id="{DB0A3435-7A7C-4688-9750-453E419612D0}" type="datetimeFigureOut">
+              <a:rPr kumimoji="1" lang="ja-JP" altLang="en-US" smtClean="0"/>
+              <a:t>2022/6/28</a:t>
+            </a:fld>
+            <a:endParaRPr kumimoji="1" lang="ja-JP" altLang="en-US"/>
+          </a:p>
+        </p:txBody>
+      </p:sp>
+      <p:sp>
+        <p:nvSpPr>
+          <p:cNvPr id="5" name="フッター プレースホルダー 4">
+            <a:extLst>
+              <a:ext uri="{FF2B5EF4-FFF2-40B4-BE49-F238E27FC236}">
+                <a16:creationId xmlns:a16="http://schemas.microsoft.com/office/drawing/2014/main" id="{0AF7E1A0-5C27-8C1F-2968-D25DC4A84B08}"/>
+              </a:ext>
+            </a:extLst>
+          </p:cNvPr>
+          <p:cNvSpPr>
+            <a:spLocks noGrp="1"/>
+          </p:cNvSpPr>
+          <p:nvPr>
+            <p:ph type="ftr" sz="quarter" idx="11"/>
+          </p:nvPr>
+        </p:nvSpPr>
+        <p:spPr/>
+        <p:txBody>
+          <a:bodyPr/>
+          <a:lstStyle/>
+          <a:p>
+            <a:endParaRPr kumimoji="1" lang="ja-JP" altLang="en-US"/>
+          </a:p>
+        </p:txBody>
+      </p:sp>
+      <p:sp>
+        <p:nvSpPr>
+          <p:cNvPr id="6" name="スライド番号プレースホルダー 5">
+            <a:extLst>
+              <a:ext uri="{FF2B5EF4-FFF2-40B4-BE49-F238E27FC236}">
+                <a16:creationId xmlns:a16="http://schemas.microsoft.com/office/drawing/2014/main" id="{B1BD96CC-2BA0-D4BA-BF93-C269D32A96E2}"/>
+              </a:ext>
+            </a:extLst>
+          </p:cNvPr>
+          <p:cNvSpPr>
+            <a:spLocks noGrp="1"/>
+          </p:cNvSpPr>
+          <p:nvPr>
+            <p:ph type="sldNum" sz="quarter" idx="12"/>
+          </p:nvPr>
+        </p:nvSpPr>
+        <p:spPr/>
+        <p:txBody>
+          <a:bodyPr/>
+          <a:lstStyle/>
+          <a:p>
+            <a:fld id="{27BFCEBC-6F3C-4805-9038-ADC85D2C4A5D}" type="slidenum">
+              <a:rPr kumimoji="1" lang="ja-JP" altLang="en-US" smtClean="0"/>
+              <a:t>‹#›</a:t>
+            </a:fld>
+            <a:endParaRPr kumimoji="1" lang="ja-JP" altLang="en-US"/>
+          </a:p>
+        </p:txBody>
+      </p:sp>
+    </p:spTree>
+    <p:extLst>
+      <p:ext uri="{BB962C8B-B14F-4D97-AF65-F5344CB8AC3E}">
+        <p14:creationId xmlns:p14="http://schemas.microsoft.com/office/powerpoint/2010/main" val="1282596899"/>
       </p:ext>
     </p:extLst>
   </p:cSld>
@@ -3316,7 +4008,7 @@
   </p:cSld>
   <p:clrMap bg1="lt1" tx1="dk1" bg2="lt2" tx2="dk2" accent1="accent1" accent2="accent2" accent3="accent3" accent4="accent4" accent5="accent5" accent6="accent6" hlink="hlink" folHlink="folHlink"/>
   <p:sldLayoutIdLst>
-    <p:sldLayoutId id="2147483649" r:id="rId1"/>
+    <p:sldLayoutId id="2147483661" r:id="rId1"/>
     <p:sldLayoutId id="2147483650" r:id="rId2"/>
     <p:sldLayoutId id="2147483651" r:id="rId3"/>
     <p:sldLayoutId id="2147483652" r:id="rId4"/>
@@ -3327,6 +4019,596 @@
     <p:sldLayoutId id="2147483657" r:id="rId9"/>
     <p:sldLayoutId id="2147483658" r:id="rId10"/>
     <p:sldLayoutId id="2147483659" r:id="rId11"/>
+  </p:sldLayoutIdLst>
+  <p:txStyles>
+    <p:titleStyle>
+      <a:lvl1pPr algn="l" defTabSz="914400" rtl="0" eaLnBrk="1" latinLnBrk="0" hangingPunct="1">
+        <a:lnSpc>
+          <a:spcPct val="90000"/>
+        </a:lnSpc>
+        <a:spcBef>
+          <a:spcPct val="0"/>
+        </a:spcBef>
+        <a:buNone/>
+        <a:defRPr kumimoji="1" sz="4400" kern="1200">
+          <a:solidFill>
+            <a:schemeClr val="tx1"/>
+          </a:solidFill>
+          <a:latin typeface="+mj-lt"/>
+          <a:ea typeface="+mj-ea"/>
+          <a:cs typeface="+mj-cs"/>
+        </a:defRPr>
+      </a:lvl1pPr>
+    </p:titleStyle>
+    <p:bodyStyle>
+      <a:lvl1pPr marL="228600" indent="-228600" algn="l" defTabSz="914400" rtl="0" eaLnBrk="1" latinLnBrk="0" hangingPunct="1">
+        <a:lnSpc>
+          <a:spcPct val="90000"/>
+        </a:lnSpc>
+        <a:spcBef>
+          <a:spcPts val="1000"/>
+        </a:spcBef>
+        <a:buFont typeface="Arial" panose="020B0604020202020204" pitchFamily="34" charset="0"/>
+        <a:buChar char="•"/>
+        <a:defRPr kumimoji="1" sz="2800" kern="1200">
+          <a:solidFill>
+            <a:schemeClr val="tx1"/>
+          </a:solidFill>
+          <a:latin typeface="+mn-lt"/>
+          <a:ea typeface="+mn-ea"/>
+          <a:cs typeface="+mn-cs"/>
+        </a:defRPr>
+      </a:lvl1pPr>
+      <a:lvl2pPr marL="685800" indent="-228600" algn="l" defTabSz="914400" rtl="0" eaLnBrk="1" latinLnBrk="0" hangingPunct="1">
+        <a:lnSpc>
+          <a:spcPct val="90000"/>
+        </a:lnSpc>
+        <a:spcBef>
+          <a:spcPts val="500"/>
+        </a:spcBef>
+        <a:buFont typeface="Arial" panose="020B0604020202020204" pitchFamily="34" charset="0"/>
+        <a:buChar char="•"/>
+        <a:defRPr kumimoji="1" sz="2400" kern="1200">
+          <a:solidFill>
+            <a:schemeClr val="tx1"/>
+          </a:solidFill>
+          <a:latin typeface="+mn-lt"/>
+          <a:ea typeface="+mn-ea"/>
+          <a:cs typeface="+mn-cs"/>
+        </a:defRPr>
+      </a:lvl2pPr>
+      <a:lvl3pPr marL="1143000" indent="-228600" algn="l" defTabSz="914400" rtl="0" eaLnBrk="1" latinLnBrk="0" hangingPunct="1">
+        <a:lnSpc>
+          <a:spcPct val="90000"/>
+        </a:lnSpc>
+        <a:spcBef>
+          <a:spcPts val="500"/>
+        </a:spcBef>
+        <a:buFont typeface="Arial" panose="020B0604020202020204" pitchFamily="34" charset="0"/>
+        <a:buChar char="•"/>
+        <a:defRPr kumimoji="1" sz="2000" kern="1200">
+          <a:solidFill>
+            <a:schemeClr val="tx1"/>
+          </a:solidFill>
+          <a:latin typeface="+mn-lt"/>
+          <a:ea typeface="+mn-ea"/>
+          <a:cs typeface="+mn-cs"/>
+        </a:defRPr>
+      </a:lvl3pPr>
+      <a:lvl4pPr marL="1600200" indent="-228600" algn="l" defTabSz="914400" rtl="0" eaLnBrk="1" latinLnBrk="0" hangingPunct="1">
+        <a:lnSpc>
+          <a:spcPct val="90000"/>
+        </a:lnSpc>
+        <a:spcBef>
+          <a:spcPts val="500"/>
+        </a:spcBef>
+        <a:buFont typeface="Arial" panose="020B0604020202020204" pitchFamily="34" charset="0"/>
+        <a:buChar char="•"/>
+        <a:defRPr kumimoji="1" sz="1800" kern="1200">
+          <a:solidFill>
+            <a:schemeClr val="tx1"/>
+          </a:solidFill>
+          <a:latin typeface="+mn-lt"/>
+          <a:ea typeface="+mn-ea"/>
+          <a:cs typeface="+mn-cs"/>
+        </a:defRPr>
+      </a:lvl4pPr>
+      <a:lvl5pPr marL="2057400" indent="-228600" algn="l" defTabSz="914400" rtl="0" eaLnBrk="1" latinLnBrk="0" hangingPunct="1">
+        <a:lnSpc>
+          <a:spcPct val="90000"/>
+        </a:lnSpc>
+        <a:spcBef>
+          <a:spcPts val="500"/>
+        </a:spcBef>
+        <a:buFont typeface="Arial" panose="020B0604020202020204" pitchFamily="34" charset="0"/>
+        <a:buChar char="•"/>
+        <a:defRPr kumimoji="1" sz="1800" kern="1200">
+          <a:solidFill>
+            <a:schemeClr val="tx1"/>
+          </a:solidFill>
+          <a:latin typeface="+mn-lt"/>
+          <a:ea typeface="+mn-ea"/>
+          <a:cs typeface="+mn-cs"/>
+        </a:defRPr>
+      </a:lvl5pPr>
+      <a:lvl6pPr marL="2514600" indent="-228600" algn="l" defTabSz="914400" rtl="0" eaLnBrk="1" latinLnBrk="0" hangingPunct="1">
+        <a:lnSpc>
+          <a:spcPct val="90000"/>
+        </a:lnSpc>
+        <a:spcBef>
+          <a:spcPts val="500"/>
+        </a:spcBef>
+        <a:buFont typeface="Arial" panose="020B0604020202020204" pitchFamily="34" charset="0"/>
+        <a:buChar char="•"/>
+        <a:defRPr kumimoji="1" sz="1800" kern="1200">
+          <a:solidFill>
+            <a:schemeClr val="tx1"/>
+          </a:solidFill>
+          <a:latin typeface="+mn-lt"/>
+          <a:ea typeface="+mn-ea"/>
+          <a:cs typeface="+mn-cs"/>
+        </a:defRPr>
+      </a:lvl6pPr>
+      <a:lvl7pPr marL="2971800" indent="-228600" algn="l" defTabSz="914400" rtl="0" eaLnBrk="1" latinLnBrk="0" hangingPunct="1">
+        <a:lnSpc>
+          <a:spcPct val="90000"/>
+        </a:lnSpc>
+        <a:spcBef>
+          <a:spcPts val="500"/>
+        </a:spcBef>
+        <a:buFont typeface="Arial" panose="020B0604020202020204" pitchFamily="34" charset="0"/>
+        <a:buChar char="•"/>
+        <a:defRPr kumimoji="1" sz="1800" kern="1200">
+          <a:solidFill>
+            <a:schemeClr val="tx1"/>
+          </a:solidFill>
+          <a:latin typeface="+mn-lt"/>
+          <a:ea typeface="+mn-ea"/>
+          <a:cs typeface="+mn-cs"/>
+        </a:defRPr>
+      </a:lvl7pPr>
+      <a:lvl8pPr marL="3429000" indent="-228600" algn="l" defTabSz="914400" rtl="0" eaLnBrk="1" latinLnBrk="0" hangingPunct="1">
+        <a:lnSpc>
+          <a:spcPct val="90000"/>
+        </a:lnSpc>
+        <a:spcBef>
+          <a:spcPts val="500"/>
+        </a:spcBef>
+        <a:buFont typeface="Arial" panose="020B0604020202020204" pitchFamily="34" charset="0"/>
+        <a:buChar char="•"/>
+        <a:defRPr kumimoji="1" sz="1800" kern="1200">
+          <a:solidFill>
+            <a:schemeClr val="tx1"/>
+          </a:solidFill>
+          <a:latin typeface="+mn-lt"/>
+          <a:ea typeface="+mn-ea"/>
+          <a:cs typeface="+mn-cs"/>
+        </a:defRPr>
+      </a:lvl8pPr>
+      <a:lvl9pPr marL="3886200" indent="-228600" algn="l" defTabSz="914400" rtl="0" eaLnBrk="1" latinLnBrk="0" hangingPunct="1">
+        <a:lnSpc>
+          <a:spcPct val="90000"/>
+        </a:lnSpc>
+        <a:spcBef>
+          <a:spcPts val="500"/>
+        </a:spcBef>
+        <a:buFont typeface="Arial" panose="020B0604020202020204" pitchFamily="34" charset="0"/>
+        <a:buChar char="•"/>
+        <a:defRPr kumimoji="1" sz="1800" kern="1200">
+          <a:solidFill>
+            <a:schemeClr val="tx1"/>
+          </a:solidFill>
+          <a:latin typeface="+mn-lt"/>
+          <a:ea typeface="+mn-ea"/>
+          <a:cs typeface="+mn-cs"/>
+        </a:defRPr>
+      </a:lvl9pPr>
+    </p:bodyStyle>
+    <p:otherStyle>
+      <a:defPPr>
+        <a:defRPr lang="ja-JP"/>
+      </a:defPPr>
+      <a:lvl1pPr marL="0" algn="l" defTabSz="914400" rtl="0" eaLnBrk="1" latinLnBrk="0" hangingPunct="1">
+        <a:defRPr kumimoji="1" sz="1800" kern="1200">
+          <a:solidFill>
+            <a:schemeClr val="tx1"/>
+          </a:solidFill>
+          <a:latin typeface="+mn-lt"/>
+          <a:ea typeface="+mn-ea"/>
+          <a:cs typeface="+mn-cs"/>
+        </a:defRPr>
+      </a:lvl1pPr>
+      <a:lvl2pPr marL="457200" algn="l" defTabSz="914400" rtl="0" eaLnBrk="1" latinLnBrk="0" hangingPunct="1">
+        <a:defRPr kumimoji="1" sz="1800" kern="1200">
+          <a:solidFill>
+            <a:schemeClr val="tx1"/>
+          </a:solidFill>
+          <a:latin typeface="+mn-lt"/>
+          <a:ea typeface="+mn-ea"/>
+          <a:cs typeface="+mn-cs"/>
+        </a:defRPr>
+      </a:lvl2pPr>
+      <a:lvl3pPr marL="914400" algn="l" defTabSz="914400" rtl="0" eaLnBrk="1" latinLnBrk="0" hangingPunct="1">
+        <a:defRPr kumimoji="1" sz="1800" kern="1200">
+          <a:solidFill>
+            <a:schemeClr val="tx1"/>
+          </a:solidFill>
+          <a:latin typeface="+mn-lt"/>
+          <a:ea typeface="+mn-ea"/>
+          <a:cs typeface="+mn-cs"/>
+        </a:defRPr>
+      </a:lvl3pPr>
+      <a:lvl4pPr marL="1371600" algn="l" defTabSz="914400" rtl="0" eaLnBrk="1" latinLnBrk="0" hangingPunct="1">
+        <a:defRPr kumimoji="1" sz="1800" kern="1200">
+          <a:solidFill>
+            <a:schemeClr val="tx1"/>
+          </a:solidFill>
+          <a:latin typeface="+mn-lt"/>
+          <a:ea typeface="+mn-ea"/>
+          <a:cs typeface="+mn-cs"/>
+        </a:defRPr>
+      </a:lvl4pPr>
+      <a:lvl5pPr marL="1828800" algn="l" defTabSz="914400" rtl="0" eaLnBrk="1" latinLnBrk="0" hangingPunct="1">
+        <a:defRPr kumimoji="1" sz="1800" kern="1200">
+          <a:solidFill>
+            <a:schemeClr val="tx1"/>
+          </a:solidFill>
+          <a:latin typeface="+mn-lt"/>
+          <a:ea typeface="+mn-ea"/>
+          <a:cs typeface="+mn-cs"/>
+        </a:defRPr>
+      </a:lvl5pPr>
+      <a:lvl6pPr marL="2286000" algn="l" defTabSz="914400" rtl="0" eaLnBrk="1" latinLnBrk="0" hangingPunct="1">
+        <a:defRPr kumimoji="1" sz="1800" kern="1200">
+          <a:solidFill>
+            <a:schemeClr val="tx1"/>
+          </a:solidFill>
+          <a:latin typeface="+mn-lt"/>
+          <a:ea typeface="+mn-ea"/>
+          <a:cs typeface="+mn-cs"/>
+        </a:defRPr>
+      </a:lvl6pPr>
+      <a:lvl7pPr marL="2743200" algn="l" defTabSz="914400" rtl="0" eaLnBrk="1" latinLnBrk="0" hangingPunct="1">
+        <a:defRPr kumimoji="1" sz="1800" kern="1200">
+          <a:solidFill>
+            <a:schemeClr val="tx1"/>
+          </a:solidFill>
+          <a:latin typeface="+mn-lt"/>
+          <a:ea typeface="+mn-ea"/>
+          <a:cs typeface="+mn-cs"/>
+        </a:defRPr>
+      </a:lvl7pPr>
+      <a:lvl8pPr marL="3200400" algn="l" defTabSz="914400" rtl="0" eaLnBrk="1" latinLnBrk="0" hangingPunct="1">
+        <a:defRPr kumimoji="1" sz="1800" kern="1200">
+          <a:solidFill>
+            <a:schemeClr val="tx1"/>
+          </a:solidFill>
+          <a:latin typeface="+mn-lt"/>
+          <a:ea typeface="+mn-ea"/>
+          <a:cs typeface="+mn-cs"/>
+        </a:defRPr>
+      </a:lvl8pPr>
+      <a:lvl9pPr marL="3657600" algn="l" defTabSz="914400" rtl="0" eaLnBrk="1" latinLnBrk="0" hangingPunct="1">
+        <a:defRPr kumimoji="1" sz="1800" kern="1200">
+          <a:solidFill>
+            <a:schemeClr val="tx1"/>
+          </a:solidFill>
+          <a:latin typeface="+mn-lt"/>
+          <a:ea typeface="+mn-ea"/>
+          <a:cs typeface="+mn-cs"/>
+        </a:defRPr>
+      </a:lvl9pPr>
+    </p:otherStyle>
+  </p:txStyles>
+</p:sldMaster>
+</file>
+
+<file path=ppt/slideMasters/slideMaster2.xml><?xml version="1.0" encoding="utf-8"?>
+<p:sldMaster xmlns:a="http://schemas.openxmlformats.org/drawingml/2006/main" xmlns:r="http://schemas.openxmlformats.org/officeDocument/2006/relationships" xmlns:p="http://schemas.openxmlformats.org/presentationml/2006/main">
+  <p:cSld>
+    <p:bg>
+      <p:bgRef idx="1001">
+        <a:schemeClr val="bg1"/>
+      </p:bgRef>
+    </p:bg>
+    <p:spTree>
+      <p:nvGrpSpPr>
+        <p:cNvPr id="1" name=""/>
+        <p:cNvGrpSpPr/>
+        <p:nvPr/>
+      </p:nvGrpSpPr>
+      <p:grpSpPr>
+        <a:xfrm>
+          <a:off x="0" y="0"/>
+          <a:ext cx="0" cy="0"/>
+          <a:chOff x="0" y="0"/>
+          <a:chExt cx="0" cy="0"/>
+        </a:xfrm>
+      </p:grpSpPr>
+      <p:sp>
+        <p:nvSpPr>
+          <p:cNvPr id="2" name="タイトル プレースホルダー 1">
+            <a:extLst>
+              <a:ext uri="{FF2B5EF4-FFF2-40B4-BE49-F238E27FC236}">
+                <a16:creationId xmlns:a16="http://schemas.microsoft.com/office/drawing/2014/main" id="{A96577E0-6613-A397-ABD1-7AA7FECE4D79}"/>
+              </a:ext>
+            </a:extLst>
+          </p:cNvPr>
+          <p:cNvSpPr>
+            <a:spLocks noGrp="1"/>
+          </p:cNvSpPr>
+          <p:nvPr>
+            <p:ph type="title"/>
+          </p:nvPr>
+        </p:nvSpPr>
+        <p:spPr>
+          <a:xfrm>
+            <a:off x="838200" y="365125"/>
+            <a:ext cx="10515600" cy="1325563"/>
+          </a:xfrm>
+          <a:prstGeom prst="rect">
+            <a:avLst/>
+          </a:prstGeom>
+        </p:spPr>
+        <p:txBody>
+          <a:bodyPr vert="horz" lIns="91440" tIns="45720" rIns="91440" bIns="45720" rtlCol="0" anchor="ctr">
+            <a:normAutofit/>
+          </a:bodyPr>
+          <a:lstStyle/>
+          <a:p>
+            <a:r>
+              <a:rPr kumimoji="1" lang="ja-JP" altLang="en-US"/>
+              <a:t>マスター タイトルの書式設定</a:t>
+            </a:r>
+          </a:p>
+        </p:txBody>
+      </p:sp>
+      <p:sp>
+        <p:nvSpPr>
+          <p:cNvPr id="3" name="テキスト プレースホルダー 2">
+            <a:extLst>
+              <a:ext uri="{FF2B5EF4-FFF2-40B4-BE49-F238E27FC236}">
+                <a16:creationId xmlns:a16="http://schemas.microsoft.com/office/drawing/2014/main" id="{C4BDF455-3C6A-4C55-E3E9-E5F6F4EE4CBC}"/>
+              </a:ext>
+            </a:extLst>
+          </p:cNvPr>
+          <p:cNvSpPr>
+            <a:spLocks noGrp="1"/>
+          </p:cNvSpPr>
+          <p:nvPr>
+            <p:ph type="body" idx="1"/>
+          </p:nvPr>
+        </p:nvSpPr>
+        <p:spPr>
+          <a:xfrm>
+            <a:off x="838200" y="1825625"/>
+            <a:ext cx="10515600" cy="4351338"/>
+          </a:xfrm>
+          <a:prstGeom prst="rect">
+            <a:avLst/>
+          </a:prstGeom>
+        </p:spPr>
+        <p:txBody>
+          <a:bodyPr vert="horz" lIns="91440" tIns="45720" rIns="91440" bIns="45720" rtlCol="0">
+            <a:normAutofit/>
+          </a:bodyPr>
+          <a:lstStyle/>
+          <a:p>
+            <a:pPr lvl="0"/>
+            <a:r>
+              <a:rPr kumimoji="1" lang="ja-JP" altLang="en-US"/>
+              <a:t>マスター テキストの書式設定</a:t>
+            </a:r>
+          </a:p>
+          <a:p>
+            <a:pPr lvl="1"/>
+            <a:r>
+              <a:rPr kumimoji="1" lang="ja-JP" altLang="en-US"/>
+              <a:t>第 </a:t>
+            </a:r>
+            <a:r>
+              <a:rPr kumimoji="1" lang="en-US" altLang="ja-JP"/>
+              <a:t>2 </a:t>
+            </a:r>
+            <a:r>
+              <a:rPr kumimoji="1" lang="ja-JP" altLang="en-US"/>
+              <a:t>レベル</a:t>
+            </a:r>
+          </a:p>
+          <a:p>
+            <a:pPr lvl="2"/>
+            <a:r>
+              <a:rPr kumimoji="1" lang="ja-JP" altLang="en-US"/>
+              <a:t>第 </a:t>
+            </a:r>
+            <a:r>
+              <a:rPr kumimoji="1" lang="en-US" altLang="ja-JP"/>
+              <a:t>3 </a:t>
+            </a:r>
+            <a:r>
+              <a:rPr kumimoji="1" lang="ja-JP" altLang="en-US"/>
+              <a:t>レベル</a:t>
+            </a:r>
+          </a:p>
+          <a:p>
+            <a:pPr lvl="3"/>
+            <a:r>
+              <a:rPr kumimoji="1" lang="ja-JP" altLang="en-US"/>
+              <a:t>第 </a:t>
+            </a:r>
+            <a:r>
+              <a:rPr kumimoji="1" lang="en-US" altLang="ja-JP"/>
+              <a:t>4 </a:t>
+            </a:r>
+            <a:r>
+              <a:rPr kumimoji="1" lang="ja-JP" altLang="en-US"/>
+              <a:t>レベル</a:t>
+            </a:r>
+          </a:p>
+          <a:p>
+            <a:pPr lvl="4"/>
+            <a:r>
+              <a:rPr kumimoji="1" lang="ja-JP" altLang="en-US"/>
+              <a:t>第 </a:t>
+            </a:r>
+            <a:r>
+              <a:rPr kumimoji="1" lang="en-US" altLang="ja-JP"/>
+              <a:t>5 </a:t>
+            </a:r>
+            <a:r>
+              <a:rPr kumimoji="1" lang="ja-JP" altLang="en-US"/>
+              <a:t>レベル</a:t>
+            </a:r>
+          </a:p>
+        </p:txBody>
+      </p:sp>
+      <p:sp>
+        <p:nvSpPr>
+          <p:cNvPr id="4" name="日付プレースホルダー 3">
+            <a:extLst>
+              <a:ext uri="{FF2B5EF4-FFF2-40B4-BE49-F238E27FC236}">
+                <a16:creationId xmlns:a16="http://schemas.microsoft.com/office/drawing/2014/main" id="{CE704014-9815-2FF0-DC07-E7FE5A19B76D}"/>
+              </a:ext>
+            </a:extLst>
+          </p:cNvPr>
+          <p:cNvSpPr>
+            <a:spLocks noGrp="1"/>
+          </p:cNvSpPr>
+          <p:nvPr>
+            <p:ph type="dt" sz="half" idx="2"/>
+          </p:nvPr>
+        </p:nvSpPr>
+        <p:spPr>
+          <a:xfrm>
+            <a:off x="838200" y="6356350"/>
+            <a:ext cx="2743200" cy="365125"/>
+          </a:xfrm>
+          <a:prstGeom prst="rect">
+            <a:avLst/>
+          </a:prstGeom>
+        </p:spPr>
+        <p:txBody>
+          <a:bodyPr vert="horz" lIns="91440" tIns="45720" rIns="91440" bIns="45720" rtlCol="0" anchor="ctr"/>
+          <a:lstStyle>
+            <a:lvl1pPr algn="l">
+              <a:defRPr sz="1200">
+                <a:solidFill>
+                  <a:schemeClr val="tx1">
+                    <a:tint val="75000"/>
+                  </a:schemeClr>
+                </a:solidFill>
+              </a:defRPr>
+            </a:lvl1pPr>
+          </a:lstStyle>
+          <a:p>
+            <a:fld id="{DB0A3435-7A7C-4688-9750-453E419612D0}" type="datetimeFigureOut">
+              <a:rPr kumimoji="1" lang="ja-JP" altLang="en-US" smtClean="0"/>
+              <a:t>2022/6/28</a:t>
+            </a:fld>
+            <a:endParaRPr kumimoji="1" lang="ja-JP" altLang="en-US"/>
+          </a:p>
+        </p:txBody>
+      </p:sp>
+      <p:sp>
+        <p:nvSpPr>
+          <p:cNvPr id="5" name="フッター プレースホルダー 4">
+            <a:extLst>
+              <a:ext uri="{FF2B5EF4-FFF2-40B4-BE49-F238E27FC236}">
+                <a16:creationId xmlns:a16="http://schemas.microsoft.com/office/drawing/2014/main" id="{6AC866AE-F373-F17D-A558-34EE48C94DA0}"/>
+              </a:ext>
+            </a:extLst>
+          </p:cNvPr>
+          <p:cNvSpPr>
+            <a:spLocks noGrp="1"/>
+          </p:cNvSpPr>
+          <p:nvPr>
+            <p:ph type="ftr" sz="quarter" idx="3"/>
+          </p:nvPr>
+        </p:nvSpPr>
+        <p:spPr>
+          <a:xfrm>
+            <a:off x="4038600" y="6356350"/>
+            <a:ext cx="4114800" cy="365125"/>
+          </a:xfrm>
+          <a:prstGeom prst="rect">
+            <a:avLst/>
+          </a:prstGeom>
+        </p:spPr>
+        <p:txBody>
+          <a:bodyPr vert="horz" lIns="91440" tIns="45720" rIns="91440" bIns="45720" rtlCol="0" anchor="ctr"/>
+          <a:lstStyle>
+            <a:lvl1pPr algn="ctr">
+              <a:defRPr sz="1200">
+                <a:solidFill>
+                  <a:schemeClr val="tx1">
+                    <a:tint val="75000"/>
+                  </a:schemeClr>
+                </a:solidFill>
+              </a:defRPr>
+            </a:lvl1pPr>
+          </a:lstStyle>
+          <a:p>
+            <a:endParaRPr kumimoji="1" lang="ja-JP" altLang="en-US"/>
+          </a:p>
+        </p:txBody>
+      </p:sp>
+      <p:sp>
+        <p:nvSpPr>
+          <p:cNvPr id="6" name="スライド番号プレースホルダー 5">
+            <a:extLst>
+              <a:ext uri="{FF2B5EF4-FFF2-40B4-BE49-F238E27FC236}">
+                <a16:creationId xmlns:a16="http://schemas.microsoft.com/office/drawing/2014/main" id="{164D406B-CDD8-7AC7-D2BB-B1AFB4AC8BDE}"/>
+              </a:ext>
+            </a:extLst>
+          </p:cNvPr>
+          <p:cNvSpPr>
+            <a:spLocks noGrp="1"/>
+          </p:cNvSpPr>
+          <p:nvPr>
+            <p:ph type="sldNum" sz="quarter" idx="4"/>
+          </p:nvPr>
+        </p:nvSpPr>
+        <p:spPr>
+          <a:xfrm>
+            <a:off x="8610600" y="6356350"/>
+            <a:ext cx="2743200" cy="365125"/>
+          </a:xfrm>
+          <a:prstGeom prst="rect">
+            <a:avLst/>
+          </a:prstGeom>
+        </p:spPr>
+        <p:txBody>
+          <a:bodyPr vert="horz" lIns="91440" tIns="45720" rIns="91440" bIns="45720" rtlCol="0" anchor="ctr"/>
+          <a:lstStyle>
+            <a:lvl1pPr algn="r">
+              <a:defRPr sz="1200">
+                <a:solidFill>
+                  <a:schemeClr val="tx1">
+                    <a:tint val="75000"/>
+                  </a:schemeClr>
+                </a:solidFill>
+              </a:defRPr>
+            </a:lvl1pPr>
+          </a:lstStyle>
+          <a:p>
+            <a:fld id="{27BFCEBC-6F3C-4805-9038-ADC85D2C4A5D}" type="slidenum">
+              <a:rPr kumimoji="1" lang="ja-JP" altLang="en-US" smtClean="0"/>
+              <a:t>‹#›</a:t>
+            </a:fld>
+            <a:endParaRPr kumimoji="1" lang="ja-JP" altLang="en-US"/>
+          </a:p>
+        </p:txBody>
+      </p:sp>
+    </p:spTree>
+    <p:extLst>
+      <p:ext uri="{BB962C8B-B14F-4D97-AF65-F5344CB8AC3E}">
+        <p14:creationId xmlns:p14="http://schemas.microsoft.com/office/powerpoint/2010/main" val="1315569673"/>
+      </p:ext>
+    </p:extLst>
+  </p:cSld>
+  <p:clrMap bg1="lt1" tx1="dk1" bg2="lt2" tx2="dk2" accent1="accent1" accent2="accent2" accent3="accent3" accent4="accent4" accent5="accent5" accent6="accent6" hlink="hlink" folHlink="folHlink"/>
+  <p:sldLayoutIdLst>
+    <p:sldLayoutId id="2147483649" r:id="rId1"/>
   </p:sldLayoutIdLst>
   <p:txStyles>
     <p:titleStyle>
@@ -3751,7 +5033,7 @@
           <p:cNvPr id="2" name="タイトル 1">
             <a:extLst>
               <a:ext uri="{FF2B5EF4-FFF2-40B4-BE49-F238E27FC236}">
-                <a16:creationId xmlns:a16="http://schemas.microsoft.com/office/drawing/2014/main" id="{E05A2A36-4ADC-26AD-02CC-38D1664B27D7}"/>
+                <a16:creationId xmlns:a16="http://schemas.microsoft.com/office/drawing/2014/main" id="{567BCC82-8CB1-3055-6FCE-39E6F1E069C2}"/>
               </a:ext>
             </a:extLst>
           </p:cNvPr>
@@ -3768,9 +5050,10 @@
           <a:lstStyle/>
           <a:p>
             <a:r>
-              <a:rPr kumimoji="1" lang="ja-JP" altLang="en-US" dirty="0"/>
-              <a:t>個人成長：伊藤</a:t>
-            </a:r>
+              <a:rPr lang="ja-JP" altLang="en-US" dirty="0"/>
+              <a:t>投稿</a:t>
+            </a:r>
+            <a:endParaRPr kumimoji="1" lang="ja-JP" altLang="en-US" dirty="0"/>
           </a:p>
         </p:txBody>
       </p:sp>
@@ -3779,7 +5062,7 @@
           <p:cNvPr id="3" name="コンテンツ プレースホルダー 2">
             <a:extLst>
               <a:ext uri="{FF2B5EF4-FFF2-40B4-BE49-F238E27FC236}">
-                <a16:creationId xmlns:a16="http://schemas.microsoft.com/office/drawing/2014/main" id="{937B6F24-6D7E-BC20-D021-80FE71CC78AD}"/>
+                <a16:creationId xmlns:a16="http://schemas.microsoft.com/office/drawing/2014/main" id="{A4E6E213-AEA2-33B5-BFFB-4B2752698193}"/>
               </a:ext>
             </a:extLst>
           </p:cNvPr>
@@ -3802,7 +5085,7 @@
     </p:spTree>
     <p:extLst>
       <p:ext uri="{BB962C8B-B14F-4D97-AF65-F5344CB8AC3E}">
-        <p14:creationId xmlns:p14="http://schemas.microsoft.com/office/powerpoint/2010/main" val="3396783837"/>
+        <p14:creationId xmlns:p14="http://schemas.microsoft.com/office/powerpoint/2010/main" val="869612550"/>
       </p:ext>
     </p:extLst>
   </p:cSld>
@@ -3834,15 +5117,15 @@
           <p:cNvPr id="2" name="タイトル 1">
             <a:extLst>
               <a:ext uri="{FF2B5EF4-FFF2-40B4-BE49-F238E27FC236}">
-                <a16:creationId xmlns:a16="http://schemas.microsoft.com/office/drawing/2014/main" id="{A155AD28-3590-A967-BD95-4908AD33C565}"/>
-              </a:ext>
-            </a:extLst>
-          </p:cNvPr>
-          <p:cNvSpPr>
-            <a:spLocks noGrp="1"/>
-          </p:cNvSpPr>
-          <p:nvPr>
-            <p:ph type="title"/>
+                <a16:creationId xmlns:a16="http://schemas.microsoft.com/office/drawing/2014/main" id="{97B0C93D-798D-1298-F0A4-2BC05BA2B9C8}"/>
+              </a:ext>
+            </a:extLst>
+          </p:cNvPr>
+          <p:cNvSpPr>
+            <a:spLocks noGrp="1"/>
+          </p:cNvSpPr>
+          <p:nvPr>
+            <p:ph type="ctrTitle"/>
           </p:nvPr>
         </p:nvSpPr>
         <p:spPr/>
@@ -3852,25 +5135,25 @@
           <a:p>
             <a:r>
               <a:rPr kumimoji="1" lang="ja-JP" altLang="en-US" dirty="0"/>
-              <a:t>個人成長：石田</a:t>
-            </a:r>
-          </a:p>
-        </p:txBody>
-      </p:sp>
-      <p:sp>
-        <p:nvSpPr>
-          <p:cNvPr id="3" name="コンテンツ プレースホルダー 2">
-            <a:extLst>
-              <a:ext uri="{FF2B5EF4-FFF2-40B4-BE49-F238E27FC236}">
-                <a16:creationId xmlns:a16="http://schemas.microsoft.com/office/drawing/2014/main" id="{A8CB6F8D-C515-85D1-0362-92A7DDE473F8}"/>
-              </a:ext>
-            </a:extLst>
-          </p:cNvPr>
-          <p:cNvSpPr>
-            <a:spLocks noGrp="1"/>
-          </p:cNvSpPr>
-          <p:nvPr>
-            <p:ph idx="1"/>
+              <a:t>個人成長</a:t>
+            </a:r>
+          </a:p>
+        </p:txBody>
+      </p:sp>
+      <p:sp>
+        <p:nvSpPr>
+          <p:cNvPr id="3" name="字幕 2">
+            <a:extLst>
+              <a:ext uri="{FF2B5EF4-FFF2-40B4-BE49-F238E27FC236}">
+                <a16:creationId xmlns:a16="http://schemas.microsoft.com/office/drawing/2014/main" id="{B1823E37-FDE8-DB30-92C4-1BC86F173BA5}"/>
+              </a:ext>
+            </a:extLst>
+          </p:cNvPr>
+          <p:cNvSpPr>
+            <a:spLocks noGrp="1"/>
+          </p:cNvSpPr>
+          <p:nvPr>
+            <p:ph type="subTitle" idx="1"/>
           </p:nvPr>
         </p:nvSpPr>
         <p:spPr/>
@@ -3885,7 +5168,7 @@
     </p:spTree>
     <p:extLst>
       <p:ext uri="{BB962C8B-B14F-4D97-AF65-F5344CB8AC3E}">
-        <p14:creationId xmlns:p14="http://schemas.microsoft.com/office/powerpoint/2010/main" val="4049935424"/>
+        <p14:creationId xmlns:p14="http://schemas.microsoft.com/office/powerpoint/2010/main" val="1813133881"/>
       </p:ext>
     </p:extLst>
   </p:cSld>
@@ -3917,7 +5200,7 @@
           <p:cNvPr id="2" name="タイトル 1">
             <a:extLst>
               <a:ext uri="{FF2B5EF4-FFF2-40B4-BE49-F238E27FC236}">
-                <a16:creationId xmlns:a16="http://schemas.microsoft.com/office/drawing/2014/main" id="{6A5614FF-780D-088C-3161-49C0AC587D66}"/>
+                <a16:creationId xmlns:a16="http://schemas.microsoft.com/office/drawing/2014/main" id="{0A9CBAF4-77F7-7A38-92D1-ABEA036B4FA9}"/>
               </a:ext>
             </a:extLst>
           </p:cNvPr>
@@ -3935,7 +5218,7 @@
           <a:p>
             <a:r>
               <a:rPr kumimoji="1" lang="ja-JP" altLang="en-US" dirty="0"/>
-              <a:t>個人成長：菊地</a:t>
+              <a:t>個人成長：遠藤</a:t>
             </a:r>
           </a:p>
         </p:txBody>
@@ -3945,7 +5228,7 @@
           <p:cNvPr id="3" name="コンテンツ プレースホルダー 2">
             <a:extLst>
               <a:ext uri="{FF2B5EF4-FFF2-40B4-BE49-F238E27FC236}">
-                <a16:creationId xmlns:a16="http://schemas.microsoft.com/office/drawing/2014/main" id="{EA0F3B9F-13C9-9EFB-5A4B-48A232C2AECB}"/>
+                <a16:creationId xmlns:a16="http://schemas.microsoft.com/office/drawing/2014/main" id="{590BE91B-FB3C-BD4D-141A-15673B7FE364}"/>
               </a:ext>
             </a:extLst>
           </p:cNvPr>
@@ -3968,7 +5251,7 @@
     </p:spTree>
     <p:extLst>
       <p:ext uri="{BB962C8B-B14F-4D97-AF65-F5344CB8AC3E}">
-        <p14:creationId xmlns:p14="http://schemas.microsoft.com/office/powerpoint/2010/main" val="2926862431"/>
+        <p14:creationId xmlns:p14="http://schemas.microsoft.com/office/powerpoint/2010/main" val="3207308"/>
       </p:ext>
     </p:extLst>
   </p:cSld>
@@ -4000,7 +5283,7 @@
           <p:cNvPr id="2" name="タイトル 1">
             <a:extLst>
               <a:ext uri="{FF2B5EF4-FFF2-40B4-BE49-F238E27FC236}">
-                <a16:creationId xmlns:a16="http://schemas.microsoft.com/office/drawing/2014/main" id="{863C13F7-6F70-0265-46B9-8B304315B195}"/>
+                <a16:creationId xmlns:a16="http://schemas.microsoft.com/office/drawing/2014/main" id="{E05A2A36-4ADC-26AD-02CC-38D1664B27D7}"/>
               </a:ext>
             </a:extLst>
           </p:cNvPr>
@@ -4018,7 +5301,7 @@
           <a:p>
             <a:r>
               <a:rPr kumimoji="1" lang="ja-JP" altLang="en-US" dirty="0"/>
-              <a:t>個人成長：高山</a:t>
+              <a:t>個人成長：伊藤</a:t>
             </a:r>
           </a:p>
         </p:txBody>
@@ -4028,7 +5311,7 @@
           <p:cNvPr id="3" name="コンテンツ プレースホルダー 2">
             <a:extLst>
               <a:ext uri="{FF2B5EF4-FFF2-40B4-BE49-F238E27FC236}">
-                <a16:creationId xmlns:a16="http://schemas.microsoft.com/office/drawing/2014/main" id="{418F4827-B523-FA5B-4F69-94E5962243DD}"/>
+                <a16:creationId xmlns:a16="http://schemas.microsoft.com/office/drawing/2014/main" id="{937B6F24-6D7E-BC20-D021-80FE71CC78AD}"/>
               </a:ext>
             </a:extLst>
           </p:cNvPr>
@@ -4051,7 +5334,7 @@
     </p:spTree>
     <p:extLst>
       <p:ext uri="{BB962C8B-B14F-4D97-AF65-F5344CB8AC3E}">
-        <p14:creationId xmlns:p14="http://schemas.microsoft.com/office/powerpoint/2010/main" val="588876093"/>
+        <p14:creationId xmlns:p14="http://schemas.microsoft.com/office/powerpoint/2010/main" val="3396783837"/>
       </p:ext>
     </p:extLst>
   </p:cSld>
@@ -4083,7 +5366,7 @@
           <p:cNvPr id="2" name="タイトル 1">
             <a:extLst>
               <a:ext uri="{FF2B5EF4-FFF2-40B4-BE49-F238E27FC236}">
-                <a16:creationId xmlns:a16="http://schemas.microsoft.com/office/drawing/2014/main" id="{23453D38-AFCD-D094-F943-96F0DF4032FD}"/>
+                <a16:creationId xmlns:a16="http://schemas.microsoft.com/office/drawing/2014/main" id="{A155AD28-3590-A967-BD95-4908AD33C565}"/>
               </a:ext>
             </a:extLst>
           </p:cNvPr>
@@ -4101,7 +5384,7 @@
           <a:p>
             <a:r>
               <a:rPr kumimoji="1" lang="ja-JP" altLang="en-US" dirty="0"/>
-              <a:t>個人成長：橋本</a:t>
+              <a:t>個人成長：石田</a:t>
             </a:r>
           </a:p>
         </p:txBody>
@@ -4111,7 +5394,7 @@
           <p:cNvPr id="3" name="コンテンツ プレースホルダー 2">
             <a:extLst>
               <a:ext uri="{FF2B5EF4-FFF2-40B4-BE49-F238E27FC236}">
-                <a16:creationId xmlns:a16="http://schemas.microsoft.com/office/drawing/2014/main" id="{F1DA795F-5718-E496-CD4F-4F0E6FCD762F}"/>
+                <a16:creationId xmlns:a16="http://schemas.microsoft.com/office/drawing/2014/main" id="{A8CB6F8D-C515-85D1-0362-92A7DDE473F8}"/>
               </a:ext>
             </a:extLst>
           </p:cNvPr>
@@ -4134,7 +5417,7 @@
     </p:spTree>
     <p:extLst>
       <p:ext uri="{BB962C8B-B14F-4D97-AF65-F5344CB8AC3E}">
-        <p14:creationId xmlns:p14="http://schemas.microsoft.com/office/powerpoint/2010/main" val="133445490"/>
+        <p14:creationId xmlns:p14="http://schemas.microsoft.com/office/powerpoint/2010/main" val="4049935424"/>
       </p:ext>
     </p:extLst>
   </p:cSld>
@@ -4163,10 +5446,38 @@
       </p:grpSpPr>
       <p:sp>
         <p:nvSpPr>
+          <p:cNvPr id="2" name="タイトル 1">
+            <a:extLst>
+              <a:ext uri="{FF2B5EF4-FFF2-40B4-BE49-F238E27FC236}">
+                <a16:creationId xmlns:a16="http://schemas.microsoft.com/office/drawing/2014/main" id="{6A5614FF-780D-088C-3161-49C0AC587D66}"/>
+              </a:ext>
+            </a:extLst>
+          </p:cNvPr>
+          <p:cNvSpPr>
+            <a:spLocks noGrp="1"/>
+          </p:cNvSpPr>
+          <p:nvPr>
+            <p:ph type="title"/>
+          </p:nvPr>
+        </p:nvSpPr>
+        <p:spPr/>
+        <p:txBody>
+          <a:bodyPr/>
+          <a:lstStyle/>
+          <a:p>
+            <a:r>
+              <a:rPr kumimoji="1" lang="ja-JP" altLang="en-US" dirty="0"/>
+              <a:t>個人成長：菊地</a:t>
+            </a:r>
+          </a:p>
+        </p:txBody>
+      </p:sp>
+      <p:sp>
+        <p:nvSpPr>
           <p:cNvPr id="3" name="コンテンツ プレースホルダー 2">
             <a:extLst>
               <a:ext uri="{FF2B5EF4-FFF2-40B4-BE49-F238E27FC236}">
-                <a16:creationId xmlns:a16="http://schemas.microsoft.com/office/drawing/2014/main" id="{691FC2D8-959C-3D1B-D1CD-BA987EF21143}"/>
+                <a16:creationId xmlns:a16="http://schemas.microsoft.com/office/drawing/2014/main" id="{EA0F3B9F-13C9-9EFB-5A4B-48A232C2AECB}"/>
               </a:ext>
             </a:extLst>
           </p:cNvPr>
@@ -4182,26 +5493,753 @@
           <a:bodyPr/>
           <a:lstStyle/>
           <a:p>
-            <a:pPr marL="0" indent="0">
-              <a:buNone/>
-            </a:pPr>
-            <a:r>
-              <a:rPr kumimoji="1" lang="ja-JP" altLang="en-US" dirty="0"/>
-              <a:t>ご清聴ありがとうございました的なスライド</a:t>
-            </a:r>
+            <a:endParaRPr kumimoji="1" lang="ja-JP" altLang="en-US"/>
           </a:p>
         </p:txBody>
       </p:sp>
     </p:spTree>
     <p:extLst>
       <p:ext uri="{BB962C8B-B14F-4D97-AF65-F5344CB8AC3E}">
-        <p14:creationId xmlns:p14="http://schemas.microsoft.com/office/powerpoint/2010/main" val="2174267819"/>
+        <p14:creationId xmlns:p14="http://schemas.microsoft.com/office/powerpoint/2010/main" val="2926862431"/>
       </p:ext>
     </p:extLst>
   </p:cSld>
   <p:clrMapOvr>
     <a:masterClrMapping/>
   </p:clrMapOvr>
+</p:sld>
+</file>
+
+<file path=ppt/slides/slide16.xml><?xml version="1.0" encoding="utf-8"?>
+<p:sld xmlns:a="http://schemas.openxmlformats.org/drawingml/2006/main" xmlns:r="http://schemas.openxmlformats.org/officeDocument/2006/relationships" xmlns:p="http://schemas.openxmlformats.org/presentationml/2006/main">
+  <p:cSld>
+    <p:spTree>
+      <p:nvGrpSpPr>
+        <p:cNvPr id="1" name=""/>
+        <p:cNvGrpSpPr/>
+        <p:nvPr/>
+      </p:nvGrpSpPr>
+      <p:grpSpPr>
+        <a:xfrm>
+          <a:off x="0" y="0"/>
+          <a:ext cx="0" cy="0"/>
+          <a:chOff x="0" y="0"/>
+          <a:chExt cx="0" cy="0"/>
+        </a:xfrm>
+      </p:grpSpPr>
+      <p:sp>
+        <p:nvSpPr>
+          <p:cNvPr id="2" name="タイトル 1">
+            <a:extLst>
+              <a:ext uri="{FF2B5EF4-FFF2-40B4-BE49-F238E27FC236}">
+                <a16:creationId xmlns:a16="http://schemas.microsoft.com/office/drawing/2014/main" id="{863C13F7-6F70-0265-46B9-8B304315B195}"/>
+              </a:ext>
+            </a:extLst>
+          </p:cNvPr>
+          <p:cNvSpPr>
+            <a:spLocks noGrp="1"/>
+          </p:cNvSpPr>
+          <p:nvPr>
+            <p:ph type="title"/>
+          </p:nvPr>
+        </p:nvSpPr>
+        <p:spPr/>
+        <p:txBody>
+          <a:bodyPr/>
+          <a:lstStyle/>
+          <a:p>
+            <a:r>
+              <a:rPr kumimoji="1" lang="ja-JP" altLang="en-US" dirty="0"/>
+              <a:t>個人成長：高山</a:t>
+            </a:r>
+          </a:p>
+        </p:txBody>
+      </p:sp>
+      <p:sp>
+        <p:nvSpPr>
+          <p:cNvPr id="3" name="コンテンツ プレースホルダー 2">
+            <a:extLst>
+              <a:ext uri="{FF2B5EF4-FFF2-40B4-BE49-F238E27FC236}">
+                <a16:creationId xmlns:a16="http://schemas.microsoft.com/office/drawing/2014/main" id="{418F4827-B523-FA5B-4F69-94E5962243DD}"/>
+              </a:ext>
+            </a:extLst>
+          </p:cNvPr>
+          <p:cNvSpPr>
+            <a:spLocks noGrp="1"/>
+          </p:cNvSpPr>
+          <p:nvPr>
+            <p:ph idx="1"/>
+          </p:nvPr>
+        </p:nvSpPr>
+        <p:spPr/>
+        <p:txBody>
+          <a:bodyPr/>
+          <a:lstStyle/>
+          <a:p>
+            <a:endParaRPr kumimoji="1" lang="ja-JP" altLang="en-US"/>
+          </a:p>
+        </p:txBody>
+      </p:sp>
+    </p:spTree>
+    <p:extLst>
+      <p:ext uri="{BB962C8B-B14F-4D97-AF65-F5344CB8AC3E}">
+        <p14:creationId xmlns:p14="http://schemas.microsoft.com/office/powerpoint/2010/main" val="588876093"/>
+      </p:ext>
+    </p:extLst>
+  </p:cSld>
+  <p:clrMapOvr>
+    <a:masterClrMapping/>
+  </p:clrMapOvr>
+</p:sld>
+</file>
+
+<file path=ppt/slides/slide17.xml><?xml version="1.0" encoding="utf-8"?>
+<p:sld xmlns:a="http://schemas.openxmlformats.org/drawingml/2006/main" xmlns:r="http://schemas.openxmlformats.org/officeDocument/2006/relationships" xmlns:p="http://schemas.openxmlformats.org/presentationml/2006/main">
+  <p:cSld>
+    <p:spTree>
+      <p:nvGrpSpPr>
+        <p:cNvPr id="1" name=""/>
+        <p:cNvGrpSpPr/>
+        <p:nvPr/>
+      </p:nvGrpSpPr>
+      <p:grpSpPr>
+        <a:xfrm>
+          <a:off x="0" y="0"/>
+          <a:ext cx="0" cy="0"/>
+          <a:chOff x="0" y="0"/>
+          <a:chExt cx="0" cy="0"/>
+        </a:xfrm>
+      </p:grpSpPr>
+      <p:sp>
+        <p:nvSpPr>
+          <p:cNvPr id="2" name="タイトル 1">
+            <a:extLst>
+              <a:ext uri="{FF2B5EF4-FFF2-40B4-BE49-F238E27FC236}">
+                <a16:creationId xmlns:a16="http://schemas.microsoft.com/office/drawing/2014/main" id="{23453D38-AFCD-D094-F943-96F0DF4032FD}"/>
+              </a:ext>
+            </a:extLst>
+          </p:cNvPr>
+          <p:cNvSpPr>
+            <a:spLocks noGrp="1"/>
+          </p:cNvSpPr>
+          <p:nvPr>
+            <p:ph type="title"/>
+          </p:nvPr>
+        </p:nvSpPr>
+        <p:spPr/>
+        <p:txBody>
+          <a:bodyPr/>
+          <a:lstStyle/>
+          <a:p>
+            <a:r>
+              <a:rPr kumimoji="1" lang="ja-JP" altLang="en-US" dirty="0"/>
+              <a:t>個人成長：橋本</a:t>
+            </a:r>
+          </a:p>
+        </p:txBody>
+      </p:sp>
+      <p:sp>
+        <p:nvSpPr>
+          <p:cNvPr id="3" name="コンテンツ プレースホルダー 2">
+            <a:extLst>
+              <a:ext uri="{FF2B5EF4-FFF2-40B4-BE49-F238E27FC236}">
+                <a16:creationId xmlns:a16="http://schemas.microsoft.com/office/drawing/2014/main" id="{F1DA795F-5718-E496-CD4F-4F0E6FCD762F}"/>
+              </a:ext>
+            </a:extLst>
+          </p:cNvPr>
+          <p:cNvSpPr>
+            <a:spLocks noGrp="1"/>
+          </p:cNvSpPr>
+          <p:nvPr>
+            <p:ph idx="1"/>
+          </p:nvPr>
+        </p:nvSpPr>
+        <p:spPr/>
+        <p:txBody>
+          <a:bodyPr/>
+          <a:lstStyle/>
+          <a:p>
+            <a:endParaRPr kumimoji="1" lang="ja-JP" altLang="en-US"/>
+          </a:p>
+        </p:txBody>
+      </p:sp>
+    </p:spTree>
+    <p:extLst>
+      <p:ext uri="{BB962C8B-B14F-4D97-AF65-F5344CB8AC3E}">
+        <p14:creationId xmlns:p14="http://schemas.microsoft.com/office/powerpoint/2010/main" val="133445490"/>
+      </p:ext>
+    </p:extLst>
+  </p:cSld>
+  <p:clrMapOvr>
+    <a:masterClrMapping/>
+  </p:clrMapOvr>
+</p:sld>
+</file>
+
+<file path=ppt/slides/slide18.xml><?xml version="1.0" encoding="utf-8"?>
+<p:sld xmlns:a="http://schemas.openxmlformats.org/drawingml/2006/main" xmlns:r="http://schemas.openxmlformats.org/officeDocument/2006/relationships" xmlns:p="http://schemas.openxmlformats.org/presentationml/2006/main">
+  <p:cSld>
+    <p:spTree>
+      <p:nvGrpSpPr>
+        <p:cNvPr id="1" name=""/>
+        <p:cNvGrpSpPr/>
+        <p:nvPr/>
+      </p:nvGrpSpPr>
+      <p:grpSpPr>
+        <a:xfrm>
+          <a:off x="0" y="0"/>
+          <a:ext cx="0" cy="0"/>
+          <a:chOff x="0" y="0"/>
+          <a:chExt cx="0" cy="0"/>
+        </a:xfrm>
+      </p:grpSpPr>
+      <p:pic>
+        <p:nvPicPr>
+          <p:cNvPr id="1036" name="Picture 12">
+            <a:extLst>
+              <a:ext uri="{FF2B5EF4-FFF2-40B4-BE49-F238E27FC236}">
+                <a16:creationId xmlns:a16="http://schemas.microsoft.com/office/drawing/2014/main" id="{0CD25576-0D6C-46E1-67CF-7F62DF766819}"/>
+              </a:ext>
+            </a:extLst>
+          </p:cNvPr>
+          <p:cNvPicPr>
+            <a:picLocks noChangeAspect="1" noChangeArrowheads="1"/>
+          </p:cNvPicPr>
+          <p:nvPr/>
+        </p:nvPicPr>
+        <p:blipFill>
+          <a:blip r:embed="rId3">
+            <a:duotone>
+              <a:schemeClr val="accent6">
+                <a:shade val="45000"/>
+                <a:satMod val="135000"/>
+              </a:schemeClr>
+              <a:prstClr val="white"/>
+            </a:duotone>
+            <a:extLst>
+              <a:ext uri="{28A0092B-C50C-407E-A947-70E740481C1C}">
+                <a14:useLocalDpi xmlns:a14="http://schemas.microsoft.com/office/drawing/2010/main" val="0"/>
+              </a:ext>
+            </a:extLst>
+          </a:blip>
+          <a:srcRect/>
+          <a:stretch>
+            <a:fillRect/>
+          </a:stretch>
+        </p:blipFill>
+        <p:spPr bwMode="auto">
+          <a:xfrm>
+            <a:off x="731962" y="1"/>
+            <a:ext cx="10728076" cy="1930400"/>
+          </a:xfrm>
+          <a:prstGeom prst="rect">
+            <a:avLst/>
+          </a:prstGeom>
+          <a:noFill/>
+          <a:extLst>
+            <a:ext uri="{909E8E84-426E-40DD-AFC4-6F175D3DCCD1}">
+              <a14:hiddenFill xmlns:a14="http://schemas.microsoft.com/office/drawing/2010/main">
+                <a:solidFill>
+                  <a:srgbClr val="FFFFFF"/>
+                </a:solidFill>
+              </a14:hiddenFill>
+            </a:ext>
+          </a:extLst>
+        </p:spPr>
+      </p:pic>
+      <p:sp>
+        <p:nvSpPr>
+          <p:cNvPr id="3" name="字幕 2">
+            <a:extLst>
+              <a:ext uri="{FF2B5EF4-FFF2-40B4-BE49-F238E27FC236}">
+                <a16:creationId xmlns:a16="http://schemas.microsoft.com/office/drawing/2014/main" id="{B9C9FA85-31F3-4C52-2DB3-21CCC84B3594}"/>
+              </a:ext>
+            </a:extLst>
+          </p:cNvPr>
+          <p:cNvSpPr>
+            <a:spLocks noGrp="1"/>
+          </p:cNvSpPr>
+          <p:nvPr>
+            <p:ph type="subTitle" idx="1"/>
+          </p:nvPr>
+        </p:nvSpPr>
+        <p:spPr>
+          <a:xfrm>
+            <a:off x="2392487" y="584959"/>
+            <a:ext cx="7407025" cy="929814"/>
+          </a:xfrm>
+        </p:spPr>
+        <p:txBody>
+          <a:bodyPr>
+            <a:noAutofit/>
+          </a:bodyPr>
+          <a:lstStyle/>
+          <a:p>
+            <a:r>
+              <a:rPr lang="en-US" altLang="ja-JP" sz="4800" dirty="0">
+                <a:solidFill>
+                  <a:schemeClr val="bg1"/>
+                </a:solidFill>
+                <a:latin typeface="HGS行書体" panose="03000600000000000000" pitchFamily="66" charset="-128"/>
+                <a:ea typeface="HGS行書体" panose="03000600000000000000" pitchFamily="66" charset="-128"/>
+              </a:rPr>
+              <a:t>B3 </a:t>
+            </a:r>
+            <a:r>
+              <a:rPr lang="ja-JP" altLang="en-US" sz="4800" dirty="0">
+                <a:solidFill>
+                  <a:schemeClr val="bg1"/>
+                </a:solidFill>
+                <a:latin typeface="HGS行書体" panose="03000600000000000000" pitchFamily="66" charset="-128"/>
+                <a:ea typeface="HGS行書体" panose="03000600000000000000" pitchFamily="66" charset="-128"/>
+              </a:rPr>
+              <a:t>炙りえんがわ</a:t>
+            </a:r>
+            <a:endParaRPr lang="en-US" altLang="ja-JP" sz="4800" dirty="0">
+              <a:solidFill>
+                <a:schemeClr val="bg1"/>
+              </a:solidFill>
+              <a:latin typeface="HGS行書体" panose="03000600000000000000" pitchFamily="66" charset="-128"/>
+              <a:ea typeface="HGS行書体" panose="03000600000000000000" pitchFamily="66" charset="-128"/>
+            </a:endParaRPr>
+          </a:p>
+        </p:txBody>
+      </p:sp>
+      <p:pic>
+        <p:nvPicPr>
+          <p:cNvPr id="1032" name="Picture 8">
+            <a:extLst>
+              <a:ext uri="{FF2B5EF4-FFF2-40B4-BE49-F238E27FC236}">
+                <a16:creationId xmlns:a16="http://schemas.microsoft.com/office/drawing/2014/main" id="{58AAFB82-1920-F453-21BA-A85B229D3377}"/>
+              </a:ext>
+            </a:extLst>
+          </p:cNvPr>
+          <p:cNvPicPr>
+            <a:picLocks noChangeAspect="1" noChangeArrowheads="1"/>
+          </p:cNvPicPr>
+          <p:nvPr/>
+        </p:nvPicPr>
+        <p:blipFill>
+          <a:blip r:embed="rId4">
+            <a:extLst>
+              <a:ext uri="{28A0092B-C50C-407E-A947-70E740481C1C}">
+                <a14:useLocalDpi xmlns:a14="http://schemas.microsoft.com/office/drawing/2010/main" val="0"/>
+              </a:ext>
+            </a:extLst>
+          </a:blip>
+          <a:srcRect/>
+          <a:stretch>
+            <a:fillRect/>
+          </a:stretch>
+        </p:blipFill>
+        <p:spPr bwMode="auto">
+          <a:xfrm>
+            <a:off x="616215" y="3545608"/>
+            <a:ext cx="1900238" cy="2763983"/>
+          </a:xfrm>
+          <a:prstGeom prst="rect">
+            <a:avLst/>
+          </a:prstGeom>
+          <a:noFill/>
+          <a:extLst>
+            <a:ext uri="{909E8E84-426E-40DD-AFC4-6F175D3DCCD1}">
+              <a14:hiddenFill xmlns:a14="http://schemas.microsoft.com/office/drawing/2010/main">
+                <a:solidFill>
+                  <a:srgbClr val="FFFFFF"/>
+                </a:solidFill>
+              </a14:hiddenFill>
+            </a:ext>
+          </a:extLst>
+        </p:spPr>
+      </p:pic>
+      <p:pic>
+        <p:nvPicPr>
+          <p:cNvPr id="1034" name="Picture 10">
+            <a:extLst>
+              <a:ext uri="{FF2B5EF4-FFF2-40B4-BE49-F238E27FC236}">
+                <a16:creationId xmlns:a16="http://schemas.microsoft.com/office/drawing/2014/main" id="{B57438F9-2BFD-C78C-6957-E190FD9AF275}"/>
+              </a:ext>
+            </a:extLst>
+          </p:cNvPr>
+          <p:cNvPicPr>
+            <a:picLocks noChangeAspect="1" noChangeArrowheads="1"/>
+          </p:cNvPicPr>
+          <p:nvPr/>
+        </p:nvPicPr>
+        <p:blipFill>
+          <a:blip r:embed="rId5">
+            <a:extLst>
+              <a:ext uri="{28A0092B-C50C-407E-A947-70E740481C1C}">
+                <a14:useLocalDpi xmlns:a14="http://schemas.microsoft.com/office/drawing/2010/main" val="0"/>
+              </a:ext>
+            </a:extLst>
+          </a:blip>
+          <a:srcRect/>
+          <a:stretch>
+            <a:fillRect/>
+          </a:stretch>
+        </p:blipFill>
+        <p:spPr bwMode="auto">
+          <a:xfrm flipH="1">
+            <a:off x="9777147" y="3594964"/>
+            <a:ext cx="1900239" cy="2714627"/>
+          </a:xfrm>
+          <a:prstGeom prst="rect">
+            <a:avLst/>
+          </a:prstGeom>
+          <a:noFill/>
+          <a:extLst>
+            <a:ext uri="{909E8E84-426E-40DD-AFC4-6F175D3DCCD1}">
+              <a14:hiddenFill xmlns:a14="http://schemas.microsoft.com/office/drawing/2010/main">
+                <a:solidFill>
+                  <a:srgbClr val="FFFFFF"/>
+                </a:solidFill>
+              </a14:hiddenFill>
+            </a:ext>
+          </a:extLst>
+        </p:spPr>
+      </p:pic>
+      <p:pic>
+        <p:nvPicPr>
+          <p:cNvPr id="8" name="Picture 6">
+            <a:extLst>
+              <a:ext uri="{FF2B5EF4-FFF2-40B4-BE49-F238E27FC236}">
+                <a16:creationId xmlns:a16="http://schemas.microsoft.com/office/drawing/2014/main" id="{A4C4055A-E209-6536-8A2B-212A0176FAAF}"/>
+              </a:ext>
+            </a:extLst>
+          </p:cNvPr>
+          <p:cNvPicPr>
+            <a:picLocks noChangeAspect="1" noChangeArrowheads="1"/>
+          </p:cNvPicPr>
+          <p:nvPr/>
+        </p:nvPicPr>
+        <p:blipFill>
+          <a:blip r:embed="rId6">
+            <a:extLst>
+              <a:ext uri="{28A0092B-C50C-407E-A947-70E740481C1C}">
+                <a14:useLocalDpi xmlns:a14="http://schemas.microsoft.com/office/drawing/2010/main" val="0"/>
+              </a:ext>
+            </a:extLst>
+          </a:blip>
+          <a:srcRect/>
+          <a:stretch>
+            <a:fillRect/>
+          </a:stretch>
+        </p:blipFill>
+        <p:spPr bwMode="auto">
+          <a:xfrm rot="20742482">
+            <a:off x="140668" y="5691187"/>
+            <a:ext cx="951092" cy="833395"/>
+          </a:xfrm>
+          <a:prstGeom prst="rect">
+            <a:avLst/>
+          </a:prstGeom>
+          <a:noFill/>
+          <a:extLst>
+            <a:ext uri="{909E8E84-426E-40DD-AFC4-6F175D3DCCD1}">
+              <a14:hiddenFill xmlns:a14="http://schemas.microsoft.com/office/drawing/2010/main">
+                <a:solidFill>
+                  <a:srgbClr val="FFFFFF"/>
+                </a:solidFill>
+              </a14:hiddenFill>
+            </a:ext>
+          </a:extLst>
+        </p:spPr>
+      </p:pic>
+      <p:pic>
+        <p:nvPicPr>
+          <p:cNvPr id="9" name="Picture 2">
+            <a:extLst>
+              <a:ext uri="{FF2B5EF4-FFF2-40B4-BE49-F238E27FC236}">
+                <a16:creationId xmlns:a16="http://schemas.microsoft.com/office/drawing/2014/main" id="{2BC982C6-47BF-1032-1FEC-48744E03CB1C}"/>
+              </a:ext>
+            </a:extLst>
+          </p:cNvPr>
+          <p:cNvPicPr>
+            <a:picLocks noChangeAspect="1" noChangeArrowheads="1"/>
+          </p:cNvPicPr>
+          <p:nvPr/>
+        </p:nvPicPr>
+        <p:blipFill>
+          <a:blip r:embed="rId7">
+            <a:extLst>
+              <a:ext uri="{28A0092B-C50C-407E-A947-70E740481C1C}">
+                <a14:useLocalDpi xmlns:a14="http://schemas.microsoft.com/office/drawing/2010/main" val="0"/>
+              </a:ext>
+            </a:extLst>
+          </a:blip>
+          <a:srcRect/>
+          <a:stretch>
+            <a:fillRect/>
+          </a:stretch>
+        </p:blipFill>
+        <p:spPr bwMode="auto">
+          <a:xfrm rot="21437601" flipH="1">
+            <a:off x="9507489" y="5815102"/>
+            <a:ext cx="766928" cy="810254"/>
+          </a:xfrm>
+          <a:prstGeom prst="rect">
+            <a:avLst/>
+          </a:prstGeom>
+          <a:noFill/>
+          <a:extLst>
+            <a:ext uri="{909E8E84-426E-40DD-AFC4-6F175D3DCCD1}">
+              <a14:hiddenFill xmlns:a14="http://schemas.microsoft.com/office/drawing/2010/main">
+                <a:solidFill>
+                  <a:srgbClr val="FFFFFF"/>
+                </a:solidFill>
+              </a14:hiddenFill>
+            </a:ext>
+          </a:extLst>
+        </p:spPr>
+      </p:pic>
+      <p:pic>
+        <p:nvPicPr>
+          <p:cNvPr id="11" name="Picture 4">
+            <a:extLst>
+              <a:ext uri="{FF2B5EF4-FFF2-40B4-BE49-F238E27FC236}">
+                <a16:creationId xmlns:a16="http://schemas.microsoft.com/office/drawing/2014/main" id="{A83031DD-8346-005C-22D3-9F5D8D1C8652}"/>
+              </a:ext>
+            </a:extLst>
+          </p:cNvPr>
+          <p:cNvPicPr>
+            <a:picLocks noChangeAspect="1" noChangeArrowheads="1"/>
+          </p:cNvPicPr>
+          <p:nvPr/>
+        </p:nvPicPr>
+        <p:blipFill>
+          <a:blip r:embed="rId8">
+            <a:extLst>
+              <a:ext uri="{28A0092B-C50C-407E-A947-70E740481C1C}">
+                <a14:useLocalDpi xmlns:a14="http://schemas.microsoft.com/office/drawing/2010/main" val="0"/>
+              </a:ext>
+            </a:extLst>
+          </a:blip>
+          <a:srcRect/>
+          <a:stretch>
+            <a:fillRect/>
+          </a:stretch>
+        </p:blipFill>
+        <p:spPr bwMode="auto">
+          <a:xfrm>
+            <a:off x="11178128" y="5888736"/>
+            <a:ext cx="588774" cy="590006"/>
+          </a:xfrm>
+          <a:prstGeom prst="rect">
+            <a:avLst/>
+          </a:prstGeom>
+          <a:noFill/>
+          <a:extLst>
+            <a:ext uri="{909E8E84-426E-40DD-AFC4-6F175D3DCCD1}">
+              <a14:hiddenFill xmlns:a14="http://schemas.microsoft.com/office/drawing/2010/main">
+                <a:solidFill>
+                  <a:srgbClr val="FFFFFF"/>
+                </a:solidFill>
+              </a14:hiddenFill>
+            </a:ext>
+          </a:extLst>
+        </p:spPr>
+      </p:pic>
+      <p:pic>
+        <p:nvPicPr>
+          <p:cNvPr id="1026" name="Picture 2">
+            <a:extLst>
+              <a:ext uri="{FF2B5EF4-FFF2-40B4-BE49-F238E27FC236}">
+                <a16:creationId xmlns:a16="http://schemas.microsoft.com/office/drawing/2014/main" id="{15B49DEE-1D82-97C5-15D4-31B6E278CADB}"/>
+              </a:ext>
+            </a:extLst>
+          </p:cNvPr>
+          <p:cNvPicPr>
+            <a:picLocks noChangeAspect="1" noChangeArrowheads="1"/>
+          </p:cNvPicPr>
+          <p:nvPr/>
+        </p:nvPicPr>
+        <p:blipFill>
+          <a:blip r:embed="rId9">
+            <a:extLst>
+              <a:ext uri="{28A0092B-C50C-407E-A947-70E740481C1C}">
+                <a14:useLocalDpi xmlns:a14="http://schemas.microsoft.com/office/drawing/2010/main" val="0"/>
+              </a:ext>
+            </a:extLst>
+          </a:blip>
+          <a:srcRect/>
+          <a:stretch>
+            <a:fillRect/>
+          </a:stretch>
+        </p:blipFill>
+        <p:spPr bwMode="auto">
+          <a:xfrm>
+            <a:off x="2156357" y="5797445"/>
+            <a:ext cx="773110" cy="737307"/>
+          </a:xfrm>
+          <a:prstGeom prst="rect">
+            <a:avLst/>
+          </a:prstGeom>
+          <a:noFill/>
+          <a:extLst>
+            <a:ext uri="{909E8E84-426E-40DD-AFC4-6F175D3DCCD1}">
+              <a14:hiddenFill xmlns:a14="http://schemas.microsoft.com/office/drawing/2010/main">
+                <a:solidFill>
+                  <a:srgbClr val="FFFFFF"/>
+                </a:solidFill>
+              </a14:hiddenFill>
+            </a:ext>
+          </a:extLst>
+        </p:spPr>
+      </p:pic>
+      <p:sp>
+        <p:nvSpPr>
+          <p:cNvPr id="5" name="タイトル 4">
+            <a:extLst>
+              <a:ext uri="{FF2B5EF4-FFF2-40B4-BE49-F238E27FC236}">
+                <a16:creationId xmlns:a16="http://schemas.microsoft.com/office/drawing/2014/main" id="{024DB6ED-1995-07CC-6153-6684553392AF}"/>
+              </a:ext>
+            </a:extLst>
+          </p:cNvPr>
+          <p:cNvSpPr>
+            <a:spLocks noGrp="1"/>
+          </p:cNvSpPr>
+          <p:nvPr>
+            <p:ph type="ctrTitle"/>
+          </p:nvPr>
+        </p:nvSpPr>
+        <p:spPr/>
+        <p:txBody>
+          <a:bodyPr/>
+          <a:lstStyle/>
+          <a:p>
+            <a:endParaRPr lang="ja-JP" altLang="en-US"/>
+          </a:p>
+        </p:txBody>
+      </p:sp>
+    </p:spTree>
+    <p:extLst>
+      <p:ext uri="{BB962C8B-B14F-4D97-AF65-F5344CB8AC3E}">
+        <p14:creationId xmlns:p14="http://schemas.microsoft.com/office/powerpoint/2010/main" val="712348235"/>
+      </p:ext>
+    </p:extLst>
+  </p:cSld>
+  <p:clrMapOvr>
+    <a:masterClrMapping/>
+  </p:clrMapOvr>
+  <p:timing>
+    <p:tnLst>
+      <p:par>
+        <p:cTn id="1" dur="indefinite" restart="never" nodeType="tmRoot">
+          <p:childTnLst>
+            <p:seq concurrent="1" nextAc="seek">
+              <p:cTn id="2" dur="indefinite" nodeType="mainSeq">
+                <p:childTnLst>
+                  <p:par>
+                    <p:cTn id="3" fill="hold">
+                      <p:stCondLst>
+                        <p:cond delay="indefinite"/>
+                      </p:stCondLst>
+                      <p:childTnLst>
+                        <p:par>
+                          <p:cTn id="4" fill="hold">
+                            <p:stCondLst>
+                              <p:cond delay="0"/>
+                            </p:stCondLst>
+                            <p:childTnLst>
+                              <p:par>
+                                <p:cTn id="5" presetID="10" presetClass="exit" presetSubtype="0" fill="hold" nodeType="clickEffect">
+                                  <p:stCondLst>
+                                    <p:cond delay="0"/>
+                                  </p:stCondLst>
+                                  <p:childTnLst>
+                                    <p:animEffect transition="out" filter="fade">
+                                      <p:cBhvr>
+                                        <p:cTn id="6" dur="500"/>
+                                        <p:tgtEl>
+                                          <p:spTgt spid="1032"/>
+                                        </p:tgtEl>
+                                      </p:cBhvr>
+                                    </p:animEffect>
+                                    <p:set>
+                                      <p:cBhvr>
+                                        <p:cTn id="7" dur="1" fill="hold">
+                                          <p:stCondLst>
+                                            <p:cond delay="499"/>
+                                          </p:stCondLst>
+                                        </p:cTn>
+                                        <p:tgtEl>
+                                          <p:spTgt spid="1032"/>
+                                        </p:tgtEl>
+                                        <p:attrNameLst>
+                                          <p:attrName>style.visibility</p:attrName>
+                                        </p:attrNameLst>
+                                      </p:cBhvr>
+                                      <p:to>
+                                        <p:strVal val="hidden"/>
+                                      </p:to>
+                                    </p:set>
+                                  </p:childTnLst>
+                                </p:cTn>
+                              </p:par>
+                              <p:par>
+                                <p:cTn id="8" presetID="10" presetClass="exit" presetSubtype="0" fill="hold" nodeType="withEffect">
+                                  <p:stCondLst>
+                                    <p:cond delay="0"/>
+                                  </p:stCondLst>
+                                  <p:childTnLst>
+                                    <p:animEffect transition="out" filter="fade">
+                                      <p:cBhvr>
+                                        <p:cTn id="9" dur="500"/>
+                                        <p:tgtEl>
+                                          <p:spTgt spid="1034"/>
+                                        </p:tgtEl>
+                                      </p:cBhvr>
+                                    </p:animEffect>
+                                    <p:set>
+                                      <p:cBhvr>
+                                        <p:cTn id="10" dur="1" fill="hold">
+                                          <p:stCondLst>
+                                            <p:cond delay="499"/>
+                                          </p:stCondLst>
+                                        </p:cTn>
+                                        <p:tgtEl>
+                                          <p:spTgt spid="1034"/>
+                                        </p:tgtEl>
+                                        <p:attrNameLst>
+                                          <p:attrName>style.visibility</p:attrName>
+                                        </p:attrNameLst>
+                                      </p:cBhvr>
+                                      <p:to>
+                                        <p:strVal val="hidden"/>
+                                      </p:to>
+                                    </p:set>
+                                  </p:childTnLst>
+                                </p:cTn>
+                              </p:par>
+                            </p:childTnLst>
+                          </p:cTn>
+                        </p:par>
+                      </p:childTnLst>
+                    </p:cTn>
+                  </p:par>
+                </p:childTnLst>
+              </p:cTn>
+              <p:prevCondLst>
+                <p:cond evt="onPrev" delay="0">
+                  <p:tgtEl>
+                    <p:sldTgt/>
+                  </p:tgtEl>
+                </p:cond>
+              </p:prevCondLst>
+              <p:nextCondLst>
+                <p:cond evt="onNext" delay="0">
+                  <p:tgtEl>
+                    <p:sldTgt/>
+                  </p:tgtEl>
+                </p:cond>
+              </p:nextCondLst>
+            </p:seq>
+          </p:childTnLst>
+        </p:cTn>
+      </p:par>
+    </p:tnLst>
+  </p:timing>
 </p:sld>
 </file>
 
@@ -4277,8 +6315,127 @@
           <a:p>
             <a:r>
               <a:rPr kumimoji="1" lang="ja-JP" altLang="en-US" dirty="0"/>
-              <a:t>コンセプトなど</a:t>
-            </a:r>
+              <a:t>「</a:t>
+            </a:r>
+            <a:r>
+              <a:rPr kumimoji="1" lang="en-US" altLang="ja-JP" dirty="0">
+                <a:solidFill>
+                  <a:srgbClr val="FF0000"/>
+                </a:solidFill>
+              </a:rPr>
+              <a:t>Netflix</a:t>
+            </a:r>
+            <a:r>
+              <a:rPr kumimoji="1" lang="en-US" altLang="ja-JP" dirty="0"/>
+              <a:t> </a:t>
+            </a:r>
+            <a:r>
+              <a:rPr kumimoji="1" lang="en-US" altLang="ja-JP" dirty="0">
+                <a:solidFill>
+                  <a:srgbClr val="FF0000"/>
+                </a:solidFill>
+              </a:rPr>
+              <a:t>freak</a:t>
+            </a:r>
+            <a:r>
+              <a:rPr kumimoji="1" lang="en-US" altLang="ja-JP" dirty="0"/>
+              <a:t>(Netflix </a:t>
+            </a:r>
+            <a:r>
+              <a:rPr kumimoji="1" lang="ja-JP" altLang="en-US" dirty="0"/>
+              <a:t>愛好家</a:t>
+            </a:r>
+            <a:r>
+              <a:rPr kumimoji="1" lang="en-US" altLang="ja-JP" dirty="0"/>
+              <a:t>)</a:t>
+            </a:r>
+            <a:r>
+              <a:rPr kumimoji="1" lang="ja-JP" altLang="en-US" dirty="0"/>
+              <a:t>」という造語の略称</a:t>
+            </a:r>
+            <a:endParaRPr kumimoji="1" lang="en-US" altLang="ja-JP" dirty="0"/>
+          </a:p>
+          <a:p>
+            <a:r>
+              <a:rPr kumimoji="1" lang="ja-JP" altLang="en-US" dirty="0"/>
+              <a:t>コロナ禍で家での活動時間が増えた影響で、サブスクリプションサービスを利用する人が増えた。</a:t>
+            </a:r>
+            <a:endParaRPr kumimoji="1" lang="en-US" altLang="ja-JP" dirty="0"/>
+          </a:p>
+          <a:p>
+            <a:pPr marL="0" indent="0">
+              <a:buNone/>
+            </a:pPr>
+            <a:r>
+              <a:rPr lang="ja-JP" altLang="en-US" dirty="0"/>
+              <a:t>→</a:t>
+            </a:r>
+            <a:r>
+              <a:rPr kumimoji="1" lang="ja-JP" altLang="en-US" dirty="0"/>
+              <a:t>特に</a:t>
+            </a:r>
+            <a:r>
+              <a:rPr kumimoji="1" lang="en-US" altLang="ja-JP" dirty="0"/>
+              <a:t>Netflix</a:t>
+            </a:r>
+            <a:r>
+              <a:rPr kumimoji="1" lang="ja-JP" altLang="en-US" dirty="0"/>
+              <a:t>は</a:t>
+            </a:r>
+            <a:r>
+              <a:rPr kumimoji="1" lang="en-US" altLang="ja-JP" dirty="0"/>
+              <a:t>20</a:t>
+            </a:r>
+            <a:r>
+              <a:rPr kumimoji="1" lang="ja-JP" altLang="en-US" dirty="0"/>
+              <a:t>代の利用者は全体の約</a:t>
+            </a:r>
+            <a:r>
+              <a:rPr kumimoji="1" lang="en-US" altLang="ja-JP" dirty="0"/>
+              <a:t>4</a:t>
+            </a:r>
+            <a:r>
+              <a:rPr kumimoji="1" lang="ja-JP" altLang="en-US" dirty="0"/>
+              <a:t>割を占める。</a:t>
+            </a:r>
+          </a:p>
+          <a:p>
+            <a:r>
+              <a:rPr kumimoji="1" lang="ja-JP" altLang="en-US" dirty="0"/>
+              <a:t>現状で</a:t>
+            </a:r>
+            <a:r>
+              <a:rPr kumimoji="1" lang="en-US" altLang="ja-JP" dirty="0"/>
+              <a:t>Netflix</a:t>
+            </a:r>
+            <a:r>
+              <a:rPr kumimoji="1" lang="ja-JP" altLang="en-US" dirty="0"/>
+              <a:t>には評価機能やコメント機能がない。</a:t>
+            </a:r>
+            <a:endParaRPr kumimoji="1" lang="en-US" altLang="ja-JP" dirty="0"/>
+          </a:p>
+          <a:p>
+            <a:pPr marL="0" indent="0">
+              <a:buNone/>
+            </a:pPr>
+            <a:r>
+              <a:rPr lang="ja-JP" altLang="en-US" dirty="0"/>
+              <a:t>→</a:t>
+            </a:r>
+            <a:r>
+              <a:rPr kumimoji="1" lang="en-US" altLang="ja-JP" dirty="0"/>
+              <a:t>FLIFRE</a:t>
+            </a:r>
+            <a:r>
+              <a:rPr kumimoji="1" lang="ja-JP" altLang="en-US" dirty="0"/>
+              <a:t>を介して作品の評価をユーザー間で共有できるようにしてもらおう！</a:t>
+            </a:r>
+          </a:p>
+          <a:p>
+            <a:pPr marL="0" indent="0">
+              <a:buNone/>
+            </a:pPr>
+            <a:endParaRPr kumimoji="1" lang="ja-JP" altLang="en-US" dirty="0"/>
           </a:p>
         </p:txBody>
       </p:sp>
@@ -4317,7 +6474,7 @@
           <p:cNvPr id="2" name="タイトル 1">
             <a:extLst>
               <a:ext uri="{FF2B5EF4-FFF2-40B4-BE49-F238E27FC236}">
-                <a16:creationId xmlns:a16="http://schemas.microsoft.com/office/drawing/2014/main" id="{567BCC82-8CB1-3055-6FCE-39E6F1E069C2}"/>
+                <a16:creationId xmlns:a16="http://schemas.microsoft.com/office/drawing/2014/main" id="{E31D4277-22F7-CD8C-8DD6-B5C14712D92E}"/>
               </a:ext>
             </a:extLst>
           </p:cNvPr>
@@ -4334,42 +6491,151 @@
           <a:lstStyle/>
           <a:p>
             <a:r>
-              <a:rPr lang="ja-JP" altLang="en-US" dirty="0"/>
-              <a:t>機能説明：ログイン</a:t>
-            </a:r>
+              <a:rPr kumimoji="1" lang="en-US" altLang="ja-JP" dirty="0"/>
+              <a:t>FLIFRE</a:t>
+            </a:r>
+            <a:r>
+              <a:rPr kumimoji="1" lang="ja-JP" altLang="en-US" dirty="0"/>
+              <a:t>について</a:t>
+            </a:r>
+          </a:p>
+        </p:txBody>
+      </p:sp>
+      <p:sp>
+        <p:nvSpPr>
+          <p:cNvPr id="3" name="コンテンツ プレースホルダー 2">
+            <a:extLst>
+              <a:ext uri="{FF2B5EF4-FFF2-40B4-BE49-F238E27FC236}">
+                <a16:creationId xmlns:a16="http://schemas.microsoft.com/office/drawing/2014/main" id="{C8C30089-0585-7397-D2CA-6DB74C1DC5B2}"/>
+              </a:ext>
+            </a:extLst>
+          </p:cNvPr>
+          <p:cNvSpPr>
+            <a:spLocks noGrp="1"/>
+          </p:cNvSpPr>
+          <p:nvPr>
+            <p:ph idx="1"/>
+          </p:nvPr>
+        </p:nvSpPr>
+        <p:spPr/>
+        <p:txBody>
+          <a:bodyPr/>
+          <a:lstStyle/>
+          <a:p>
+            <a:r>
+              <a:rPr kumimoji="1" lang="ja-JP" altLang="en-US" dirty="0"/>
+              <a:t>想定ユーザー</a:t>
+            </a:r>
+            <a:endParaRPr kumimoji="1" lang="en-US" altLang="ja-JP" dirty="0"/>
+          </a:p>
+          <a:p>
+            <a:pPr marL="0" indent="0">
+              <a:buNone/>
+            </a:pPr>
+            <a:r>
+              <a:rPr kumimoji="1" lang="en-US" altLang="ja-JP" dirty="0"/>
+              <a:t>Netflix</a:t>
+            </a:r>
+            <a:r>
+              <a:rPr kumimoji="1" lang="ja-JP" altLang="en-US" dirty="0"/>
+              <a:t>のヘビーユーザー</a:t>
+            </a:r>
+            <a:r>
+              <a:rPr kumimoji="1" lang="en-US" altLang="ja-JP" dirty="0"/>
+              <a:t>(</a:t>
+            </a:r>
+            <a:r>
+              <a:rPr kumimoji="1" lang="ja-JP" altLang="en-US" dirty="0"/>
+              <a:t>特に</a:t>
+            </a:r>
+            <a:r>
+              <a:rPr kumimoji="1" lang="en-US" altLang="ja-JP" dirty="0"/>
+              <a:t>20</a:t>
+            </a:r>
+            <a:r>
+              <a:rPr kumimoji="1" lang="ja-JP" altLang="en-US" dirty="0"/>
+              <a:t>代の若年層</a:t>
+            </a:r>
+            <a:r>
+              <a:rPr kumimoji="1" lang="en-US" altLang="ja-JP" dirty="0"/>
+              <a:t>)</a:t>
+            </a:r>
+            <a:endParaRPr lang="en-US" altLang="ja-JP" dirty="0"/>
+          </a:p>
+          <a:p>
+            <a:pPr marL="0" indent="0">
+              <a:buNone/>
+            </a:pPr>
+            <a:r>
+              <a:rPr kumimoji="1" lang="ja-JP" altLang="en-US" dirty="0"/>
+              <a:t>新たな作品との出会いを求めて利用する。</a:t>
+            </a:r>
+          </a:p>
+          <a:p>
+            <a:pPr marL="0" indent="0">
+              <a:buNone/>
+            </a:pPr>
+            <a:endParaRPr kumimoji="1" lang="en-US" altLang="ja-JP" dirty="0"/>
+          </a:p>
+          <a:p>
+            <a:pPr marL="0" indent="0">
+              <a:buNone/>
+            </a:pPr>
+            <a:r>
+              <a:rPr kumimoji="1" lang="ja-JP" altLang="en-US" dirty="0"/>
+              <a:t>家での活動が増えたこのご時世、そろそろ見たい作品もなくなってきた頃だろう。そこで</a:t>
+            </a:r>
+            <a:r>
+              <a:rPr kumimoji="1" lang="en-US" altLang="ja-JP" dirty="0"/>
+              <a:t>FLIFRE</a:t>
+            </a:r>
+            <a:r>
+              <a:rPr kumimoji="1" lang="ja-JP" altLang="en-US" dirty="0"/>
+              <a:t>では見たいジャンルに迷ったときにルーレット機能や、 </a:t>
+            </a:r>
+            <a:r>
+              <a:rPr kumimoji="1" lang="en-US" altLang="ja-JP" dirty="0"/>
+              <a:t>FLIFRE</a:t>
+            </a:r>
+            <a:r>
+              <a:rPr kumimoji="1" lang="ja-JP" altLang="en-US" dirty="0"/>
+              <a:t>ユーザーによるレビューを共有する機能やを活用してもらうことで、まだ見ぬ作品を見つける架け橋となりうる”</a:t>
+            </a:r>
+            <a:r>
+              <a:rPr kumimoji="1" lang="en-US" altLang="ja-JP" dirty="0"/>
+              <a:t>Netflix</a:t>
+            </a:r>
+            <a:r>
+              <a:rPr kumimoji="1" lang="ja-JP" altLang="en-US" dirty="0"/>
+              <a:t>版</a:t>
+            </a:r>
+            <a:r>
+              <a:rPr kumimoji="1" lang="en-US" altLang="ja-JP" dirty="0"/>
+              <a:t>Twitter”</a:t>
+            </a:r>
+            <a:r>
+              <a:rPr kumimoji="1" lang="ja-JP" altLang="en-US" dirty="0"/>
+              <a:t>を目指す。</a:t>
+            </a:r>
+          </a:p>
+          <a:p>
+            <a:pPr marL="0" indent="0">
+              <a:buNone/>
+            </a:pPr>
             <a:endParaRPr kumimoji="1" lang="ja-JP" altLang="en-US" dirty="0"/>
           </a:p>
-        </p:txBody>
-      </p:sp>
-      <p:sp>
-        <p:nvSpPr>
-          <p:cNvPr id="3" name="コンテンツ プレースホルダー 2">
-            <a:extLst>
-              <a:ext uri="{FF2B5EF4-FFF2-40B4-BE49-F238E27FC236}">
-                <a16:creationId xmlns:a16="http://schemas.microsoft.com/office/drawing/2014/main" id="{A4E6E213-AEA2-33B5-BFFB-4B2752698193}"/>
-              </a:ext>
-            </a:extLst>
-          </p:cNvPr>
-          <p:cNvSpPr>
-            <a:spLocks noGrp="1"/>
-          </p:cNvSpPr>
-          <p:nvPr>
-            <p:ph idx="1"/>
-          </p:nvPr>
-        </p:nvSpPr>
-        <p:spPr/>
-        <p:txBody>
-          <a:bodyPr/>
-          <a:lstStyle/>
-          <a:p>
-            <a:endParaRPr kumimoji="1" lang="ja-JP" altLang="en-US"/>
+          <a:p>
+            <a:pPr marL="0" indent="0">
+              <a:buNone/>
+            </a:pPr>
+            <a:endParaRPr kumimoji="1" lang="ja-JP" altLang="en-US" dirty="0"/>
           </a:p>
         </p:txBody>
       </p:sp>
     </p:spTree>
     <p:extLst>
       <p:ext uri="{BB962C8B-B14F-4D97-AF65-F5344CB8AC3E}">
-        <p14:creationId xmlns:p14="http://schemas.microsoft.com/office/powerpoint/2010/main" val="1456408046"/>
+        <p14:creationId xmlns:p14="http://schemas.microsoft.com/office/powerpoint/2010/main" val="369699073"/>
       </p:ext>
     </p:extLst>
   </p:cSld>
@@ -4401,15 +6667,15 @@
           <p:cNvPr id="2" name="タイトル 1">
             <a:extLst>
               <a:ext uri="{FF2B5EF4-FFF2-40B4-BE49-F238E27FC236}">
-                <a16:creationId xmlns:a16="http://schemas.microsoft.com/office/drawing/2014/main" id="{567BCC82-8CB1-3055-6FCE-39E6F1E069C2}"/>
-              </a:ext>
-            </a:extLst>
-          </p:cNvPr>
-          <p:cNvSpPr>
-            <a:spLocks noGrp="1"/>
-          </p:cNvSpPr>
-          <p:nvPr>
-            <p:ph type="title"/>
+                <a16:creationId xmlns:a16="http://schemas.microsoft.com/office/drawing/2014/main" id="{42489753-56A8-3B62-55FA-C6250885BA43}"/>
+              </a:ext>
+            </a:extLst>
+          </p:cNvPr>
+          <p:cNvSpPr>
+            <a:spLocks noGrp="1"/>
+          </p:cNvSpPr>
+          <p:nvPr>
+            <p:ph type="ctrTitle"/>
           </p:nvPr>
         </p:nvSpPr>
         <p:spPr/>
@@ -4418,27 +6684,26 @@
           <a:lstStyle/>
           <a:p>
             <a:r>
-              <a:rPr lang="ja-JP" altLang="en-US" dirty="0"/>
-              <a:t>トップページ</a:t>
-            </a:r>
-            <a:endParaRPr kumimoji="1" lang="ja-JP" altLang="en-US" dirty="0"/>
-          </a:p>
-        </p:txBody>
-      </p:sp>
-      <p:sp>
-        <p:nvSpPr>
-          <p:cNvPr id="3" name="コンテンツ プレースホルダー 2">
-            <a:extLst>
-              <a:ext uri="{FF2B5EF4-FFF2-40B4-BE49-F238E27FC236}">
-                <a16:creationId xmlns:a16="http://schemas.microsoft.com/office/drawing/2014/main" id="{A4E6E213-AEA2-33B5-BFFB-4B2752698193}"/>
-              </a:ext>
-            </a:extLst>
-          </p:cNvPr>
-          <p:cNvSpPr>
-            <a:spLocks noGrp="1"/>
-          </p:cNvSpPr>
-          <p:nvPr>
-            <p:ph idx="1"/>
+              <a:rPr kumimoji="1" lang="ja-JP" altLang="en-US" dirty="0"/>
+              <a:t>機能説明</a:t>
+            </a:r>
+          </a:p>
+        </p:txBody>
+      </p:sp>
+      <p:sp>
+        <p:nvSpPr>
+          <p:cNvPr id="3" name="字幕 2">
+            <a:extLst>
+              <a:ext uri="{FF2B5EF4-FFF2-40B4-BE49-F238E27FC236}">
+                <a16:creationId xmlns:a16="http://schemas.microsoft.com/office/drawing/2014/main" id="{4F695F43-0210-3EB1-E834-481AD0A8C2B6}"/>
+              </a:ext>
+            </a:extLst>
+          </p:cNvPr>
+          <p:cNvSpPr>
+            <a:spLocks noGrp="1"/>
+          </p:cNvSpPr>
+          <p:nvPr>
+            <p:ph type="subTitle" idx="1"/>
           </p:nvPr>
         </p:nvSpPr>
         <p:spPr/>
@@ -4453,7 +6718,7 @@
     </p:spTree>
     <p:extLst>
       <p:ext uri="{BB962C8B-B14F-4D97-AF65-F5344CB8AC3E}">
-        <p14:creationId xmlns:p14="http://schemas.microsoft.com/office/powerpoint/2010/main" val="2935886918"/>
+        <p14:creationId xmlns:p14="http://schemas.microsoft.com/office/powerpoint/2010/main" val="422969420"/>
       </p:ext>
     </p:extLst>
   </p:cSld>
@@ -4503,15 +6768,7 @@
           <a:p>
             <a:r>
               <a:rPr lang="ja-JP" altLang="en-US" dirty="0"/>
-              <a:t>マイページ</a:t>
-            </a:r>
-            <a:r>
-              <a:rPr lang="en-US" altLang="ja-JP" dirty="0"/>
-              <a:t>/</a:t>
-            </a:r>
-            <a:r>
-              <a:rPr lang="ja-JP" altLang="en-US" dirty="0"/>
-              <a:t>ユーザーページ</a:t>
+              <a:t>ログイン</a:t>
             </a:r>
             <a:endParaRPr kumimoji="1" lang="ja-JP" altLang="en-US" dirty="0"/>
           </a:p>
@@ -4545,7 +6802,7 @@
     </p:spTree>
     <p:extLst>
       <p:ext uri="{BB962C8B-B14F-4D97-AF65-F5344CB8AC3E}">
-        <p14:creationId xmlns:p14="http://schemas.microsoft.com/office/powerpoint/2010/main" val="1909610053"/>
+        <p14:creationId xmlns:p14="http://schemas.microsoft.com/office/powerpoint/2010/main" val="1456408046"/>
       </p:ext>
     </p:extLst>
   </p:cSld>
@@ -4594,9 +6851,10 @@
           <a:lstStyle/>
           <a:p>
             <a:r>
-              <a:rPr kumimoji="1" lang="ja-JP" altLang="en-US" dirty="0"/>
-              <a:t>投稿数ランキング</a:t>
-            </a:r>
+              <a:rPr lang="ja-JP" altLang="en-US" dirty="0"/>
+              <a:t>トップページ</a:t>
+            </a:r>
+            <a:endParaRPr kumimoji="1" lang="ja-JP" altLang="en-US" dirty="0"/>
           </a:p>
         </p:txBody>
       </p:sp>
@@ -4628,7 +6886,7 @@
     </p:spTree>
     <p:extLst>
       <p:ext uri="{BB962C8B-B14F-4D97-AF65-F5344CB8AC3E}">
-        <p14:creationId xmlns:p14="http://schemas.microsoft.com/office/powerpoint/2010/main" val="717383438"/>
+        <p14:creationId xmlns:p14="http://schemas.microsoft.com/office/powerpoint/2010/main" val="2935886918"/>
       </p:ext>
     </p:extLst>
   </p:cSld>
@@ -4678,7 +6936,7 @@
           <a:p>
             <a:r>
               <a:rPr lang="ja-JP" altLang="en-US" dirty="0"/>
-              <a:t>検索結果</a:t>
+              <a:t>マイページ</a:t>
             </a:r>
             <a:r>
               <a:rPr lang="en-US" altLang="ja-JP" dirty="0"/>
@@ -4686,7 +6944,7 @@
             </a:r>
             <a:r>
               <a:rPr lang="ja-JP" altLang="en-US" dirty="0"/>
-              <a:t>ルーレット</a:t>
+              <a:t>ユーザーページ</a:t>
             </a:r>
             <a:endParaRPr kumimoji="1" lang="ja-JP" altLang="en-US" dirty="0"/>
           </a:p>
@@ -4720,7 +6978,7 @@
     </p:spTree>
     <p:extLst>
       <p:ext uri="{BB962C8B-B14F-4D97-AF65-F5344CB8AC3E}">
-        <p14:creationId xmlns:p14="http://schemas.microsoft.com/office/powerpoint/2010/main" val="4282601556"/>
+        <p14:creationId xmlns:p14="http://schemas.microsoft.com/office/powerpoint/2010/main" val="1909610053"/>
       </p:ext>
     </p:extLst>
   </p:cSld>
@@ -4770,13 +7028,8 @@
           <a:p>
             <a:r>
               <a:rPr kumimoji="1" lang="ja-JP" altLang="en-US" dirty="0"/>
-              <a:t>機能説明</a:t>
-            </a:r>
-            <a:r>
-              <a:rPr lang="ja-JP" altLang="en-US" dirty="0"/>
-              <a:t>：投稿</a:t>
-            </a:r>
-            <a:endParaRPr kumimoji="1" lang="ja-JP" altLang="en-US" dirty="0"/>
+              <a:t>投稿数ランキング</a:t>
+            </a:r>
           </a:p>
         </p:txBody>
       </p:sp>
@@ -4808,7 +7061,7 @@
     </p:spTree>
     <p:extLst>
       <p:ext uri="{BB962C8B-B14F-4D97-AF65-F5344CB8AC3E}">
-        <p14:creationId xmlns:p14="http://schemas.microsoft.com/office/powerpoint/2010/main" val="869612550"/>
+        <p14:creationId xmlns:p14="http://schemas.microsoft.com/office/powerpoint/2010/main" val="717383438"/>
       </p:ext>
     </p:extLst>
   </p:cSld>
@@ -4840,7 +7093,7 @@
           <p:cNvPr id="2" name="タイトル 1">
             <a:extLst>
               <a:ext uri="{FF2B5EF4-FFF2-40B4-BE49-F238E27FC236}">
-                <a16:creationId xmlns:a16="http://schemas.microsoft.com/office/drawing/2014/main" id="{0A9CBAF4-77F7-7A38-92D1-ABEA036B4FA9}"/>
+                <a16:creationId xmlns:a16="http://schemas.microsoft.com/office/drawing/2014/main" id="{567BCC82-8CB1-3055-6FCE-39E6F1E069C2}"/>
               </a:ext>
             </a:extLst>
           </p:cNvPr>
@@ -4857,9 +7110,18 @@
           <a:lstStyle/>
           <a:p>
             <a:r>
-              <a:rPr kumimoji="1" lang="ja-JP" altLang="en-US" dirty="0"/>
-              <a:t>個人成長：遠藤</a:t>
-            </a:r>
+              <a:rPr lang="ja-JP" altLang="en-US" dirty="0"/>
+              <a:t>検索結果</a:t>
+            </a:r>
+            <a:r>
+              <a:rPr lang="en-US" altLang="ja-JP" dirty="0"/>
+              <a:t>/</a:t>
+            </a:r>
+            <a:r>
+              <a:rPr lang="ja-JP" altLang="en-US" dirty="0"/>
+              <a:t>ルーレット</a:t>
+            </a:r>
+            <a:endParaRPr kumimoji="1" lang="ja-JP" altLang="en-US" dirty="0"/>
           </a:p>
         </p:txBody>
       </p:sp>
@@ -4868,7 +7130,7 @@
           <p:cNvPr id="3" name="コンテンツ プレースホルダー 2">
             <a:extLst>
               <a:ext uri="{FF2B5EF4-FFF2-40B4-BE49-F238E27FC236}">
-                <a16:creationId xmlns:a16="http://schemas.microsoft.com/office/drawing/2014/main" id="{590BE91B-FB3C-BD4D-141A-15673B7FE364}"/>
+                <a16:creationId xmlns:a16="http://schemas.microsoft.com/office/drawing/2014/main" id="{A4E6E213-AEA2-33B5-BFFB-4B2752698193}"/>
               </a:ext>
             </a:extLst>
           </p:cNvPr>
@@ -4891,7 +7153,7 @@
     </p:spTree>
     <p:extLst>
       <p:ext uri="{BB962C8B-B14F-4D97-AF65-F5344CB8AC3E}">
-        <p14:creationId xmlns:p14="http://schemas.microsoft.com/office/powerpoint/2010/main" val="3207308"/>
+        <p14:creationId xmlns:p14="http://schemas.microsoft.com/office/powerpoint/2010/main" val="4282601556"/>
       </p:ext>
     </p:extLst>
   </p:cSld>
@@ -5194,4 +7456,594 @@
     </a:ext>
   </a:extLst>
 </a:theme>
+</file>
+
+<file path=ppt/theme/theme2.xml><?xml version="1.0" encoding="utf-8"?>
+<a:theme xmlns:a="http://schemas.openxmlformats.org/drawingml/2006/main" name="Office テーマ">
+  <a:themeElements>
+    <a:clrScheme name="Office">
+      <a:dk1>
+        <a:sysClr val="windowText" lastClr="000000"/>
+      </a:dk1>
+      <a:lt1>
+        <a:sysClr val="window" lastClr="FFFFFF"/>
+      </a:lt1>
+      <a:dk2>
+        <a:srgbClr val="44546A"/>
+      </a:dk2>
+      <a:lt2>
+        <a:srgbClr val="E7E6E6"/>
+      </a:lt2>
+      <a:accent1>
+        <a:srgbClr val="4472C4"/>
+      </a:accent1>
+      <a:accent2>
+        <a:srgbClr val="ED7D31"/>
+      </a:accent2>
+      <a:accent3>
+        <a:srgbClr val="A5A5A5"/>
+      </a:accent3>
+      <a:accent4>
+        <a:srgbClr val="FFC000"/>
+      </a:accent4>
+      <a:accent5>
+        <a:srgbClr val="5B9BD5"/>
+      </a:accent5>
+      <a:accent6>
+        <a:srgbClr val="70AD47"/>
+      </a:accent6>
+      <a:hlink>
+        <a:srgbClr val="0563C1"/>
+      </a:hlink>
+      <a:folHlink>
+        <a:srgbClr val="954F72"/>
+      </a:folHlink>
+    </a:clrScheme>
+    <a:fontScheme name="Office">
+      <a:majorFont>
+        <a:latin typeface="游ゴシック Light" panose="020F0302020204030204"/>
+        <a:ea typeface=""/>
+        <a:cs typeface=""/>
+        <a:font script="Jpan" typeface="游ゴシック Light"/>
+        <a:font script="Hang" typeface="맑은 고딕"/>
+        <a:font script="Hans" typeface="等线 Light"/>
+        <a:font script="Hant" typeface="新細明體"/>
+        <a:font script="Arab" typeface="Times New Roman"/>
+        <a:font script="Hebr" typeface="Times New Roman"/>
+        <a:font script="Thai" typeface="Angsana New"/>
+        <a:font script="Ethi" typeface="Nyala"/>
+        <a:font script="Beng" typeface="Vrinda"/>
+        <a:font script="Gujr" typeface="Shruti"/>
+        <a:font script="Khmr" typeface="MoolBoran"/>
+        <a:font script="Knda" typeface="Tunga"/>
+        <a:font script="Guru" typeface="Raavi"/>
+        <a:font script="Cans" typeface="Euphemia"/>
+        <a:font script="Cher" typeface="Plantagenet Cherokee"/>
+        <a:font script="Yiii" typeface="Microsoft Yi Baiti"/>
+        <a:font script="Tibt" typeface="Microsoft Himalaya"/>
+        <a:font script="Thaa" typeface="MV Boli"/>
+        <a:font script="Deva" typeface="Mangal"/>
+        <a:font script="Telu" typeface="Gautami"/>
+        <a:font script="Taml" typeface="Latha"/>
+        <a:font script="Syrc" typeface="Estrangelo Edessa"/>
+        <a:font script="Orya" typeface="Kalinga"/>
+        <a:font script="Mlym" typeface="Kartika"/>
+        <a:font script="Laoo" typeface="DokChampa"/>
+        <a:font script="Sinh" typeface="Iskoola Pota"/>
+        <a:font script="Mong" typeface="Mongolian Baiti"/>
+        <a:font script="Viet" typeface="Times New Roman"/>
+        <a:font script="Uigh" typeface="Microsoft Uighur"/>
+        <a:font script="Geor" typeface="Sylfaen"/>
+        <a:font script="Armn" typeface="Arial"/>
+        <a:font script="Bugi" typeface="Leelawadee UI"/>
+        <a:font script="Bopo" typeface="Microsoft JhengHei"/>
+        <a:font script="Java" typeface="Javanese Text"/>
+        <a:font script="Lisu" typeface="Segoe UI"/>
+        <a:font script="Mymr" typeface="Myanmar Text"/>
+        <a:font script="Nkoo" typeface="Ebrima"/>
+        <a:font script="Olck" typeface="Nirmala UI"/>
+        <a:font script="Osma" typeface="Ebrima"/>
+        <a:font script="Phag" typeface="Phagspa"/>
+        <a:font script="Syrn" typeface="Estrangelo Edessa"/>
+        <a:font script="Syrj" typeface="Estrangelo Edessa"/>
+        <a:font script="Syre" typeface="Estrangelo Edessa"/>
+        <a:font script="Sora" typeface="Nirmala UI"/>
+        <a:font script="Tale" typeface="Microsoft Tai Le"/>
+        <a:font script="Talu" typeface="Microsoft New Tai Lue"/>
+        <a:font script="Tfng" typeface="Ebrima"/>
+      </a:majorFont>
+      <a:minorFont>
+        <a:latin typeface="游ゴシック" panose="020F0502020204030204"/>
+        <a:ea typeface=""/>
+        <a:cs typeface=""/>
+        <a:font script="Jpan" typeface="游ゴシック"/>
+        <a:font script="Hang" typeface="맑은 고딕"/>
+        <a:font script="Hans" typeface="等线"/>
+        <a:font script="Hant" typeface="新細明體"/>
+        <a:font script="Arab" typeface="Arial"/>
+        <a:font script="Hebr" typeface="Arial"/>
+        <a:font script="Thai" typeface="Cordia New"/>
+        <a:font script="Ethi" typeface="Nyala"/>
+        <a:font script="Beng" typeface="Vrinda"/>
+        <a:font script="Gujr" typeface="Shruti"/>
+        <a:font script="Khmr" typeface="DaunPenh"/>
+        <a:font script="Knda" typeface="Tunga"/>
+        <a:font script="Guru" typeface="Raavi"/>
+        <a:font script="Cans" typeface="Euphemia"/>
+        <a:font script="Cher" typeface="Plantagenet Cherokee"/>
+        <a:font script="Yiii" typeface="Microsoft Yi Baiti"/>
+        <a:font script="Tibt" typeface="Microsoft Himalaya"/>
+        <a:font script="Thaa" typeface="MV Boli"/>
+        <a:font script="Deva" typeface="Mangal"/>
+        <a:font script="Telu" typeface="Gautami"/>
+        <a:font script="Taml" typeface="Latha"/>
+        <a:font script="Syrc" typeface="Estrangelo Edessa"/>
+        <a:font script="Orya" typeface="Kalinga"/>
+        <a:font script="Mlym" typeface="Kartika"/>
+        <a:font script="Laoo" typeface="DokChampa"/>
+        <a:font script="Sinh" typeface="Iskoola Pota"/>
+        <a:font script="Mong" typeface="Mongolian Baiti"/>
+        <a:font script="Viet" typeface="Arial"/>
+        <a:font script="Uigh" typeface="Microsoft Uighur"/>
+        <a:font script="Geor" typeface="Sylfaen"/>
+        <a:font script="Armn" typeface="Arial"/>
+        <a:font script="Bugi" typeface="Leelawadee UI"/>
+        <a:font script="Bopo" typeface="Microsoft JhengHei"/>
+        <a:font script="Java" typeface="Javanese Text"/>
+        <a:font script="Lisu" typeface="Segoe UI"/>
+        <a:font script="Mymr" typeface="Myanmar Text"/>
+        <a:font script="Nkoo" typeface="Ebrima"/>
+        <a:font script="Olck" typeface="Nirmala UI"/>
+        <a:font script="Osma" typeface="Ebrima"/>
+        <a:font script="Phag" typeface="Phagspa"/>
+        <a:font script="Syrn" typeface="Estrangelo Edessa"/>
+        <a:font script="Syrj" typeface="Estrangelo Edessa"/>
+        <a:font script="Syre" typeface="Estrangelo Edessa"/>
+        <a:font script="Sora" typeface="Nirmala UI"/>
+        <a:font script="Tale" typeface="Microsoft Tai Le"/>
+        <a:font script="Talu" typeface="Microsoft New Tai Lue"/>
+        <a:font script="Tfng" typeface="Ebrima"/>
+      </a:minorFont>
+    </a:fontScheme>
+    <a:fmtScheme name="Office">
+      <a:fillStyleLst>
+        <a:solidFill>
+          <a:schemeClr val="phClr"/>
+        </a:solidFill>
+        <a:gradFill rotWithShape="1">
+          <a:gsLst>
+            <a:gs pos="0">
+              <a:schemeClr val="phClr">
+                <a:lumMod val="110000"/>
+                <a:satMod val="105000"/>
+                <a:tint val="67000"/>
+              </a:schemeClr>
+            </a:gs>
+            <a:gs pos="50000">
+              <a:schemeClr val="phClr">
+                <a:lumMod val="105000"/>
+                <a:satMod val="103000"/>
+                <a:tint val="73000"/>
+              </a:schemeClr>
+            </a:gs>
+            <a:gs pos="100000">
+              <a:schemeClr val="phClr">
+                <a:lumMod val="105000"/>
+                <a:satMod val="109000"/>
+                <a:tint val="81000"/>
+              </a:schemeClr>
+            </a:gs>
+          </a:gsLst>
+          <a:lin ang="5400000" scaled="0"/>
+        </a:gradFill>
+        <a:gradFill rotWithShape="1">
+          <a:gsLst>
+            <a:gs pos="0">
+              <a:schemeClr val="phClr">
+                <a:satMod val="103000"/>
+                <a:lumMod val="102000"/>
+                <a:tint val="94000"/>
+              </a:schemeClr>
+            </a:gs>
+            <a:gs pos="50000">
+              <a:schemeClr val="phClr">
+                <a:satMod val="110000"/>
+                <a:lumMod val="100000"/>
+                <a:shade val="100000"/>
+              </a:schemeClr>
+            </a:gs>
+            <a:gs pos="100000">
+              <a:schemeClr val="phClr">
+                <a:lumMod val="99000"/>
+                <a:satMod val="120000"/>
+                <a:shade val="78000"/>
+              </a:schemeClr>
+            </a:gs>
+          </a:gsLst>
+          <a:lin ang="5400000" scaled="0"/>
+        </a:gradFill>
+      </a:fillStyleLst>
+      <a:lnStyleLst>
+        <a:ln w="6350" cap="flat" cmpd="sng" algn="ctr">
+          <a:solidFill>
+            <a:schemeClr val="phClr"/>
+          </a:solidFill>
+          <a:prstDash val="solid"/>
+          <a:miter lim="800000"/>
+        </a:ln>
+        <a:ln w="12700" cap="flat" cmpd="sng" algn="ctr">
+          <a:solidFill>
+            <a:schemeClr val="phClr"/>
+          </a:solidFill>
+          <a:prstDash val="solid"/>
+          <a:miter lim="800000"/>
+        </a:ln>
+        <a:ln w="19050" cap="flat" cmpd="sng" algn="ctr">
+          <a:solidFill>
+            <a:schemeClr val="phClr"/>
+          </a:solidFill>
+          <a:prstDash val="solid"/>
+          <a:miter lim="800000"/>
+        </a:ln>
+      </a:lnStyleLst>
+      <a:effectStyleLst>
+        <a:effectStyle>
+          <a:effectLst/>
+        </a:effectStyle>
+        <a:effectStyle>
+          <a:effectLst/>
+        </a:effectStyle>
+        <a:effectStyle>
+          <a:effectLst>
+            <a:outerShdw blurRad="57150" dist="19050" dir="5400000" algn="ctr" rotWithShape="0">
+              <a:srgbClr val="000000">
+                <a:alpha val="63000"/>
+              </a:srgbClr>
+            </a:outerShdw>
+          </a:effectLst>
+        </a:effectStyle>
+      </a:effectStyleLst>
+      <a:bgFillStyleLst>
+        <a:solidFill>
+          <a:schemeClr val="phClr"/>
+        </a:solidFill>
+        <a:solidFill>
+          <a:schemeClr val="phClr">
+            <a:tint val="95000"/>
+            <a:satMod val="170000"/>
+          </a:schemeClr>
+        </a:solidFill>
+        <a:gradFill rotWithShape="1">
+          <a:gsLst>
+            <a:gs pos="0">
+              <a:schemeClr val="phClr">
+                <a:tint val="93000"/>
+                <a:satMod val="150000"/>
+                <a:shade val="98000"/>
+                <a:lumMod val="102000"/>
+              </a:schemeClr>
+            </a:gs>
+            <a:gs pos="50000">
+              <a:schemeClr val="phClr">
+                <a:tint val="98000"/>
+                <a:satMod val="130000"/>
+                <a:shade val="90000"/>
+                <a:lumMod val="103000"/>
+              </a:schemeClr>
+            </a:gs>
+            <a:gs pos="100000">
+              <a:schemeClr val="phClr">
+                <a:shade val="63000"/>
+                <a:satMod val="120000"/>
+              </a:schemeClr>
+            </a:gs>
+          </a:gsLst>
+          <a:lin ang="5400000" scaled="0"/>
+        </a:gradFill>
+      </a:bgFillStyleLst>
+    </a:fmtScheme>
+  </a:themeElements>
+  <a:objectDefaults/>
+  <a:extraClrSchemeLst/>
+  <a:extLst>
+    <a:ext uri="{05A4C25C-085E-4340-85A3-A5531E510DB2}">
+      <thm15:themeFamily xmlns:thm15="http://schemas.microsoft.com/office/thememl/2012/main" name="Office Theme" id="{62F939B6-93AF-4DB8-9C6B-D6C7DFDC589F}" vid="{4A3C46E8-61CC-4603-A589-7422A47A8E4A}"/>
+    </a:ext>
+  </a:extLst>
+</a:theme>
+</file>
+
+<file path=ppt/theme/theme3.xml><?xml version="1.0" encoding="utf-8"?>
+<a:theme xmlns:a="http://schemas.openxmlformats.org/drawingml/2006/main" name="Office テーマ">
+  <a:themeElements>
+    <a:clrScheme name="Office">
+      <a:dk1>
+        <a:sysClr val="windowText" lastClr="000000"/>
+      </a:dk1>
+      <a:lt1>
+        <a:sysClr val="window" lastClr="FFFFFF"/>
+      </a:lt1>
+      <a:dk2>
+        <a:srgbClr val="44546A"/>
+      </a:dk2>
+      <a:lt2>
+        <a:srgbClr val="E7E6E6"/>
+      </a:lt2>
+      <a:accent1>
+        <a:srgbClr val="4472C4"/>
+      </a:accent1>
+      <a:accent2>
+        <a:srgbClr val="ED7D31"/>
+      </a:accent2>
+      <a:accent3>
+        <a:srgbClr val="A5A5A5"/>
+      </a:accent3>
+      <a:accent4>
+        <a:srgbClr val="FFC000"/>
+      </a:accent4>
+      <a:accent5>
+        <a:srgbClr val="5B9BD5"/>
+      </a:accent5>
+      <a:accent6>
+        <a:srgbClr val="70AD47"/>
+      </a:accent6>
+      <a:hlink>
+        <a:srgbClr val="0563C1"/>
+      </a:hlink>
+      <a:folHlink>
+        <a:srgbClr val="954F72"/>
+      </a:folHlink>
+    </a:clrScheme>
+    <a:fontScheme name="Office">
+      <a:majorFont>
+        <a:latin typeface="游ゴシック Light" panose="020F0302020204030204"/>
+        <a:ea typeface=""/>
+        <a:cs typeface=""/>
+        <a:font script="Jpan" typeface="游ゴシック Light"/>
+        <a:font script="Hang" typeface="맑은 고딕"/>
+        <a:font script="Hans" typeface="等线 Light"/>
+        <a:font script="Hant" typeface="新細明體"/>
+        <a:font script="Arab" typeface="Times New Roman"/>
+        <a:font script="Hebr" typeface="Times New Roman"/>
+        <a:font script="Thai" typeface="Angsana New"/>
+        <a:font script="Ethi" typeface="Nyala"/>
+        <a:font script="Beng" typeface="Vrinda"/>
+        <a:font script="Gujr" typeface="Shruti"/>
+        <a:font script="Khmr" typeface="MoolBoran"/>
+        <a:font script="Knda" typeface="Tunga"/>
+        <a:font script="Guru" typeface="Raavi"/>
+        <a:font script="Cans" typeface="Euphemia"/>
+        <a:font script="Cher" typeface="Plantagenet Cherokee"/>
+        <a:font script="Yiii" typeface="Microsoft Yi Baiti"/>
+        <a:font script="Tibt" typeface="Microsoft Himalaya"/>
+        <a:font script="Thaa" typeface="MV Boli"/>
+        <a:font script="Deva" typeface="Mangal"/>
+        <a:font script="Telu" typeface="Gautami"/>
+        <a:font script="Taml" typeface="Latha"/>
+        <a:font script="Syrc" typeface="Estrangelo Edessa"/>
+        <a:font script="Orya" typeface="Kalinga"/>
+        <a:font script="Mlym" typeface="Kartika"/>
+        <a:font script="Laoo" typeface="DokChampa"/>
+        <a:font script="Sinh" typeface="Iskoola Pota"/>
+        <a:font script="Mong" typeface="Mongolian Baiti"/>
+        <a:font script="Viet" typeface="Times New Roman"/>
+        <a:font script="Uigh" typeface="Microsoft Uighur"/>
+        <a:font script="Geor" typeface="Sylfaen"/>
+        <a:font script="Armn" typeface="Arial"/>
+        <a:font script="Bugi" typeface="Leelawadee UI"/>
+        <a:font script="Bopo" typeface="Microsoft JhengHei"/>
+        <a:font script="Java" typeface="Javanese Text"/>
+        <a:font script="Lisu" typeface="Segoe UI"/>
+        <a:font script="Mymr" typeface="Myanmar Text"/>
+        <a:font script="Nkoo" typeface="Ebrima"/>
+        <a:font script="Olck" typeface="Nirmala UI"/>
+        <a:font script="Osma" typeface="Ebrima"/>
+        <a:font script="Phag" typeface="Phagspa"/>
+        <a:font script="Syrn" typeface="Estrangelo Edessa"/>
+        <a:font script="Syrj" typeface="Estrangelo Edessa"/>
+        <a:font script="Syre" typeface="Estrangelo Edessa"/>
+        <a:font script="Sora" typeface="Nirmala UI"/>
+        <a:font script="Tale" typeface="Microsoft Tai Le"/>
+        <a:font script="Talu" typeface="Microsoft New Tai Lue"/>
+        <a:font script="Tfng" typeface="Ebrima"/>
+      </a:majorFont>
+      <a:minorFont>
+        <a:latin typeface="游ゴシック" panose="020F0502020204030204"/>
+        <a:ea typeface=""/>
+        <a:cs typeface=""/>
+        <a:font script="Jpan" typeface="游ゴシック"/>
+        <a:font script="Hang" typeface="맑은 고딕"/>
+        <a:font script="Hans" typeface="等线"/>
+        <a:font script="Hant" typeface="新細明體"/>
+        <a:font script="Arab" typeface="Arial"/>
+        <a:font script="Hebr" typeface="Arial"/>
+        <a:font script="Thai" typeface="Cordia New"/>
+        <a:font script="Ethi" typeface="Nyala"/>
+        <a:font script="Beng" typeface="Vrinda"/>
+        <a:font script="Gujr" typeface="Shruti"/>
+        <a:font script="Khmr" typeface="DaunPenh"/>
+        <a:font script="Knda" typeface="Tunga"/>
+        <a:font script="Guru" typeface="Raavi"/>
+        <a:font script="Cans" typeface="Euphemia"/>
+        <a:font script="Cher" typeface="Plantagenet Cherokee"/>
+        <a:font script="Yiii" typeface="Microsoft Yi Baiti"/>
+        <a:font script="Tibt" typeface="Microsoft Himalaya"/>
+        <a:font script="Thaa" typeface="MV Boli"/>
+        <a:font script="Deva" typeface="Mangal"/>
+        <a:font script="Telu" typeface="Gautami"/>
+        <a:font script="Taml" typeface="Latha"/>
+        <a:font script="Syrc" typeface="Estrangelo Edessa"/>
+        <a:font script="Orya" typeface="Kalinga"/>
+        <a:font script="Mlym" typeface="Kartika"/>
+        <a:font script="Laoo" typeface="DokChampa"/>
+        <a:font script="Sinh" typeface="Iskoola Pota"/>
+        <a:font script="Mong" typeface="Mongolian Baiti"/>
+        <a:font script="Viet" typeface="Arial"/>
+        <a:font script="Uigh" typeface="Microsoft Uighur"/>
+        <a:font script="Geor" typeface="Sylfaen"/>
+        <a:font script="Armn" typeface="Arial"/>
+        <a:font script="Bugi" typeface="Leelawadee UI"/>
+        <a:font script="Bopo" typeface="Microsoft JhengHei"/>
+        <a:font script="Java" typeface="Javanese Text"/>
+        <a:font script="Lisu" typeface="Segoe UI"/>
+        <a:font script="Mymr" typeface="Myanmar Text"/>
+        <a:font script="Nkoo" typeface="Ebrima"/>
+        <a:font script="Olck" typeface="Nirmala UI"/>
+        <a:font script="Osma" typeface="Ebrima"/>
+        <a:font script="Phag" typeface="Phagspa"/>
+        <a:font script="Syrn" typeface="Estrangelo Edessa"/>
+        <a:font script="Syrj" typeface="Estrangelo Edessa"/>
+        <a:font script="Syre" typeface="Estrangelo Edessa"/>
+        <a:font script="Sora" typeface="Nirmala UI"/>
+        <a:font script="Tale" typeface="Microsoft Tai Le"/>
+        <a:font script="Talu" typeface="Microsoft New Tai Lue"/>
+        <a:font script="Tfng" typeface="Ebrima"/>
+      </a:minorFont>
+    </a:fontScheme>
+    <a:fmtScheme name="Office">
+      <a:fillStyleLst>
+        <a:solidFill>
+          <a:schemeClr val="phClr"/>
+        </a:solidFill>
+        <a:gradFill rotWithShape="1">
+          <a:gsLst>
+            <a:gs pos="0">
+              <a:schemeClr val="phClr">
+                <a:lumMod val="110000"/>
+                <a:satMod val="105000"/>
+                <a:tint val="67000"/>
+              </a:schemeClr>
+            </a:gs>
+            <a:gs pos="50000">
+              <a:schemeClr val="phClr">
+                <a:lumMod val="105000"/>
+                <a:satMod val="103000"/>
+                <a:tint val="73000"/>
+              </a:schemeClr>
+            </a:gs>
+            <a:gs pos="100000">
+              <a:schemeClr val="phClr">
+                <a:lumMod val="105000"/>
+                <a:satMod val="109000"/>
+                <a:tint val="81000"/>
+              </a:schemeClr>
+            </a:gs>
+          </a:gsLst>
+          <a:lin ang="5400000" scaled="0"/>
+        </a:gradFill>
+        <a:gradFill rotWithShape="1">
+          <a:gsLst>
+            <a:gs pos="0">
+              <a:schemeClr val="phClr">
+                <a:satMod val="103000"/>
+                <a:lumMod val="102000"/>
+                <a:tint val="94000"/>
+              </a:schemeClr>
+            </a:gs>
+            <a:gs pos="50000">
+              <a:schemeClr val="phClr">
+                <a:satMod val="110000"/>
+                <a:lumMod val="100000"/>
+                <a:shade val="100000"/>
+              </a:schemeClr>
+            </a:gs>
+            <a:gs pos="100000">
+              <a:schemeClr val="phClr">
+                <a:lumMod val="99000"/>
+                <a:satMod val="120000"/>
+                <a:shade val="78000"/>
+              </a:schemeClr>
+            </a:gs>
+          </a:gsLst>
+          <a:lin ang="5400000" scaled="0"/>
+        </a:gradFill>
+      </a:fillStyleLst>
+      <a:lnStyleLst>
+        <a:ln w="6350" cap="flat" cmpd="sng" algn="ctr">
+          <a:solidFill>
+            <a:schemeClr val="phClr"/>
+          </a:solidFill>
+          <a:prstDash val="solid"/>
+          <a:miter lim="800000"/>
+        </a:ln>
+        <a:ln w="12700" cap="flat" cmpd="sng" algn="ctr">
+          <a:solidFill>
+            <a:schemeClr val="phClr"/>
+          </a:solidFill>
+          <a:prstDash val="solid"/>
+          <a:miter lim="800000"/>
+        </a:ln>
+        <a:ln w="19050" cap="flat" cmpd="sng" algn="ctr">
+          <a:solidFill>
+            <a:schemeClr val="phClr"/>
+          </a:solidFill>
+          <a:prstDash val="solid"/>
+          <a:miter lim="800000"/>
+        </a:ln>
+      </a:lnStyleLst>
+      <a:effectStyleLst>
+        <a:effectStyle>
+          <a:effectLst/>
+        </a:effectStyle>
+        <a:effectStyle>
+          <a:effectLst/>
+        </a:effectStyle>
+        <a:effectStyle>
+          <a:effectLst>
+            <a:outerShdw blurRad="57150" dist="19050" dir="5400000" algn="ctr" rotWithShape="0">
+              <a:srgbClr val="000000">
+                <a:alpha val="63000"/>
+              </a:srgbClr>
+            </a:outerShdw>
+          </a:effectLst>
+        </a:effectStyle>
+      </a:effectStyleLst>
+      <a:bgFillStyleLst>
+        <a:solidFill>
+          <a:schemeClr val="phClr"/>
+        </a:solidFill>
+        <a:solidFill>
+          <a:schemeClr val="phClr">
+            <a:tint val="95000"/>
+            <a:satMod val="170000"/>
+          </a:schemeClr>
+        </a:solidFill>
+        <a:gradFill rotWithShape="1">
+          <a:gsLst>
+            <a:gs pos="0">
+              <a:schemeClr val="phClr">
+                <a:tint val="93000"/>
+                <a:satMod val="150000"/>
+                <a:shade val="98000"/>
+                <a:lumMod val="102000"/>
+              </a:schemeClr>
+            </a:gs>
+            <a:gs pos="50000">
+              <a:schemeClr val="phClr">
+                <a:tint val="98000"/>
+                <a:satMod val="130000"/>
+                <a:shade val="90000"/>
+                <a:lumMod val="103000"/>
+              </a:schemeClr>
+            </a:gs>
+            <a:gs pos="100000">
+              <a:schemeClr val="phClr">
+                <a:shade val="63000"/>
+                <a:satMod val="120000"/>
+              </a:schemeClr>
+            </a:gs>
+          </a:gsLst>
+          <a:lin ang="5400000" scaled="0"/>
+        </a:gradFill>
+      </a:bgFillStyleLst>
+    </a:fmtScheme>
+  </a:themeElements>
+  <a:objectDefaults/>
+  <a:extraClrSchemeLst/>
+  <a:extLst>
+    <a:ext uri="{05A4C25C-085E-4340-85A3-A5531E510DB2}">
+      <thm15:themeFamily xmlns:thm15="http://schemas.microsoft.com/office/thememl/2012/main" name="Office Theme" id="{62F939B6-93AF-4DB8-9C6B-D6C7DFDC589F}" vid="{4A3C46E8-61CC-4603-A589-7422A47A8E4A}"/>
+    </a:ext>
+  </a:extLst>
+</a:theme>
 </file>
--- a/doc/B3炙りえんがわ_成果発表会資料.pptx
+++ b/doc/B3炙りえんがわ_成果発表会資料.pptx
@@ -3,30 +3,33 @@
 <p:presentation xmlns:a="http://schemas.openxmlformats.org/drawingml/2006/main" xmlns:r="http://schemas.openxmlformats.org/officeDocument/2006/relationships" xmlns:p="http://schemas.openxmlformats.org/presentationml/2006/main" saveSubsetFonts="1">
   <p:sldMasterIdLst>
     <p:sldMasterId id="2147483660" r:id="rId1"/>
-    <p:sldMasterId id="2147483648" r:id="rId2"/>
+    <p:sldMasterId id="2147483662" r:id="rId2"/>
+    <p:sldMasterId id="2147483648" r:id="rId3"/>
   </p:sldMasterIdLst>
   <p:notesMasterIdLst>
-    <p:notesMasterId r:id="rId21"/>
+    <p:notesMasterId r:id="rId24"/>
   </p:notesMasterIdLst>
   <p:sldIdLst>
-    <p:sldId id="256" r:id="rId3"/>
-    <p:sldId id="259" r:id="rId4"/>
-    <p:sldId id="274" r:id="rId5"/>
-    <p:sldId id="272" r:id="rId6"/>
-    <p:sldId id="258" r:id="rId7"/>
-    <p:sldId id="268" r:id="rId8"/>
-    <p:sldId id="266" r:id="rId9"/>
-    <p:sldId id="269" r:id="rId10"/>
-    <p:sldId id="265" r:id="rId11"/>
-    <p:sldId id="267" r:id="rId12"/>
-    <p:sldId id="271" r:id="rId13"/>
-    <p:sldId id="257" r:id="rId14"/>
-    <p:sldId id="260" r:id="rId15"/>
-    <p:sldId id="261" r:id="rId16"/>
-    <p:sldId id="262" r:id="rId17"/>
-    <p:sldId id="263" r:id="rId18"/>
-    <p:sldId id="264" r:id="rId19"/>
-    <p:sldId id="273" r:id="rId20"/>
+    <p:sldId id="256" r:id="rId4"/>
+    <p:sldId id="259" r:id="rId5"/>
+    <p:sldId id="274" r:id="rId6"/>
+    <p:sldId id="275" r:id="rId7"/>
+    <p:sldId id="272" r:id="rId8"/>
+    <p:sldId id="258" r:id="rId9"/>
+    <p:sldId id="268" r:id="rId10"/>
+    <p:sldId id="266" r:id="rId11"/>
+    <p:sldId id="269" r:id="rId12"/>
+    <p:sldId id="265" r:id="rId13"/>
+    <p:sldId id="267" r:id="rId14"/>
+    <p:sldId id="271" r:id="rId15"/>
+    <p:sldId id="276" r:id="rId16"/>
+    <p:sldId id="257" r:id="rId17"/>
+    <p:sldId id="260" r:id="rId18"/>
+    <p:sldId id="261" r:id="rId19"/>
+    <p:sldId id="262" r:id="rId20"/>
+    <p:sldId id="263" r:id="rId21"/>
+    <p:sldId id="264" r:id="rId22"/>
+    <p:sldId id="273" r:id="rId23"/>
   </p:sldIdLst>
   <p:sldSz cx="12192000" cy="6858000"/>
   <p:notesSz cx="6858000" cy="9144000"/>
@@ -579,7 +582,7 @@
           <a:p>
             <a:fld id="{D42375A2-42B0-4E26-8948-2F72A7F6ECBF}" type="slidenum">
               <a:rPr kumimoji="1" lang="ja-JP" altLang="en-US" smtClean="0"/>
-              <a:t>18</a:t>
+              <a:t>20</a:t>
             </a:fld>
             <a:endParaRPr kumimoji="1" lang="ja-JP" altLang="en-US"/>
           </a:p>
@@ -1499,6 +1502,754 @@
     <p:extLst>
       <p:ext uri="{BB962C8B-B14F-4D97-AF65-F5344CB8AC3E}">
         <p14:creationId xmlns:p14="http://schemas.microsoft.com/office/powerpoint/2010/main" val="1282596899"/>
+      </p:ext>
+    </p:extLst>
+  </p:cSld>
+  <p:clrMapOvr>
+    <a:masterClrMapping/>
+  </p:clrMapOvr>
+</p:sldLayout>
+</file>
+
+<file path=ppt/slideLayouts/slideLayout13.xml><?xml version="1.0" encoding="utf-8"?>
+<p:sldLayout xmlns:a="http://schemas.openxmlformats.org/drawingml/2006/main" xmlns:r="http://schemas.openxmlformats.org/officeDocument/2006/relationships" xmlns:p="http://schemas.openxmlformats.org/presentationml/2006/main" preserve="1" userDrawn="1">
+  <p:cSld name="ペルソナ設定">
+    <p:spTree>
+      <p:nvGrpSpPr>
+        <p:cNvPr id="1" name=""/>
+        <p:cNvGrpSpPr/>
+        <p:nvPr/>
+      </p:nvGrpSpPr>
+      <p:grpSpPr>
+        <a:xfrm>
+          <a:off x="0" y="0"/>
+          <a:ext cx="0" cy="0"/>
+          <a:chOff x="0" y="0"/>
+          <a:chExt cx="0" cy="0"/>
+        </a:xfrm>
+      </p:grpSpPr>
+      <p:sp>
+        <p:nvSpPr>
+          <p:cNvPr id="7" name="正方形/長方形 6">
+            <a:extLst>
+              <a:ext uri="{FF2B5EF4-FFF2-40B4-BE49-F238E27FC236}">
+                <a16:creationId xmlns:a16="http://schemas.microsoft.com/office/drawing/2014/main" id="{AD7C3401-F023-F408-9820-17AFC5452344}"/>
+              </a:ext>
+            </a:extLst>
+          </p:cNvPr>
+          <p:cNvSpPr/>
+          <p:nvPr userDrawn="1"/>
+        </p:nvSpPr>
+        <p:spPr>
+          <a:xfrm>
+            <a:off x="0" y="6721475"/>
+            <a:ext cx="12192000" cy="136524"/>
+          </a:xfrm>
+          <a:prstGeom prst="rect">
+            <a:avLst/>
+          </a:prstGeom>
+          <a:solidFill>
+            <a:schemeClr val="accent4"/>
+          </a:solidFill>
+          <a:ln>
+            <a:noFill/>
+          </a:ln>
+        </p:spPr>
+        <p:style>
+          <a:lnRef idx="2">
+            <a:schemeClr val="accent1">
+              <a:shade val="50000"/>
+            </a:schemeClr>
+          </a:lnRef>
+          <a:fillRef idx="1">
+            <a:schemeClr val="accent1"/>
+          </a:fillRef>
+          <a:effectRef idx="0">
+            <a:schemeClr val="accent1"/>
+          </a:effectRef>
+          <a:fontRef idx="minor">
+            <a:schemeClr val="lt1"/>
+          </a:fontRef>
+        </p:style>
+        <p:txBody>
+          <a:bodyPr rtlCol="0" anchor="ctr"/>
+          <a:lstStyle/>
+          <a:p>
+            <a:pPr algn="ctr"/>
+            <a:endParaRPr kumimoji="1" lang="ja-JP" altLang="en-US"/>
+          </a:p>
+        </p:txBody>
+      </p:sp>
+      <p:sp>
+        <p:nvSpPr>
+          <p:cNvPr id="8" name="正方形/長方形 7">
+            <a:extLst>
+              <a:ext uri="{FF2B5EF4-FFF2-40B4-BE49-F238E27FC236}">
+                <a16:creationId xmlns:a16="http://schemas.microsoft.com/office/drawing/2014/main" id="{26066D1D-5856-DFDB-A52C-75D85B62DDCA}"/>
+              </a:ext>
+            </a:extLst>
+          </p:cNvPr>
+          <p:cNvSpPr/>
+          <p:nvPr userDrawn="1"/>
+        </p:nvSpPr>
+        <p:spPr>
+          <a:xfrm>
+            <a:off x="0" y="0"/>
+            <a:ext cx="12192000" cy="423949"/>
+          </a:xfrm>
+          <a:prstGeom prst="rect">
+            <a:avLst/>
+          </a:prstGeom>
+          <a:solidFill>
+            <a:schemeClr val="accent4"/>
+          </a:solidFill>
+          <a:ln>
+            <a:noFill/>
+          </a:ln>
+        </p:spPr>
+        <p:style>
+          <a:lnRef idx="2">
+            <a:schemeClr val="accent1">
+              <a:shade val="50000"/>
+            </a:schemeClr>
+          </a:lnRef>
+          <a:fillRef idx="1">
+            <a:schemeClr val="accent1"/>
+          </a:fillRef>
+          <a:effectRef idx="0">
+            <a:schemeClr val="accent1"/>
+          </a:effectRef>
+          <a:fontRef idx="minor">
+            <a:schemeClr val="lt1"/>
+          </a:fontRef>
+        </p:style>
+        <p:txBody>
+          <a:bodyPr rtlCol="0" anchor="ctr"/>
+          <a:lstStyle/>
+          <a:p>
+            <a:pPr algn="ctr"/>
+            <a:endParaRPr kumimoji="1" lang="ja-JP" altLang="en-US"/>
+          </a:p>
+        </p:txBody>
+      </p:sp>
+      <p:sp>
+        <p:nvSpPr>
+          <p:cNvPr id="2" name="タイトル 1">
+            <a:extLst>
+              <a:ext uri="{FF2B5EF4-FFF2-40B4-BE49-F238E27FC236}">
+                <a16:creationId xmlns:a16="http://schemas.microsoft.com/office/drawing/2014/main" id="{7D0A3820-79E3-A5DD-2007-9FC392104990}"/>
+              </a:ext>
+            </a:extLst>
+          </p:cNvPr>
+          <p:cNvSpPr>
+            <a:spLocks noGrp="1"/>
+          </p:cNvSpPr>
+          <p:nvPr>
+            <p:ph type="title" hasCustomPrompt="1"/>
+          </p:nvPr>
+        </p:nvSpPr>
+        <p:spPr>
+          <a:xfrm>
+            <a:off x="515185" y="-1"/>
+            <a:ext cx="11288885" cy="423949"/>
+          </a:xfrm>
+        </p:spPr>
+        <p:txBody>
+          <a:bodyPr>
+            <a:noAutofit/>
+          </a:bodyPr>
+          <a:lstStyle>
+            <a:lvl1pPr>
+              <a:defRPr sz="2000" b="1"/>
+            </a:lvl1pPr>
+          </a:lstStyle>
+          <a:p>
+            <a:r>
+              <a:rPr kumimoji="1" lang="ja-JP" altLang="en-US"/>
+              <a:t>タイトル</a:t>
+            </a:r>
+          </a:p>
+        </p:txBody>
+      </p:sp>
+      <p:sp>
+        <p:nvSpPr>
+          <p:cNvPr id="3" name="コンテンツ プレースホルダー 2">
+            <a:extLst>
+              <a:ext uri="{FF2B5EF4-FFF2-40B4-BE49-F238E27FC236}">
+                <a16:creationId xmlns:a16="http://schemas.microsoft.com/office/drawing/2014/main" id="{743FAB52-C238-7A5C-8A6C-6141ECED18B2}"/>
+              </a:ext>
+            </a:extLst>
+          </p:cNvPr>
+          <p:cNvSpPr>
+            <a:spLocks noGrp="1"/>
+          </p:cNvSpPr>
+          <p:nvPr>
+            <p:ph idx="1" hasCustomPrompt="1"/>
+          </p:nvPr>
+        </p:nvSpPr>
+        <p:spPr>
+          <a:xfrm>
+            <a:off x="3882043" y="1130531"/>
+            <a:ext cx="7922029" cy="1820426"/>
+          </a:xfrm>
+        </p:spPr>
+        <p:txBody>
+          <a:bodyPr>
+            <a:normAutofit/>
+          </a:bodyPr>
+          <a:lstStyle>
+            <a:lvl1pPr marL="0" indent="0">
+              <a:lnSpc>
+                <a:spcPct val="90000"/>
+              </a:lnSpc>
+              <a:spcBef>
+                <a:spcPts val="600"/>
+              </a:spcBef>
+              <a:buNone/>
+              <a:defRPr sz="1200"/>
+            </a:lvl1pPr>
+            <a:lvl2pPr marL="457200" indent="0">
+              <a:buNone/>
+              <a:defRPr/>
+            </a:lvl2pPr>
+            <a:lvl3pPr marL="914400" indent="0">
+              <a:buNone/>
+              <a:defRPr/>
+            </a:lvl3pPr>
+            <a:lvl4pPr marL="1371600" indent="0">
+              <a:buNone/>
+              <a:defRPr/>
+            </a:lvl4pPr>
+            <a:lvl5pPr marL="1828800" indent="0">
+              <a:buNone/>
+              <a:defRPr/>
+            </a:lvl5pPr>
+          </a:lstStyle>
+          <a:p>
+            <a:pPr lvl="0"/>
+            <a:r>
+              <a:rPr kumimoji="1" lang="en-US" altLang="ja-JP"/>
+              <a:t>episode</a:t>
+            </a:r>
+          </a:p>
+        </p:txBody>
+      </p:sp>
+      <p:sp>
+        <p:nvSpPr>
+          <p:cNvPr id="4" name="日付プレースホルダー 3">
+            <a:extLst>
+              <a:ext uri="{FF2B5EF4-FFF2-40B4-BE49-F238E27FC236}">
+                <a16:creationId xmlns:a16="http://schemas.microsoft.com/office/drawing/2014/main" id="{42BB5822-2FEE-2E9E-AE10-D23933054C76}"/>
+              </a:ext>
+            </a:extLst>
+          </p:cNvPr>
+          <p:cNvSpPr>
+            <a:spLocks noGrp="1"/>
+          </p:cNvSpPr>
+          <p:nvPr>
+            <p:ph type="dt" sz="half" idx="10"/>
+          </p:nvPr>
+        </p:nvSpPr>
+        <p:spPr>
+          <a:xfrm>
+            <a:off x="515185" y="6356350"/>
+            <a:ext cx="3125788" cy="365125"/>
+          </a:xfrm>
+        </p:spPr>
+        <p:txBody>
+          <a:bodyPr/>
+          <a:lstStyle/>
+          <a:p>
+            <a:fld id="{BF80A5BA-5808-439D-8F14-DD23526067FA}" type="datetimeFigureOut">
+              <a:rPr kumimoji="1" lang="ja-JP" altLang="en-US" smtClean="0"/>
+              <a:t>2022/6/28</a:t>
+            </a:fld>
+            <a:endParaRPr kumimoji="1" lang="ja-JP" altLang="en-US"/>
+          </a:p>
+        </p:txBody>
+      </p:sp>
+      <p:sp>
+        <p:nvSpPr>
+          <p:cNvPr id="5" name="フッター プレースホルダー 4">
+            <a:extLst>
+              <a:ext uri="{FF2B5EF4-FFF2-40B4-BE49-F238E27FC236}">
+                <a16:creationId xmlns:a16="http://schemas.microsoft.com/office/drawing/2014/main" id="{296C335F-D4C7-715E-1C57-CE92B9B5097A}"/>
+              </a:ext>
+            </a:extLst>
+          </p:cNvPr>
+          <p:cNvSpPr>
+            <a:spLocks noGrp="1"/>
+          </p:cNvSpPr>
+          <p:nvPr>
+            <p:ph type="ftr" sz="quarter" idx="11"/>
+          </p:nvPr>
+        </p:nvSpPr>
+        <p:spPr>
+          <a:xfrm>
+            <a:off x="3876499" y="6356350"/>
+            <a:ext cx="4876801" cy="365125"/>
+          </a:xfrm>
+        </p:spPr>
+        <p:txBody>
+          <a:bodyPr/>
+          <a:lstStyle/>
+          <a:p>
+            <a:endParaRPr kumimoji="1" lang="ja-JP" altLang="en-US"/>
+          </a:p>
+        </p:txBody>
+      </p:sp>
+      <p:sp>
+        <p:nvSpPr>
+          <p:cNvPr id="6" name="スライド番号プレースホルダー 5">
+            <a:extLst>
+              <a:ext uri="{FF2B5EF4-FFF2-40B4-BE49-F238E27FC236}">
+                <a16:creationId xmlns:a16="http://schemas.microsoft.com/office/drawing/2014/main" id="{E15D9456-7CE5-BDC4-B2DB-AB1FDB248901}"/>
+              </a:ext>
+            </a:extLst>
+          </p:cNvPr>
+          <p:cNvSpPr>
+            <a:spLocks noGrp="1"/>
+          </p:cNvSpPr>
+          <p:nvPr>
+            <p:ph type="sldNum" sz="quarter" idx="12"/>
+          </p:nvPr>
+        </p:nvSpPr>
+        <p:spPr>
+          <a:xfrm>
+            <a:off x="8944493" y="6356350"/>
+            <a:ext cx="2859577" cy="365125"/>
+          </a:xfrm>
+        </p:spPr>
+        <p:txBody>
+          <a:bodyPr/>
+          <a:lstStyle/>
+          <a:p>
+            <a:fld id="{C1851418-70CB-487B-B7C1-746927890390}" type="slidenum">
+              <a:rPr kumimoji="1" lang="ja-JP" altLang="en-US" smtClean="0"/>
+              <a:t>‹#›</a:t>
+            </a:fld>
+            <a:endParaRPr kumimoji="1" lang="ja-JP" altLang="en-US"/>
+          </a:p>
+        </p:txBody>
+      </p:sp>
+      <p:sp>
+        <p:nvSpPr>
+          <p:cNvPr id="9" name="図プレースホルダー 2">
+            <a:extLst>
+              <a:ext uri="{FF2B5EF4-FFF2-40B4-BE49-F238E27FC236}">
+                <a16:creationId xmlns:a16="http://schemas.microsoft.com/office/drawing/2014/main" id="{14DFBDD7-E68A-BD9E-CCA1-E40F1B0B9476}"/>
+              </a:ext>
+            </a:extLst>
+          </p:cNvPr>
+          <p:cNvSpPr>
+            <a:spLocks noGrp="1"/>
+          </p:cNvSpPr>
+          <p:nvPr>
+            <p:ph type="pic" idx="13" hasCustomPrompt="1"/>
+          </p:nvPr>
+        </p:nvSpPr>
+        <p:spPr>
+          <a:xfrm>
+            <a:off x="515185" y="789072"/>
+            <a:ext cx="3125788" cy="2161886"/>
+          </a:xfrm>
+        </p:spPr>
+        <p:txBody>
+          <a:bodyPr>
+            <a:normAutofit/>
+          </a:bodyPr>
+          <a:lstStyle>
+            <a:lvl1pPr marL="0" indent="0">
+              <a:buNone/>
+              <a:defRPr sz="2400"/>
+            </a:lvl1pPr>
+            <a:lvl2pPr marL="457200" indent="0">
+              <a:buNone/>
+              <a:defRPr sz="2800"/>
+            </a:lvl2pPr>
+            <a:lvl3pPr marL="914400" indent="0">
+              <a:buNone/>
+              <a:defRPr sz="2400"/>
+            </a:lvl3pPr>
+            <a:lvl4pPr marL="1371600" indent="0">
+              <a:buNone/>
+              <a:defRPr sz="2000"/>
+            </a:lvl4pPr>
+            <a:lvl5pPr marL="1828800" indent="0">
+              <a:buNone/>
+              <a:defRPr sz="2000"/>
+            </a:lvl5pPr>
+            <a:lvl6pPr marL="2286000" indent="0">
+              <a:buNone/>
+              <a:defRPr sz="2000"/>
+            </a:lvl6pPr>
+            <a:lvl7pPr marL="2743200" indent="0">
+              <a:buNone/>
+              <a:defRPr sz="2000"/>
+            </a:lvl7pPr>
+            <a:lvl8pPr marL="3200400" indent="0">
+              <a:buNone/>
+              <a:defRPr sz="2000"/>
+            </a:lvl8pPr>
+            <a:lvl9pPr marL="3657600" indent="0">
+              <a:buNone/>
+              <a:defRPr sz="2000"/>
+            </a:lvl9pPr>
+          </a:lstStyle>
+          <a:p>
+            <a:r>
+              <a:rPr kumimoji="1" lang="ja-JP" altLang="en-US"/>
+              <a:t>写真</a:t>
+            </a:r>
+          </a:p>
+        </p:txBody>
+      </p:sp>
+      <p:sp>
+        <p:nvSpPr>
+          <p:cNvPr id="10" name="コンテンツ プレースホルダー 2">
+            <a:extLst>
+              <a:ext uri="{FF2B5EF4-FFF2-40B4-BE49-F238E27FC236}">
+                <a16:creationId xmlns:a16="http://schemas.microsoft.com/office/drawing/2014/main" id="{9456E86E-F889-F25E-0061-5C9BF88ACE31}"/>
+              </a:ext>
+            </a:extLst>
+          </p:cNvPr>
+          <p:cNvSpPr>
+            <a:spLocks noGrp="1"/>
+          </p:cNvSpPr>
+          <p:nvPr>
+            <p:ph idx="14" hasCustomPrompt="1"/>
+          </p:nvPr>
+        </p:nvSpPr>
+        <p:spPr>
+          <a:xfrm>
+            <a:off x="515186" y="3452606"/>
+            <a:ext cx="3125788" cy="2767219"/>
+          </a:xfrm>
+        </p:spPr>
+        <p:txBody>
+          <a:bodyPr>
+            <a:normAutofit/>
+          </a:bodyPr>
+          <a:lstStyle>
+            <a:lvl1pPr marL="0" indent="0">
+              <a:lnSpc>
+                <a:spcPct val="90000"/>
+              </a:lnSpc>
+              <a:spcBef>
+                <a:spcPts val="600"/>
+              </a:spcBef>
+              <a:buNone/>
+              <a:defRPr sz="1200"/>
+            </a:lvl1pPr>
+            <a:lvl2pPr marL="457200" indent="0">
+              <a:buNone/>
+              <a:defRPr/>
+            </a:lvl2pPr>
+            <a:lvl3pPr marL="914400" indent="0">
+              <a:buNone/>
+              <a:defRPr/>
+            </a:lvl3pPr>
+            <a:lvl4pPr marL="1371600" indent="0">
+              <a:buNone/>
+              <a:defRPr/>
+            </a:lvl4pPr>
+            <a:lvl5pPr marL="1828800" indent="0">
+              <a:buNone/>
+              <a:defRPr/>
+            </a:lvl5pPr>
+          </a:lstStyle>
+          <a:p>
+            <a:pPr lvl="0"/>
+            <a:r>
+              <a:rPr kumimoji="1" lang="en-US" altLang="ja-JP"/>
+              <a:t>profile</a:t>
+            </a:r>
+          </a:p>
+          <a:p>
+            <a:pPr lvl="0"/>
+            <a:endParaRPr kumimoji="1" lang="en-US" altLang="ja-JP"/>
+          </a:p>
+        </p:txBody>
+      </p:sp>
+      <p:sp>
+        <p:nvSpPr>
+          <p:cNvPr id="11" name="コンテンツ プレースホルダー 2">
+            <a:extLst>
+              <a:ext uri="{FF2B5EF4-FFF2-40B4-BE49-F238E27FC236}">
+                <a16:creationId xmlns:a16="http://schemas.microsoft.com/office/drawing/2014/main" id="{7DE5644D-480D-4551-F3E5-9C69DFFD02EB}"/>
+              </a:ext>
+            </a:extLst>
+          </p:cNvPr>
+          <p:cNvSpPr>
+            <a:spLocks noGrp="1"/>
+          </p:cNvSpPr>
+          <p:nvPr>
+            <p:ph idx="15" hasCustomPrompt="1"/>
+          </p:nvPr>
+        </p:nvSpPr>
+        <p:spPr>
+          <a:xfrm>
+            <a:off x="8944494" y="3452606"/>
+            <a:ext cx="2859577" cy="2767220"/>
+          </a:xfrm>
+        </p:spPr>
+        <p:txBody>
+          <a:bodyPr>
+            <a:normAutofit/>
+          </a:bodyPr>
+          <a:lstStyle>
+            <a:lvl1pPr marL="0" indent="0">
+              <a:lnSpc>
+                <a:spcPct val="90000"/>
+              </a:lnSpc>
+              <a:spcBef>
+                <a:spcPts val="600"/>
+              </a:spcBef>
+              <a:buNone/>
+              <a:defRPr sz="1200"/>
+            </a:lvl1pPr>
+            <a:lvl2pPr marL="457200" indent="0">
+              <a:buNone/>
+              <a:defRPr/>
+            </a:lvl2pPr>
+            <a:lvl3pPr marL="914400" indent="0">
+              <a:buNone/>
+              <a:defRPr/>
+            </a:lvl3pPr>
+            <a:lvl4pPr marL="1371600" indent="0">
+              <a:buNone/>
+              <a:defRPr/>
+            </a:lvl4pPr>
+            <a:lvl5pPr marL="1828800" indent="0">
+              <a:buNone/>
+              <a:defRPr/>
+            </a:lvl5pPr>
+          </a:lstStyle>
+          <a:p>
+            <a:pPr lvl="0"/>
+            <a:r>
+              <a:rPr kumimoji="1" lang="en-US" altLang="ja-JP"/>
+              <a:t>SNS</a:t>
+            </a:r>
+          </a:p>
+          <a:p>
+            <a:pPr lvl="0"/>
+            <a:endParaRPr kumimoji="1" lang="en-US" altLang="ja-JP"/>
+          </a:p>
+        </p:txBody>
+      </p:sp>
+      <p:sp>
+        <p:nvSpPr>
+          <p:cNvPr id="12" name="コンテンツ プレースホルダー 2">
+            <a:extLst>
+              <a:ext uri="{FF2B5EF4-FFF2-40B4-BE49-F238E27FC236}">
+                <a16:creationId xmlns:a16="http://schemas.microsoft.com/office/drawing/2014/main" id="{018AB063-7C63-152E-F488-B7028FDE1634}"/>
+              </a:ext>
+            </a:extLst>
+          </p:cNvPr>
+          <p:cNvSpPr>
+            <a:spLocks noGrp="1"/>
+          </p:cNvSpPr>
+          <p:nvPr>
+            <p:ph idx="16" hasCustomPrompt="1"/>
+          </p:nvPr>
+        </p:nvSpPr>
+        <p:spPr>
+          <a:xfrm>
+            <a:off x="3876500" y="3452606"/>
+            <a:ext cx="4876801" cy="2767220"/>
+          </a:xfrm>
+        </p:spPr>
+        <p:txBody>
+          <a:bodyPr>
+            <a:normAutofit/>
+          </a:bodyPr>
+          <a:lstStyle>
+            <a:lvl1pPr marL="0" indent="0">
+              <a:lnSpc>
+                <a:spcPct val="90000"/>
+              </a:lnSpc>
+              <a:spcBef>
+                <a:spcPts val="600"/>
+              </a:spcBef>
+              <a:buNone/>
+              <a:defRPr sz="1200"/>
+            </a:lvl1pPr>
+            <a:lvl2pPr marL="457200" indent="0">
+              <a:buNone/>
+              <a:defRPr/>
+            </a:lvl2pPr>
+            <a:lvl3pPr marL="914400" indent="0">
+              <a:buNone/>
+              <a:defRPr/>
+            </a:lvl3pPr>
+            <a:lvl4pPr marL="1371600" indent="0">
+              <a:buNone/>
+              <a:defRPr/>
+            </a:lvl4pPr>
+            <a:lvl5pPr marL="1828800" indent="0">
+              <a:buNone/>
+              <a:defRPr/>
+            </a:lvl5pPr>
+          </a:lstStyle>
+          <a:p>
+            <a:pPr lvl="0"/>
+            <a:r>
+              <a:rPr kumimoji="1" lang="en-US" altLang="ja-JP"/>
+              <a:t>desire</a:t>
+            </a:r>
+            <a:endParaRPr kumimoji="1" lang="ja-JP" altLang="en-US"/>
+          </a:p>
+        </p:txBody>
+      </p:sp>
+      <p:sp>
+        <p:nvSpPr>
+          <p:cNvPr id="13" name="テキスト ボックス 12">
+            <a:extLst>
+              <a:ext uri="{FF2B5EF4-FFF2-40B4-BE49-F238E27FC236}">
+                <a16:creationId xmlns:a16="http://schemas.microsoft.com/office/drawing/2014/main" id="{D820D765-BAD7-2245-91F0-112CF5D95E59}"/>
+              </a:ext>
+            </a:extLst>
+          </p:cNvPr>
+          <p:cNvSpPr txBox="1"/>
+          <p:nvPr userDrawn="1"/>
+        </p:nvSpPr>
+        <p:spPr>
+          <a:xfrm>
+            <a:off x="3876500" y="763303"/>
+            <a:ext cx="3416320" cy="369332"/>
+          </a:xfrm>
+          <a:prstGeom prst="rect">
+            <a:avLst/>
+          </a:prstGeom>
+          <a:noFill/>
+        </p:spPr>
+        <p:txBody>
+          <a:bodyPr wrap="none" rtlCol="0">
+            <a:spAutoFit/>
+          </a:bodyPr>
+          <a:lstStyle/>
+          <a:p>
+            <a:r>
+              <a:rPr kumimoji="1" lang="ja-JP" altLang="en-US"/>
+              <a:t>エピソード（生い立ち・近年）</a:t>
+            </a:r>
+          </a:p>
+        </p:txBody>
+      </p:sp>
+      <p:sp>
+        <p:nvSpPr>
+          <p:cNvPr id="14" name="テキスト ボックス 13">
+            <a:extLst>
+              <a:ext uri="{FF2B5EF4-FFF2-40B4-BE49-F238E27FC236}">
+                <a16:creationId xmlns:a16="http://schemas.microsoft.com/office/drawing/2014/main" id="{61EA07AF-01BD-783D-59FC-CFF9F99EDE16}"/>
+              </a:ext>
+            </a:extLst>
+          </p:cNvPr>
+          <p:cNvSpPr txBox="1"/>
+          <p:nvPr userDrawn="1"/>
+        </p:nvSpPr>
+        <p:spPr>
+          <a:xfrm>
+            <a:off x="515185" y="3083273"/>
+            <a:ext cx="1569660" cy="369332"/>
+          </a:xfrm>
+          <a:prstGeom prst="rect">
+            <a:avLst/>
+          </a:prstGeom>
+          <a:noFill/>
+        </p:spPr>
+        <p:txBody>
+          <a:bodyPr wrap="none" rtlCol="0">
+            <a:spAutoFit/>
+          </a:bodyPr>
+          <a:lstStyle/>
+          <a:p>
+            <a:r>
+              <a:rPr kumimoji="1" lang="ja-JP" altLang="en-US"/>
+              <a:t>プロフィール</a:t>
+            </a:r>
+          </a:p>
+        </p:txBody>
+      </p:sp>
+      <p:sp>
+        <p:nvSpPr>
+          <p:cNvPr id="15" name="テキスト ボックス 14">
+            <a:extLst>
+              <a:ext uri="{FF2B5EF4-FFF2-40B4-BE49-F238E27FC236}">
+                <a16:creationId xmlns:a16="http://schemas.microsoft.com/office/drawing/2014/main" id="{7CD8E934-D385-E04A-D0C2-52BB66C06DD5}"/>
+              </a:ext>
+            </a:extLst>
+          </p:cNvPr>
+          <p:cNvSpPr txBox="1"/>
+          <p:nvPr userDrawn="1"/>
+        </p:nvSpPr>
+        <p:spPr>
+          <a:xfrm>
+            <a:off x="3876500" y="3077095"/>
+            <a:ext cx="646331" cy="369332"/>
+          </a:xfrm>
+          <a:prstGeom prst="rect">
+            <a:avLst/>
+          </a:prstGeom>
+          <a:noFill/>
+        </p:spPr>
+        <p:txBody>
+          <a:bodyPr wrap="none" rtlCol="0">
+            <a:spAutoFit/>
+          </a:bodyPr>
+          <a:lstStyle/>
+          <a:p>
+            <a:r>
+              <a:rPr kumimoji="1" lang="ja-JP" altLang="en-US"/>
+              <a:t>欲求</a:t>
+            </a:r>
+          </a:p>
+        </p:txBody>
+      </p:sp>
+      <p:sp>
+        <p:nvSpPr>
+          <p:cNvPr id="16" name="テキスト ボックス 15">
+            <a:extLst>
+              <a:ext uri="{FF2B5EF4-FFF2-40B4-BE49-F238E27FC236}">
+                <a16:creationId xmlns:a16="http://schemas.microsoft.com/office/drawing/2014/main" id="{CDD85094-4421-AC28-B4E1-F7FADDFBFDD3}"/>
+              </a:ext>
+            </a:extLst>
+          </p:cNvPr>
+          <p:cNvSpPr txBox="1"/>
+          <p:nvPr userDrawn="1"/>
+        </p:nvSpPr>
+        <p:spPr>
+          <a:xfrm>
+            <a:off x="8944494" y="3085378"/>
+            <a:ext cx="1107996" cy="369332"/>
+          </a:xfrm>
+          <a:prstGeom prst="rect">
+            <a:avLst/>
+          </a:prstGeom>
+          <a:noFill/>
+        </p:spPr>
+        <p:txBody>
+          <a:bodyPr wrap="none" rtlCol="0">
+            <a:spAutoFit/>
+          </a:bodyPr>
+          <a:lstStyle/>
+          <a:p>
+            <a:r>
+              <a:rPr kumimoji="1" lang="en-US" altLang="ja-JP"/>
+              <a:t>SNS</a:t>
+            </a:r>
+            <a:r>
+              <a:rPr kumimoji="1" lang="ja-JP" altLang="en-US"/>
+              <a:t>など</a:t>
+            </a:r>
+          </a:p>
+        </p:txBody>
+      </p:sp>
+    </p:spTree>
+    <p:extLst>
+      <p:ext uri="{BB962C8B-B14F-4D97-AF65-F5344CB8AC3E}">
+        <p14:creationId xmlns:p14="http://schemas.microsoft.com/office/powerpoint/2010/main" val="2761434285"/>
       </p:ext>
     </p:extLst>
   </p:cSld>
@@ -4008,7 +4759,7 @@
   </p:cSld>
   <p:clrMap bg1="lt1" tx1="dk1" bg2="lt2" tx2="dk2" accent1="accent1" accent2="accent2" accent3="accent3" accent4="accent4" accent5="accent5" accent6="accent6" hlink="hlink" folHlink="folHlink"/>
   <p:sldLayoutIdLst>
-    <p:sldLayoutId id="2147483661" r:id="rId1"/>
+    <p:sldLayoutId id="2147483663" r:id="rId1"/>
     <p:sldLayoutId id="2147483650" r:id="rId2"/>
     <p:sldLayoutId id="2147483651" r:id="rId3"/>
     <p:sldLayoutId id="2147483652" r:id="rId4"/>
@@ -4893,6 +5644,599 @@
 </p:sldMaster>
 </file>
 
+<file path=ppt/slideMasters/slideMaster3.xml><?xml version="1.0" encoding="utf-8"?>
+<p:sldMaster xmlns:a="http://schemas.openxmlformats.org/drawingml/2006/main" xmlns:r="http://schemas.openxmlformats.org/officeDocument/2006/relationships" xmlns:p="http://schemas.openxmlformats.org/presentationml/2006/main">
+  <p:cSld>
+    <p:bg>
+      <p:bgRef idx="1001">
+        <a:schemeClr val="bg1"/>
+      </p:bgRef>
+    </p:bg>
+    <p:spTree>
+      <p:nvGrpSpPr>
+        <p:cNvPr id="1" name=""/>
+        <p:cNvGrpSpPr/>
+        <p:nvPr/>
+      </p:nvGrpSpPr>
+      <p:grpSpPr>
+        <a:xfrm>
+          <a:off x="0" y="0"/>
+          <a:ext cx="0" cy="0"/>
+          <a:chOff x="0" y="0"/>
+          <a:chExt cx="0" cy="0"/>
+        </a:xfrm>
+      </p:grpSpPr>
+      <p:sp>
+        <p:nvSpPr>
+          <p:cNvPr id="2" name="タイトル プレースホルダー 1">
+            <a:extLst>
+              <a:ext uri="{FF2B5EF4-FFF2-40B4-BE49-F238E27FC236}">
+                <a16:creationId xmlns:a16="http://schemas.microsoft.com/office/drawing/2014/main" id="{8529D9DE-A980-FB58-3F3C-76ABA9EF193C}"/>
+              </a:ext>
+            </a:extLst>
+          </p:cNvPr>
+          <p:cNvSpPr>
+            <a:spLocks noGrp="1"/>
+          </p:cNvSpPr>
+          <p:nvPr>
+            <p:ph type="title"/>
+          </p:nvPr>
+        </p:nvSpPr>
+        <p:spPr>
+          <a:xfrm>
+            <a:off x="838200" y="365125"/>
+            <a:ext cx="10515600" cy="1325563"/>
+          </a:xfrm>
+          <a:prstGeom prst="rect">
+            <a:avLst/>
+          </a:prstGeom>
+        </p:spPr>
+        <p:txBody>
+          <a:bodyPr vert="horz" lIns="91440" tIns="45720" rIns="91440" bIns="45720" rtlCol="0" anchor="ctr">
+            <a:normAutofit/>
+          </a:bodyPr>
+          <a:lstStyle/>
+          <a:p>
+            <a:r>
+              <a:rPr kumimoji="1" lang="ja-JP" altLang="en-US"/>
+              <a:t>マスター タイトルの書式設定</a:t>
+            </a:r>
+          </a:p>
+        </p:txBody>
+      </p:sp>
+      <p:sp>
+        <p:nvSpPr>
+          <p:cNvPr id="3" name="テキスト プレースホルダー 2">
+            <a:extLst>
+              <a:ext uri="{FF2B5EF4-FFF2-40B4-BE49-F238E27FC236}">
+                <a16:creationId xmlns:a16="http://schemas.microsoft.com/office/drawing/2014/main" id="{DB9A1216-3AED-04BB-0F24-AC39484FFCB1}"/>
+              </a:ext>
+            </a:extLst>
+          </p:cNvPr>
+          <p:cNvSpPr>
+            <a:spLocks noGrp="1"/>
+          </p:cNvSpPr>
+          <p:nvPr>
+            <p:ph type="body" idx="1"/>
+          </p:nvPr>
+        </p:nvSpPr>
+        <p:spPr>
+          <a:xfrm>
+            <a:off x="838200" y="1825625"/>
+            <a:ext cx="10515600" cy="4351338"/>
+          </a:xfrm>
+          <a:prstGeom prst="rect">
+            <a:avLst/>
+          </a:prstGeom>
+        </p:spPr>
+        <p:txBody>
+          <a:bodyPr vert="horz" lIns="91440" tIns="45720" rIns="91440" bIns="45720" rtlCol="0">
+            <a:normAutofit/>
+          </a:bodyPr>
+          <a:lstStyle/>
+          <a:p>
+            <a:pPr lvl="0"/>
+            <a:r>
+              <a:rPr kumimoji="1" lang="ja-JP" altLang="en-US"/>
+              <a:t>マスター テキストの書式設定</a:t>
+            </a:r>
+          </a:p>
+          <a:p>
+            <a:pPr lvl="1"/>
+            <a:r>
+              <a:rPr kumimoji="1" lang="ja-JP" altLang="en-US"/>
+              <a:t>第 </a:t>
+            </a:r>
+            <a:r>
+              <a:rPr kumimoji="1" lang="en-US" altLang="ja-JP"/>
+              <a:t>2 </a:t>
+            </a:r>
+            <a:r>
+              <a:rPr kumimoji="1" lang="ja-JP" altLang="en-US"/>
+              <a:t>レベル</a:t>
+            </a:r>
+          </a:p>
+          <a:p>
+            <a:pPr lvl="2"/>
+            <a:r>
+              <a:rPr kumimoji="1" lang="ja-JP" altLang="en-US"/>
+              <a:t>第 </a:t>
+            </a:r>
+            <a:r>
+              <a:rPr kumimoji="1" lang="en-US" altLang="ja-JP"/>
+              <a:t>3 </a:t>
+            </a:r>
+            <a:r>
+              <a:rPr kumimoji="1" lang="ja-JP" altLang="en-US"/>
+              <a:t>レベル</a:t>
+            </a:r>
+          </a:p>
+          <a:p>
+            <a:pPr lvl="3"/>
+            <a:r>
+              <a:rPr kumimoji="1" lang="ja-JP" altLang="en-US"/>
+              <a:t>第 </a:t>
+            </a:r>
+            <a:r>
+              <a:rPr kumimoji="1" lang="en-US" altLang="ja-JP"/>
+              <a:t>4 </a:t>
+            </a:r>
+            <a:r>
+              <a:rPr kumimoji="1" lang="ja-JP" altLang="en-US"/>
+              <a:t>レベル</a:t>
+            </a:r>
+          </a:p>
+          <a:p>
+            <a:pPr lvl="4"/>
+            <a:r>
+              <a:rPr kumimoji="1" lang="ja-JP" altLang="en-US"/>
+              <a:t>第 </a:t>
+            </a:r>
+            <a:r>
+              <a:rPr kumimoji="1" lang="en-US" altLang="ja-JP"/>
+              <a:t>5 </a:t>
+            </a:r>
+            <a:r>
+              <a:rPr kumimoji="1" lang="ja-JP" altLang="en-US"/>
+              <a:t>レベル</a:t>
+            </a:r>
+          </a:p>
+        </p:txBody>
+      </p:sp>
+      <p:sp>
+        <p:nvSpPr>
+          <p:cNvPr id="4" name="日付プレースホルダー 3">
+            <a:extLst>
+              <a:ext uri="{FF2B5EF4-FFF2-40B4-BE49-F238E27FC236}">
+                <a16:creationId xmlns:a16="http://schemas.microsoft.com/office/drawing/2014/main" id="{5A230851-8D77-DA7C-EE53-FD51FBDE6B6B}"/>
+              </a:ext>
+            </a:extLst>
+          </p:cNvPr>
+          <p:cNvSpPr>
+            <a:spLocks noGrp="1"/>
+          </p:cNvSpPr>
+          <p:nvPr>
+            <p:ph type="dt" sz="half" idx="2"/>
+          </p:nvPr>
+        </p:nvSpPr>
+        <p:spPr>
+          <a:xfrm>
+            <a:off x="838200" y="6356350"/>
+            <a:ext cx="2743200" cy="365125"/>
+          </a:xfrm>
+          <a:prstGeom prst="rect">
+            <a:avLst/>
+          </a:prstGeom>
+        </p:spPr>
+        <p:txBody>
+          <a:bodyPr vert="horz" lIns="91440" tIns="45720" rIns="91440" bIns="45720" rtlCol="0" anchor="ctr"/>
+          <a:lstStyle>
+            <a:lvl1pPr algn="l">
+              <a:defRPr sz="1200">
+                <a:solidFill>
+                  <a:schemeClr val="accent6"/>
+                </a:solidFill>
+                <a:latin typeface="+mn-lt"/>
+              </a:defRPr>
+            </a:lvl1pPr>
+          </a:lstStyle>
+          <a:p>
+            <a:fld id="{BF80A5BA-5808-439D-8F14-DD23526067FA}" type="datetimeFigureOut">
+              <a:rPr lang="ja-JP" altLang="en-US" smtClean="0"/>
+              <a:pPr/>
+              <a:t>2022/6/28</a:t>
+            </a:fld>
+            <a:endParaRPr lang="ja-JP" altLang="en-US"/>
+          </a:p>
+        </p:txBody>
+      </p:sp>
+      <p:sp>
+        <p:nvSpPr>
+          <p:cNvPr id="5" name="フッター プレースホルダー 4">
+            <a:extLst>
+              <a:ext uri="{FF2B5EF4-FFF2-40B4-BE49-F238E27FC236}">
+                <a16:creationId xmlns:a16="http://schemas.microsoft.com/office/drawing/2014/main" id="{BA03FA77-E7D1-33B9-E4AE-F9086FAEFB02}"/>
+              </a:ext>
+            </a:extLst>
+          </p:cNvPr>
+          <p:cNvSpPr>
+            <a:spLocks noGrp="1"/>
+          </p:cNvSpPr>
+          <p:nvPr>
+            <p:ph type="ftr" sz="quarter" idx="3"/>
+          </p:nvPr>
+        </p:nvSpPr>
+        <p:spPr>
+          <a:xfrm>
+            <a:off x="4038600" y="6356350"/>
+            <a:ext cx="4114800" cy="365125"/>
+          </a:xfrm>
+          <a:prstGeom prst="rect">
+            <a:avLst/>
+          </a:prstGeom>
+        </p:spPr>
+        <p:txBody>
+          <a:bodyPr vert="horz" lIns="91440" tIns="45720" rIns="91440" bIns="45720" rtlCol="0" anchor="ctr"/>
+          <a:lstStyle>
+            <a:lvl1pPr algn="ctr">
+              <a:defRPr sz="1200">
+                <a:solidFill>
+                  <a:schemeClr val="accent6"/>
+                </a:solidFill>
+                <a:latin typeface="+mn-lt"/>
+              </a:defRPr>
+            </a:lvl1pPr>
+          </a:lstStyle>
+          <a:p>
+            <a:r>
+              <a:rPr lang="en-US" altLang="ja-JP"/>
+              <a:t>Copyright(c) Plus Dojo all rights reserved.</a:t>
+            </a:r>
+            <a:endParaRPr lang="ja-JP" altLang="en-US"/>
+          </a:p>
+        </p:txBody>
+      </p:sp>
+      <p:sp>
+        <p:nvSpPr>
+          <p:cNvPr id="6" name="スライド番号プレースホルダー 5">
+            <a:extLst>
+              <a:ext uri="{FF2B5EF4-FFF2-40B4-BE49-F238E27FC236}">
+                <a16:creationId xmlns:a16="http://schemas.microsoft.com/office/drawing/2014/main" id="{8A05ADF1-E0F3-C8D0-913B-D1364F672A66}"/>
+              </a:ext>
+            </a:extLst>
+          </p:cNvPr>
+          <p:cNvSpPr>
+            <a:spLocks noGrp="1"/>
+          </p:cNvSpPr>
+          <p:nvPr>
+            <p:ph type="sldNum" sz="quarter" idx="4"/>
+          </p:nvPr>
+        </p:nvSpPr>
+        <p:spPr>
+          <a:xfrm>
+            <a:off x="8610600" y="6356350"/>
+            <a:ext cx="2743200" cy="365125"/>
+          </a:xfrm>
+          <a:prstGeom prst="rect">
+            <a:avLst/>
+          </a:prstGeom>
+        </p:spPr>
+        <p:txBody>
+          <a:bodyPr vert="horz" lIns="91440" tIns="45720" rIns="91440" bIns="45720" rtlCol="0" anchor="ctr"/>
+          <a:lstStyle>
+            <a:lvl1pPr algn="r">
+              <a:defRPr sz="1200">
+                <a:solidFill>
+                  <a:schemeClr val="accent6"/>
+                </a:solidFill>
+                <a:latin typeface="+mn-lt"/>
+              </a:defRPr>
+            </a:lvl1pPr>
+          </a:lstStyle>
+          <a:p>
+            <a:fld id="{C1851418-70CB-487B-B7C1-746927890390}" type="slidenum">
+              <a:rPr lang="ja-JP" altLang="en-US" smtClean="0"/>
+              <a:pPr/>
+              <a:t>‹#›</a:t>
+            </a:fld>
+            <a:endParaRPr lang="ja-JP" altLang="en-US"/>
+          </a:p>
+        </p:txBody>
+      </p:sp>
+    </p:spTree>
+    <p:extLst>
+      <p:ext uri="{BB962C8B-B14F-4D97-AF65-F5344CB8AC3E}">
+        <p14:creationId xmlns:p14="http://schemas.microsoft.com/office/powerpoint/2010/main" val="2917938626"/>
+      </p:ext>
+    </p:extLst>
+  </p:cSld>
+  <p:clrMap bg1="lt1" tx1="dk1" bg2="lt2" tx2="dk2" accent1="accent1" accent2="accent2" accent3="accent3" accent4="accent4" accent5="accent5" accent6="accent6" hlink="hlink" folHlink="folHlink"/>
+  <p:sldLayoutIdLst>
+    <p:sldLayoutId id="2147483661" r:id="rId1"/>
+  </p:sldLayoutIdLst>
+  <p:txStyles>
+    <p:titleStyle>
+      <a:lvl1pPr algn="l" defTabSz="914400" rtl="0" eaLnBrk="1" latinLnBrk="0" hangingPunct="1">
+        <a:lnSpc>
+          <a:spcPct val="90000"/>
+        </a:lnSpc>
+        <a:spcBef>
+          <a:spcPct val="0"/>
+        </a:spcBef>
+        <a:buNone/>
+        <a:defRPr kumimoji="1" sz="4400" kern="1200">
+          <a:solidFill>
+            <a:schemeClr val="accent6"/>
+          </a:solidFill>
+          <a:latin typeface="+mn-lt"/>
+          <a:ea typeface="+mj-ea"/>
+          <a:cs typeface="+mj-cs"/>
+        </a:defRPr>
+      </a:lvl1pPr>
+    </p:titleStyle>
+    <p:bodyStyle>
+      <a:lvl1pPr marL="228600" indent="-228600" algn="l" defTabSz="914400" rtl="0" eaLnBrk="1" latinLnBrk="0" hangingPunct="1">
+        <a:lnSpc>
+          <a:spcPct val="90000"/>
+        </a:lnSpc>
+        <a:spcBef>
+          <a:spcPts val="1000"/>
+        </a:spcBef>
+        <a:buFont typeface="Arial" panose="020B0604020202020204" pitchFamily="34" charset="0"/>
+        <a:buChar char="•"/>
+        <a:defRPr kumimoji="1" sz="2800" kern="1200">
+          <a:solidFill>
+            <a:schemeClr val="accent6"/>
+          </a:solidFill>
+          <a:latin typeface="+mn-lt"/>
+          <a:ea typeface="+mn-ea"/>
+          <a:cs typeface="+mn-cs"/>
+        </a:defRPr>
+      </a:lvl1pPr>
+      <a:lvl2pPr marL="685800" indent="-228600" algn="l" defTabSz="914400" rtl="0" eaLnBrk="1" latinLnBrk="0" hangingPunct="1">
+        <a:lnSpc>
+          <a:spcPct val="90000"/>
+        </a:lnSpc>
+        <a:spcBef>
+          <a:spcPts val="500"/>
+        </a:spcBef>
+        <a:buFont typeface="Arial" panose="020B0604020202020204" pitchFamily="34" charset="0"/>
+        <a:buChar char="•"/>
+        <a:defRPr kumimoji="1" sz="2400" kern="1200">
+          <a:solidFill>
+            <a:schemeClr val="accent6"/>
+          </a:solidFill>
+          <a:latin typeface="+mn-lt"/>
+          <a:ea typeface="+mn-ea"/>
+          <a:cs typeface="+mn-cs"/>
+        </a:defRPr>
+      </a:lvl2pPr>
+      <a:lvl3pPr marL="1143000" indent="-228600" algn="l" defTabSz="914400" rtl="0" eaLnBrk="1" latinLnBrk="0" hangingPunct="1">
+        <a:lnSpc>
+          <a:spcPct val="90000"/>
+        </a:lnSpc>
+        <a:spcBef>
+          <a:spcPts val="500"/>
+        </a:spcBef>
+        <a:buFont typeface="Arial" panose="020B0604020202020204" pitchFamily="34" charset="0"/>
+        <a:buChar char="•"/>
+        <a:defRPr kumimoji="1" sz="2000" kern="1200">
+          <a:solidFill>
+            <a:schemeClr val="accent6"/>
+          </a:solidFill>
+          <a:latin typeface="+mn-lt"/>
+          <a:ea typeface="+mn-ea"/>
+          <a:cs typeface="+mn-cs"/>
+        </a:defRPr>
+      </a:lvl3pPr>
+      <a:lvl4pPr marL="1600200" indent="-228600" algn="l" defTabSz="914400" rtl="0" eaLnBrk="1" latinLnBrk="0" hangingPunct="1">
+        <a:lnSpc>
+          <a:spcPct val="90000"/>
+        </a:lnSpc>
+        <a:spcBef>
+          <a:spcPts val="500"/>
+        </a:spcBef>
+        <a:buFont typeface="Arial" panose="020B0604020202020204" pitchFamily="34" charset="0"/>
+        <a:buChar char="•"/>
+        <a:defRPr kumimoji="1" sz="1800" kern="1200">
+          <a:solidFill>
+            <a:schemeClr val="accent6"/>
+          </a:solidFill>
+          <a:latin typeface="+mn-lt"/>
+          <a:ea typeface="+mn-ea"/>
+          <a:cs typeface="+mn-cs"/>
+        </a:defRPr>
+      </a:lvl4pPr>
+      <a:lvl5pPr marL="2057400" indent="-228600" algn="l" defTabSz="914400" rtl="0" eaLnBrk="1" latinLnBrk="0" hangingPunct="1">
+        <a:lnSpc>
+          <a:spcPct val="90000"/>
+        </a:lnSpc>
+        <a:spcBef>
+          <a:spcPts val="500"/>
+        </a:spcBef>
+        <a:buFont typeface="Arial" panose="020B0604020202020204" pitchFamily="34" charset="0"/>
+        <a:buChar char="•"/>
+        <a:defRPr kumimoji="1" sz="1800" kern="1200">
+          <a:solidFill>
+            <a:schemeClr val="accent6"/>
+          </a:solidFill>
+          <a:latin typeface="+mn-lt"/>
+          <a:ea typeface="+mn-ea"/>
+          <a:cs typeface="+mn-cs"/>
+        </a:defRPr>
+      </a:lvl5pPr>
+      <a:lvl6pPr marL="2514600" indent="-228600" algn="l" defTabSz="914400" rtl="0" eaLnBrk="1" latinLnBrk="0" hangingPunct="1">
+        <a:lnSpc>
+          <a:spcPct val="90000"/>
+        </a:lnSpc>
+        <a:spcBef>
+          <a:spcPts val="500"/>
+        </a:spcBef>
+        <a:buFont typeface="Arial" panose="020B0604020202020204" pitchFamily="34" charset="0"/>
+        <a:buChar char="•"/>
+        <a:defRPr kumimoji="1" sz="1800" kern="1200">
+          <a:solidFill>
+            <a:schemeClr val="tx1"/>
+          </a:solidFill>
+          <a:latin typeface="+mn-lt"/>
+          <a:ea typeface="+mn-ea"/>
+          <a:cs typeface="+mn-cs"/>
+        </a:defRPr>
+      </a:lvl6pPr>
+      <a:lvl7pPr marL="2971800" indent="-228600" algn="l" defTabSz="914400" rtl="0" eaLnBrk="1" latinLnBrk="0" hangingPunct="1">
+        <a:lnSpc>
+          <a:spcPct val="90000"/>
+        </a:lnSpc>
+        <a:spcBef>
+          <a:spcPts val="500"/>
+        </a:spcBef>
+        <a:buFont typeface="Arial" panose="020B0604020202020204" pitchFamily="34" charset="0"/>
+        <a:buChar char="•"/>
+        <a:defRPr kumimoji="1" sz="1800" kern="1200">
+          <a:solidFill>
+            <a:schemeClr val="tx1"/>
+          </a:solidFill>
+          <a:latin typeface="+mn-lt"/>
+          <a:ea typeface="+mn-ea"/>
+          <a:cs typeface="+mn-cs"/>
+        </a:defRPr>
+      </a:lvl7pPr>
+      <a:lvl8pPr marL="3429000" indent="-228600" algn="l" defTabSz="914400" rtl="0" eaLnBrk="1" latinLnBrk="0" hangingPunct="1">
+        <a:lnSpc>
+          <a:spcPct val="90000"/>
+        </a:lnSpc>
+        <a:spcBef>
+          <a:spcPts val="500"/>
+        </a:spcBef>
+        <a:buFont typeface="Arial" panose="020B0604020202020204" pitchFamily="34" charset="0"/>
+        <a:buChar char="•"/>
+        <a:defRPr kumimoji="1" sz="1800" kern="1200">
+          <a:solidFill>
+            <a:schemeClr val="tx1"/>
+          </a:solidFill>
+          <a:latin typeface="+mn-lt"/>
+          <a:ea typeface="+mn-ea"/>
+          <a:cs typeface="+mn-cs"/>
+        </a:defRPr>
+      </a:lvl8pPr>
+      <a:lvl9pPr marL="3886200" indent="-228600" algn="l" defTabSz="914400" rtl="0" eaLnBrk="1" latinLnBrk="0" hangingPunct="1">
+        <a:lnSpc>
+          <a:spcPct val="90000"/>
+        </a:lnSpc>
+        <a:spcBef>
+          <a:spcPts val="500"/>
+        </a:spcBef>
+        <a:buFont typeface="Arial" panose="020B0604020202020204" pitchFamily="34" charset="0"/>
+        <a:buChar char="•"/>
+        <a:defRPr kumimoji="1" sz="1800" kern="1200">
+          <a:solidFill>
+            <a:schemeClr val="tx1"/>
+          </a:solidFill>
+          <a:latin typeface="+mn-lt"/>
+          <a:ea typeface="+mn-ea"/>
+          <a:cs typeface="+mn-cs"/>
+        </a:defRPr>
+      </a:lvl9pPr>
+    </p:bodyStyle>
+    <p:otherStyle>
+      <a:defPPr>
+        <a:defRPr lang="ja-JP"/>
+      </a:defPPr>
+      <a:lvl1pPr marL="0" algn="l" defTabSz="914400" rtl="0" eaLnBrk="1" latinLnBrk="0" hangingPunct="1">
+        <a:defRPr kumimoji="1" sz="1800" kern="1200">
+          <a:solidFill>
+            <a:schemeClr val="tx1"/>
+          </a:solidFill>
+          <a:latin typeface="+mn-lt"/>
+          <a:ea typeface="+mn-ea"/>
+          <a:cs typeface="+mn-cs"/>
+        </a:defRPr>
+      </a:lvl1pPr>
+      <a:lvl2pPr marL="457200" algn="l" defTabSz="914400" rtl="0" eaLnBrk="1" latinLnBrk="0" hangingPunct="1">
+        <a:defRPr kumimoji="1" sz="1800" kern="1200">
+          <a:solidFill>
+            <a:schemeClr val="tx1"/>
+          </a:solidFill>
+          <a:latin typeface="+mn-lt"/>
+          <a:ea typeface="+mn-ea"/>
+          <a:cs typeface="+mn-cs"/>
+        </a:defRPr>
+      </a:lvl2pPr>
+      <a:lvl3pPr marL="914400" algn="l" defTabSz="914400" rtl="0" eaLnBrk="1" latinLnBrk="0" hangingPunct="1">
+        <a:defRPr kumimoji="1" sz="1800" kern="1200">
+          <a:solidFill>
+            <a:schemeClr val="tx1"/>
+          </a:solidFill>
+          <a:latin typeface="+mn-lt"/>
+          <a:ea typeface="+mn-ea"/>
+          <a:cs typeface="+mn-cs"/>
+        </a:defRPr>
+      </a:lvl3pPr>
+      <a:lvl4pPr marL="1371600" algn="l" defTabSz="914400" rtl="0" eaLnBrk="1" latinLnBrk="0" hangingPunct="1">
+        <a:defRPr kumimoji="1" sz="1800" kern="1200">
+          <a:solidFill>
+            <a:schemeClr val="tx1"/>
+          </a:solidFill>
+          <a:latin typeface="+mn-lt"/>
+          <a:ea typeface="+mn-ea"/>
+          <a:cs typeface="+mn-cs"/>
+        </a:defRPr>
+      </a:lvl4pPr>
+      <a:lvl5pPr marL="1828800" algn="l" defTabSz="914400" rtl="0" eaLnBrk="1" latinLnBrk="0" hangingPunct="1">
+        <a:defRPr kumimoji="1" sz="1800" kern="1200">
+          <a:solidFill>
+            <a:schemeClr val="tx1"/>
+          </a:solidFill>
+          <a:latin typeface="+mn-lt"/>
+          <a:ea typeface="+mn-ea"/>
+          <a:cs typeface="+mn-cs"/>
+        </a:defRPr>
+      </a:lvl5pPr>
+      <a:lvl6pPr marL="2286000" algn="l" defTabSz="914400" rtl="0" eaLnBrk="1" latinLnBrk="0" hangingPunct="1">
+        <a:defRPr kumimoji="1" sz="1800" kern="1200">
+          <a:solidFill>
+            <a:schemeClr val="tx1"/>
+          </a:solidFill>
+          <a:latin typeface="+mn-lt"/>
+          <a:ea typeface="+mn-ea"/>
+          <a:cs typeface="+mn-cs"/>
+        </a:defRPr>
+      </a:lvl6pPr>
+      <a:lvl7pPr marL="2743200" algn="l" defTabSz="914400" rtl="0" eaLnBrk="1" latinLnBrk="0" hangingPunct="1">
+        <a:defRPr kumimoji="1" sz="1800" kern="1200">
+          <a:solidFill>
+            <a:schemeClr val="tx1"/>
+          </a:solidFill>
+          <a:latin typeface="+mn-lt"/>
+          <a:ea typeface="+mn-ea"/>
+          <a:cs typeface="+mn-cs"/>
+        </a:defRPr>
+      </a:lvl7pPr>
+      <a:lvl8pPr marL="3200400" algn="l" defTabSz="914400" rtl="0" eaLnBrk="1" latinLnBrk="0" hangingPunct="1">
+        <a:defRPr kumimoji="1" sz="1800" kern="1200">
+          <a:solidFill>
+            <a:schemeClr val="tx1"/>
+          </a:solidFill>
+          <a:latin typeface="+mn-lt"/>
+          <a:ea typeface="+mn-ea"/>
+          <a:cs typeface="+mn-cs"/>
+        </a:defRPr>
+      </a:lvl8pPr>
+      <a:lvl9pPr marL="3657600" algn="l" defTabSz="914400" rtl="0" eaLnBrk="1" latinLnBrk="0" hangingPunct="1">
+        <a:defRPr kumimoji="1" sz="1800" kern="1200">
+          <a:solidFill>
+            <a:schemeClr val="tx1"/>
+          </a:solidFill>
+          <a:latin typeface="+mn-lt"/>
+          <a:ea typeface="+mn-ea"/>
+          <a:cs typeface="+mn-cs"/>
+        </a:defRPr>
+      </a:lvl9pPr>
+    </p:otherStyle>
+  </p:txStyles>
+</p:sldMaster>
+</file>
+
 <file path=ppt/slides/slide1.xml><?xml version="1.0" encoding="utf-8"?>
 <p:sld xmlns:a="http://schemas.openxmlformats.org/drawingml/2006/main" xmlns:r="http://schemas.openxmlformats.org/officeDocument/2006/relationships" xmlns:p="http://schemas.openxmlformats.org/presentationml/2006/main">
   <p:cSld>
@@ -5051,7 +6395,15 @@
           <a:p>
             <a:r>
               <a:rPr lang="ja-JP" altLang="en-US" dirty="0"/>
-              <a:t>投稿</a:t>
+              <a:t>検索結果</a:t>
+            </a:r>
+            <a:r>
+              <a:rPr lang="en-US" altLang="ja-JP" dirty="0"/>
+              <a:t>/</a:t>
+            </a:r>
+            <a:r>
+              <a:rPr lang="ja-JP" altLang="en-US" dirty="0"/>
+              <a:t>ルーレット</a:t>
             </a:r>
             <a:endParaRPr kumimoji="1" lang="ja-JP" altLang="en-US" dirty="0"/>
           </a:p>
@@ -5085,7 +6437,7 @@
     </p:spTree>
     <p:extLst>
       <p:ext uri="{BB962C8B-B14F-4D97-AF65-F5344CB8AC3E}">
-        <p14:creationId xmlns:p14="http://schemas.microsoft.com/office/powerpoint/2010/main" val="869612550"/>
+        <p14:creationId xmlns:p14="http://schemas.microsoft.com/office/powerpoint/2010/main" val="4282601556"/>
       </p:ext>
     </p:extLst>
   </p:cSld>
@@ -5117,15 +6469,15 @@
           <p:cNvPr id="2" name="タイトル 1">
             <a:extLst>
               <a:ext uri="{FF2B5EF4-FFF2-40B4-BE49-F238E27FC236}">
-                <a16:creationId xmlns:a16="http://schemas.microsoft.com/office/drawing/2014/main" id="{97B0C93D-798D-1298-F0A4-2BC05BA2B9C8}"/>
-              </a:ext>
-            </a:extLst>
-          </p:cNvPr>
-          <p:cNvSpPr>
-            <a:spLocks noGrp="1"/>
-          </p:cNvSpPr>
-          <p:nvPr>
-            <p:ph type="ctrTitle"/>
+                <a16:creationId xmlns:a16="http://schemas.microsoft.com/office/drawing/2014/main" id="{567BCC82-8CB1-3055-6FCE-39E6F1E069C2}"/>
+              </a:ext>
+            </a:extLst>
+          </p:cNvPr>
+          <p:cNvSpPr>
+            <a:spLocks noGrp="1"/>
+          </p:cNvSpPr>
+          <p:nvPr>
+            <p:ph type="title"/>
           </p:nvPr>
         </p:nvSpPr>
         <p:spPr/>
@@ -5134,26 +6486,27 @@
           <a:lstStyle/>
           <a:p>
             <a:r>
-              <a:rPr kumimoji="1" lang="ja-JP" altLang="en-US" dirty="0"/>
-              <a:t>個人成長</a:t>
-            </a:r>
-          </a:p>
-        </p:txBody>
-      </p:sp>
-      <p:sp>
-        <p:nvSpPr>
-          <p:cNvPr id="3" name="字幕 2">
-            <a:extLst>
-              <a:ext uri="{FF2B5EF4-FFF2-40B4-BE49-F238E27FC236}">
-                <a16:creationId xmlns:a16="http://schemas.microsoft.com/office/drawing/2014/main" id="{B1823E37-FDE8-DB30-92C4-1BC86F173BA5}"/>
-              </a:ext>
-            </a:extLst>
-          </p:cNvPr>
-          <p:cNvSpPr>
-            <a:spLocks noGrp="1"/>
-          </p:cNvSpPr>
-          <p:nvPr>
-            <p:ph type="subTitle" idx="1"/>
+              <a:rPr lang="ja-JP" altLang="en-US" dirty="0"/>
+              <a:t>投稿</a:t>
+            </a:r>
+            <a:endParaRPr kumimoji="1" lang="ja-JP" altLang="en-US" dirty="0"/>
+          </a:p>
+        </p:txBody>
+      </p:sp>
+      <p:sp>
+        <p:nvSpPr>
+          <p:cNvPr id="3" name="コンテンツ プレースホルダー 2">
+            <a:extLst>
+              <a:ext uri="{FF2B5EF4-FFF2-40B4-BE49-F238E27FC236}">
+                <a16:creationId xmlns:a16="http://schemas.microsoft.com/office/drawing/2014/main" id="{A4E6E213-AEA2-33B5-BFFB-4B2752698193}"/>
+              </a:ext>
+            </a:extLst>
+          </p:cNvPr>
+          <p:cNvSpPr>
+            <a:spLocks noGrp="1"/>
+          </p:cNvSpPr>
+          <p:nvPr>
+            <p:ph idx="1"/>
           </p:nvPr>
         </p:nvSpPr>
         <p:spPr/>
@@ -5168,7 +6521,7 @@
     </p:spTree>
     <p:extLst>
       <p:ext uri="{BB962C8B-B14F-4D97-AF65-F5344CB8AC3E}">
-        <p14:creationId xmlns:p14="http://schemas.microsoft.com/office/powerpoint/2010/main" val="1813133881"/>
+        <p14:creationId xmlns:p14="http://schemas.microsoft.com/office/powerpoint/2010/main" val="869612550"/>
       </p:ext>
     </p:extLst>
   </p:cSld>
@@ -5200,15 +6553,15 @@
           <p:cNvPr id="2" name="タイトル 1">
             <a:extLst>
               <a:ext uri="{FF2B5EF4-FFF2-40B4-BE49-F238E27FC236}">
-                <a16:creationId xmlns:a16="http://schemas.microsoft.com/office/drawing/2014/main" id="{0A9CBAF4-77F7-7A38-92D1-ABEA036B4FA9}"/>
-              </a:ext>
-            </a:extLst>
-          </p:cNvPr>
-          <p:cNvSpPr>
-            <a:spLocks noGrp="1"/>
-          </p:cNvSpPr>
-          <p:nvPr>
-            <p:ph type="title"/>
+                <a16:creationId xmlns:a16="http://schemas.microsoft.com/office/drawing/2014/main" id="{97B0C93D-798D-1298-F0A4-2BC05BA2B9C8}"/>
+              </a:ext>
+            </a:extLst>
+          </p:cNvPr>
+          <p:cNvSpPr>
+            <a:spLocks noGrp="1"/>
+          </p:cNvSpPr>
+          <p:nvPr>
+            <p:ph type="ctrTitle"/>
           </p:nvPr>
         </p:nvSpPr>
         <p:spPr/>
@@ -5218,40 +6571,15 @@
           <a:p>
             <a:r>
               <a:rPr kumimoji="1" lang="ja-JP" altLang="en-US" dirty="0"/>
-              <a:t>個人成長：遠藤</a:t>
-            </a:r>
-          </a:p>
-        </p:txBody>
-      </p:sp>
-      <p:sp>
-        <p:nvSpPr>
-          <p:cNvPr id="3" name="コンテンツ プレースホルダー 2">
-            <a:extLst>
-              <a:ext uri="{FF2B5EF4-FFF2-40B4-BE49-F238E27FC236}">
-                <a16:creationId xmlns:a16="http://schemas.microsoft.com/office/drawing/2014/main" id="{590BE91B-FB3C-BD4D-141A-15673B7FE364}"/>
-              </a:ext>
-            </a:extLst>
-          </p:cNvPr>
-          <p:cNvSpPr>
-            <a:spLocks noGrp="1"/>
-          </p:cNvSpPr>
-          <p:nvPr>
-            <p:ph idx="1"/>
-          </p:nvPr>
-        </p:nvSpPr>
-        <p:spPr/>
-        <p:txBody>
-          <a:bodyPr/>
-          <a:lstStyle/>
-          <a:p>
-            <a:endParaRPr kumimoji="1" lang="ja-JP" altLang="en-US"/>
+              <a:t>個人成長</a:t>
+            </a:r>
           </a:p>
         </p:txBody>
       </p:sp>
     </p:spTree>
     <p:extLst>
       <p:ext uri="{BB962C8B-B14F-4D97-AF65-F5344CB8AC3E}">
-        <p14:creationId xmlns:p14="http://schemas.microsoft.com/office/powerpoint/2010/main" val="3207308"/>
+        <p14:creationId xmlns:p14="http://schemas.microsoft.com/office/powerpoint/2010/main" val="1813133881"/>
       </p:ext>
     </p:extLst>
   </p:cSld>
@@ -5283,7 +6611,7 @@
           <p:cNvPr id="2" name="タイトル 1">
             <a:extLst>
               <a:ext uri="{FF2B5EF4-FFF2-40B4-BE49-F238E27FC236}">
-                <a16:creationId xmlns:a16="http://schemas.microsoft.com/office/drawing/2014/main" id="{E05A2A36-4ADC-26AD-02CC-38D1664B27D7}"/>
+                <a16:creationId xmlns:a16="http://schemas.microsoft.com/office/drawing/2014/main" id="{0E222BD2-3CDF-54D3-DD4C-B4FB90575888}"/>
               </a:ext>
             </a:extLst>
           </p:cNvPr>
@@ -5301,7 +6629,7 @@
           <a:p>
             <a:r>
               <a:rPr kumimoji="1" lang="ja-JP" altLang="en-US" dirty="0"/>
-              <a:t>個人成長：伊藤</a:t>
+              <a:t>個人成長</a:t>
             </a:r>
           </a:p>
         </p:txBody>
@@ -5311,7 +6639,7 @@
           <p:cNvPr id="3" name="コンテンツ プレースホルダー 2">
             <a:extLst>
               <a:ext uri="{FF2B5EF4-FFF2-40B4-BE49-F238E27FC236}">
-                <a16:creationId xmlns:a16="http://schemas.microsoft.com/office/drawing/2014/main" id="{937B6F24-6D7E-BC20-D021-80FE71CC78AD}"/>
+                <a16:creationId xmlns:a16="http://schemas.microsoft.com/office/drawing/2014/main" id="{FEC85ACD-7664-D22B-A5D9-0A976D8B3A97}"/>
               </a:ext>
             </a:extLst>
           </p:cNvPr>
@@ -5322,19 +6650,65 @@
             <p:ph idx="1"/>
           </p:nvPr>
         </p:nvSpPr>
-        <p:spPr/>
+        <p:spPr>
+          <a:xfrm>
+            <a:off x="838200" y="2146851"/>
+            <a:ext cx="10515600" cy="4030111"/>
+          </a:xfrm>
+        </p:spPr>
         <p:txBody>
           <a:bodyPr/>
           <a:lstStyle/>
           <a:p>
-            <a:endParaRPr kumimoji="1" lang="ja-JP" altLang="en-US"/>
+            <a:r>
+              <a:rPr kumimoji="1" lang="ja-JP" altLang="en-US" dirty="0"/>
+              <a:t>個人的に成長したと感じている点</a:t>
+            </a:r>
+            <a:endParaRPr kumimoji="1" lang="en-US" altLang="ja-JP" dirty="0"/>
+          </a:p>
+          <a:p>
+            <a:pPr marL="0" indent="0">
+              <a:buNone/>
+            </a:pPr>
+            <a:r>
+              <a:rPr lang="ja-JP" altLang="en-US" dirty="0"/>
+              <a:t>　口頭説明</a:t>
+            </a:r>
+            <a:endParaRPr lang="en-US" altLang="ja-JP" dirty="0"/>
+          </a:p>
+          <a:p>
+            <a:pPr marL="0" indent="0">
+              <a:buNone/>
+            </a:pPr>
+            <a:endParaRPr kumimoji="1" lang="en-US" altLang="ja-JP" dirty="0"/>
+          </a:p>
+          <a:p>
+            <a:r>
+              <a:rPr lang="ja-JP" altLang="en-US" dirty="0"/>
+              <a:t>チームメンバーから見た、成長している点</a:t>
+            </a:r>
+            <a:endParaRPr lang="en-US" altLang="ja-JP" dirty="0"/>
+          </a:p>
+          <a:p>
+            <a:pPr marL="0" indent="0">
+              <a:buNone/>
+            </a:pPr>
+            <a:r>
+              <a:rPr kumimoji="1" lang="ja-JP" altLang="en-US" dirty="0"/>
+              <a:t>　</a:t>
+            </a:r>
+            <a:r>
+              <a:rPr lang="ja-JP" altLang="en-US" dirty="0"/>
+              <a:t>スライドに列挙</a:t>
+            </a:r>
+            <a:endParaRPr kumimoji="1" lang="ja-JP" altLang="en-US" dirty="0"/>
           </a:p>
         </p:txBody>
       </p:sp>
     </p:spTree>
     <p:extLst>
       <p:ext uri="{BB962C8B-B14F-4D97-AF65-F5344CB8AC3E}">
-        <p14:creationId xmlns:p14="http://schemas.microsoft.com/office/powerpoint/2010/main" val="3396783837"/>
+        <p14:creationId xmlns:p14="http://schemas.microsoft.com/office/powerpoint/2010/main" val="1936513148"/>
       </p:ext>
     </p:extLst>
   </p:cSld>
@@ -5366,7 +6740,7 @@
           <p:cNvPr id="2" name="タイトル 1">
             <a:extLst>
               <a:ext uri="{FF2B5EF4-FFF2-40B4-BE49-F238E27FC236}">
-                <a16:creationId xmlns:a16="http://schemas.microsoft.com/office/drawing/2014/main" id="{A155AD28-3590-A967-BD95-4908AD33C565}"/>
+                <a16:creationId xmlns:a16="http://schemas.microsoft.com/office/drawing/2014/main" id="{0A9CBAF4-77F7-7A38-92D1-ABEA036B4FA9}"/>
               </a:ext>
             </a:extLst>
           </p:cNvPr>
@@ -5384,7 +6758,7 @@
           <a:p>
             <a:r>
               <a:rPr kumimoji="1" lang="ja-JP" altLang="en-US" dirty="0"/>
-              <a:t>個人成長：石田</a:t>
+              <a:t>個人成長：遠藤</a:t>
             </a:r>
           </a:p>
         </p:txBody>
@@ -5394,7 +6768,7 @@
           <p:cNvPr id="3" name="コンテンツ プレースホルダー 2">
             <a:extLst>
               <a:ext uri="{FF2B5EF4-FFF2-40B4-BE49-F238E27FC236}">
-                <a16:creationId xmlns:a16="http://schemas.microsoft.com/office/drawing/2014/main" id="{A8CB6F8D-C515-85D1-0362-92A7DDE473F8}"/>
+                <a16:creationId xmlns:a16="http://schemas.microsoft.com/office/drawing/2014/main" id="{590BE91B-FB3C-BD4D-141A-15673B7FE364}"/>
               </a:ext>
             </a:extLst>
           </p:cNvPr>
@@ -5410,14 +6784,14 @@
           <a:bodyPr/>
           <a:lstStyle/>
           <a:p>
-            <a:endParaRPr kumimoji="1" lang="ja-JP" altLang="en-US"/>
+            <a:endParaRPr kumimoji="1" lang="ja-JP" altLang="en-US" dirty="0"/>
           </a:p>
         </p:txBody>
       </p:sp>
     </p:spTree>
     <p:extLst>
       <p:ext uri="{BB962C8B-B14F-4D97-AF65-F5344CB8AC3E}">
-        <p14:creationId xmlns:p14="http://schemas.microsoft.com/office/powerpoint/2010/main" val="4049935424"/>
+        <p14:creationId xmlns:p14="http://schemas.microsoft.com/office/powerpoint/2010/main" val="3207308"/>
       </p:ext>
     </p:extLst>
   </p:cSld>
@@ -5449,7 +6823,7 @@
           <p:cNvPr id="2" name="タイトル 1">
             <a:extLst>
               <a:ext uri="{FF2B5EF4-FFF2-40B4-BE49-F238E27FC236}">
-                <a16:creationId xmlns:a16="http://schemas.microsoft.com/office/drawing/2014/main" id="{6A5614FF-780D-088C-3161-49C0AC587D66}"/>
+                <a16:creationId xmlns:a16="http://schemas.microsoft.com/office/drawing/2014/main" id="{E05A2A36-4ADC-26AD-02CC-38D1664B27D7}"/>
               </a:ext>
             </a:extLst>
           </p:cNvPr>
@@ -5467,7 +6841,7 @@
           <a:p>
             <a:r>
               <a:rPr kumimoji="1" lang="ja-JP" altLang="en-US" dirty="0"/>
-              <a:t>個人成長：菊地</a:t>
+              <a:t>個人成長：伊藤</a:t>
             </a:r>
           </a:p>
         </p:txBody>
@@ -5477,7 +6851,7 @@
           <p:cNvPr id="3" name="コンテンツ プレースホルダー 2">
             <a:extLst>
               <a:ext uri="{FF2B5EF4-FFF2-40B4-BE49-F238E27FC236}">
-                <a16:creationId xmlns:a16="http://schemas.microsoft.com/office/drawing/2014/main" id="{EA0F3B9F-13C9-9EFB-5A4B-48A232C2AECB}"/>
+                <a16:creationId xmlns:a16="http://schemas.microsoft.com/office/drawing/2014/main" id="{937B6F24-6D7E-BC20-D021-80FE71CC78AD}"/>
               </a:ext>
             </a:extLst>
           </p:cNvPr>
@@ -5500,7 +6874,7 @@
     </p:spTree>
     <p:extLst>
       <p:ext uri="{BB962C8B-B14F-4D97-AF65-F5344CB8AC3E}">
-        <p14:creationId xmlns:p14="http://schemas.microsoft.com/office/powerpoint/2010/main" val="2926862431"/>
+        <p14:creationId xmlns:p14="http://schemas.microsoft.com/office/powerpoint/2010/main" val="3396783837"/>
       </p:ext>
     </p:extLst>
   </p:cSld>
@@ -5532,7 +6906,7 @@
           <p:cNvPr id="2" name="タイトル 1">
             <a:extLst>
               <a:ext uri="{FF2B5EF4-FFF2-40B4-BE49-F238E27FC236}">
-                <a16:creationId xmlns:a16="http://schemas.microsoft.com/office/drawing/2014/main" id="{863C13F7-6F70-0265-46B9-8B304315B195}"/>
+                <a16:creationId xmlns:a16="http://schemas.microsoft.com/office/drawing/2014/main" id="{A155AD28-3590-A967-BD95-4908AD33C565}"/>
               </a:ext>
             </a:extLst>
           </p:cNvPr>
@@ -5550,7 +6924,7 @@
           <a:p>
             <a:r>
               <a:rPr kumimoji="1" lang="ja-JP" altLang="en-US" dirty="0"/>
-              <a:t>個人成長：高山</a:t>
+              <a:t>個人成長：石田</a:t>
             </a:r>
           </a:p>
         </p:txBody>
@@ -5560,7 +6934,7 @@
           <p:cNvPr id="3" name="コンテンツ プレースホルダー 2">
             <a:extLst>
               <a:ext uri="{FF2B5EF4-FFF2-40B4-BE49-F238E27FC236}">
-                <a16:creationId xmlns:a16="http://schemas.microsoft.com/office/drawing/2014/main" id="{418F4827-B523-FA5B-4F69-94E5962243DD}"/>
+                <a16:creationId xmlns:a16="http://schemas.microsoft.com/office/drawing/2014/main" id="{A8CB6F8D-C515-85D1-0362-92A7DDE473F8}"/>
               </a:ext>
             </a:extLst>
           </p:cNvPr>
@@ -5583,7 +6957,7 @@
     </p:spTree>
     <p:extLst>
       <p:ext uri="{BB962C8B-B14F-4D97-AF65-F5344CB8AC3E}">
-        <p14:creationId xmlns:p14="http://schemas.microsoft.com/office/powerpoint/2010/main" val="588876093"/>
+        <p14:creationId xmlns:p14="http://schemas.microsoft.com/office/powerpoint/2010/main" val="4049935424"/>
       </p:ext>
     </p:extLst>
   </p:cSld>
@@ -5615,6 +6989,172 @@
           <p:cNvPr id="2" name="タイトル 1">
             <a:extLst>
               <a:ext uri="{FF2B5EF4-FFF2-40B4-BE49-F238E27FC236}">
+                <a16:creationId xmlns:a16="http://schemas.microsoft.com/office/drawing/2014/main" id="{6A5614FF-780D-088C-3161-49C0AC587D66}"/>
+              </a:ext>
+            </a:extLst>
+          </p:cNvPr>
+          <p:cNvSpPr>
+            <a:spLocks noGrp="1"/>
+          </p:cNvSpPr>
+          <p:nvPr>
+            <p:ph type="title"/>
+          </p:nvPr>
+        </p:nvSpPr>
+        <p:spPr/>
+        <p:txBody>
+          <a:bodyPr/>
+          <a:lstStyle/>
+          <a:p>
+            <a:r>
+              <a:rPr kumimoji="1" lang="ja-JP" altLang="en-US" dirty="0"/>
+              <a:t>個人成長：菊地</a:t>
+            </a:r>
+          </a:p>
+        </p:txBody>
+      </p:sp>
+      <p:sp>
+        <p:nvSpPr>
+          <p:cNvPr id="3" name="コンテンツ プレースホルダー 2">
+            <a:extLst>
+              <a:ext uri="{FF2B5EF4-FFF2-40B4-BE49-F238E27FC236}">
+                <a16:creationId xmlns:a16="http://schemas.microsoft.com/office/drawing/2014/main" id="{EA0F3B9F-13C9-9EFB-5A4B-48A232C2AECB}"/>
+              </a:ext>
+            </a:extLst>
+          </p:cNvPr>
+          <p:cNvSpPr>
+            <a:spLocks noGrp="1"/>
+          </p:cNvSpPr>
+          <p:nvPr>
+            <p:ph idx="1"/>
+          </p:nvPr>
+        </p:nvSpPr>
+        <p:spPr/>
+        <p:txBody>
+          <a:bodyPr/>
+          <a:lstStyle/>
+          <a:p>
+            <a:endParaRPr kumimoji="1" lang="ja-JP" altLang="en-US"/>
+          </a:p>
+        </p:txBody>
+      </p:sp>
+    </p:spTree>
+    <p:extLst>
+      <p:ext uri="{BB962C8B-B14F-4D97-AF65-F5344CB8AC3E}">
+        <p14:creationId xmlns:p14="http://schemas.microsoft.com/office/powerpoint/2010/main" val="2926862431"/>
+      </p:ext>
+    </p:extLst>
+  </p:cSld>
+  <p:clrMapOvr>
+    <a:masterClrMapping/>
+  </p:clrMapOvr>
+</p:sld>
+</file>
+
+<file path=ppt/slides/slide18.xml><?xml version="1.0" encoding="utf-8"?>
+<p:sld xmlns:a="http://schemas.openxmlformats.org/drawingml/2006/main" xmlns:r="http://schemas.openxmlformats.org/officeDocument/2006/relationships" xmlns:p="http://schemas.openxmlformats.org/presentationml/2006/main">
+  <p:cSld>
+    <p:spTree>
+      <p:nvGrpSpPr>
+        <p:cNvPr id="1" name=""/>
+        <p:cNvGrpSpPr/>
+        <p:nvPr/>
+      </p:nvGrpSpPr>
+      <p:grpSpPr>
+        <a:xfrm>
+          <a:off x="0" y="0"/>
+          <a:ext cx="0" cy="0"/>
+          <a:chOff x="0" y="0"/>
+          <a:chExt cx="0" cy="0"/>
+        </a:xfrm>
+      </p:grpSpPr>
+      <p:sp>
+        <p:nvSpPr>
+          <p:cNvPr id="2" name="タイトル 1">
+            <a:extLst>
+              <a:ext uri="{FF2B5EF4-FFF2-40B4-BE49-F238E27FC236}">
+                <a16:creationId xmlns:a16="http://schemas.microsoft.com/office/drawing/2014/main" id="{863C13F7-6F70-0265-46B9-8B304315B195}"/>
+              </a:ext>
+            </a:extLst>
+          </p:cNvPr>
+          <p:cNvSpPr>
+            <a:spLocks noGrp="1"/>
+          </p:cNvSpPr>
+          <p:nvPr>
+            <p:ph type="title"/>
+          </p:nvPr>
+        </p:nvSpPr>
+        <p:spPr/>
+        <p:txBody>
+          <a:bodyPr/>
+          <a:lstStyle/>
+          <a:p>
+            <a:r>
+              <a:rPr kumimoji="1" lang="ja-JP" altLang="en-US" dirty="0"/>
+              <a:t>個人成長：高山</a:t>
+            </a:r>
+          </a:p>
+        </p:txBody>
+      </p:sp>
+      <p:sp>
+        <p:nvSpPr>
+          <p:cNvPr id="3" name="コンテンツ プレースホルダー 2">
+            <a:extLst>
+              <a:ext uri="{FF2B5EF4-FFF2-40B4-BE49-F238E27FC236}">
+                <a16:creationId xmlns:a16="http://schemas.microsoft.com/office/drawing/2014/main" id="{418F4827-B523-FA5B-4F69-94E5962243DD}"/>
+              </a:ext>
+            </a:extLst>
+          </p:cNvPr>
+          <p:cNvSpPr>
+            <a:spLocks noGrp="1"/>
+          </p:cNvSpPr>
+          <p:nvPr>
+            <p:ph idx="1"/>
+          </p:nvPr>
+        </p:nvSpPr>
+        <p:spPr/>
+        <p:txBody>
+          <a:bodyPr/>
+          <a:lstStyle/>
+          <a:p>
+            <a:endParaRPr kumimoji="1" lang="ja-JP" altLang="en-US"/>
+          </a:p>
+        </p:txBody>
+      </p:sp>
+    </p:spTree>
+    <p:extLst>
+      <p:ext uri="{BB962C8B-B14F-4D97-AF65-F5344CB8AC3E}">
+        <p14:creationId xmlns:p14="http://schemas.microsoft.com/office/powerpoint/2010/main" val="588876093"/>
+      </p:ext>
+    </p:extLst>
+  </p:cSld>
+  <p:clrMapOvr>
+    <a:masterClrMapping/>
+  </p:clrMapOvr>
+</p:sld>
+</file>
+
+<file path=ppt/slides/slide19.xml><?xml version="1.0" encoding="utf-8"?>
+<p:sld xmlns:a="http://schemas.openxmlformats.org/drawingml/2006/main" xmlns:r="http://schemas.openxmlformats.org/officeDocument/2006/relationships" xmlns:p="http://schemas.openxmlformats.org/presentationml/2006/main">
+  <p:cSld>
+    <p:spTree>
+      <p:nvGrpSpPr>
+        <p:cNvPr id="1" name=""/>
+        <p:cNvGrpSpPr/>
+        <p:nvPr/>
+      </p:nvGrpSpPr>
+      <p:grpSpPr>
+        <a:xfrm>
+          <a:off x="0" y="0"/>
+          <a:ext cx="0" cy="0"/>
+          <a:chOff x="0" y="0"/>
+          <a:chExt cx="0" cy="0"/>
+        </a:xfrm>
+      </p:grpSpPr>
+      <p:sp>
+        <p:nvSpPr>
+          <p:cNvPr id="2" name="タイトル 1">
+            <a:extLst>
+              <a:ext uri="{FF2B5EF4-FFF2-40B4-BE49-F238E27FC236}">
                 <a16:creationId xmlns:a16="http://schemas.microsoft.com/office/drawing/2014/main" id="{23453D38-AFCD-D094-F943-96F0DF4032FD}"/>
               </a:ext>
             </a:extLst>
@@ -5676,7 +7216,223 @@
 </p:sld>
 </file>
 
-<file path=ppt/slides/slide18.xml><?xml version="1.0" encoding="utf-8"?>
+<file path=ppt/slides/slide2.xml><?xml version="1.0" encoding="utf-8"?>
+<p:sld xmlns:a="http://schemas.openxmlformats.org/drawingml/2006/main" xmlns:r="http://schemas.openxmlformats.org/officeDocument/2006/relationships" xmlns:p="http://schemas.openxmlformats.org/presentationml/2006/main">
+  <p:cSld>
+    <p:spTree>
+      <p:nvGrpSpPr>
+        <p:cNvPr id="1" name=""/>
+        <p:cNvGrpSpPr/>
+        <p:nvPr/>
+      </p:nvGrpSpPr>
+      <p:grpSpPr>
+        <a:xfrm>
+          <a:off x="0" y="0"/>
+          <a:ext cx="0" cy="0"/>
+          <a:chOff x="0" y="0"/>
+          <a:chExt cx="0" cy="0"/>
+        </a:xfrm>
+      </p:grpSpPr>
+      <p:sp>
+        <p:nvSpPr>
+          <p:cNvPr id="2" name="タイトル 1">
+            <a:extLst>
+              <a:ext uri="{FF2B5EF4-FFF2-40B4-BE49-F238E27FC236}">
+                <a16:creationId xmlns:a16="http://schemas.microsoft.com/office/drawing/2014/main" id="{E31D4277-22F7-CD8C-8DD6-B5C14712D92E}"/>
+              </a:ext>
+            </a:extLst>
+          </p:cNvPr>
+          <p:cNvSpPr>
+            <a:spLocks noGrp="1"/>
+          </p:cNvSpPr>
+          <p:nvPr>
+            <p:ph type="title"/>
+          </p:nvPr>
+        </p:nvSpPr>
+        <p:spPr/>
+        <p:txBody>
+          <a:bodyPr/>
+          <a:lstStyle/>
+          <a:p>
+            <a:r>
+              <a:rPr kumimoji="1" lang="en-US" altLang="ja-JP" dirty="0"/>
+              <a:t>FLIFRE</a:t>
+            </a:r>
+            <a:r>
+              <a:rPr kumimoji="1" lang="ja-JP" altLang="en-US" dirty="0"/>
+              <a:t>について</a:t>
+            </a:r>
+          </a:p>
+        </p:txBody>
+      </p:sp>
+      <p:sp>
+        <p:nvSpPr>
+          <p:cNvPr id="3" name="コンテンツ プレースホルダー 2">
+            <a:extLst>
+              <a:ext uri="{FF2B5EF4-FFF2-40B4-BE49-F238E27FC236}">
+                <a16:creationId xmlns:a16="http://schemas.microsoft.com/office/drawing/2014/main" id="{C8C30089-0585-7397-D2CA-6DB74C1DC5B2}"/>
+              </a:ext>
+            </a:extLst>
+          </p:cNvPr>
+          <p:cNvSpPr>
+            <a:spLocks noGrp="1"/>
+          </p:cNvSpPr>
+          <p:nvPr>
+            <p:ph idx="1"/>
+          </p:nvPr>
+        </p:nvSpPr>
+        <p:spPr/>
+        <p:txBody>
+          <a:bodyPr/>
+          <a:lstStyle/>
+          <a:p>
+            <a:r>
+              <a:rPr kumimoji="1" lang="ja-JP" altLang="en-US" dirty="0"/>
+              <a:t>「</a:t>
+            </a:r>
+            <a:r>
+              <a:rPr kumimoji="1" lang="en-US" altLang="ja-JP" dirty="0">
+                <a:solidFill>
+                  <a:srgbClr val="FF0000"/>
+                </a:solidFill>
+              </a:rPr>
+              <a:t>Netflix</a:t>
+            </a:r>
+            <a:r>
+              <a:rPr kumimoji="1" lang="en-US" altLang="ja-JP" dirty="0"/>
+              <a:t> </a:t>
+            </a:r>
+            <a:r>
+              <a:rPr kumimoji="1" lang="en-US" altLang="ja-JP" dirty="0">
+                <a:solidFill>
+                  <a:srgbClr val="FF0000"/>
+                </a:solidFill>
+              </a:rPr>
+              <a:t>freak</a:t>
+            </a:r>
+            <a:r>
+              <a:rPr kumimoji="1" lang="en-US" altLang="ja-JP" dirty="0"/>
+              <a:t>(Netflix </a:t>
+            </a:r>
+            <a:r>
+              <a:rPr kumimoji="1" lang="ja-JP" altLang="en-US" dirty="0"/>
+              <a:t>愛好家</a:t>
+            </a:r>
+            <a:r>
+              <a:rPr kumimoji="1" lang="en-US" altLang="ja-JP" dirty="0"/>
+              <a:t>)</a:t>
+            </a:r>
+            <a:r>
+              <a:rPr kumimoji="1" lang="ja-JP" altLang="en-US" dirty="0"/>
+              <a:t>」という造語の略称</a:t>
+            </a:r>
+            <a:endParaRPr kumimoji="1" lang="en-US" altLang="ja-JP" dirty="0"/>
+          </a:p>
+          <a:p>
+            <a:r>
+              <a:rPr kumimoji="1" lang="ja-JP" altLang="en-US" dirty="0"/>
+              <a:t>コロナ禍で家での活動時間が増えた影響で、サブスクリプションサービスを利用する人が増えた。</a:t>
+            </a:r>
+            <a:endParaRPr kumimoji="1" lang="en-US" altLang="ja-JP" dirty="0"/>
+          </a:p>
+          <a:p>
+            <a:pPr marL="0" indent="0">
+              <a:buNone/>
+            </a:pPr>
+            <a:r>
+              <a:rPr lang="ja-JP" altLang="en-US" dirty="0"/>
+              <a:t>→</a:t>
+            </a:r>
+            <a:r>
+              <a:rPr kumimoji="1" lang="ja-JP" altLang="en-US" dirty="0"/>
+              <a:t>特に</a:t>
+            </a:r>
+            <a:r>
+              <a:rPr kumimoji="1" lang="en-US" altLang="ja-JP" dirty="0"/>
+              <a:t>Netflix</a:t>
+            </a:r>
+            <a:r>
+              <a:rPr kumimoji="1" lang="ja-JP" altLang="en-US" dirty="0"/>
+              <a:t>は</a:t>
+            </a:r>
+            <a:r>
+              <a:rPr kumimoji="1" lang="en-US" altLang="ja-JP" dirty="0"/>
+              <a:t>20</a:t>
+            </a:r>
+            <a:r>
+              <a:rPr kumimoji="1" lang="ja-JP" altLang="en-US" dirty="0"/>
+              <a:t>代の利用者は全体の約</a:t>
+            </a:r>
+            <a:r>
+              <a:rPr kumimoji="1" lang="en-US" altLang="ja-JP" dirty="0"/>
+              <a:t>4</a:t>
+            </a:r>
+            <a:r>
+              <a:rPr kumimoji="1" lang="ja-JP" altLang="en-US" dirty="0"/>
+              <a:t>割を占める。</a:t>
+            </a:r>
+            <a:endParaRPr kumimoji="1" lang="en-US" altLang="ja-JP" dirty="0"/>
+          </a:p>
+          <a:p>
+            <a:pPr marL="0" indent="0">
+              <a:buNone/>
+            </a:pPr>
+            <a:endParaRPr kumimoji="1" lang="ja-JP" altLang="en-US" dirty="0"/>
+          </a:p>
+          <a:p>
+            <a:r>
+              <a:rPr kumimoji="1" lang="ja-JP" altLang="en-US" dirty="0"/>
+              <a:t>現状で</a:t>
+            </a:r>
+            <a:r>
+              <a:rPr kumimoji="1" lang="en-US" altLang="ja-JP" dirty="0"/>
+              <a:t>Netflix</a:t>
+            </a:r>
+            <a:r>
+              <a:rPr kumimoji="1" lang="ja-JP" altLang="en-US" dirty="0"/>
+              <a:t>には評価機能やコメント機能がない。</a:t>
+            </a:r>
+            <a:endParaRPr kumimoji="1" lang="en-US" altLang="ja-JP" dirty="0"/>
+          </a:p>
+          <a:p>
+            <a:pPr marL="0" indent="0">
+              <a:buNone/>
+            </a:pPr>
+            <a:r>
+              <a:rPr lang="ja-JP" altLang="en-US" dirty="0"/>
+              <a:t>→</a:t>
+            </a:r>
+            <a:r>
+              <a:rPr kumimoji="1" lang="en-US" altLang="ja-JP" dirty="0"/>
+              <a:t>FLIFRE</a:t>
+            </a:r>
+            <a:r>
+              <a:rPr kumimoji="1" lang="ja-JP" altLang="en-US" dirty="0"/>
+              <a:t>を介して作品の評価をユーザー間で共有できるようにしてもらおう！</a:t>
+            </a:r>
+          </a:p>
+          <a:p>
+            <a:pPr marL="0" indent="0">
+              <a:buNone/>
+            </a:pPr>
+            <a:endParaRPr kumimoji="1" lang="ja-JP" altLang="en-US" dirty="0"/>
+          </a:p>
+        </p:txBody>
+      </p:sp>
+    </p:spTree>
+    <p:extLst>
+      <p:ext uri="{BB962C8B-B14F-4D97-AF65-F5344CB8AC3E}">
+        <p14:creationId xmlns:p14="http://schemas.microsoft.com/office/powerpoint/2010/main" val="2363746569"/>
+      </p:ext>
+    </p:extLst>
+  </p:cSld>
+  <p:clrMapOvr>
+    <a:masterClrMapping/>
+  </p:clrMapOvr>
+</p:sld>
+</file>
+
+<file path=ppt/slides/slide20.xml><?xml version="1.0" encoding="utf-8"?>
 <p:sld xmlns:a="http://schemas.openxmlformats.org/drawingml/2006/main" xmlns:r="http://schemas.openxmlformats.org/officeDocument/2006/relationships" xmlns:p="http://schemas.openxmlformats.org/presentationml/2006/main">
   <p:cSld>
     <p:spTree>
@@ -6103,12 +7859,25 @@
             <p:ph type="ctrTitle"/>
           </p:nvPr>
         </p:nvSpPr>
-        <p:spPr/>
-        <p:txBody>
-          <a:bodyPr/>
-          <a:lstStyle/>
-          <a:p>
-            <a:endParaRPr lang="ja-JP" altLang="en-US"/>
+        <p:spPr>
+          <a:xfrm>
+            <a:off x="1524000" y="2398643"/>
+            <a:ext cx="9144000" cy="1111320"/>
+          </a:xfrm>
+        </p:spPr>
+        <p:txBody>
+          <a:bodyPr>
+            <a:normAutofit/>
+          </a:bodyPr>
+          <a:lstStyle/>
+          <a:p>
+            <a:r>
+              <a:rPr lang="ja-JP" altLang="en-US" sz="4800" dirty="0">
+                <a:latin typeface="HGS行書体" panose="03000600000000000000" pitchFamily="66" charset="-128"/>
+                <a:ea typeface="HGS行書体" panose="03000600000000000000" pitchFamily="66" charset="-128"/>
+              </a:rPr>
+              <a:t>毎度ありがとうございました！</a:t>
+            </a:r>
           </a:p>
         </p:txBody>
       </p:sp>
@@ -6243,215 +8012,6 @@
 </p:sld>
 </file>
 
-<file path=ppt/slides/slide2.xml><?xml version="1.0" encoding="utf-8"?>
-<p:sld xmlns:a="http://schemas.openxmlformats.org/drawingml/2006/main" xmlns:r="http://schemas.openxmlformats.org/officeDocument/2006/relationships" xmlns:p="http://schemas.openxmlformats.org/presentationml/2006/main">
-  <p:cSld>
-    <p:spTree>
-      <p:nvGrpSpPr>
-        <p:cNvPr id="1" name=""/>
-        <p:cNvGrpSpPr/>
-        <p:nvPr/>
-      </p:nvGrpSpPr>
-      <p:grpSpPr>
-        <a:xfrm>
-          <a:off x="0" y="0"/>
-          <a:ext cx="0" cy="0"/>
-          <a:chOff x="0" y="0"/>
-          <a:chExt cx="0" cy="0"/>
-        </a:xfrm>
-      </p:grpSpPr>
-      <p:sp>
-        <p:nvSpPr>
-          <p:cNvPr id="2" name="タイトル 1">
-            <a:extLst>
-              <a:ext uri="{FF2B5EF4-FFF2-40B4-BE49-F238E27FC236}">
-                <a16:creationId xmlns:a16="http://schemas.microsoft.com/office/drawing/2014/main" id="{E31D4277-22F7-CD8C-8DD6-B5C14712D92E}"/>
-              </a:ext>
-            </a:extLst>
-          </p:cNvPr>
-          <p:cNvSpPr>
-            <a:spLocks noGrp="1"/>
-          </p:cNvSpPr>
-          <p:nvPr>
-            <p:ph type="title"/>
-          </p:nvPr>
-        </p:nvSpPr>
-        <p:spPr/>
-        <p:txBody>
-          <a:bodyPr/>
-          <a:lstStyle/>
-          <a:p>
-            <a:r>
-              <a:rPr kumimoji="1" lang="en-US" altLang="ja-JP" dirty="0"/>
-              <a:t>FLIFRE</a:t>
-            </a:r>
-            <a:r>
-              <a:rPr kumimoji="1" lang="ja-JP" altLang="en-US" dirty="0"/>
-              <a:t>について</a:t>
-            </a:r>
-          </a:p>
-        </p:txBody>
-      </p:sp>
-      <p:sp>
-        <p:nvSpPr>
-          <p:cNvPr id="3" name="コンテンツ プレースホルダー 2">
-            <a:extLst>
-              <a:ext uri="{FF2B5EF4-FFF2-40B4-BE49-F238E27FC236}">
-                <a16:creationId xmlns:a16="http://schemas.microsoft.com/office/drawing/2014/main" id="{C8C30089-0585-7397-D2CA-6DB74C1DC5B2}"/>
-              </a:ext>
-            </a:extLst>
-          </p:cNvPr>
-          <p:cNvSpPr>
-            <a:spLocks noGrp="1"/>
-          </p:cNvSpPr>
-          <p:nvPr>
-            <p:ph idx="1"/>
-          </p:nvPr>
-        </p:nvSpPr>
-        <p:spPr/>
-        <p:txBody>
-          <a:bodyPr/>
-          <a:lstStyle/>
-          <a:p>
-            <a:r>
-              <a:rPr kumimoji="1" lang="ja-JP" altLang="en-US" dirty="0"/>
-              <a:t>「</a:t>
-            </a:r>
-            <a:r>
-              <a:rPr kumimoji="1" lang="en-US" altLang="ja-JP" dirty="0">
-                <a:solidFill>
-                  <a:srgbClr val="FF0000"/>
-                </a:solidFill>
-              </a:rPr>
-              <a:t>Netflix</a:t>
-            </a:r>
-            <a:r>
-              <a:rPr kumimoji="1" lang="en-US" altLang="ja-JP" dirty="0"/>
-              <a:t> </a:t>
-            </a:r>
-            <a:r>
-              <a:rPr kumimoji="1" lang="en-US" altLang="ja-JP" dirty="0">
-                <a:solidFill>
-                  <a:srgbClr val="FF0000"/>
-                </a:solidFill>
-              </a:rPr>
-              <a:t>freak</a:t>
-            </a:r>
-            <a:r>
-              <a:rPr kumimoji="1" lang="en-US" altLang="ja-JP" dirty="0"/>
-              <a:t>(Netflix </a:t>
-            </a:r>
-            <a:r>
-              <a:rPr kumimoji="1" lang="ja-JP" altLang="en-US" dirty="0"/>
-              <a:t>愛好家</a:t>
-            </a:r>
-            <a:r>
-              <a:rPr kumimoji="1" lang="en-US" altLang="ja-JP" dirty="0"/>
-              <a:t>)</a:t>
-            </a:r>
-            <a:r>
-              <a:rPr kumimoji="1" lang="ja-JP" altLang="en-US" dirty="0"/>
-              <a:t>」という造語の略称</a:t>
-            </a:r>
-            <a:endParaRPr kumimoji="1" lang="en-US" altLang="ja-JP" dirty="0"/>
-          </a:p>
-          <a:p>
-            <a:r>
-              <a:rPr kumimoji="1" lang="ja-JP" altLang="en-US" dirty="0"/>
-              <a:t>コロナ禍で家での活動時間が増えた影響で、サブスクリプションサービスを利用する人が増えた。</a:t>
-            </a:r>
-            <a:endParaRPr kumimoji="1" lang="en-US" altLang="ja-JP" dirty="0"/>
-          </a:p>
-          <a:p>
-            <a:pPr marL="0" indent="0">
-              <a:buNone/>
-            </a:pPr>
-            <a:r>
-              <a:rPr lang="ja-JP" altLang="en-US" dirty="0"/>
-              <a:t>→</a:t>
-            </a:r>
-            <a:r>
-              <a:rPr kumimoji="1" lang="ja-JP" altLang="en-US" dirty="0"/>
-              <a:t>特に</a:t>
-            </a:r>
-            <a:r>
-              <a:rPr kumimoji="1" lang="en-US" altLang="ja-JP" dirty="0"/>
-              <a:t>Netflix</a:t>
-            </a:r>
-            <a:r>
-              <a:rPr kumimoji="1" lang="ja-JP" altLang="en-US" dirty="0"/>
-              <a:t>は</a:t>
-            </a:r>
-            <a:r>
-              <a:rPr kumimoji="1" lang="en-US" altLang="ja-JP" dirty="0"/>
-              <a:t>20</a:t>
-            </a:r>
-            <a:r>
-              <a:rPr kumimoji="1" lang="ja-JP" altLang="en-US" dirty="0"/>
-              <a:t>代の利用者は全体の約</a:t>
-            </a:r>
-            <a:r>
-              <a:rPr kumimoji="1" lang="en-US" altLang="ja-JP" dirty="0"/>
-              <a:t>4</a:t>
-            </a:r>
-            <a:r>
-              <a:rPr kumimoji="1" lang="ja-JP" altLang="en-US" dirty="0"/>
-              <a:t>割を占める。</a:t>
-            </a:r>
-          </a:p>
-          <a:p>
-            <a:r>
-              <a:rPr kumimoji="1" lang="ja-JP" altLang="en-US" dirty="0"/>
-              <a:t>現状で</a:t>
-            </a:r>
-            <a:r>
-              <a:rPr kumimoji="1" lang="en-US" altLang="ja-JP" dirty="0"/>
-              <a:t>Netflix</a:t>
-            </a:r>
-            <a:r>
-              <a:rPr kumimoji="1" lang="ja-JP" altLang="en-US" dirty="0"/>
-              <a:t>には評価機能やコメント機能がない。</a:t>
-            </a:r>
-            <a:endParaRPr kumimoji="1" lang="en-US" altLang="ja-JP" dirty="0"/>
-          </a:p>
-          <a:p>
-            <a:pPr marL="0" indent="0">
-              <a:buNone/>
-            </a:pPr>
-            <a:r>
-              <a:rPr lang="ja-JP" altLang="en-US" dirty="0"/>
-              <a:t>→</a:t>
-            </a:r>
-            <a:r>
-              <a:rPr kumimoji="1" lang="en-US" altLang="ja-JP" dirty="0"/>
-              <a:t>FLIFRE</a:t>
-            </a:r>
-            <a:r>
-              <a:rPr kumimoji="1" lang="ja-JP" altLang="en-US" dirty="0"/>
-              <a:t>を介して作品の評価をユーザー間で共有できるようにしてもらおう！</a:t>
-            </a:r>
-          </a:p>
-          <a:p>
-            <a:pPr marL="0" indent="0">
-              <a:buNone/>
-            </a:pPr>
-            <a:endParaRPr kumimoji="1" lang="ja-JP" altLang="en-US" dirty="0"/>
-          </a:p>
-        </p:txBody>
-      </p:sp>
-    </p:spTree>
-    <p:extLst>
-      <p:ext uri="{BB962C8B-B14F-4D97-AF65-F5344CB8AC3E}">
-        <p14:creationId xmlns:p14="http://schemas.microsoft.com/office/powerpoint/2010/main" val="2363746569"/>
-      </p:ext>
-    </p:extLst>
-  </p:cSld>
-  <p:clrMapOvr>
-    <a:masterClrMapping/>
-  </p:clrMapOvr>
-</p:sld>
-</file>
-
 <file path=ppt/slides/slide3.xml><?xml version="1.0" encoding="utf-8"?>
 <p:sld xmlns:a="http://schemas.openxmlformats.org/drawingml/2006/main" xmlns:r="http://schemas.openxmlformats.org/officeDocument/2006/relationships" xmlns:p="http://schemas.openxmlformats.org/presentationml/2006/main">
   <p:cSld>
@@ -6519,7 +8079,9 @@
         </p:nvSpPr>
         <p:spPr/>
         <p:txBody>
-          <a:bodyPr/>
+          <a:bodyPr>
+            <a:normAutofit/>
+          </a:bodyPr>
           <a:lstStyle/>
           <a:p>
             <a:r>
@@ -6560,15 +8122,9 @@
               <a:rPr kumimoji="1" lang="en-US" altLang="ja-JP" dirty="0"/>
               <a:t>)</a:t>
             </a:r>
-            <a:endParaRPr lang="en-US" altLang="ja-JP" dirty="0"/>
-          </a:p>
-          <a:p>
-            <a:pPr marL="0" indent="0">
-              <a:buNone/>
-            </a:pPr>
             <a:r>
               <a:rPr kumimoji="1" lang="ja-JP" altLang="en-US" dirty="0"/>
-              <a:t>新たな作品との出会いを求めて利用する。</a:t>
+              <a:t>が新たな作品との出会いを求めて利用。</a:t>
             </a:r>
           </a:p>
           <a:p>
@@ -6578,28 +8134,49 @@
             <a:endParaRPr kumimoji="1" lang="en-US" altLang="ja-JP" dirty="0"/>
           </a:p>
           <a:p>
-            <a:pPr marL="0" indent="0">
-              <a:buNone/>
+            <a:r>
+              <a:rPr lang="en-US" altLang="ja-JP" dirty="0"/>
+              <a:t>FLIFRE</a:t>
+            </a:r>
+            <a:r>
+              <a:rPr lang="ja-JP" altLang="en-US" dirty="0"/>
+              <a:t>の大きな特徴</a:t>
+            </a:r>
+            <a:endParaRPr kumimoji="1" lang="en-US" altLang="ja-JP" dirty="0"/>
+          </a:p>
+          <a:p>
+            <a:pPr marL="514350" indent="-514350">
+              <a:buFont typeface="+mj-ea"/>
+              <a:buAutoNum type="circleNumDbPlain"/>
             </a:pPr>
             <a:r>
               <a:rPr kumimoji="1" lang="ja-JP" altLang="en-US" dirty="0"/>
-              <a:t>家での活動が増えたこのご時世、そろそろ見たい作品もなくなってきた頃だろう。そこで</a:t>
-            </a:r>
+              <a:t>見たいジャンルに迷ったときのルーレット機能</a:t>
+            </a:r>
+            <a:endParaRPr kumimoji="1" lang="en-US" altLang="ja-JP" dirty="0"/>
+          </a:p>
+          <a:p>
+            <a:pPr marL="514350" indent="-514350">
+              <a:buFont typeface="+mj-ea"/>
+              <a:buAutoNum type="circleNumDbPlain"/>
+            </a:pPr>
             <a:r>
               <a:rPr kumimoji="1" lang="en-US" altLang="ja-JP" dirty="0"/>
               <a:t>FLIFRE</a:t>
             </a:r>
             <a:r>
               <a:rPr kumimoji="1" lang="ja-JP" altLang="en-US" dirty="0"/>
-              <a:t>では見たいジャンルに迷ったときにルーレット機能や、 </a:t>
-            </a:r>
-            <a:r>
-              <a:rPr kumimoji="1" lang="en-US" altLang="ja-JP" dirty="0"/>
-              <a:t>FLIFRE</a:t>
-            </a:r>
+              <a:t>ユーザーによるレビューを共有する機能</a:t>
+            </a:r>
+            <a:endParaRPr kumimoji="1" lang="en-US" altLang="ja-JP" dirty="0"/>
+          </a:p>
+          <a:p>
+            <a:pPr marL="0" indent="0">
+              <a:buNone/>
+            </a:pPr>
             <a:r>
               <a:rPr kumimoji="1" lang="ja-JP" altLang="en-US" dirty="0"/>
-              <a:t>ユーザーによるレビューを共有する機能やを活用してもらうことで、まだ見ぬ作品を見つける架け橋となりうる”</a:t>
+              <a:t>→まだ見ぬ作品を見つける架け橋となりうる”</a:t>
             </a:r>
             <a:r>
               <a:rPr kumimoji="1" lang="en-US" altLang="ja-JP" dirty="0"/>
@@ -6615,7 +8192,7 @@
             </a:r>
             <a:r>
               <a:rPr kumimoji="1" lang="ja-JP" altLang="en-US" dirty="0"/>
-              <a:t>を目指す。</a:t>
+              <a:t>を目指す！</a:t>
             </a:r>
           </a:p>
           <a:p>
@@ -6664,18 +8241,18 @@
       </p:grpSpPr>
       <p:sp>
         <p:nvSpPr>
-          <p:cNvPr id="2" name="タイトル 1">
-            <a:extLst>
-              <a:ext uri="{FF2B5EF4-FFF2-40B4-BE49-F238E27FC236}">
-                <a16:creationId xmlns:a16="http://schemas.microsoft.com/office/drawing/2014/main" id="{42489753-56A8-3B62-55FA-C6250885BA43}"/>
-              </a:ext>
-            </a:extLst>
-          </p:cNvPr>
-          <p:cNvSpPr>
-            <a:spLocks noGrp="1"/>
-          </p:cNvSpPr>
-          <p:nvPr>
-            <p:ph type="ctrTitle"/>
+          <p:cNvPr id="5" name="タイトル 4">
+            <a:extLst>
+              <a:ext uri="{FF2B5EF4-FFF2-40B4-BE49-F238E27FC236}">
+                <a16:creationId xmlns:a16="http://schemas.microsoft.com/office/drawing/2014/main" id="{3E6D96E0-DB69-F9DB-1909-1FFF8CDAFCD2}"/>
+              </a:ext>
+            </a:extLst>
+          </p:cNvPr>
+          <p:cNvSpPr>
+            <a:spLocks noGrp="1"/>
+          </p:cNvSpPr>
+          <p:nvPr>
+            <p:ph type="title"/>
           </p:nvPr>
         </p:nvSpPr>
         <p:spPr/>
@@ -6684,41 +8261,787 @@
           <a:lstStyle/>
           <a:p>
             <a:r>
-              <a:rPr kumimoji="1" lang="ja-JP" altLang="en-US" dirty="0"/>
-              <a:t>機能説明</a:t>
-            </a:r>
-          </a:p>
-        </p:txBody>
-      </p:sp>
-      <p:sp>
-        <p:nvSpPr>
-          <p:cNvPr id="3" name="字幕 2">
-            <a:extLst>
-              <a:ext uri="{FF2B5EF4-FFF2-40B4-BE49-F238E27FC236}">
-                <a16:creationId xmlns:a16="http://schemas.microsoft.com/office/drawing/2014/main" id="{4F695F43-0210-3EB1-E834-481AD0A8C2B6}"/>
-              </a:ext>
-            </a:extLst>
-          </p:cNvPr>
-          <p:cNvSpPr>
-            <a:spLocks noGrp="1"/>
-          </p:cNvSpPr>
-          <p:nvPr>
-            <p:ph type="subTitle" idx="1"/>
+              <a:rPr lang="ja-JP" altLang="en-US" dirty="0">
+                <a:ea typeface="游ゴシック Light"/>
+              </a:rPr>
+              <a:t>ペルソナ</a:t>
+            </a:r>
+            <a:endParaRPr lang="ja-JP" altLang="en-US" dirty="0"/>
+          </a:p>
+        </p:txBody>
+      </p:sp>
+      <p:sp>
+        <p:nvSpPr>
+          <p:cNvPr id="6" name="コンテンツ プレースホルダー 5">
+            <a:extLst>
+              <a:ext uri="{FF2B5EF4-FFF2-40B4-BE49-F238E27FC236}">
+                <a16:creationId xmlns:a16="http://schemas.microsoft.com/office/drawing/2014/main" id="{592C0A9F-32A9-19BE-516C-A3CE839FBEB9}"/>
+              </a:ext>
+            </a:extLst>
+          </p:cNvPr>
+          <p:cNvSpPr>
+            <a:spLocks noGrp="1"/>
+          </p:cNvSpPr>
+          <p:nvPr>
+            <p:ph idx="1"/>
+          </p:nvPr>
+        </p:nvSpPr>
+        <p:spPr>
+          <a:xfrm>
+            <a:off x="3882043" y="1130531"/>
+            <a:ext cx="7922029" cy="1975648"/>
+          </a:xfrm>
+        </p:spPr>
+        <p:txBody>
+          <a:bodyPr vert="horz" lIns="91440" tIns="45720" rIns="91440" bIns="45720" rtlCol="0" anchor="t">
+            <a:normAutofit/>
+          </a:bodyPr>
+          <a:lstStyle/>
+          <a:p>
+            <a:r>
+              <a:rPr lang="ja-JP" b="1" dirty="0">
+                <a:ea typeface="+mn-lt"/>
+                <a:cs typeface="+mn-lt"/>
+              </a:rPr>
+              <a:t>休みの日は友人と出かける以外</a:t>
+            </a:r>
+            <a:r>
+              <a:rPr lang="ja-JP" altLang="en-US" b="1" dirty="0">
+                <a:ea typeface="+mn-lt"/>
+                <a:cs typeface="+mn-lt"/>
+              </a:rPr>
+              <a:t>は</a:t>
+            </a:r>
+            <a:r>
+              <a:rPr lang="ja-JP" b="1" dirty="0">
+                <a:ea typeface="+mn-lt"/>
+                <a:cs typeface="+mn-lt"/>
+              </a:rPr>
+              <a:t>家で映画見たり</a:t>
+            </a:r>
+            <a:r>
+              <a:rPr lang="ja-JP" altLang="en-US" b="1" dirty="0">
+                <a:ea typeface="+mn-lt"/>
+                <a:cs typeface="+mn-lt"/>
+              </a:rPr>
+              <a:t>ゲームしたりと</a:t>
+            </a:r>
+            <a:r>
+              <a:rPr lang="ja-JP" b="1" dirty="0">
+                <a:ea typeface="+mn-lt"/>
+                <a:cs typeface="+mn-lt"/>
+              </a:rPr>
+              <a:t>のんびりしていることが多い。</a:t>
+            </a:r>
+            <a:r>
+              <a:rPr lang="ja-JP" altLang="en-US" dirty="0">
+                <a:ea typeface="+mn-lt"/>
+                <a:cs typeface="+mn-lt"/>
+              </a:rPr>
+              <a:t>仕事</a:t>
+            </a:r>
+            <a:r>
+              <a:rPr lang="ja-JP" dirty="0">
+                <a:ea typeface="+mn-lt"/>
+                <a:cs typeface="+mn-lt"/>
+              </a:rPr>
+              <a:t>に</a:t>
+            </a:r>
+            <a:r>
+              <a:rPr lang="ja-JP" altLang="en-US" dirty="0">
+                <a:ea typeface="+mn-lt"/>
+                <a:cs typeface="+mn-lt"/>
+              </a:rPr>
+              <a:t>対</a:t>
+            </a:r>
+            <a:r>
+              <a:rPr lang="ja-JP" dirty="0">
+                <a:ea typeface="+mn-lt"/>
+                <a:cs typeface="+mn-lt"/>
+              </a:rPr>
+              <a:t>する不満は特になく、楽しく行えている</a:t>
+            </a:r>
+            <a:r>
+              <a:rPr lang="ja-JP" altLang="en-US" dirty="0">
+                <a:ea typeface="+mn-lt"/>
+                <a:cs typeface="+mn-lt"/>
+              </a:rPr>
+              <a:t>。</a:t>
+            </a:r>
+          </a:p>
+          <a:p>
+            <a:r>
+              <a:rPr lang="ja-JP" dirty="0">
+                <a:ea typeface="游ゴシック"/>
+              </a:rPr>
+              <a:t>消極的な一面がある</a:t>
+            </a:r>
+            <a:r>
+              <a:rPr lang="ja-JP" altLang="en-US" dirty="0">
+                <a:ea typeface="游ゴシック"/>
+              </a:rPr>
+              <a:t>。どちらかというと</a:t>
+            </a:r>
+            <a:r>
+              <a:rPr lang="ja-JP" dirty="0">
+                <a:ea typeface="游ゴシック"/>
+              </a:rPr>
+              <a:t>一人遊びが好き</a:t>
+            </a:r>
+            <a:r>
+              <a:rPr lang="ja-JP" altLang="en-US" dirty="0">
+                <a:ea typeface="游ゴシック"/>
+              </a:rPr>
+              <a:t>。</a:t>
+            </a:r>
+            <a:endParaRPr lang="ja-JP" dirty="0">
+              <a:ea typeface="+mn-lt"/>
+              <a:cs typeface="+mn-lt"/>
+            </a:endParaRPr>
+          </a:p>
+          <a:p>
+            <a:r>
+              <a:rPr lang="ja-JP" altLang="en-US" dirty="0">
+                <a:ea typeface="游ゴシック"/>
+              </a:rPr>
+              <a:t>お金を浪費するのが嫌い。節約家。でも競馬だけはやめられない。最近はウマ娘に移行。</a:t>
+            </a:r>
+          </a:p>
+          <a:p>
+            <a:r>
+              <a:rPr lang="ja-JP" altLang="en-US" dirty="0">
+                <a:ea typeface="游ゴシック"/>
+              </a:rPr>
+              <a:t>集中力が高く仕事が早い。</a:t>
+            </a:r>
+            <a:r>
+              <a:rPr lang="ja-JP" b="1" dirty="0">
+                <a:ea typeface="游ゴシック"/>
+              </a:rPr>
+              <a:t>効率厨。</a:t>
+            </a:r>
+          </a:p>
+          <a:p>
+            <a:r>
+              <a:rPr lang="ja-JP" altLang="en-US" dirty="0">
+                <a:ea typeface="游ゴシック"/>
+              </a:rPr>
+              <a:t>家では</a:t>
+            </a:r>
+            <a:r>
+              <a:rPr lang="ja-JP" dirty="0">
+                <a:ea typeface="游ゴシック"/>
+              </a:rPr>
+              <a:t>ヨギボーの上が定位置</a:t>
+            </a:r>
+            <a:r>
+              <a:rPr lang="ja-JP" altLang="en-US" dirty="0">
+                <a:ea typeface="游ゴシック"/>
+              </a:rPr>
+              <a:t>。</a:t>
+            </a:r>
+            <a:r>
+              <a:rPr lang="ja-JP" dirty="0">
+                <a:ea typeface="游ゴシック"/>
+              </a:rPr>
+              <a:t>リングフィットを買おうとは思っている</a:t>
+            </a:r>
+            <a:r>
+              <a:rPr lang="en-US" altLang="ja-JP" dirty="0">
+                <a:ea typeface="游ゴシック"/>
+              </a:rPr>
+              <a:t>(</a:t>
+            </a:r>
+            <a:r>
+              <a:rPr lang="en-US" altLang="ja-JP" dirty="0" err="1">
+                <a:ea typeface="游ゴシック"/>
+              </a:rPr>
+              <a:t>買ってない</a:t>
+            </a:r>
+            <a:r>
+              <a:rPr lang="en-US" altLang="ja-JP" dirty="0">
+                <a:ea typeface="游ゴシック"/>
+              </a:rPr>
+              <a:t>)</a:t>
+            </a:r>
+            <a:r>
+              <a:rPr lang="ja-JP" dirty="0">
+                <a:ea typeface="游ゴシック"/>
+              </a:rPr>
+              <a:t>。</a:t>
+            </a:r>
+            <a:endParaRPr lang="ja-JP" dirty="0">
+              <a:ea typeface="+mn-lt"/>
+              <a:cs typeface="+mn-lt"/>
+            </a:endParaRPr>
+          </a:p>
+          <a:p>
+            <a:r>
+              <a:rPr lang="ja-JP" altLang="en-US" dirty="0">
+                <a:ea typeface="游ゴシック"/>
+              </a:rPr>
+              <a:t>最近はAPEXにハマっている。キレるタイプではなくそこそこ上手い。</a:t>
+            </a:r>
+            <a:endParaRPr lang="ja-JP" dirty="0">
+              <a:ea typeface="游ゴシック"/>
+            </a:endParaRPr>
+          </a:p>
+          <a:p>
+            <a:r>
+              <a:rPr lang="ja-JP" altLang="en-US" dirty="0">
+                <a:ea typeface="游ゴシック"/>
+              </a:rPr>
+              <a:t>家事はあまり得意ではない。部屋は段ボールが積まれて汚いが、デスク回りだけは綺麗にしている。</a:t>
+            </a:r>
+          </a:p>
+          <a:p>
+            <a:endParaRPr lang="ja-JP" altLang="en-US" dirty="0">
+              <a:ea typeface="游ゴシック"/>
+            </a:endParaRPr>
+          </a:p>
+        </p:txBody>
+      </p:sp>
+      <p:sp>
+        <p:nvSpPr>
+          <p:cNvPr id="8" name="コンテンツ プレースホルダー 7">
+            <a:extLst>
+              <a:ext uri="{FF2B5EF4-FFF2-40B4-BE49-F238E27FC236}">
+                <a16:creationId xmlns:a16="http://schemas.microsoft.com/office/drawing/2014/main" id="{379FC890-E959-B17C-0B67-60764F38B270}"/>
+              </a:ext>
+            </a:extLst>
+          </p:cNvPr>
+          <p:cNvSpPr>
+            <a:spLocks noGrp="1"/>
+          </p:cNvSpPr>
+          <p:nvPr>
+            <p:ph idx="14"/>
           </p:nvPr>
         </p:nvSpPr>
         <p:spPr/>
         <p:txBody>
-          <a:bodyPr/>
-          <a:lstStyle/>
-          <a:p>
-            <a:endParaRPr kumimoji="1" lang="ja-JP" altLang="en-US"/>
-          </a:p>
-        </p:txBody>
-      </p:sp>
+          <a:bodyPr vert="horz" lIns="91440" tIns="45720" rIns="91440" bIns="45720" rtlCol="0" anchor="t">
+            <a:normAutofit lnSpcReduction="10000"/>
+          </a:bodyPr>
+          <a:lstStyle/>
+          <a:p>
+            <a:r>
+              <a:rPr lang="ja-JP" altLang="en-US" dirty="0">
+                <a:ea typeface="游ゴシック"/>
+              </a:rPr>
+              <a:t>氏名：</a:t>
+            </a:r>
+            <a:r>
+              <a:rPr lang="en-US" altLang="ja-JP" dirty="0">
+                <a:ea typeface="游ゴシック"/>
+              </a:rPr>
+              <a:t>T</a:t>
+            </a:r>
+            <a:endParaRPr lang="ja-JP" altLang="en-US" dirty="0">
+              <a:ea typeface="游ゴシック"/>
+            </a:endParaRPr>
+          </a:p>
+          <a:p>
+            <a:r>
+              <a:rPr lang="ja-JP" altLang="en-US" dirty="0">
+                <a:ea typeface="游ゴシック"/>
+              </a:rPr>
+              <a:t>性別：男性</a:t>
+            </a:r>
+            <a:endParaRPr lang="en-US" altLang="ja-JP" dirty="0">
+              <a:ea typeface="游ゴシック"/>
+            </a:endParaRPr>
+          </a:p>
+          <a:p>
+            <a:r>
+              <a:rPr lang="ja-JP" altLang="en-US" dirty="0">
+                <a:ea typeface="游ゴシック"/>
+              </a:rPr>
+              <a:t>年齢：</a:t>
+            </a:r>
+            <a:r>
+              <a:rPr lang="en-US" altLang="ja-JP" dirty="0">
+                <a:ea typeface="游ゴシック"/>
+              </a:rPr>
+              <a:t>25</a:t>
+            </a:r>
+          </a:p>
+          <a:p>
+            <a:r>
+              <a:rPr lang="ja-JP" altLang="en-US" dirty="0">
+                <a:ea typeface="游ゴシック"/>
+              </a:rPr>
+              <a:t>職業：</a:t>
+            </a:r>
+            <a:r>
+              <a:rPr lang="en-US" altLang="ja-JP" dirty="0">
+                <a:ea typeface="游ゴシック"/>
+              </a:rPr>
+              <a:t>SE</a:t>
+            </a:r>
+            <a:r>
+              <a:rPr lang="ja-JP" altLang="en-US" dirty="0">
+                <a:ea typeface="游ゴシック"/>
+              </a:rPr>
+              <a:t>（週</a:t>
+            </a:r>
+            <a:r>
+              <a:rPr lang="en-US" altLang="ja-JP" dirty="0">
+                <a:ea typeface="游ゴシック"/>
+              </a:rPr>
+              <a:t>3</a:t>
+            </a:r>
+            <a:r>
+              <a:rPr lang="ja-JP" altLang="en-US" dirty="0">
+                <a:ea typeface="游ゴシック"/>
+              </a:rPr>
+              <a:t>リモート）</a:t>
+            </a:r>
+            <a:endParaRPr lang="en-US" altLang="ja-JP" dirty="0">
+              <a:ea typeface="游ゴシック"/>
+            </a:endParaRPr>
+          </a:p>
+          <a:p>
+            <a:r>
+              <a:rPr lang="ja-JP" altLang="en-US" dirty="0">
+                <a:ea typeface="游ゴシック"/>
+              </a:rPr>
+              <a:t>年収：</a:t>
+            </a:r>
+            <a:r>
+              <a:rPr lang="en-US" altLang="ja-JP" dirty="0">
+                <a:ea typeface="游ゴシック"/>
+              </a:rPr>
+              <a:t>400</a:t>
+            </a:r>
+            <a:r>
+              <a:rPr lang="ja-JP" altLang="en-US" dirty="0">
+                <a:ea typeface="游ゴシック"/>
+              </a:rPr>
+              <a:t>万</a:t>
+            </a:r>
+            <a:endParaRPr lang="en-US" altLang="ja-JP" dirty="0">
+              <a:ea typeface="游ゴシック"/>
+            </a:endParaRPr>
+          </a:p>
+          <a:p>
+            <a:r>
+              <a:rPr lang="ja-JP" altLang="en-US" dirty="0"/>
+              <a:t>学歴：大卒</a:t>
+            </a:r>
+            <a:endParaRPr lang="en-US" altLang="ja-JP" dirty="0"/>
+          </a:p>
+          <a:p>
+            <a:r>
+              <a:rPr lang="ja-JP" altLang="en-US" dirty="0">
+                <a:ea typeface="游ゴシック"/>
+              </a:rPr>
+              <a:t>出身地：埼玉</a:t>
+            </a:r>
+          </a:p>
+          <a:p>
+            <a:r>
+              <a:rPr lang="ja-JP" altLang="en-US" dirty="0">
+                <a:ea typeface="游ゴシック"/>
+              </a:rPr>
+              <a:t>家族構成：父・母(ひとりっ子)</a:t>
+            </a:r>
+          </a:p>
+          <a:p>
+            <a:r>
+              <a:rPr lang="ja-JP" altLang="en-US" dirty="0"/>
+              <a:t>趣味：サブスクの鬼</a:t>
+            </a:r>
+            <a:endParaRPr lang="en-US" altLang="ja-JP" dirty="0"/>
+          </a:p>
+          <a:p>
+            <a:r>
+              <a:rPr lang="ja-JP" altLang="en-US" dirty="0"/>
+              <a:t>すまい：東京（ひとり暮らし）</a:t>
+            </a:r>
+            <a:endParaRPr lang="en-US" altLang="ja-JP" dirty="0"/>
+          </a:p>
+          <a:p>
+            <a:r>
+              <a:rPr lang="ja-JP" altLang="en-US" dirty="0">
+                <a:ea typeface="游ゴシック"/>
+              </a:rPr>
+              <a:t>性格：インドア系、口数少なめ、見た目で損するタイプ、おだやか</a:t>
+            </a:r>
+          </a:p>
+          <a:p>
+            <a:endParaRPr lang="en-US" altLang="ja-JP" dirty="0"/>
+          </a:p>
+        </p:txBody>
+      </p:sp>
+      <p:sp>
+        <p:nvSpPr>
+          <p:cNvPr id="9" name="コンテンツ プレースホルダー 8">
+            <a:extLst>
+              <a:ext uri="{FF2B5EF4-FFF2-40B4-BE49-F238E27FC236}">
+                <a16:creationId xmlns:a16="http://schemas.microsoft.com/office/drawing/2014/main" id="{493798B9-4269-FE7D-9164-A9C163CDA212}"/>
+              </a:ext>
+            </a:extLst>
+          </p:cNvPr>
+          <p:cNvSpPr>
+            <a:spLocks noGrp="1"/>
+          </p:cNvSpPr>
+          <p:nvPr>
+            <p:ph idx="15"/>
+          </p:nvPr>
+        </p:nvSpPr>
+        <p:spPr>
+          <a:xfrm>
+            <a:off x="8944494" y="3551383"/>
+            <a:ext cx="2859577" cy="2767220"/>
+          </a:xfrm>
+        </p:spPr>
+        <p:txBody>
+          <a:bodyPr vert="horz" lIns="91440" tIns="45720" rIns="91440" bIns="45720" rtlCol="0" anchor="t">
+            <a:normAutofit/>
+          </a:bodyPr>
+          <a:lstStyle/>
+          <a:p>
+            <a:r>
+              <a:rPr lang="en-US" altLang="ja-JP" dirty="0">
+                <a:ea typeface="+mn-lt"/>
+                <a:cs typeface="+mn-lt"/>
+              </a:rPr>
+              <a:t>LINE</a:t>
+            </a:r>
+            <a:r>
+              <a:rPr lang="ja-JP" dirty="0">
+                <a:ea typeface="+mn-lt"/>
+                <a:cs typeface="+mn-lt"/>
+              </a:rPr>
+              <a:t>：</a:t>
+            </a:r>
+            <a:r>
+              <a:rPr lang="ja-JP" altLang="en-US" dirty="0">
+                <a:ea typeface="+mn-lt"/>
+                <a:cs typeface="+mn-lt"/>
+              </a:rPr>
+              <a:t>必要最低限(連絡先は2桁)。</a:t>
+            </a:r>
+            <a:endParaRPr lang="ja-JP" dirty="0">
+              <a:ea typeface="+mn-lt"/>
+              <a:cs typeface="+mn-lt"/>
+            </a:endParaRPr>
+          </a:p>
+          <a:p>
+            <a:r>
+              <a:rPr lang="en-US" altLang="ja-JP" dirty="0">
+                <a:ea typeface="+mn-lt"/>
+                <a:cs typeface="+mn-lt"/>
+              </a:rPr>
+              <a:t>Twitter</a:t>
+            </a:r>
+            <a:r>
+              <a:rPr lang="ja-JP" dirty="0">
+                <a:ea typeface="+mn-lt"/>
+                <a:cs typeface="+mn-lt"/>
+              </a:rPr>
+              <a:t>：</a:t>
+            </a:r>
+            <a:r>
+              <a:rPr lang="ja-JP" altLang="en-US" dirty="0">
+                <a:ea typeface="+mn-lt"/>
+                <a:cs typeface="+mn-lt"/>
+              </a:rPr>
+              <a:t>投稿はせず見る専。かなりの頻度で見ている。</a:t>
+            </a:r>
+          </a:p>
+          <a:p>
+            <a:r>
+              <a:rPr lang="en-US" altLang="ja-JP" dirty="0">
+                <a:ea typeface="+mn-lt"/>
+                <a:cs typeface="+mn-lt"/>
+              </a:rPr>
+              <a:t>Instagram</a:t>
+            </a:r>
+            <a:r>
+              <a:rPr lang="ja-JP" altLang="en-US" dirty="0">
+                <a:ea typeface="+mn-lt"/>
+                <a:cs typeface="+mn-lt"/>
+              </a:rPr>
+              <a:t>：大学時代までは付き合いで使っていたが卒業後に消した。</a:t>
+            </a:r>
+          </a:p>
+          <a:p>
+            <a:r>
+              <a:rPr lang="en-US" altLang="ja-JP" dirty="0">
+                <a:ea typeface="+mn-lt"/>
+                <a:cs typeface="+mn-lt"/>
+              </a:rPr>
+              <a:t>Facebook：</a:t>
+            </a:r>
+            <a:r>
+              <a:rPr lang="ja-JP" altLang="en-US" dirty="0">
+                <a:ea typeface="+mn-lt"/>
+                <a:cs typeface="+mn-lt"/>
+              </a:rPr>
+              <a:t>もう</a:t>
+            </a:r>
+            <a:r>
+              <a:rPr lang="en-US" altLang="ja-JP" dirty="0" err="1">
+                <a:ea typeface="+mn-lt"/>
+                <a:cs typeface="+mn-lt"/>
+              </a:rPr>
+              <a:t>使っていない</a:t>
+            </a:r>
+            <a:r>
+              <a:rPr lang="en-US" altLang="ja-JP" dirty="0">
+                <a:ea typeface="+mn-lt"/>
+                <a:cs typeface="+mn-lt"/>
+              </a:rPr>
+              <a:t>。</a:t>
+            </a:r>
+            <a:endParaRPr lang="en-US" dirty="0"/>
+          </a:p>
+          <a:p>
+            <a:r>
+              <a:rPr lang="ja-JP" altLang="en-US" b="1" dirty="0">
+                <a:ea typeface="游ゴシック"/>
+              </a:rPr>
+              <a:t>Netflix：ヘビーユーザー。</a:t>
+            </a:r>
+          </a:p>
+        </p:txBody>
+      </p:sp>
+      <p:sp>
+        <p:nvSpPr>
+          <p:cNvPr id="10" name="コンテンツ プレースホルダー 9">
+            <a:extLst>
+              <a:ext uri="{FF2B5EF4-FFF2-40B4-BE49-F238E27FC236}">
+                <a16:creationId xmlns:a16="http://schemas.microsoft.com/office/drawing/2014/main" id="{C50AD0BA-A02F-B48B-174F-11495177E997}"/>
+              </a:ext>
+            </a:extLst>
+          </p:cNvPr>
+          <p:cNvSpPr>
+            <a:spLocks noGrp="1"/>
+          </p:cNvSpPr>
+          <p:nvPr>
+            <p:ph idx="16"/>
+          </p:nvPr>
+        </p:nvSpPr>
+        <p:spPr>
+          <a:xfrm>
+            <a:off x="3834167" y="3434502"/>
+            <a:ext cx="4961467" cy="3121327"/>
+          </a:xfrm>
+        </p:spPr>
+        <p:txBody>
+          <a:bodyPr vert="horz" lIns="91440" tIns="45720" rIns="91440" bIns="45720" rtlCol="0" anchor="t">
+            <a:normAutofit/>
+          </a:bodyPr>
+          <a:lstStyle/>
+          <a:p>
+            <a:r>
+              <a:rPr lang="ja-JP">
+                <a:ea typeface="+mn-lt"/>
+                <a:cs typeface="+mn-lt"/>
+              </a:rPr>
+              <a:t>不満：家事が</a:t>
+            </a:r>
+            <a:r>
+              <a:rPr lang="ja-JP" altLang="en-US">
+                <a:ea typeface="+mn-lt"/>
+                <a:cs typeface="+mn-lt"/>
+              </a:rPr>
+              <a:t>正直面倒くさい。</a:t>
+            </a:r>
+            <a:endParaRPr lang="ja-JP">
+              <a:ea typeface="+mn-lt"/>
+              <a:cs typeface="+mn-lt"/>
+            </a:endParaRPr>
+          </a:p>
+          <a:p>
+            <a:r>
+              <a:rPr lang="ja-JP" altLang="en-US">
+                <a:ea typeface="游ゴシック"/>
+              </a:rPr>
+              <a:t>節約を効率的にできるようにしたい。</a:t>
+            </a:r>
+          </a:p>
+          <a:p>
+            <a:r>
+              <a:rPr lang="ja-JP" altLang="en-US" b="1">
+                <a:ea typeface="+mn-lt"/>
+                <a:cs typeface="+mn-lt"/>
+              </a:rPr>
+              <a:t>Netflixで見る映画・作品に迷うのが嫌。</a:t>
+            </a:r>
+          </a:p>
+          <a:p>
+            <a:endParaRPr lang="ja-JP" altLang="en-US">
+              <a:ea typeface="+mn-lt"/>
+              <a:cs typeface="+mn-lt"/>
+            </a:endParaRPr>
+          </a:p>
+          <a:p>
+            <a:r>
+              <a:rPr lang="ja-JP">
+                <a:ea typeface="+mn-lt"/>
+                <a:cs typeface="+mn-lt"/>
+              </a:rPr>
+              <a:t>満足：たまに学生時代の友人から</a:t>
+            </a:r>
+            <a:r>
+              <a:rPr lang="ja-JP" altLang="en-US">
+                <a:ea typeface="+mn-lt"/>
+                <a:cs typeface="+mn-lt"/>
+              </a:rPr>
+              <a:t>呼</a:t>
+            </a:r>
+            <a:r>
+              <a:rPr lang="ja-JP">
+                <a:ea typeface="+mn-lt"/>
+                <a:cs typeface="+mn-lt"/>
+              </a:rPr>
+              <a:t>ばれて飲み会</a:t>
+            </a:r>
+            <a:r>
+              <a:rPr lang="ja-JP" altLang="en-US">
+                <a:ea typeface="+mn-lt"/>
+                <a:cs typeface="+mn-lt"/>
+              </a:rPr>
+              <a:t>に行くのが楽しい。</a:t>
+            </a:r>
+            <a:endParaRPr lang="ja-JP" altLang="en-US">
+              <a:ea typeface="游ゴシック"/>
+            </a:endParaRPr>
+          </a:p>
+          <a:p>
+            <a:r>
+              <a:rPr lang="ja-JP" altLang="en-US">
+                <a:ea typeface="+mn-lt"/>
+                <a:cs typeface="+mn-lt"/>
+              </a:rPr>
+              <a:t>ただ出費が大きいので毎回迷う。</a:t>
+            </a:r>
+            <a:endParaRPr lang="ja-JP">
+              <a:ea typeface="+mn-lt"/>
+              <a:cs typeface="+mn-lt"/>
+            </a:endParaRPr>
+          </a:p>
+          <a:p>
+            <a:endParaRPr lang="ja-JP" altLang="en-US">
+              <a:ea typeface="+mn-lt"/>
+              <a:cs typeface="+mn-lt"/>
+            </a:endParaRPr>
+          </a:p>
+          <a:p>
+            <a:r>
+              <a:rPr lang="ja-JP" altLang="en-US">
+                <a:ea typeface="+mn-lt"/>
+                <a:cs typeface="+mn-lt"/>
+              </a:rPr>
+              <a:t>欲求：</a:t>
+            </a:r>
+            <a:r>
+              <a:rPr lang="ja-JP" b="1">
+                <a:ea typeface="+mn-lt"/>
+                <a:cs typeface="+mn-lt"/>
+              </a:rPr>
+              <a:t>最新の映画</a:t>
+            </a:r>
+            <a:r>
+              <a:rPr lang="ja-JP" altLang="en-US" b="1">
+                <a:ea typeface="+mn-lt"/>
+                <a:cs typeface="+mn-lt"/>
+              </a:rPr>
+              <a:t>も</a:t>
+            </a:r>
+            <a:r>
+              <a:rPr lang="ja-JP" b="1">
+                <a:ea typeface="+mn-lt"/>
+                <a:cs typeface="+mn-lt"/>
+              </a:rPr>
+              <a:t>家で見たい</a:t>
+            </a:r>
+            <a:r>
+              <a:rPr lang="ja-JP" altLang="en-US" b="1">
+                <a:ea typeface="+mn-lt"/>
+                <a:cs typeface="+mn-lt"/>
+              </a:rPr>
+              <a:t>。また、Netflix作品のレビューが見れたら嬉しい。</a:t>
+            </a:r>
+            <a:endParaRPr lang="ja-JP" altLang="en-US" b="1">
+              <a:ea typeface="游ゴシック"/>
+            </a:endParaRPr>
+          </a:p>
+          <a:p>
+            <a:r>
+              <a:rPr lang="ja-JP" altLang="en-US">
+                <a:ea typeface="游ゴシック"/>
+              </a:rPr>
+              <a:t>制限警告機能付きの家計簿アプリがあったら便利。</a:t>
+            </a:r>
+            <a:endParaRPr lang="ja-JP">
+              <a:ea typeface="游ゴシック"/>
+            </a:endParaRPr>
+          </a:p>
+          <a:p>
+            <a:r>
+              <a:rPr lang="ja-JP" altLang="en-US">
+                <a:ea typeface="游ゴシック"/>
+              </a:rPr>
+              <a:t>便利な家事手助けツール(ToDoリスト・リマインド・アラーム・カレンダーなど)があったら使いたい。</a:t>
+            </a:r>
+          </a:p>
+          <a:p>
+            <a:r>
+              <a:rPr lang="ja-JP">
+                <a:ea typeface="游ゴシック"/>
+              </a:rPr>
+              <a:t>愛に飢えている(恋人なし)。</a:t>
+            </a:r>
+            <a:endParaRPr lang="ja-JP">
+              <a:ea typeface="+mn-lt"/>
+              <a:cs typeface="+mn-lt"/>
+            </a:endParaRPr>
+          </a:p>
+        </p:txBody>
+      </p:sp>
+      <p:pic>
+        <p:nvPicPr>
+          <p:cNvPr id="11" name="図 10" descr="テキスト, 線画 が含まれている画像&#10;&#10;自動的に生成された説明">
+            <a:extLst>
+              <a:ext uri="{FF2B5EF4-FFF2-40B4-BE49-F238E27FC236}">
+                <a16:creationId xmlns:a16="http://schemas.microsoft.com/office/drawing/2014/main" id="{FB17C7A7-350E-8B60-D9DE-28D9F1CF935B}"/>
+              </a:ext>
+            </a:extLst>
+          </p:cNvPr>
+          <p:cNvPicPr>
+            <a:picLocks noChangeAspect="1"/>
+          </p:cNvPicPr>
+          <p:nvPr/>
+        </p:nvPicPr>
+        <p:blipFill>
+          <a:blip r:embed="rId2">
+            <a:extLst>
+              <a:ext uri="{28A0092B-C50C-407E-A947-70E740481C1C}">
+                <a14:useLocalDpi xmlns:a14="http://schemas.microsoft.com/office/drawing/2010/main" val="0"/>
+              </a:ext>
+            </a:extLst>
+          </a:blip>
+          <a:stretch>
+            <a:fillRect/>
+          </a:stretch>
+        </p:blipFill>
+        <p:spPr>
+          <a:xfrm>
+            <a:off x="728871" y="605196"/>
+            <a:ext cx="2197066" cy="2191202"/>
+          </a:xfrm>
+          <a:prstGeom prst="rect">
+            <a:avLst/>
+          </a:prstGeom>
+        </p:spPr>
+      </p:pic>
     </p:spTree>
     <p:extLst>
       <p:ext uri="{BB962C8B-B14F-4D97-AF65-F5344CB8AC3E}">
-        <p14:creationId xmlns:p14="http://schemas.microsoft.com/office/powerpoint/2010/main" val="422969420"/>
+        <p14:creationId xmlns:p14="http://schemas.microsoft.com/office/powerpoint/2010/main" val="70059969"/>
       </p:ext>
     </p:extLst>
   </p:cSld>
@@ -6750,15 +9073,15 @@
           <p:cNvPr id="2" name="タイトル 1">
             <a:extLst>
               <a:ext uri="{FF2B5EF4-FFF2-40B4-BE49-F238E27FC236}">
-                <a16:creationId xmlns:a16="http://schemas.microsoft.com/office/drawing/2014/main" id="{567BCC82-8CB1-3055-6FCE-39E6F1E069C2}"/>
-              </a:ext>
-            </a:extLst>
-          </p:cNvPr>
-          <p:cNvSpPr>
-            <a:spLocks noGrp="1"/>
-          </p:cNvSpPr>
-          <p:nvPr>
-            <p:ph type="title"/>
+                <a16:creationId xmlns:a16="http://schemas.microsoft.com/office/drawing/2014/main" id="{42489753-56A8-3B62-55FA-C6250885BA43}"/>
+              </a:ext>
+            </a:extLst>
+          </p:cNvPr>
+          <p:cNvSpPr>
+            <a:spLocks noGrp="1"/>
+          </p:cNvSpPr>
+          <p:nvPr>
+            <p:ph type="ctrTitle"/>
           </p:nvPr>
         </p:nvSpPr>
         <p:spPr/>
@@ -6767,42 +9090,16 @@
           <a:lstStyle/>
           <a:p>
             <a:r>
-              <a:rPr lang="ja-JP" altLang="en-US" dirty="0"/>
-              <a:t>ログイン</a:t>
-            </a:r>
-            <a:endParaRPr kumimoji="1" lang="ja-JP" altLang="en-US" dirty="0"/>
-          </a:p>
-        </p:txBody>
-      </p:sp>
-      <p:sp>
-        <p:nvSpPr>
-          <p:cNvPr id="3" name="コンテンツ プレースホルダー 2">
-            <a:extLst>
-              <a:ext uri="{FF2B5EF4-FFF2-40B4-BE49-F238E27FC236}">
-                <a16:creationId xmlns:a16="http://schemas.microsoft.com/office/drawing/2014/main" id="{A4E6E213-AEA2-33B5-BFFB-4B2752698193}"/>
-              </a:ext>
-            </a:extLst>
-          </p:cNvPr>
-          <p:cNvSpPr>
-            <a:spLocks noGrp="1"/>
-          </p:cNvSpPr>
-          <p:nvPr>
-            <p:ph idx="1"/>
-          </p:nvPr>
-        </p:nvSpPr>
-        <p:spPr/>
-        <p:txBody>
-          <a:bodyPr/>
-          <a:lstStyle/>
-          <a:p>
-            <a:endParaRPr kumimoji="1" lang="ja-JP" altLang="en-US"/>
+              <a:rPr kumimoji="1" lang="ja-JP" altLang="en-US" dirty="0"/>
+              <a:t>機能説明</a:t>
+            </a:r>
           </a:p>
         </p:txBody>
       </p:sp>
     </p:spTree>
     <p:extLst>
       <p:ext uri="{BB962C8B-B14F-4D97-AF65-F5344CB8AC3E}">
-        <p14:creationId xmlns:p14="http://schemas.microsoft.com/office/powerpoint/2010/main" val="1456408046"/>
+        <p14:creationId xmlns:p14="http://schemas.microsoft.com/office/powerpoint/2010/main" val="422969420"/>
       </p:ext>
     </p:extLst>
   </p:cSld>
@@ -6852,7 +9149,7 @@
           <a:p>
             <a:r>
               <a:rPr lang="ja-JP" altLang="en-US" dirty="0"/>
-              <a:t>トップページ</a:t>
+              <a:t>ログイン</a:t>
             </a:r>
             <a:endParaRPr kumimoji="1" lang="ja-JP" altLang="en-US" dirty="0"/>
           </a:p>
@@ -6886,7 +9183,7 @@
     </p:spTree>
     <p:extLst>
       <p:ext uri="{BB962C8B-B14F-4D97-AF65-F5344CB8AC3E}">
-        <p14:creationId xmlns:p14="http://schemas.microsoft.com/office/powerpoint/2010/main" val="2935886918"/>
+        <p14:creationId xmlns:p14="http://schemas.microsoft.com/office/powerpoint/2010/main" val="1456408046"/>
       </p:ext>
     </p:extLst>
   </p:cSld>
@@ -6936,15 +9233,7 @@
           <a:p>
             <a:r>
               <a:rPr lang="ja-JP" altLang="en-US" dirty="0"/>
-              <a:t>マイページ</a:t>
-            </a:r>
-            <a:r>
-              <a:rPr lang="en-US" altLang="ja-JP" dirty="0"/>
-              <a:t>/</a:t>
-            </a:r>
-            <a:r>
-              <a:rPr lang="ja-JP" altLang="en-US" dirty="0"/>
-              <a:t>ユーザーページ</a:t>
+              <a:t>トップページ</a:t>
             </a:r>
             <a:endParaRPr kumimoji="1" lang="ja-JP" altLang="en-US" dirty="0"/>
           </a:p>
@@ -6978,7 +9267,7 @@
     </p:spTree>
     <p:extLst>
       <p:ext uri="{BB962C8B-B14F-4D97-AF65-F5344CB8AC3E}">
-        <p14:creationId xmlns:p14="http://schemas.microsoft.com/office/powerpoint/2010/main" val="1909610053"/>
+        <p14:creationId xmlns:p14="http://schemas.microsoft.com/office/powerpoint/2010/main" val="2935886918"/>
       </p:ext>
     </p:extLst>
   </p:cSld>
@@ -7027,9 +9316,18 @@
           <a:lstStyle/>
           <a:p>
             <a:r>
-              <a:rPr kumimoji="1" lang="ja-JP" altLang="en-US" dirty="0"/>
-              <a:t>投稿数ランキング</a:t>
-            </a:r>
+              <a:rPr lang="ja-JP" altLang="en-US" dirty="0"/>
+              <a:t>マイページ</a:t>
+            </a:r>
+            <a:r>
+              <a:rPr lang="en-US" altLang="ja-JP" dirty="0"/>
+              <a:t>/</a:t>
+            </a:r>
+            <a:r>
+              <a:rPr lang="ja-JP" altLang="en-US" dirty="0"/>
+              <a:t>ユーザーページ</a:t>
+            </a:r>
+            <a:endParaRPr kumimoji="1" lang="ja-JP" altLang="en-US" dirty="0"/>
           </a:p>
         </p:txBody>
       </p:sp>
@@ -7061,7 +9359,7 @@
     </p:spTree>
     <p:extLst>
       <p:ext uri="{BB962C8B-B14F-4D97-AF65-F5344CB8AC3E}">
-        <p14:creationId xmlns:p14="http://schemas.microsoft.com/office/powerpoint/2010/main" val="717383438"/>
+        <p14:creationId xmlns:p14="http://schemas.microsoft.com/office/powerpoint/2010/main" val="1909610053"/>
       </p:ext>
     </p:extLst>
   </p:cSld>
@@ -7110,18 +9408,9 @@
           <a:lstStyle/>
           <a:p>
             <a:r>
-              <a:rPr lang="ja-JP" altLang="en-US" dirty="0"/>
-              <a:t>検索結果</a:t>
-            </a:r>
-            <a:r>
-              <a:rPr lang="en-US" altLang="ja-JP" dirty="0"/>
-              <a:t>/</a:t>
-            </a:r>
-            <a:r>
-              <a:rPr lang="ja-JP" altLang="en-US" dirty="0"/>
-              <a:t>ルーレット</a:t>
-            </a:r>
-            <a:endParaRPr kumimoji="1" lang="ja-JP" altLang="en-US" dirty="0"/>
+              <a:rPr kumimoji="1" lang="ja-JP" altLang="en-US" dirty="0"/>
+              <a:t>投稿数ランキング</a:t>
+            </a:r>
           </a:p>
         </p:txBody>
       </p:sp>
@@ -7153,7 +9442,7 @@
     </p:spTree>
     <p:extLst>
       <p:ext uri="{BB962C8B-B14F-4D97-AF65-F5344CB8AC3E}">
-        <p14:creationId xmlns:p14="http://schemas.microsoft.com/office/powerpoint/2010/main" val="4282601556"/>
+        <p14:creationId xmlns:p14="http://schemas.microsoft.com/office/powerpoint/2010/main" val="717383438"/>
       </p:ext>
     </p:extLst>
   </p:cSld>
@@ -7756,6 +10045,301 @@
 <file path=ppt/theme/theme3.xml><?xml version="1.0" encoding="utf-8"?>
 <a:theme xmlns:a="http://schemas.openxmlformats.org/drawingml/2006/main" name="Office テーマ">
   <a:themeElements>
+    <a:clrScheme name="ユーザー定義 2">
+      <a:dk1>
+        <a:srgbClr val="5A4556"/>
+      </a:dk1>
+      <a:lt1>
+        <a:sysClr val="window" lastClr="FFFFFF"/>
+      </a:lt1>
+      <a:dk2>
+        <a:srgbClr val="7E637E"/>
+      </a:dk2>
+      <a:lt2>
+        <a:srgbClr val="F0F0F0"/>
+      </a:lt2>
+      <a:accent1>
+        <a:srgbClr val="DA7B77"/>
+      </a:accent1>
+      <a:accent2>
+        <a:srgbClr val="F7DBB9"/>
+      </a:accent2>
+      <a:accent3>
+        <a:srgbClr val="EFBAAD"/>
+      </a:accent3>
+      <a:accent4>
+        <a:srgbClr val="D9A2AE"/>
+      </a:accent4>
+      <a:accent5>
+        <a:srgbClr val="7E637E"/>
+      </a:accent5>
+      <a:accent6>
+        <a:srgbClr val="5A4556"/>
+      </a:accent6>
+      <a:hlink>
+        <a:srgbClr val="DA7B77"/>
+      </a:hlink>
+      <a:folHlink>
+        <a:srgbClr val="954F72"/>
+      </a:folHlink>
+    </a:clrScheme>
+    <a:fontScheme name="Office">
+      <a:majorFont>
+        <a:latin typeface="游ゴシック Light" panose="020F0302020204030204"/>
+        <a:ea typeface=""/>
+        <a:cs typeface=""/>
+        <a:font script="Jpan" typeface="游ゴシック Light"/>
+        <a:font script="Hang" typeface="맑은 고딕"/>
+        <a:font script="Hans" typeface="等线 Light"/>
+        <a:font script="Hant" typeface="新細明體"/>
+        <a:font script="Arab" typeface="Times New Roman"/>
+        <a:font script="Hebr" typeface="Times New Roman"/>
+        <a:font script="Thai" typeface="Angsana New"/>
+        <a:font script="Ethi" typeface="Nyala"/>
+        <a:font script="Beng" typeface="Vrinda"/>
+        <a:font script="Gujr" typeface="Shruti"/>
+        <a:font script="Khmr" typeface="MoolBoran"/>
+        <a:font script="Knda" typeface="Tunga"/>
+        <a:font script="Guru" typeface="Raavi"/>
+        <a:font script="Cans" typeface="Euphemia"/>
+        <a:font script="Cher" typeface="Plantagenet Cherokee"/>
+        <a:font script="Yiii" typeface="Microsoft Yi Baiti"/>
+        <a:font script="Tibt" typeface="Microsoft Himalaya"/>
+        <a:font script="Thaa" typeface="MV Boli"/>
+        <a:font script="Deva" typeface="Mangal"/>
+        <a:font script="Telu" typeface="Gautami"/>
+        <a:font script="Taml" typeface="Latha"/>
+        <a:font script="Syrc" typeface="Estrangelo Edessa"/>
+        <a:font script="Orya" typeface="Kalinga"/>
+        <a:font script="Mlym" typeface="Kartika"/>
+        <a:font script="Laoo" typeface="DokChampa"/>
+        <a:font script="Sinh" typeface="Iskoola Pota"/>
+        <a:font script="Mong" typeface="Mongolian Baiti"/>
+        <a:font script="Viet" typeface="Times New Roman"/>
+        <a:font script="Uigh" typeface="Microsoft Uighur"/>
+        <a:font script="Geor" typeface="Sylfaen"/>
+        <a:font script="Armn" typeface="Arial"/>
+        <a:font script="Bugi" typeface="Leelawadee UI"/>
+        <a:font script="Bopo" typeface="Microsoft JhengHei"/>
+        <a:font script="Java" typeface="Javanese Text"/>
+        <a:font script="Lisu" typeface="Segoe UI"/>
+        <a:font script="Mymr" typeface="Myanmar Text"/>
+        <a:font script="Nkoo" typeface="Ebrima"/>
+        <a:font script="Olck" typeface="Nirmala UI"/>
+        <a:font script="Osma" typeface="Ebrima"/>
+        <a:font script="Phag" typeface="Phagspa"/>
+        <a:font script="Syrn" typeface="Estrangelo Edessa"/>
+        <a:font script="Syrj" typeface="Estrangelo Edessa"/>
+        <a:font script="Syre" typeface="Estrangelo Edessa"/>
+        <a:font script="Sora" typeface="Nirmala UI"/>
+        <a:font script="Tale" typeface="Microsoft Tai Le"/>
+        <a:font script="Talu" typeface="Microsoft New Tai Lue"/>
+        <a:font script="Tfng" typeface="Ebrima"/>
+      </a:majorFont>
+      <a:minorFont>
+        <a:latin typeface="游ゴシック" panose="020F0502020204030204"/>
+        <a:ea typeface=""/>
+        <a:cs typeface=""/>
+        <a:font script="Jpan" typeface="游ゴシック"/>
+        <a:font script="Hang" typeface="맑은 고딕"/>
+        <a:font script="Hans" typeface="等线"/>
+        <a:font script="Hant" typeface="新細明體"/>
+        <a:font script="Arab" typeface="Arial"/>
+        <a:font script="Hebr" typeface="Arial"/>
+        <a:font script="Thai" typeface="Cordia New"/>
+        <a:font script="Ethi" typeface="Nyala"/>
+        <a:font script="Beng" typeface="Vrinda"/>
+        <a:font script="Gujr" typeface="Shruti"/>
+        <a:font script="Khmr" typeface="DaunPenh"/>
+        <a:font script="Knda" typeface="Tunga"/>
+        <a:font script="Guru" typeface="Raavi"/>
+        <a:font script="Cans" typeface="Euphemia"/>
+        <a:font script="Cher" typeface="Plantagenet Cherokee"/>
+        <a:font script="Yiii" typeface="Microsoft Yi Baiti"/>
+        <a:font script="Tibt" typeface="Microsoft Himalaya"/>
+        <a:font script="Thaa" typeface="MV Boli"/>
+        <a:font script="Deva" typeface="Mangal"/>
+        <a:font script="Telu" typeface="Gautami"/>
+        <a:font script="Taml" typeface="Latha"/>
+        <a:font script="Syrc" typeface="Estrangelo Edessa"/>
+        <a:font script="Orya" typeface="Kalinga"/>
+        <a:font script="Mlym" typeface="Kartika"/>
+        <a:font script="Laoo" typeface="DokChampa"/>
+        <a:font script="Sinh" typeface="Iskoola Pota"/>
+        <a:font script="Mong" typeface="Mongolian Baiti"/>
+        <a:font script="Viet" typeface="Arial"/>
+        <a:font script="Uigh" typeface="Microsoft Uighur"/>
+        <a:font script="Geor" typeface="Sylfaen"/>
+        <a:font script="Armn" typeface="Arial"/>
+        <a:font script="Bugi" typeface="Leelawadee UI"/>
+        <a:font script="Bopo" typeface="Microsoft JhengHei"/>
+        <a:font script="Java" typeface="Javanese Text"/>
+        <a:font script="Lisu" typeface="Segoe UI"/>
+        <a:font script="Mymr" typeface="Myanmar Text"/>
+        <a:font script="Nkoo" typeface="Ebrima"/>
+        <a:font script="Olck" typeface="Nirmala UI"/>
+        <a:font script="Osma" typeface="Ebrima"/>
+        <a:font script="Phag" typeface="Phagspa"/>
+        <a:font script="Syrn" typeface="Estrangelo Edessa"/>
+        <a:font script="Syrj" typeface="Estrangelo Edessa"/>
+        <a:font script="Syre" typeface="Estrangelo Edessa"/>
+        <a:font script="Sora" typeface="Nirmala UI"/>
+        <a:font script="Tale" typeface="Microsoft Tai Le"/>
+        <a:font script="Talu" typeface="Microsoft New Tai Lue"/>
+        <a:font script="Tfng" typeface="Ebrima"/>
+      </a:minorFont>
+    </a:fontScheme>
+    <a:fmtScheme name="Office">
+      <a:fillStyleLst>
+        <a:solidFill>
+          <a:schemeClr val="phClr"/>
+        </a:solidFill>
+        <a:gradFill rotWithShape="1">
+          <a:gsLst>
+            <a:gs pos="0">
+              <a:schemeClr val="phClr">
+                <a:lumMod val="110000"/>
+                <a:satMod val="105000"/>
+                <a:tint val="67000"/>
+              </a:schemeClr>
+            </a:gs>
+            <a:gs pos="50000">
+              <a:schemeClr val="phClr">
+                <a:lumMod val="105000"/>
+                <a:satMod val="103000"/>
+                <a:tint val="73000"/>
+              </a:schemeClr>
+            </a:gs>
+            <a:gs pos="100000">
+              <a:schemeClr val="phClr">
+                <a:lumMod val="105000"/>
+                <a:satMod val="109000"/>
+                <a:tint val="81000"/>
+              </a:schemeClr>
+            </a:gs>
+          </a:gsLst>
+          <a:lin ang="5400000" scaled="0"/>
+        </a:gradFill>
+        <a:gradFill rotWithShape="1">
+          <a:gsLst>
+            <a:gs pos="0">
+              <a:schemeClr val="phClr">
+                <a:satMod val="103000"/>
+                <a:lumMod val="102000"/>
+                <a:tint val="94000"/>
+              </a:schemeClr>
+            </a:gs>
+            <a:gs pos="50000">
+              <a:schemeClr val="phClr">
+                <a:satMod val="110000"/>
+                <a:lumMod val="100000"/>
+                <a:shade val="100000"/>
+              </a:schemeClr>
+            </a:gs>
+            <a:gs pos="100000">
+              <a:schemeClr val="phClr">
+                <a:lumMod val="99000"/>
+                <a:satMod val="120000"/>
+                <a:shade val="78000"/>
+              </a:schemeClr>
+            </a:gs>
+          </a:gsLst>
+          <a:lin ang="5400000" scaled="0"/>
+        </a:gradFill>
+      </a:fillStyleLst>
+      <a:lnStyleLst>
+        <a:ln w="6350" cap="flat" cmpd="sng" algn="ctr">
+          <a:solidFill>
+            <a:schemeClr val="phClr"/>
+          </a:solidFill>
+          <a:prstDash val="solid"/>
+          <a:miter lim="800000"/>
+        </a:ln>
+        <a:ln w="12700" cap="flat" cmpd="sng" algn="ctr">
+          <a:solidFill>
+            <a:schemeClr val="phClr"/>
+          </a:solidFill>
+          <a:prstDash val="solid"/>
+          <a:miter lim="800000"/>
+        </a:ln>
+        <a:ln w="19050" cap="flat" cmpd="sng" algn="ctr">
+          <a:solidFill>
+            <a:schemeClr val="phClr"/>
+          </a:solidFill>
+          <a:prstDash val="solid"/>
+          <a:miter lim="800000"/>
+        </a:ln>
+      </a:lnStyleLst>
+      <a:effectStyleLst>
+        <a:effectStyle>
+          <a:effectLst/>
+        </a:effectStyle>
+        <a:effectStyle>
+          <a:effectLst/>
+        </a:effectStyle>
+        <a:effectStyle>
+          <a:effectLst>
+            <a:outerShdw blurRad="57150" dist="19050" dir="5400000" algn="ctr" rotWithShape="0">
+              <a:srgbClr val="000000">
+                <a:alpha val="63000"/>
+              </a:srgbClr>
+            </a:outerShdw>
+          </a:effectLst>
+        </a:effectStyle>
+      </a:effectStyleLst>
+      <a:bgFillStyleLst>
+        <a:solidFill>
+          <a:schemeClr val="phClr"/>
+        </a:solidFill>
+        <a:solidFill>
+          <a:schemeClr val="phClr">
+            <a:tint val="95000"/>
+            <a:satMod val="170000"/>
+          </a:schemeClr>
+        </a:solidFill>
+        <a:gradFill rotWithShape="1">
+          <a:gsLst>
+            <a:gs pos="0">
+              <a:schemeClr val="phClr">
+                <a:tint val="93000"/>
+                <a:satMod val="150000"/>
+                <a:shade val="98000"/>
+                <a:lumMod val="102000"/>
+              </a:schemeClr>
+            </a:gs>
+            <a:gs pos="50000">
+              <a:schemeClr val="phClr">
+                <a:tint val="98000"/>
+                <a:satMod val="130000"/>
+                <a:shade val="90000"/>
+                <a:lumMod val="103000"/>
+              </a:schemeClr>
+            </a:gs>
+            <a:gs pos="100000">
+              <a:schemeClr val="phClr">
+                <a:shade val="63000"/>
+                <a:satMod val="120000"/>
+              </a:schemeClr>
+            </a:gs>
+          </a:gsLst>
+          <a:lin ang="5400000" scaled="0"/>
+        </a:gradFill>
+      </a:bgFillStyleLst>
+    </a:fmtScheme>
+  </a:themeElements>
+  <a:objectDefaults/>
+  <a:extraClrSchemeLst/>
+  <a:extLst>
+    <a:ext uri="{05A4C25C-085E-4340-85A3-A5531E510DB2}">
+      <thm15:themeFamily xmlns:thm15="http://schemas.microsoft.com/office/thememl/2012/main" name="Office Theme" id="{62F939B6-93AF-4DB8-9C6B-D6C7DFDC589F}" vid="{4A3C46E8-61CC-4603-A589-7422A47A8E4A}"/>
+    </a:ext>
+  </a:extLst>
+</a:theme>
+</file>
+
+<file path=ppt/theme/theme4.xml><?xml version="1.0" encoding="utf-8"?>
+<a:theme xmlns:a="http://schemas.openxmlformats.org/drawingml/2006/main" name="Office テーマ">
+  <a:themeElements>
     <a:clrScheme name="Office">
       <a:dk1>
         <a:sysClr val="windowText" lastClr="000000"/>

--- a/doc/B3炙りえんがわ_成果発表会資料.pptx
+++ b/doc/B3炙りえんがわ_成果発表会資料.pptx
@@ -4458,9 +4458,12 @@
 <p:sldMaster xmlns:a="http://schemas.openxmlformats.org/drawingml/2006/main" xmlns:r="http://schemas.openxmlformats.org/officeDocument/2006/relationships" xmlns:p="http://schemas.openxmlformats.org/presentationml/2006/main">
   <p:cSld>
     <p:bg>
-      <p:bgRef idx="1001">
-        <a:schemeClr val="bg1"/>
-      </p:bgRef>
+      <p:bgPr>
+        <a:solidFill>
+          <a:srgbClr val="C6E872"/>
+        </a:solidFill>
+        <a:effectLst/>
+      </p:bgPr>
     </p:bg>
     <p:spTree>
       <p:nvGrpSpPr>
@@ -5058,9 +5061,12 @@
 <p:sldMaster xmlns:a="http://schemas.openxmlformats.org/drawingml/2006/main" xmlns:r="http://schemas.openxmlformats.org/officeDocument/2006/relationships" xmlns:p="http://schemas.openxmlformats.org/presentationml/2006/main">
   <p:cSld>
     <p:bg>
-      <p:bgRef idx="1001">
-        <a:schemeClr val="bg1"/>
-      </p:bgRef>
+      <p:bgPr>
+        <a:solidFill>
+          <a:srgbClr val="C6E872"/>
+        </a:solidFill>
+        <a:effectLst/>
+      </p:bgPr>
     </p:bg>
     <p:spTree>
       <p:nvGrpSpPr>
@@ -5648,9 +5654,12 @@
 <p:sldMaster xmlns:a="http://schemas.openxmlformats.org/drawingml/2006/main" xmlns:r="http://schemas.openxmlformats.org/officeDocument/2006/relationships" xmlns:p="http://schemas.openxmlformats.org/presentationml/2006/main">
   <p:cSld>
     <p:bg>
-      <p:bgRef idx="1001">
-        <a:schemeClr val="bg1"/>
-      </p:bgRef>
+      <p:bgPr>
+        <a:solidFill>
+          <a:srgbClr val="C6E872"/>
+        </a:solidFill>
+        <a:effectLst/>
+      </p:bgPr>
     </p:bg>
     <p:spTree>
       <p:nvGrpSpPr>
@@ -6272,7 +6281,7 @@
         </p:nvSpPr>
         <p:spPr>
           <a:xfrm>
-            <a:off x="1524000" y="4496145"/>
+            <a:off x="1524000" y="4588909"/>
             <a:ext cx="9144000" cy="1314519"/>
           </a:xfrm>
         </p:spPr>
@@ -6394,18 +6403,34 @@
           <a:lstStyle/>
           <a:p>
             <a:r>
-              <a:rPr lang="ja-JP" altLang="en-US" dirty="0"/>
+              <a:rPr lang="ja-JP" altLang="en-US" b="1" dirty="0">
+                <a:solidFill>
+                  <a:srgbClr val="056334"/>
+                </a:solidFill>
+              </a:rPr>
               <a:t>検索結果</a:t>
             </a:r>
             <a:r>
-              <a:rPr lang="en-US" altLang="ja-JP" dirty="0"/>
+              <a:rPr lang="en-US" altLang="ja-JP" b="1" dirty="0">
+                <a:solidFill>
+                  <a:srgbClr val="056334"/>
+                </a:solidFill>
+              </a:rPr>
               <a:t>/</a:t>
             </a:r>
             <a:r>
-              <a:rPr lang="ja-JP" altLang="en-US" dirty="0"/>
+              <a:rPr lang="ja-JP" altLang="en-US" b="1" dirty="0">
+                <a:solidFill>
+                  <a:srgbClr val="056334"/>
+                </a:solidFill>
+              </a:rPr>
               <a:t>ルーレット</a:t>
             </a:r>
-            <a:endParaRPr kumimoji="1" lang="ja-JP" altLang="en-US" dirty="0"/>
+            <a:endParaRPr kumimoji="1" lang="ja-JP" altLang="en-US" b="1" dirty="0">
+              <a:solidFill>
+                <a:srgbClr val="056334"/>
+              </a:solidFill>
+            </a:endParaRPr>
           </a:p>
         </p:txBody>
       </p:sp>
@@ -6434,6 +6459,42 @@
           </a:p>
         </p:txBody>
       </p:sp>
+      <p:pic>
+        <p:nvPicPr>
+          <p:cNvPr id="4" name="図 3" descr="ロゴ&#10;&#10;自動的に生成された説明">
+            <a:extLst>
+              <a:ext uri="{FF2B5EF4-FFF2-40B4-BE49-F238E27FC236}">
+                <a16:creationId xmlns:a16="http://schemas.microsoft.com/office/drawing/2014/main" id="{71F6E4CF-9EA4-9798-E4B9-6EE3F333ED33}"/>
+              </a:ext>
+            </a:extLst>
+          </p:cNvPr>
+          <p:cNvPicPr>
+            <a:picLocks noChangeAspect="1"/>
+          </p:cNvPicPr>
+          <p:nvPr/>
+        </p:nvPicPr>
+        <p:blipFill>
+          <a:blip r:embed="rId2">
+            <a:extLst>
+              <a:ext uri="{28A0092B-C50C-407E-A947-70E740481C1C}">
+                <a14:useLocalDpi xmlns:a14="http://schemas.microsoft.com/office/drawing/2010/main" val="0"/>
+              </a:ext>
+            </a:extLst>
+          </a:blip>
+          <a:stretch>
+            <a:fillRect/>
+          </a:stretch>
+        </p:blipFill>
+        <p:spPr>
+          <a:xfrm>
+            <a:off x="10203791" y="5910470"/>
+            <a:ext cx="1611972" cy="752254"/>
+          </a:xfrm>
+          <a:prstGeom prst="rect">
+            <a:avLst/>
+          </a:prstGeom>
+        </p:spPr>
+      </p:pic>
     </p:spTree>
     <p:extLst>
       <p:ext uri="{BB962C8B-B14F-4D97-AF65-F5344CB8AC3E}">
@@ -6486,10 +6547,18 @@
           <a:lstStyle/>
           <a:p>
             <a:r>
-              <a:rPr lang="ja-JP" altLang="en-US" dirty="0"/>
+              <a:rPr lang="ja-JP" altLang="en-US" b="1" dirty="0">
+                <a:solidFill>
+                  <a:srgbClr val="056334"/>
+                </a:solidFill>
+              </a:rPr>
               <a:t>投稿</a:t>
             </a:r>
-            <a:endParaRPr kumimoji="1" lang="ja-JP" altLang="en-US" dirty="0"/>
+            <a:endParaRPr kumimoji="1" lang="ja-JP" altLang="en-US" b="1" dirty="0">
+              <a:solidFill>
+                <a:srgbClr val="056334"/>
+              </a:solidFill>
+            </a:endParaRPr>
           </a:p>
         </p:txBody>
       </p:sp>
@@ -6518,6 +6587,42 @@
           </a:p>
         </p:txBody>
       </p:sp>
+      <p:pic>
+        <p:nvPicPr>
+          <p:cNvPr id="4" name="図 3" descr="ロゴ&#10;&#10;自動的に生成された説明">
+            <a:extLst>
+              <a:ext uri="{FF2B5EF4-FFF2-40B4-BE49-F238E27FC236}">
+                <a16:creationId xmlns:a16="http://schemas.microsoft.com/office/drawing/2014/main" id="{4978530E-7CCF-8574-2333-E41FD37D8154}"/>
+              </a:ext>
+            </a:extLst>
+          </p:cNvPr>
+          <p:cNvPicPr>
+            <a:picLocks noChangeAspect="1"/>
+          </p:cNvPicPr>
+          <p:nvPr/>
+        </p:nvPicPr>
+        <p:blipFill>
+          <a:blip r:embed="rId2">
+            <a:extLst>
+              <a:ext uri="{28A0092B-C50C-407E-A947-70E740481C1C}">
+                <a14:useLocalDpi xmlns:a14="http://schemas.microsoft.com/office/drawing/2010/main" val="0"/>
+              </a:ext>
+            </a:extLst>
+          </a:blip>
+          <a:stretch>
+            <a:fillRect/>
+          </a:stretch>
+        </p:blipFill>
+        <p:spPr>
+          <a:xfrm>
+            <a:off x="10203791" y="5910470"/>
+            <a:ext cx="1611972" cy="752254"/>
+          </a:xfrm>
+          <a:prstGeom prst="rect">
+            <a:avLst/>
+          </a:prstGeom>
+        </p:spPr>
+      </p:pic>
     </p:spTree>
     <p:extLst>
       <p:ext uri="{BB962C8B-B14F-4D97-AF65-F5344CB8AC3E}">
@@ -6570,12 +6675,52 @@
           <a:lstStyle/>
           <a:p>
             <a:r>
-              <a:rPr kumimoji="1" lang="ja-JP" altLang="en-US" dirty="0"/>
+              <a:rPr kumimoji="1" lang="ja-JP" altLang="en-US" b="1" dirty="0">
+                <a:solidFill>
+                  <a:srgbClr val="056334"/>
+                </a:solidFill>
+              </a:rPr>
               <a:t>個人成長</a:t>
             </a:r>
           </a:p>
         </p:txBody>
       </p:sp>
+      <p:pic>
+        <p:nvPicPr>
+          <p:cNvPr id="4" name="図 3" descr="ロゴ&#10;&#10;自動的に生成された説明">
+            <a:extLst>
+              <a:ext uri="{FF2B5EF4-FFF2-40B4-BE49-F238E27FC236}">
+                <a16:creationId xmlns:a16="http://schemas.microsoft.com/office/drawing/2014/main" id="{70CB9536-37CA-6230-016B-4767D8470B7E}"/>
+              </a:ext>
+            </a:extLst>
+          </p:cNvPr>
+          <p:cNvPicPr>
+            <a:picLocks noChangeAspect="1"/>
+          </p:cNvPicPr>
+          <p:nvPr/>
+        </p:nvPicPr>
+        <p:blipFill>
+          <a:blip r:embed="rId2">
+            <a:extLst>
+              <a:ext uri="{28A0092B-C50C-407E-A947-70E740481C1C}">
+                <a14:useLocalDpi xmlns:a14="http://schemas.microsoft.com/office/drawing/2010/main" val="0"/>
+              </a:ext>
+            </a:extLst>
+          </a:blip>
+          <a:stretch>
+            <a:fillRect/>
+          </a:stretch>
+        </p:blipFill>
+        <p:spPr>
+          <a:xfrm>
+            <a:off x="10203791" y="5910470"/>
+            <a:ext cx="1611972" cy="752254"/>
+          </a:xfrm>
+          <a:prstGeom prst="rect">
+            <a:avLst/>
+          </a:prstGeom>
+        </p:spPr>
+      </p:pic>
     </p:spTree>
     <p:extLst>
       <p:ext uri="{BB962C8B-B14F-4D97-AF65-F5344CB8AC3E}">
@@ -6628,7 +6773,11 @@
           <a:lstStyle/>
           <a:p>
             <a:r>
-              <a:rPr kumimoji="1" lang="ja-JP" altLang="en-US" dirty="0"/>
+              <a:rPr kumimoji="1" lang="ja-JP" altLang="en-US" b="1" dirty="0">
+                <a:solidFill>
+                  <a:srgbClr val="056334"/>
+                </a:solidFill>
+              </a:rPr>
               <a:t>個人成長</a:t>
             </a:r>
           </a:p>
@@ -6705,6 +6854,42 @@
           </a:p>
         </p:txBody>
       </p:sp>
+      <p:pic>
+        <p:nvPicPr>
+          <p:cNvPr id="4" name="図 3" descr="ロゴ&#10;&#10;自動的に生成された説明">
+            <a:extLst>
+              <a:ext uri="{FF2B5EF4-FFF2-40B4-BE49-F238E27FC236}">
+                <a16:creationId xmlns:a16="http://schemas.microsoft.com/office/drawing/2014/main" id="{08DC59E1-3CB9-AE7D-C46C-A3B1CE376F05}"/>
+              </a:ext>
+            </a:extLst>
+          </p:cNvPr>
+          <p:cNvPicPr>
+            <a:picLocks noChangeAspect="1"/>
+          </p:cNvPicPr>
+          <p:nvPr/>
+        </p:nvPicPr>
+        <p:blipFill>
+          <a:blip r:embed="rId2">
+            <a:extLst>
+              <a:ext uri="{28A0092B-C50C-407E-A947-70E740481C1C}">
+                <a14:useLocalDpi xmlns:a14="http://schemas.microsoft.com/office/drawing/2010/main" val="0"/>
+              </a:ext>
+            </a:extLst>
+          </a:blip>
+          <a:stretch>
+            <a:fillRect/>
+          </a:stretch>
+        </p:blipFill>
+        <p:spPr>
+          <a:xfrm>
+            <a:off x="10203791" y="5910470"/>
+            <a:ext cx="1611972" cy="752254"/>
+          </a:xfrm>
+          <a:prstGeom prst="rect">
+            <a:avLst/>
+          </a:prstGeom>
+        </p:spPr>
+      </p:pic>
     </p:spTree>
     <p:extLst>
       <p:ext uri="{BB962C8B-B14F-4D97-AF65-F5344CB8AC3E}">
@@ -6757,7 +6942,11 @@
           <a:lstStyle/>
           <a:p>
             <a:r>
-              <a:rPr kumimoji="1" lang="ja-JP" altLang="en-US" dirty="0"/>
+              <a:rPr kumimoji="1" lang="ja-JP" altLang="en-US" b="1" dirty="0">
+                <a:solidFill>
+                  <a:srgbClr val="056334"/>
+                </a:solidFill>
+              </a:rPr>
               <a:t>個人成長：遠藤</a:t>
             </a:r>
           </a:p>
@@ -6788,6 +6977,42 @@
           </a:p>
         </p:txBody>
       </p:sp>
+      <p:pic>
+        <p:nvPicPr>
+          <p:cNvPr id="4" name="図 3" descr="ロゴ&#10;&#10;自動的に生成された説明">
+            <a:extLst>
+              <a:ext uri="{FF2B5EF4-FFF2-40B4-BE49-F238E27FC236}">
+                <a16:creationId xmlns:a16="http://schemas.microsoft.com/office/drawing/2014/main" id="{11D40829-874E-E1D8-D2F0-0C800FBD6BAE}"/>
+              </a:ext>
+            </a:extLst>
+          </p:cNvPr>
+          <p:cNvPicPr>
+            <a:picLocks noChangeAspect="1"/>
+          </p:cNvPicPr>
+          <p:nvPr/>
+        </p:nvPicPr>
+        <p:blipFill>
+          <a:blip r:embed="rId2">
+            <a:extLst>
+              <a:ext uri="{28A0092B-C50C-407E-A947-70E740481C1C}">
+                <a14:useLocalDpi xmlns:a14="http://schemas.microsoft.com/office/drawing/2010/main" val="0"/>
+              </a:ext>
+            </a:extLst>
+          </a:blip>
+          <a:stretch>
+            <a:fillRect/>
+          </a:stretch>
+        </p:blipFill>
+        <p:spPr>
+          <a:xfrm>
+            <a:off x="10203791" y="5910470"/>
+            <a:ext cx="1611972" cy="752254"/>
+          </a:xfrm>
+          <a:prstGeom prst="rect">
+            <a:avLst/>
+          </a:prstGeom>
+        </p:spPr>
+      </p:pic>
     </p:spTree>
     <p:extLst>
       <p:ext uri="{BB962C8B-B14F-4D97-AF65-F5344CB8AC3E}">
@@ -6840,7 +7065,11 @@
           <a:lstStyle/>
           <a:p>
             <a:r>
-              <a:rPr kumimoji="1" lang="ja-JP" altLang="en-US" dirty="0"/>
+              <a:rPr kumimoji="1" lang="ja-JP" altLang="en-US" b="1" dirty="0">
+                <a:solidFill>
+                  <a:srgbClr val="056334"/>
+                </a:solidFill>
+              </a:rPr>
               <a:t>個人成長：伊藤</a:t>
             </a:r>
           </a:p>
@@ -6871,6 +7100,42 @@
           </a:p>
         </p:txBody>
       </p:sp>
+      <p:pic>
+        <p:nvPicPr>
+          <p:cNvPr id="4" name="図 3" descr="ロゴ&#10;&#10;自動的に生成された説明">
+            <a:extLst>
+              <a:ext uri="{FF2B5EF4-FFF2-40B4-BE49-F238E27FC236}">
+                <a16:creationId xmlns:a16="http://schemas.microsoft.com/office/drawing/2014/main" id="{32E3CA50-29C6-15F7-E570-5ED1F2A5CECC}"/>
+              </a:ext>
+            </a:extLst>
+          </p:cNvPr>
+          <p:cNvPicPr>
+            <a:picLocks noChangeAspect="1"/>
+          </p:cNvPicPr>
+          <p:nvPr/>
+        </p:nvPicPr>
+        <p:blipFill>
+          <a:blip r:embed="rId2">
+            <a:extLst>
+              <a:ext uri="{28A0092B-C50C-407E-A947-70E740481C1C}">
+                <a14:useLocalDpi xmlns:a14="http://schemas.microsoft.com/office/drawing/2010/main" val="0"/>
+              </a:ext>
+            </a:extLst>
+          </a:blip>
+          <a:stretch>
+            <a:fillRect/>
+          </a:stretch>
+        </p:blipFill>
+        <p:spPr>
+          <a:xfrm>
+            <a:off x="10203791" y="5910470"/>
+            <a:ext cx="1611972" cy="752254"/>
+          </a:xfrm>
+          <a:prstGeom prst="rect">
+            <a:avLst/>
+          </a:prstGeom>
+        </p:spPr>
+      </p:pic>
     </p:spTree>
     <p:extLst>
       <p:ext uri="{BB962C8B-B14F-4D97-AF65-F5344CB8AC3E}">
@@ -6923,7 +7188,11 @@
           <a:lstStyle/>
           <a:p>
             <a:r>
-              <a:rPr kumimoji="1" lang="ja-JP" altLang="en-US" dirty="0"/>
+              <a:rPr kumimoji="1" lang="ja-JP" altLang="en-US" b="1" dirty="0">
+                <a:solidFill>
+                  <a:srgbClr val="056334"/>
+                </a:solidFill>
+              </a:rPr>
               <a:t>個人成長：石田</a:t>
             </a:r>
           </a:p>
@@ -6954,6 +7223,42 @@
           </a:p>
         </p:txBody>
       </p:sp>
+      <p:pic>
+        <p:nvPicPr>
+          <p:cNvPr id="4" name="図 3" descr="ロゴ&#10;&#10;自動的に生成された説明">
+            <a:extLst>
+              <a:ext uri="{FF2B5EF4-FFF2-40B4-BE49-F238E27FC236}">
+                <a16:creationId xmlns:a16="http://schemas.microsoft.com/office/drawing/2014/main" id="{8B23AFC2-5F28-D27D-86BC-067454EE0882}"/>
+              </a:ext>
+            </a:extLst>
+          </p:cNvPr>
+          <p:cNvPicPr>
+            <a:picLocks noChangeAspect="1"/>
+          </p:cNvPicPr>
+          <p:nvPr/>
+        </p:nvPicPr>
+        <p:blipFill>
+          <a:blip r:embed="rId2">
+            <a:extLst>
+              <a:ext uri="{28A0092B-C50C-407E-A947-70E740481C1C}">
+                <a14:useLocalDpi xmlns:a14="http://schemas.microsoft.com/office/drawing/2010/main" val="0"/>
+              </a:ext>
+            </a:extLst>
+          </a:blip>
+          <a:stretch>
+            <a:fillRect/>
+          </a:stretch>
+        </p:blipFill>
+        <p:spPr>
+          <a:xfrm>
+            <a:off x="10203791" y="5910470"/>
+            <a:ext cx="1611972" cy="752254"/>
+          </a:xfrm>
+          <a:prstGeom prst="rect">
+            <a:avLst/>
+          </a:prstGeom>
+        </p:spPr>
+      </p:pic>
     </p:spTree>
     <p:extLst>
       <p:ext uri="{BB962C8B-B14F-4D97-AF65-F5344CB8AC3E}">
@@ -7006,7 +7311,11 @@
           <a:lstStyle/>
           <a:p>
             <a:r>
-              <a:rPr kumimoji="1" lang="ja-JP" altLang="en-US" dirty="0"/>
+              <a:rPr kumimoji="1" lang="ja-JP" altLang="en-US" b="1" dirty="0">
+                <a:solidFill>
+                  <a:srgbClr val="056334"/>
+                </a:solidFill>
+              </a:rPr>
               <a:t>個人成長：菊地</a:t>
             </a:r>
           </a:p>
@@ -7037,6 +7346,42 @@
           </a:p>
         </p:txBody>
       </p:sp>
+      <p:pic>
+        <p:nvPicPr>
+          <p:cNvPr id="4" name="図 3" descr="ロゴ&#10;&#10;自動的に生成された説明">
+            <a:extLst>
+              <a:ext uri="{FF2B5EF4-FFF2-40B4-BE49-F238E27FC236}">
+                <a16:creationId xmlns:a16="http://schemas.microsoft.com/office/drawing/2014/main" id="{F4E8FD51-B4D4-09FD-A7C1-60B9612C46D2}"/>
+              </a:ext>
+            </a:extLst>
+          </p:cNvPr>
+          <p:cNvPicPr>
+            <a:picLocks noChangeAspect="1"/>
+          </p:cNvPicPr>
+          <p:nvPr/>
+        </p:nvPicPr>
+        <p:blipFill>
+          <a:blip r:embed="rId2">
+            <a:extLst>
+              <a:ext uri="{28A0092B-C50C-407E-A947-70E740481C1C}">
+                <a14:useLocalDpi xmlns:a14="http://schemas.microsoft.com/office/drawing/2010/main" val="0"/>
+              </a:ext>
+            </a:extLst>
+          </a:blip>
+          <a:stretch>
+            <a:fillRect/>
+          </a:stretch>
+        </p:blipFill>
+        <p:spPr>
+          <a:xfrm>
+            <a:off x="10203791" y="5910470"/>
+            <a:ext cx="1611972" cy="752254"/>
+          </a:xfrm>
+          <a:prstGeom prst="rect">
+            <a:avLst/>
+          </a:prstGeom>
+        </p:spPr>
+      </p:pic>
     </p:spTree>
     <p:extLst>
       <p:ext uri="{BB962C8B-B14F-4D97-AF65-F5344CB8AC3E}">
@@ -7089,7 +7434,11 @@
           <a:lstStyle/>
           <a:p>
             <a:r>
-              <a:rPr kumimoji="1" lang="ja-JP" altLang="en-US" dirty="0"/>
+              <a:rPr kumimoji="1" lang="ja-JP" altLang="en-US" b="1" dirty="0">
+                <a:solidFill>
+                  <a:srgbClr val="056334"/>
+                </a:solidFill>
+              </a:rPr>
               <a:t>個人成長：高山</a:t>
             </a:r>
           </a:p>
@@ -7120,6 +7469,42 @@
           </a:p>
         </p:txBody>
       </p:sp>
+      <p:pic>
+        <p:nvPicPr>
+          <p:cNvPr id="4" name="図 3" descr="ロゴ&#10;&#10;自動的に生成された説明">
+            <a:extLst>
+              <a:ext uri="{FF2B5EF4-FFF2-40B4-BE49-F238E27FC236}">
+                <a16:creationId xmlns:a16="http://schemas.microsoft.com/office/drawing/2014/main" id="{AE902B99-A994-80C4-3975-BB3FE48FC958}"/>
+              </a:ext>
+            </a:extLst>
+          </p:cNvPr>
+          <p:cNvPicPr>
+            <a:picLocks noChangeAspect="1"/>
+          </p:cNvPicPr>
+          <p:nvPr/>
+        </p:nvPicPr>
+        <p:blipFill>
+          <a:blip r:embed="rId2">
+            <a:extLst>
+              <a:ext uri="{28A0092B-C50C-407E-A947-70E740481C1C}">
+                <a14:useLocalDpi xmlns:a14="http://schemas.microsoft.com/office/drawing/2010/main" val="0"/>
+              </a:ext>
+            </a:extLst>
+          </a:blip>
+          <a:stretch>
+            <a:fillRect/>
+          </a:stretch>
+        </p:blipFill>
+        <p:spPr>
+          <a:xfrm>
+            <a:off x="10203791" y="5910470"/>
+            <a:ext cx="1611972" cy="752254"/>
+          </a:xfrm>
+          <a:prstGeom prst="rect">
+            <a:avLst/>
+          </a:prstGeom>
+        </p:spPr>
+      </p:pic>
     </p:spTree>
     <p:extLst>
       <p:ext uri="{BB962C8B-B14F-4D97-AF65-F5344CB8AC3E}">
@@ -7172,7 +7557,11 @@
           <a:lstStyle/>
           <a:p>
             <a:r>
-              <a:rPr kumimoji="1" lang="ja-JP" altLang="en-US" dirty="0"/>
+              <a:rPr kumimoji="1" lang="ja-JP" altLang="en-US" b="1" dirty="0">
+                <a:solidFill>
+                  <a:srgbClr val="056334"/>
+                </a:solidFill>
+              </a:rPr>
               <a:t>個人成長：橋本</a:t>
             </a:r>
           </a:p>
@@ -7203,6 +7592,42 @@
           </a:p>
         </p:txBody>
       </p:sp>
+      <p:pic>
+        <p:nvPicPr>
+          <p:cNvPr id="4" name="図 3" descr="ロゴ&#10;&#10;自動的に生成された説明">
+            <a:extLst>
+              <a:ext uri="{FF2B5EF4-FFF2-40B4-BE49-F238E27FC236}">
+                <a16:creationId xmlns:a16="http://schemas.microsoft.com/office/drawing/2014/main" id="{68658EF4-981B-E433-0011-5B181F986CA7}"/>
+              </a:ext>
+            </a:extLst>
+          </p:cNvPr>
+          <p:cNvPicPr>
+            <a:picLocks noChangeAspect="1"/>
+          </p:cNvPicPr>
+          <p:nvPr/>
+        </p:nvPicPr>
+        <p:blipFill>
+          <a:blip r:embed="rId2">
+            <a:extLst>
+              <a:ext uri="{28A0092B-C50C-407E-A947-70E740481C1C}">
+                <a14:useLocalDpi xmlns:a14="http://schemas.microsoft.com/office/drawing/2010/main" val="0"/>
+              </a:ext>
+            </a:extLst>
+          </a:blip>
+          <a:stretch>
+            <a:fillRect/>
+          </a:stretch>
+        </p:blipFill>
+        <p:spPr>
+          <a:xfrm>
+            <a:off x="10203791" y="5910470"/>
+            <a:ext cx="1611972" cy="752254"/>
+          </a:xfrm>
+          <a:prstGeom prst="rect">
+            <a:avLst/>
+          </a:prstGeom>
+        </p:spPr>
+      </p:pic>
     </p:spTree>
     <p:extLst>
       <p:ext uri="{BB962C8B-B14F-4D97-AF65-F5344CB8AC3E}">
@@ -7249,17 +7674,22 @@
             <p:ph type="title"/>
           </p:nvPr>
         </p:nvSpPr>
-        <p:spPr/>
+        <p:spPr>
+          <a:xfrm>
+            <a:off x="3318803" y="301453"/>
+            <a:ext cx="2777197" cy="1325563"/>
+          </a:xfrm>
+        </p:spPr>
         <p:txBody>
           <a:bodyPr/>
           <a:lstStyle/>
           <a:p>
             <a:r>
-              <a:rPr kumimoji="1" lang="en-US" altLang="ja-JP" dirty="0"/>
-              <a:t>FLIFRE</a:t>
-            </a:r>
-            <a:r>
-              <a:rPr kumimoji="1" lang="ja-JP" altLang="en-US" dirty="0"/>
+              <a:rPr kumimoji="1" lang="ja-JP" altLang="en-US" b="1" dirty="0">
+                <a:solidFill>
+                  <a:srgbClr val="056334"/>
+                </a:solidFill>
+              </a:rPr>
               <a:t>について</a:t>
             </a:r>
           </a:p>
@@ -7419,6 +7849,42 @@
           </a:p>
         </p:txBody>
       </p:sp>
+      <p:pic>
+        <p:nvPicPr>
+          <p:cNvPr id="5" name="図 4" descr="ロゴ&#10;&#10;自動的に生成された説明">
+            <a:extLst>
+              <a:ext uri="{FF2B5EF4-FFF2-40B4-BE49-F238E27FC236}">
+                <a16:creationId xmlns:a16="http://schemas.microsoft.com/office/drawing/2014/main" id="{EE35DA0B-7B4F-B9BD-8364-AAD79E2DFCA6}"/>
+              </a:ext>
+            </a:extLst>
+          </p:cNvPr>
+          <p:cNvPicPr>
+            <a:picLocks noChangeAspect="1"/>
+          </p:cNvPicPr>
+          <p:nvPr/>
+        </p:nvPicPr>
+        <p:blipFill>
+          <a:blip r:embed="rId2">
+            <a:extLst>
+              <a:ext uri="{28A0092B-C50C-407E-A947-70E740481C1C}">
+                <a14:useLocalDpi xmlns:a14="http://schemas.microsoft.com/office/drawing/2010/main" val="0"/>
+              </a:ext>
+            </a:extLst>
+          </a:blip>
+          <a:stretch>
+            <a:fillRect/>
+          </a:stretch>
+        </p:blipFill>
+        <p:spPr>
+          <a:xfrm>
+            <a:off x="971843" y="361608"/>
+            <a:ext cx="2286000" cy="1066800"/>
+          </a:xfrm>
+          <a:prstGeom prst="rect">
+            <a:avLst/>
+          </a:prstGeom>
+        </p:spPr>
+      </p:pic>
     </p:spTree>
     <p:extLst>
       <p:ext uri="{BB962C8B-B14F-4D97-AF65-F5344CB8AC3E}">
@@ -7532,7 +7998,7 @@
           <a:lstStyle/>
           <a:p>
             <a:r>
-              <a:rPr lang="en-US" altLang="ja-JP" sz="4800" dirty="0">
+              <a:rPr lang="en-US" altLang="ja-JP" sz="4800">
                 <a:solidFill>
                   <a:schemeClr val="bg1"/>
                 </a:solidFill>
@@ -7542,7 +8008,7 @@
               <a:t>B3 </a:t>
             </a:r>
             <a:r>
-              <a:rPr lang="ja-JP" altLang="en-US" sz="4800" dirty="0">
+              <a:rPr lang="ja-JP" altLang="en-US" sz="4800">
                 <a:solidFill>
                   <a:schemeClr val="bg1"/>
                 </a:solidFill>
@@ -7872,12 +8338,22 @@
           <a:lstStyle/>
           <a:p>
             <a:r>
-              <a:rPr lang="ja-JP" altLang="en-US" sz="4800" dirty="0">
+              <a:rPr lang="ja-JP" altLang="en-US" sz="4800">
+                <a:solidFill>
+                  <a:srgbClr val="056334"/>
+                </a:solidFill>
                 <a:latin typeface="HGS行書体" panose="03000600000000000000" pitchFamily="66" charset="-128"/>
                 <a:ea typeface="HGS行書体" panose="03000600000000000000" pitchFamily="66" charset="-128"/>
               </a:rPr>
               <a:t>毎度ありがとうございました！</a:t>
             </a:r>
+            <a:endParaRPr lang="ja-JP" altLang="en-US" sz="4800" dirty="0">
+              <a:solidFill>
+                <a:srgbClr val="056334"/>
+              </a:solidFill>
+              <a:latin typeface="HGS行書体" panose="03000600000000000000" pitchFamily="66" charset="-128"/>
+              <a:ea typeface="HGS行書体" panose="03000600000000000000" pitchFamily="66" charset="-128"/>
+            </a:endParaRPr>
           </a:p>
         </p:txBody>
       </p:sp>
@@ -7891,124 +8367,6 @@
   <p:clrMapOvr>
     <a:masterClrMapping/>
   </p:clrMapOvr>
-  <p:timing>
-    <p:tnLst>
-      <p:par>
-        <p:cTn id="1" dur="indefinite" restart="never" nodeType="tmRoot">
-          <p:childTnLst>
-            <p:seq concurrent="1" nextAc="seek">
-              <p:cTn id="2" dur="indefinite" nodeType="mainSeq">
-                <p:childTnLst>
-                  <p:par>
-                    <p:cTn id="3" fill="hold">
-                      <p:stCondLst>
-                        <p:cond delay="indefinite"/>
-                      </p:stCondLst>
-                      <p:childTnLst>
-                        <p:par>
-                          <p:cTn id="4" fill="hold">
-                            <p:stCondLst>
-                              <p:cond delay="0"/>
-                            </p:stCondLst>
-                            <p:childTnLst>
-                              <p:par>
-                                <p:cTn id="5" presetID="10" presetClass="exit" presetSubtype="0" fill="hold" nodeType="clickEffect">
-                                  <p:stCondLst>
-                                    <p:cond delay="0"/>
-                                  </p:stCondLst>
-                                  <p:childTnLst>
-                                    <p:animEffect transition="out" filter="fade">
-                                      <p:cBhvr>
-                                        <p:cTn id="6" dur="500"/>
-                                        <p:tgtEl>
-                                          <p:spTgt spid="1032"/>
-                                        </p:tgtEl>
-                                      </p:cBhvr>
-                                    </p:animEffect>
-                                    <p:set>
-                                      <p:cBhvr>
-                                        <p:cTn id="7" dur="1" fill="hold">
-                                          <p:stCondLst>
-                                            <p:cond delay="499"/>
-                                          </p:stCondLst>
-                                        </p:cTn>
-                                        <p:tgtEl>
-                                          <p:spTgt spid="1032"/>
-                                        </p:tgtEl>
-                                        <p:attrNameLst>
-                                          <p:attrName>style.visibility</p:attrName>
-                                        </p:attrNameLst>
-                                      </p:cBhvr>
-                                      <p:to>
-                                        <p:strVal val="hidden"/>
-                                      </p:to>
-                                    </p:set>
-                                  </p:childTnLst>
-                                </p:cTn>
-                              </p:par>
-                              <p:par>
-                                <p:cTn id="8" presetID="10" presetClass="exit" presetSubtype="0" fill="hold" nodeType="withEffect">
-                                  <p:stCondLst>
-                                    <p:cond delay="0"/>
-                                  </p:stCondLst>
-                                  <p:childTnLst>
-                                    <p:animEffect transition="out" filter="fade">
-                                      <p:cBhvr>
-                                        <p:cTn id="9" dur="500"/>
-                                        <p:tgtEl>
-                                          <p:spTgt spid="1034"/>
-                                        </p:tgtEl>
-                                      </p:cBhvr>
-                                    </p:animEffect>
-                                    <p:set>
-                                      <p:cBhvr>
-                                        <p:cTn id="10" dur="1" fill="hold">
-                                          <p:stCondLst>
-                                            <p:cond delay="499"/>
-                                          </p:stCondLst>
-                                        </p:cTn>
-                                        <p:tgtEl>
-                                          <p:spTgt spid="1034"/>
-                                        </p:tgtEl>
-                                        <p:attrNameLst>
-                                          <p:attrName>style.visibility</p:attrName>
-                                        </p:attrNameLst>
-                                      </p:cBhvr>
-                                      <p:to>
-                                        <p:strVal val="hidden"/>
-                                      </p:to>
-                                    </p:set>
-                                  </p:childTnLst>
-                                </p:cTn>
-                              </p:par>
-                            </p:childTnLst>
-                          </p:cTn>
-                        </p:par>
-                      </p:childTnLst>
-                    </p:cTn>
-                  </p:par>
-                </p:childTnLst>
-              </p:cTn>
-              <p:prevCondLst>
-                <p:cond evt="onPrev" delay="0">
-                  <p:tgtEl>
-                    <p:sldTgt/>
-                  </p:tgtEl>
-                </p:cond>
-              </p:prevCondLst>
-              <p:nextCondLst>
-                <p:cond evt="onNext" delay="0">
-                  <p:tgtEl>
-                    <p:sldTgt/>
-                  </p:tgtEl>
-                </p:cond>
-              </p:nextCondLst>
-            </p:seq>
-          </p:childTnLst>
-        </p:cTn>
-      </p:par>
-    </p:tnLst>
-  </p:timing>
 </p:sld>
 </file>
 
@@ -8045,17 +8403,22 @@
             <p:ph type="title"/>
           </p:nvPr>
         </p:nvSpPr>
-        <p:spPr/>
+        <p:spPr>
+          <a:xfrm>
+            <a:off x="3257843" y="301453"/>
+            <a:ext cx="2552114" cy="1325563"/>
+          </a:xfrm>
+        </p:spPr>
         <p:txBody>
           <a:bodyPr/>
           <a:lstStyle/>
           <a:p>
             <a:r>
-              <a:rPr kumimoji="1" lang="en-US" altLang="ja-JP" dirty="0"/>
-              <a:t>FLIFRE</a:t>
-            </a:r>
-            <a:r>
-              <a:rPr kumimoji="1" lang="ja-JP" altLang="en-US" dirty="0"/>
+              <a:rPr kumimoji="1" lang="ja-JP" altLang="en-US" b="1" dirty="0">
+                <a:solidFill>
+                  <a:srgbClr val="056334"/>
+                </a:solidFill>
+              </a:rPr>
               <a:t>について</a:t>
             </a:r>
           </a:p>
@@ -8209,6 +8572,42 @@
           </a:p>
         </p:txBody>
       </p:sp>
+      <p:pic>
+        <p:nvPicPr>
+          <p:cNvPr id="6" name="図 5" descr="ロゴ&#10;&#10;自動的に生成された説明">
+            <a:extLst>
+              <a:ext uri="{FF2B5EF4-FFF2-40B4-BE49-F238E27FC236}">
+                <a16:creationId xmlns:a16="http://schemas.microsoft.com/office/drawing/2014/main" id="{96AC6360-9E67-8475-7F0C-554CE6D51326}"/>
+              </a:ext>
+            </a:extLst>
+          </p:cNvPr>
+          <p:cNvPicPr>
+            <a:picLocks noChangeAspect="1"/>
+          </p:cNvPicPr>
+          <p:nvPr/>
+        </p:nvPicPr>
+        <p:blipFill>
+          <a:blip r:embed="rId2">
+            <a:extLst>
+              <a:ext uri="{28A0092B-C50C-407E-A947-70E740481C1C}">
+                <a14:useLocalDpi xmlns:a14="http://schemas.microsoft.com/office/drawing/2010/main" val="0"/>
+              </a:ext>
+            </a:extLst>
+          </a:blip>
+          <a:stretch>
+            <a:fillRect/>
+          </a:stretch>
+        </p:blipFill>
+        <p:spPr>
+          <a:xfrm>
+            <a:off x="971843" y="361608"/>
+            <a:ext cx="2286000" cy="1066800"/>
+          </a:xfrm>
+          <a:prstGeom prst="rect">
+            <a:avLst/>
+          </a:prstGeom>
+        </p:spPr>
+      </p:pic>
     </p:spTree>
     <p:extLst>
       <p:ext uri="{BB962C8B-B14F-4D97-AF65-F5344CB8AC3E}">
@@ -8225,6 +8624,14 @@
 <file path=ppt/slides/slide4.xml><?xml version="1.0" encoding="utf-8"?>
 <p:sld xmlns:a="http://schemas.openxmlformats.org/drawingml/2006/main" xmlns:r="http://schemas.openxmlformats.org/officeDocument/2006/relationships" xmlns:p="http://schemas.openxmlformats.org/presentationml/2006/main">
   <p:cSld>
+    <p:bg>
+      <p:bgPr>
+        <a:solidFill>
+          <a:schemeClr val="bg1"/>
+        </a:solidFill>
+        <a:effectLst/>
+      </p:bgPr>
+    </p:bg>
     <p:spTree>
       <p:nvGrpSpPr>
         <p:cNvPr id="1" name=""/>
@@ -9084,18 +9491,68 @@
             <p:ph type="ctrTitle"/>
           </p:nvPr>
         </p:nvSpPr>
-        <p:spPr/>
+        <p:spPr>
+          <a:xfrm>
+            <a:off x="1524000" y="2405575"/>
+            <a:ext cx="9144000" cy="1273200"/>
+          </a:xfrm>
+        </p:spPr>
         <p:txBody>
           <a:bodyPr/>
           <a:lstStyle/>
           <a:p>
             <a:r>
-              <a:rPr kumimoji="1" lang="ja-JP" altLang="en-US" dirty="0"/>
+              <a:rPr kumimoji="1" lang="ja-JP" altLang="en-US" b="1">
+                <a:solidFill>
+                  <a:srgbClr val="056334"/>
+                </a:solidFill>
+              </a:rPr>
               <a:t>機能説明</a:t>
             </a:r>
-          </a:p>
-        </p:txBody>
-      </p:sp>
+            <a:endParaRPr kumimoji="1" lang="ja-JP" altLang="en-US" b="1" dirty="0">
+              <a:solidFill>
+                <a:srgbClr val="056334"/>
+              </a:solidFill>
+            </a:endParaRPr>
+          </a:p>
+        </p:txBody>
+      </p:sp>
+      <p:pic>
+        <p:nvPicPr>
+          <p:cNvPr id="4" name="図 3" descr="ロゴ&#10;&#10;自動的に生成された説明">
+            <a:extLst>
+              <a:ext uri="{FF2B5EF4-FFF2-40B4-BE49-F238E27FC236}">
+                <a16:creationId xmlns:a16="http://schemas.microsoft.com/office/drawing/2014/main" id="{AB8FD864-4218-2AC9-436E-F99469FAC147}"/>
+              </a:ext>
+            </a:extLst>
+          </p:cNvPr>
+          <p:cNvPicPr>
+            <a:picLocks noChangeAspect="1"/>
+          </p:cNvPicPr>
+          <p:nvPr/>
+        </p:nvPicPr>
+        <p:blipFill>
+          <a:blip r:embed="rId2">
+            <a:extLst>
+              <a:ext uri="{28A0092B-C50C-407E-A947-70E740481C1C}">
+                <a14:useLocalDpi xmlns:a14="http://schemas.microsoft.com/office/drawing/2010/main" val="0"/>
+              </a:ext>
+            </a:extLst>
+          </a:blip>
+          <a:stretch>
+            <a:fillRect/>
+          </a:stretch>
+        </p:blipFill>
+        <p:spPr>
+          <a:xfrm>
+            <a:off x="10203791" y="5910470"/>
+            <a:ext cx="1611972" cy="752254"/>
+          </a:xfrm>
+          <a:prstGeom prst="rect">
+            <a:avLst/>
+          </a:prstGeom>
+        </p:spPr>
+      </p:pic>
     </p:spTree>
     <p:extLst>
       <p:ext uri="{BB962C8B-B14F-4D97-AF65-F5344CB8AC3E}">
@@ -9148,10 +9605,18 @@
           <a:lstStyle/>
           <a:p>
             <a:r>
-              <a:rPr lang="ja-JP" altLang="en-US" dirty="0"/>
+              <a:rPr lang="ja-JP" altLang="en-US" b="1" dirty="0">
+                <a:solidFill>
+                  <a:srgbClr val="056334"/>
+                </a:solidFill>
+              </a:rPr>
               <a:t>ログイン</a:t>
             </a:r>
-            <a:endParaRPr kumimoji="1" lang="ja-JP" altLang="en-US" dirty="0"/>
+            <a:endParaRPr kumimoji="1" lang="ja-JP" altLang="en-US" b="1" dirty="0">
+              <a:solidFill>
+                <a:srgbClr val="056334"/>
+              </a:solidFill>
+            </a:endParaRPr>
           </a:p>
         </p:txBody>
       </p:sp>
@@ -9180,6 +9645,42 @@
           </a:p>
         </p:txBody>
       </p:sp>
+      <p:pic>
+        <p:nvPicPr>
+          <p:cNvPr id="5" name="図 4" descr="ロゴ&#10;&#10;自動的に生成された説明">
+            <a:extLst>
+              <a:ext uri="{FF2B5EF4-FFF2-40B4-BE49-F238E27FC236}">
+                <a16:creationId xmlns:a16="http://schemas.microsoft.com/office/drawing/2014/main" id="{85E1B6C7-7CF6-6D16-6C64-224A08472BB7}"/>
+              </a:ext>
+            </a:extLst>
+          </p:cNvPr>
+          <p:cNvPicPr>
+            <a:picLocks noChangeAspect="1"/>
+          </p:cNvPicPr>
+          <p:nvPr/>
+        </p:nvPicPr>
+        <p:blipFill>
+          <a:blip r:embed="rId2">
+            <a:extLst>
+              <a:ext uri="{28A0092B-C50C-407E-A947-70E740481C1C}">
+                <a14:useLocalDpi xmlns:a14="http://schemas.microsoft.com/office/drawing/2010/main" val="0"/>
+              </a:ext>
+            </a:extLst>
+          </a:blip>
+          <a:stretch>
+            <a:fillRect/>
+          </a:stretch>
+        </p:blipFill>
+        <p:spPr>
+          <a:xfrm>
+            <a:off x="10203791" y="5910470"/>
+            <a:ext cx="1611972" cy="752254"/>
+          </a:xfrm>
+          <a:prstGeom prst="rect">
+            <a:avLst/>
+          </a:prstGeom>
+        </p:spPr>
+      </p:pic>
     </p:spTree>
     <p:extLst>
       <p:ext uri="{BB962C8B-B14F-4D97-AF65-F5344CB8AC3E}">
@@ -9232,10 +9733,18 @@
           <a:lstStyle/>
           <a:p>
             <a:r>
-              <a:rPr lang="ja-JP" altLang="en-US" dirty="0"/>
+              <a:rPr lang="ja-JP" altLang="en-US" b="1" dirty="0">
+                <a:solidFill>
+                  <a:srgbClr val="056334"/>
+                </a:solidFill>
+              </a:rPr>
               <a:t>トップページ</a:t>
             </a:r>
-            <a:endParaRPr kumimoji="1" lang="ja-JP" altLang="en-US" dirty="0"/>
+            <a:endParaRPr kumimoji="1" lang="ja-JP" altLang="en-US" b="1" dirty="0">
+              <a:solidFill>
+                <a:srgbClr val="056334"/>
+              </a:solidFill>
+            </a:endParaRPr>
           </a:p>
         </p:txBody>
       </p:sp>
@@ -9264,6 +9773,42 @@
           </a:p>
         </p:txBody>
       </p:sp>
+      <p:pic>
+        <p:nvPicPr>
+          <p:cNvPr id="4" name="図 3" descr="ロゴ&#10;&#10;自動的に生成された説明">
+            <a:extLst>
+              <a:ext uri="{FF2B5EF4-FFF2-40B4-BE49-F238E27FC236}">
+                <a16:creationId xmlns:a16="http://schemas.microsoft.com/office/drawing/2014/main" id="{1604F279-F592-0128-5D03-0197050804E5}"/>
+              </a:ext>
+            </a:extLst>
+          </p:cNvPr>
+          <p:cNvPicPr>
+            <a:picLocks noChangeAspect="1"/>
+          </p:cNvPicPr>
+          <p:nvPr/>
+        </p:nvPicPr>
+        <p:blipFill>
+          <a:blip r:embed="rId2">
+            <a:extLst>
+              <a:ext uri="{28A0092B-C50C-407E-A947-70E740481C1C}">
+                <a14:useLocalDpi xmlns:a14="http://schemas.microsoft.com/office/drawing/2010/main" val="0"/>
+              </a:ext>
+            </a:extLst>
+          </a:blip>
+          <a:stretch>
+            <a:fillRect/>
+          </a:stretch>
+        </p:blipFill>
+        <p:spPr>
+          <a:xfrm>
+            <a:off x="10203791" y="5910470"/>
+            <a:ext cx="1611972" cy="752254"/>
+          </a:xfrm>
+          <a:prstGeom prst="rect">
+            <a:avLst/>
+          </a:prstGeom>
+        </p:spPr>
+      </p:pic>
     </p:spTree>
     <p:extLst>
       <p:ext uri="{BB962C8B-B14F-4D97-AF65-F5344CB8AC3E}">
@@ -9316,18 +9861,34 @@
           <a:lstStyle/>
           <a:p>
             <a:r>
-              <a:rPr lang="ja-JP" altLang="en-US" dirty="0"/>
+              <a:rPr lang="ja-JP" altLang="en-US" b="1" dirty="0">
+                <a:solidFill>
+                  <a:srgbClr val="056334"/>
+                </a:solidFill>
+              </a:rPr>
               <a:t>マイページ</a:t>
             </a:r>
             <a:r>
-              <a:rPr lang="en-US" altLang="ja-JP" dirty="0"/>
+              <a:rPr lang="en-US" altLang="ja-JP" b="1" dirty="0">
+                <a:solidFill>
+                  <a:srgbClr val="056334"/>
+                </a:solidFill>
+              </a:rPr>
               <a:t>/</a:t>
             </a:r>
             <a:r>
-              <a:rPr lang="ja-JP" altLang="en-US" dirty="0"/>
+              <a:rPr lang="ja-JP" altLang="en-US" b="1" dirty="0">
+                <a:solidFill>
+                  <a:srgbClr val="056334"/>
+                </a:solidFill>
+              </a:rPr>
               <a:t>ユーザーページ</a:t>
             </a:r>
-            <a:endParaRPr kumimoji="1" lang="ja-JP" altLang="en-US" dirty="0"/>
+            <a:endParaRPr kumimoji="1" lang="ja-JP" altLang="en-US" b="1" dirty="0">
+              <a:solidFill>
+                <a:srgbClr val="056334"/>
+              </a:solidFill>
+            </a:endParaRPr>
           </a:p>
         </p:txBody>
       </p:sp>
@@ -9356,6 +9917,42 @@
           </a:p>
         </p:txBody>
       </p:sp>
+      <p:pic>
+        <p:nvPicPr>
+          <p:cNvPr id="4" name="図 3" descr="ロゴ&#10;&#10;自動的に生成された説明">
+            <a:extLst>
+              <a:ext uri="{FF2B5EF4-FFF2-40B4-BE49-F238E27FC236}">
+                <a16:creationId xmlns:a16="http://schemas.microsoft.com/office/drawing/2014/main" id="{7FEB37FD-87FA-150E-6D17-C15004D126B2}"/>
+              </a:ext>
+            </a:extLst>
+          </p:cNvPr>
+          <p:cNvPicPr>
+            <a:picLocks noChangeAspect="1"/>
+          </p:cNvPicPr>
+          <p:nvPr/>
+        </p:nvPicPr>
+        <p:blipFill>
+          <a:blip r:embed="rId2">
+            <a:extLst>
+              <a:ext uri="{28A0092B-C50C-407E-A947-70E740481C1C}">
+                <a14:useLocalDpi xmlns:a14="http://schemas.microsoft.com/office/drawing/2010/main" val="0"/>
+              </a:ext>
+            </a:extLst>
+          </a:blip>
+          <a:stretch>
+            <a:fillRect/>
+          </a:stretch>
+        </p:blipFill>
+        <p:spPr>
+          <a:xfrm>
+            <a:off x="10203791" y="5910470"/>
+            <a:ext cx="1611972" cy="752254"/>
+          </a:xfrm>
+          <a:prstGeom prst="rect">
+            <a:avLst/>
+          </a:prstGeom>
+        </p:spPr>
+      </p:pic>
     </p:spTree>
     <p:extLst>
       <p:ext uri="{BB962C8B-B14F-4D97-AF65-F5344CB8AC3E}">
@@ -9408,7 +10005,11 @@
           <a:lstStyle/>
           <a:p>
             <a:r>
-              <a:rPr kumimoji="1" lang="ja-JP" altLang="en-US" dirty="0"/>
+              <a:rPr kumimoji="1" lang="ja-JP" altLang="en-US" b="1" dirty="0">
+                <a:solidFill>
+                  <a:srgbClr val="056334"/>
+                </a:solidFill>
+              </a:rPr>
               <a:t>投稿数ランキング</a:t>
             </a:r>
           </a:p>
@@ -9439,6 +10040,42 @@
           </a:p>
         </p:txBody>
       </p:sp>
+      <p:pic>
+        <p:nvPicPr>
+          <p:cNvPr id="4" name="図 3" descr="ロゴ&#10;&#10;自動的に生成された説明">
+            <a:extLst>
+              <a:ext uri="{FF2B5EF4-FFF2-40B4-BE49-F238E27FC236}">
+                <a16:creationId xmlns:a16="http://schemas.microsoft.com/office/drawing/2014/main" id="{6F64EF70-BABC-9263-5BF9-864F7839963D}"/>
+              </a:ext>
+            </a:extLst>
+          </p:cNvPr>
+          <p:cNvPicPr>
+            <a:picLocks noChangeAspect="1"/>
+          </p:cNvPicPr>
+          <p:nvPr/>
+        </p:nvPicPr>
+        <p:blipFill>
+          <a:blip r:embed="rId2">
+            <a:extLst>
+              <a:ext uri="{28A0092B-C50C-407E-A947-70E740481C1C}">
+                <a14:useLocalDpi xmlns:a14="http://schemas.microsoft.com/office/drawing/2010/main" val="0"/>
+              </a:ext>
+            </a:extLst>
+          </a:blip>
+          <a:stretch>
+            <a:fillRect/>
+          </a:stretch>
+        </p:blipFill>
+        <p:spPr>
+          <a:xfrm>
+            <a:off x="10203791" y="5910470"/>
+            <a:ext cx="1611972" cy="752254"/>
+          </a:xfrm>
+          <a:prstGeom prst="rect">
+            <a:avLst/>
+          </a:prstGeom>
+        </p:spPr>
+      </p:pic>
     </p:spTree>
     <p:extLst>
       <p:ext uri="{BB962C8B-B14F-4D97-AF65-F5344CB8AC3E}">

--- a/doc/B3炙りえんがわ_成果発表会資料.pptx
+++ b/doc/B3炙りえんがわ_成果発表会資料.pptx
@@ -7,29 +7,26 @@
     <p:sldMasterId id="2147483648" r:id="rId3"/>
   </p:sldMasterIdLst>
   <p:notesMasterIdLst>
-    <p:notesMasterId r:id="rId24"/>
+    <p:notesMasterId r:id="rId21"/>
   </p:notesMasterIdLst>
   <p:sldIdLst>
     <p:sldId id="256" r:id="rId4"/>
-    <p:sldId id="259" r:id="rId5"/>
-    <p:sldId id="274" r:id="rId6"/>
-    <p:sldId id="275" r:id="rId7"/>
-    <p:sldId id="272" r:id="rId8"/>
-    <p:sldId id="258" r:id="rId9"/>
-    <p:sldId id="268" r:id="rId10"/>
-    <p:sldId id="266" r:id="rId11"/>
-    <p:sldId id="269" r:id="rId12"/>
-    <p:sldId id="265" r:id="rId13"/>
-    <p:sldId id="267" r:id="rId14"/>
-    <p:sldId id="271" r:id="rId15"/>
-    <p:sldId id="276" r:id="rId16"/>
-    <p:sldId id="257" r:id="rId17"/>
-    <p:sldId id="260" r:id="rId18"/>
-    <p:sldId id="261" r:id="rId19"/>
-    <p:sldId id="262" r:id="rId20"/>
-    <p:sldId id="263" r:id="rId21"/>
-    <p:sldId id="264" r:id="rId22"/>
-    <p:sldId id="273" r:id="rId23"/>
+    <p:sldId id="277" r:id="rId5"/>
+    <p:sldId id="259" r:id="rId6"/>
+    <p:sldId id="274" r:id="rId7"/>
+    <p:sldId id="275" r:id="rId8"/>
+    <p:sldId id="272" r:id="rId9"/>
+    <p:sldId id="258" r:id="rId10"/>
+    <p:sldId id="269" r:id="rId11"/>
+    <p:sldId id="271" r:id="rId12"/>
+    <p:sldId id="276" r:id="rId13"/>
+    <p:sldId id="257" r:id="rId14"/>
+    <p:sldId id="260" r:id="rId15"/>
+    <p:sldId id="261" r:id="rId16"/>
+    <p:sldId id="262" r:id="rId17"/>
+    <p:sldId id="263" r:id="rId18"/>
+    <p:sldId id="264" r:id="rId19"/>
+    <p:sldId id="273" r:id="rId20"/>
   </p:sldIdLst>
   <p:sldSz cx="12192000" cy="6858000"/>
   <p:notesSz cx="6858000" cy="9144000"/>
@@ -582,7 +579,7 @@
           <a:p>
             <a:fld id="{D42375A2-42B0-4E26-8948-2F72A7F6ECBF}" type="slidenum">
               <a:rPr kumimoji="1" lang="ja-JP" altLang="en-US" smtClean="0"/>
-              <a:t>20</a:t>
+              <a:t>17</a:t>
             </a:fld>
             <a:endParaRPr kumimoji="1" lang="ja-JP" altLang="en-US"/>
           </a:p>
@@ -6265,6 +6262,58 @@
       </p:grpSpPr>
       <p:sp>
         <p:nvSpPr>
+          <p:cNvPr id="6" name="正方形/長方形 5">
+            <a:extLst>
+              <a:ext uri="{FF2B5EF4-FFF2-40B4-BE49-F238E27FC236}">
+                <a16:creationId xmlns:a16="http://schemas.microsoft.com/office/drawing/2014/main" id="{0119BFB3-A8A5-C926-6EAD-03629E6471DD}"/>
+              </a:ext>
+            </a:extLst>
+          </p:cNvPr>
+          <p:cNvSpPr/>
+          <p:nvPr/>
+        </p:nvSpPr>
+        <p:spPr>
+          <a:xfrm>
+            <a:off x="682487" y="301487"/>
+            <a:ext cx="10827026" cy="6255026"/>
+          </a:xfrm>
+          <a:prstGeom prst="rect">
+            <a:avLst/>
+          </a:prstGeom>
+          <a:solidFill>
+            <a:schemeClr val="bg1"/>
+          </a:solidFill>
+          <a:ln>
+            <a:noFill/>
+          </a:ln>
+        </p:spPr>
+        <p:style>
+          <a:lnRef idx="2">
+            <a:schemeClr val="accent1">
+              <a:shade val="50000"/>
+            </a:schemeClr>
+          </a:lnRef>
+          <a:fillRef idx="1">
+            <a:schemeClr val="accent1"/>
+          </a:fillRef>
+          <a:effectRef idx="0">
+            <a:schemeClr val="accent1"/>
+          </a:effectRef>
+          <a:fontRef idx="minor">
+            <a:schemeClr val="lt1"/>
+          </a:fontRef>
+        </p:style>
+        <p:txBody>
+          <a:bodyPr rtlCol="0" anchor="ctr"/>
+          <a:lstStyle/>
+          <a:p>
+            <a:pPr algn="ctr"/>
+            <a:endParaRPr kumimoji="1" lang="ja-JP" altLang="en-US"/>
+          </a:p>
+        </p:txBody>
+      </p:sp>
+      <p:sp>
+        <p:nvSpPr>
           <p:cNvPr id="3" name="字幕 2">
             <a:extLst>
               <a:ext uri="{FF2B5EF4-FFF2-40B4-BE49-F238E27FC236}">
@@ -6290,28 +6339,49 @@
           <a:lstStyle/>
           <a:p>
             <a:r>
-              <a:rPr lang="en-US" altLang="ja-JP" dirty="0"/>
+              <a:rPr lang="en-US" altLang="ja-JP" b="1" dirty="0">
+                <a:latin typeface="BIZ UDP明朝 Medium" panose="02020500000000000000" pitchFamily="18" charset="-128"/>
+                <a:ea typeface="BIZ UDP明朝 Medium" panose="02020500000000000000" pitchFamily="18" charset="-128"/>
+              </a:rPr>
               <a:t>B-3</a:t>
             </a:r>
             <a:r>
-              <a:rPr kumimoji="1" lang="ja-JP" altLang="en-US" dirty="0"/>
+              <a:rPr kumimoji="1" lang="ja-JP" altLang="en-US" b="1" dirty="0">
+                <a:latin typeface="BIZ UDP明朝 Medium" panose="02020500000000000000" pitchFamily="18" charset="-128"/>
+                <a:ea typeface="BIZ UDP明朝 Medium" panose="02020500000000000000" pitchFamily="18" charset="-128"/>
+              </a:rPr>
               <a:t> 炙りえんがわ</a:t>
             </a:r>
-            <a:endParaRPr kumimoji="1" lang="en-US" altLang="ja-JP" dirty="0"/>
-          </a:p>
-          <a:p>
-            <a:r>
-              <a:rPr kumimoji="1" lang="ja-JP" altLang="en-US" sz="1800" dirty="0"/>
-              <a:t>遠藤洋渡　伊藤慶秀　石田夏帆</a:t>
-            </a:r>
-            <a:endParaRPr kumimoji="1" lang="en-US" altLang="ja-JP" sz="1800" dirty="0"/>
-          </a:p>
-          <a:p>
-            <a:r>
-              <a:rPr lang="ja-JP" altLang="en-US" sz="1800" dirty="0"/>
-              <a:t>菊地航大　高山芳久　橋本美玖</a:t>
-            </a:r>
-            <a:endParaRPr kumimoji="1" lang="ja-JP" altLang="en-US" sz="1800" dirty="0"/>
+            <a:endParaRPr kumimoji="1" lang="en-US" altLang="ja-JP" b="1" dirty="0">
+              <a:latin typeface="BIZ UDP明朝 Medium" panose="02020500000000000000" pitchFamily="18" charset="-128"/>
+              <a:ea typeface="BIZ UDP明朝 Medium" panose="02020500000000000000" pitchFamily="18" charset="-128"/>
+            </a:endParaRPr>
+          </a:p>
+          <a:p>
+            <a:r>
+              <a:rPr kumimoji="1" lang="ja-JP" altLang="en-US" sz="1800" dirty="0">
+                <a:latin typeface="BIZ UDP明朝 Medium" panose="02020500000000000000" pitchFamily="18" charset="-128"/>
+                <a:ea typeface="BIZ UDP明朝 Medium" panose="02020500000000000000" pitchFamily="18" charset="-128"/>
+              </a:rPr>
+              <a:t>遠藤 洋渡　伊藤 慶秀　石田 夏帆</a:t>
+            </a:r>
+            <a:endParaRPr kumimoji="1" lang="en-US" altLang="ja-JP" sz="1800" dirty="0">
+              <a:latin typeface="BIZ UDP明朝 Medium" panose="02020500000000000000" pitchFamily="18" charset="-128"/>
+              <a:ea typeface="BIZ UDP明朝 Medium" panose="02020500000000000000" pitchFamily="18" charset="-128"/>
+            </a:endParaRPr>
+          </a:p>
+          <a:p>
+            <a:r>
+              <a:rPr lang="ja-JP" altLang="en-US" sz="1800" dirty="0">
+                <a:latin typeface="BIZ UDP明朝 Medium" panose="02020500000000000000" pitchFamily="18" charset="-128"/>
+                <a:ea typeface="BIZ UDP明朝 Medium" panose="02020500000000000000" pitchFamily="18" charset="-128"/>
+              </a:rPr>
+              <a:t>菊地 航大　高山 芳久　橋本 美玖</a:t>
+            </a:r>
+            <a:endParaRPr kumimoji="1" lang="ja-JP" altLang="en-US" sz="1800" dirty="0">
+              <a:latin typeface="BIZ UDP明朝 Medium" panose="02020500000000000000" pitchFamily="18" charset="-128"/>
+              <a:ea typeface="BIZ UDP明朝 Medium" panose="02020500000000000000" pitchFamily="18" charset="-128"/>
+            </a:endParaRPr>
           </a:p>
         </p:txBody>
       </p:sp>
@@ -6383,10 +6453,62 @@
       </p:grpSpPr>
       <p:sp>
         <p:nvSpPr>
+          <p:cNvPr id="5" name="正方形/長方形 4">
+            <a:extLst>
+              <a:ext uri="{FF2B5EF4-FFF2-40B4-BE49-F238E27FC236}">
+                <a16:creationId xmlns:a16="http://schemas.microsoft.com/office/drawing/2014/main" id="{A93C12B9-14D9-CD6B-328C-14A2389314D5}"/>
+              </a:ext>
+            </a:extLst>
+          </p:cNvPr>
+          <p:cNvSpPr/>
+          <p:nvPr/>
+        </p:nvSpPr>
+        <p:spPr>
+          <a:xfrm>
+            <a:off x="682487" y="301487"/>
+            <a:ext cx="10827026" cy="6255026"/>
+          </a:xfrm>
+          <a:prstGeom prst="rect">
+            <a:avLst/>
+          </a:prstGeom>
+          <a:solidFill>
+            <a:schemeClr val="bg1"/>
+          </a:solidFill>
+          <a:ln>
+            <a:noFill/>
+          </a:ln>
+        </p:spPr>
+        <p:style>
+          <a:lnRef idx="2">
+            <a:schemeClr val="accent1">
+              <a:shade val="50000"/>
+            </a:schemeClr>
+          </a:lnRef>
+          <a:fillRef idx="1">
+            <a:schemeClr val="accent1"/>
+          </a:fillRef>
+          <a:effectRef idx="0">
+            <a:schemeClr val="accent1"/>
+          </a:effectRef>
+          <a:fontRef idx="minor">
+            <a:schemeClr val="lt1"/>
+          </a:fontRef>
+        </p:style>
+        <p:txBody>
+          <a:bodyPr rtlCol="0" anchor="ctr"/>
+          <a:lstStyle/>
+          <a:p>
+            <a:pPr algn="ctr"/>
+            <a:endParaRPr kumimoji="1" lang="ja-JP" altLang="en-US"/>
+          </a:p>
+        </p:txBody>
+      </p:sp>
+      <p:sp>
+        <p:nvSpPr>
           <p:cNvPr id="2" name="タイトル 1">
             <a:extLst>
               <a:ext uri="{FF2B5EF4-FFF2-40B4-BE49-F238E27FC236}">
-                <a16:creationId xmlns:a16="http://schemas.microsoft.com/office/drawing/2014/main" id="{567BCC82-8CB1-3055-6FCE-39E6F1E069C2}"/>
+                <a16:creationId xmlns:a16="http://schemas.microsoft.com/office/drawing/2014/main" id="{0E222BD2-3CDF-54D3-DD4C-B4FB90575888}"/>
               </a:ext>
             </a:extLst>
           </p:cNvPr>
@@ -6403,68 +6525,139 @@
           <a:lstStyle/>
           <a:p>
             <a:r>
-              <a:rPr lang="ja-JP" altLang="en-US" b="1" dirty="0">
+              <a:rPr kumimoji="1" lang="ja-JP" altLang="en-US" b="1" dirty="0">
                 <a:solidFill>
                   <a:srgbClr val="056334"/>
                 </a:solidFill>
-              </a:rPr>
-              <a:t>検索結果</a:t>
-            </a:r>
-            <a:r>
-              <a:rPr lang="en-US" altLang="ja-JP" b="1" dirty="0">
-                <a:solidFill>
-                  <a:srgbClr val="056334"/>
-                </a:solidFill>
-              </a:rPr>
-              <a:t>/</a:t>
+                <a:latin typeface="HGS行書体" panose="03000600000000000000" pitchFamily="66" charset="-128"/>
+                <a:ea typeface="HGS行書体" panose="03000600000000000000" pitchFamily="66" charset="-128"/>
+              </a:rPr>
+              <a:t>個人成長</a:t>
+            </a:r>
+          </a:p>
+        </p:txBody>
+      </p:sp>
+      <p:sp>
+        <p:nvSpPr>
+          <p:cNvPr id="3" name="コンテンツ プレースホルダー 2">
+            <a:extLst>
+              <a:ext uri="{FF2B5EF4-FFF2-40B4-BE49-F238E27FC236}">
+                <a16:creationId xmlns:a16="http://schemas.microsoft.com/office/drawing/2014/main" id="{FEC85ACD-7664-D22B-A5D9-0A976D8B3A97}"/>
+              </a:ext>
+            </a:extLst>
+          </p:cNvPr>
+          <p:cNvSpPr>
+            <a:spLocks noGrp="1"/>
+          </p:cNvSpPr>
+          <p:nvPr>
+            <p:ph idx="1"/>
+          </p:nvPr>
+        </p:nvSpPr>
+        <p:spPr>
+          <a:xfrm>
+            <a:off x="838200" y="2146851"/>
+            <a:ext cx="10515600" cy="4030111"/>
+          </a:xfrm>
+        </p:spPr>
+        <p:txBody>
+          <a:bodyPr/>
+          <a:lstStyle/>
+          <a:p>
+            <a:pPr>
+              <a:buFont typeface="Wingdings" panose="05000000000000000000" pitchFamily="2" charset="2"/>
+              <a:buChar char="Ø"/>
+            </a:pPr>
+            <a:r>
+              <a:rPr kumimoji="1" lang="ja-JP" altLang="en-US" b="1" u="sng" dirty="0">
+                <a:latin typeface="BIZ UDP明朝 Medium" panose="02020500000000000000" pitchFamily="18" charset="-128"/>
+                <a:ea typeface="BIZ UDP明朝 Medium" panose="02020500000000000000" pitchFamily="18" charset="-128"/>
+              </a:rPr>
+              <a:t>個人的に成長したと感じている点</a:t>
+            </a:r>
+            <a:endParaRPr kumimoji="1" lang="en-US" altLang="ja-JP" b="1" u="sng" dirty="0">
+              <a:latin typeface="BIZ UDP明朝 Medium" panose="02020500000000000000" pitchFamily="18" charset="-128"/>
+              <a:ea typeface="BIZ UDP明朝 Medium" panose="02020500000000000000" pitchFamily="18" charset="-128"/>
+            </a:endParaRPr>
+          </a:p>
+          <a:p>
+            <a:pPr marL="0" indent="0">
+              <a:buNone/>
+            </a:pPr>
+            <a:r>
+              <a:rPr lang="ja-JP" altLang="en-US" dirty="0">
+                <a:latin typeface="BIZ UDP明朝 Medium" panose="02020500000000000000" pitchFamily="18" charset="-128"/>
+                <a:ea typeface="BIZ UDP明朝 Medium" panose="02020500000000000000" pitchFamily="18" charset="-128"/>
+              </a:rPr>
+              <a:t>→口頭説明</a:t>
+            </a:r>
+            <a:endParaRPr lang="en-US" altLang="ja-JP" dirty="0">
+              <a:latin typeface="BIZ UDP明朝 Medium" panose="02020500000000000000" pitchFamily="18" charset="-128"/>
+              <a:ea typeface="BIZ UDP明朝 Medium" panose="02020500000000000000" pitchFamily="18" charset="-128"/>
+            </a:endParaRPr>
+          </a:p>
+          <a:p>
+            <a:pPr marL="0" indent="0">
+              <a:buNone/>
+            </a:pPr>
+            <a:endParaRPr kumimoji="1" lang="en-US" altLang="ja-JP" dirty="0">
+              <a:latin typeface="BIZ UDP明朝 Medium" panose="02020500000000000000" pitchFamily="18" charset="-128"/>
+              <a:ea typeface="BIZ UDP明朝 Medium" panose="02020500000000000000" pitchFamily="18" charset="-128"/>
+            </a:endParaRPr>
+          </a:p>
+          <a:p>
+            <a:pPr>
+              <a:buFont typeface="Wingdings" panose="05000000000000000000" pitchFamily="2" charset="2"/>
+              <a:buChar char="Ø"/>
+            </a:pPr>
+            <a:r>
+              <a:rPr lang="ja-JP" altLang="en-US" b="1" u="sng" dirty="0">
+                <a:latin typeface="BIZ UDP明朝 Medium" panose="02020500000000000000" pitchFamily="18" charset="-128"/>
+                <a:ea typeface="BIZ UDP明朝 Medium" panose="02020500000000000000" pitchFamily="18" charset="-128"/>
+              </a:rPr>
+              <a:t>チームメンバーからの愛を込めたコメント</a:t>
             </a:r>
             <a:r>
               <a:rPr lang="ja-JP" altLang="en-US" b="1" dirty="0">
                 <a:solidFill>
-                  <a:srgbClr val="056334"/>
+                  <a:srgbClr val="FF0000"/>
                 </a:solidFill>
-              </a:rPr>
-              <a:t>ルーレット</a:t>
-            </a:r>
-            <a:endParaRPr kumimoji="1" lang="ja-JP" altLang="en-US" b="1" dirty="0">
+                <a:latin typeface="BIZ UDP明朝 Medium" panose="02020500000000000000" pitchFamily="18" charset="-128"/>
+                <a:ea typeface="BIZ UDP明朝 Medium" panose="02020500000000000000" pitchFamily="18" charset="-128"/>
+              </a:rPr>
+              <a:t>♥</a:t>
+            </a:r>
+            <a:endParaRPr lang="en-US" altLang="ja-JP" b="1" dirty="0">
               <a:solidFill>
-                <a:srgbClr val="056334"/>
+                <a:srgbClr val="FF0000"/>
               </a:solidFill>
+              <a:latin typeface="BIZ UDP明朝 Medium" panose="02020500000000000000" pitchFamily="18" charset="-128"/>
+              <a:ea typeface="BIZ UDP明朝 Medium" panose="02020500000000000000" pitchFamily="18" charset="-128"/>
             </a:endParaRPr>
           </a:p>
-        </p:txBody>
-      </p:sp>
-      <p:sp>
-        <p:nvSpPr>
-          <p:cNvPr id="3" name="コンテンツ プレースホルダー 2">
-            <a:extLst>
-              <a:ext uri="{FF2B5EF4-FFF2-40B4-BE49-F238E27FC236}">
-                <a16:creationId xmlns:a16="http://schemas.microsoft.com/office/drawing/2014/main" id="{A4E6E213-AEA2-33B5-BFFB-4B2752698193}"/>
-              </a:ext>
-            </a:extLst>
-          </p:cNvPr>
-          <p:cNvSpPr>
-            <a:spLocks noGrp="1"/>
-          </p:cNvSpPr>
-          <p:nvPr>
-            <p:ph idx="1"/>
-          </p:nvPr>
-        </p:nvSpPr>
-        <p:spPr/>
-        <p:txBody>
-          <a:bodyPr/>
-          <a:lstStyle/>
-          <a:p>
-            <a:endParaRPr kumimoji="1" lang="ja-JP" altLang="en-US"/>
+          <a:p>
+            <a:pPr marL="0" indent="0">
+              <a:buNone/>
+            </a:pPr>
+            <a:r>
+              <a:rPr lang="ja-JP" altLang="en-US" dirty="0">
+                <a:latin typeface="BIZ UDP明朝 Medium" panose="02020500000000000000" pitchFamily="18" charset="-128"/>
+                <a:ea typeface="BIZ UDP明朝 Medium" panose="02020500000000000000" pitchFamily="18" charset="-128"/>
+              </a:rPr>
+              <a:t>→スライドに列挙</a:t>
+            </a:r>
+            <a:endParaRPr kumimoji="1" lang="ja-JP" altLang="en-US" dirty="0">
+              <a:latin typeface="BIZ UDP明朝 Medium" panose="02020500000000000000" pitchFamily="18" charset="-128"/>
+              <a:ea typeface="BIZ UDP明朝 Medium" panose="02020500000000000000" pitchFamily="18" charset="-128"/>
+            </a:endParaRPr>
           </a:p>
         </p:txBody>
       </p:sp>
       <p:pic>
         <p:nvPicPr>
-          <p:cNvPr id="4" name="図 3" descr="ロゴ&#10;&#10;自動的に生成された説明">
-            <a:extLst>
-              <a:ext uri="{FF2B5EF4-FFF2-40B4-BE49-F238E27FC236}">
-                <a16:creationId xmlns:a16="http://schemas.microsoft.com/office/drawing/2014/main" id="{71F6E4CF-9EA4-9798-E4B9-6EE3F333ED33}"/>
+          <p:cNvPr id="6" name="図 5" descr="ロゴ&#10;&#10;自動的に生成された説明">
+            <a:extLst>
+              <a:ext uri="{FF2B5EF4-FFF2-40B4-BE49-F238E27FC236}">
+                <a16:creationId xmlns:a16="http://schemas.microsoft.com/office/drawing/2014/main" id="{F195EB4D-87C2-861E-92AD-81F3311C2A45}"/>
               </a:ext>
             </a:extLst>
           </p:cNvPr>
@@ -6487,8 +6680,8 @@
         </p:blipFill>
         <p:spPr>
           <a:xfrm>
-            <a:off x="10203791" y="5910470"/>
-            <a:ext cx="1611972" cy="752254"/>
+            <a:off x="10270436" y="5919485"/>
+            <a:ext cx="1081500" cy="504700"/>
           </a:xfrm>
           <a:prstGeom prst="rect">
             <a:avLst/>
@@ -6498,7 +6691,7 @@
     </p:spTree>
     <p:extLst>
       <p:ext uri="{BB962C8B-B14F-4D97-AF65-F5344CB8AC3E}">
-        <p14:creationId xmlns:p14="http://schemas.microsoft.com/office/powerpoint/2010/main" val="4282601556"/>
+        <p14:creationId xmlns:p14="http://schemas.microsoft.com/office/powerpoint/2010/main" val="1936513148"/>
       </p:ext>
     </p:extLst>
   </p:cSld>
@@ -6527,10 +6720,62 @@
       </p:grpSpPr>
       <p:sp>
         <p:nvSpPr>
+          <p:cNvPr id="5" name="正方形/長方形 4">
+            <a:extLst>
+              <a:ext uri="{FF2B5EF4-FFF2-40B4-BE49-F238E27FC236}">
+                <a16:creationId xmlns:a16="http://schemas.microsoft.com/office/drawing/2014/main" id="{5A4F6A72-00F3-C501-9F6A-4F1629EED95F}"/>
+              </a:ext>
+            </a:extLst>
+          </p:cNvPr>
+          <p:cNvSpPr/>
+          <p:nvPr/>
+        </p:nvSpPr>
+        <p:spPr>
+          <a:xfrm>
+            <a:off x="682487" y="301487"/>
+            <a:ext cx="10827026" cy="6255026"/>
+          </a:xfrm>
+          <a:prstGeom prst="rect">
+            <a:avLst/>
+          </a:prstGeom>
+          <a:solidFill>
+            <a:schemeClr val="bg1"/>
+          </a:solidFill>
+          <a:ln>
+            <a:noFill/>
+          </a:ln>
+        </p:spPr>
+        <p:style>
+          <a:lnRef idx="2">
+            <a:schemeClr val="accent1">
+              <a:shade val="50000"/>
+            </a:schemeClr>
+          </a:lnRef>
+          <a:fillRef idx="1">
+            <a:schemeClr val="accent1"/>
+          </a:fillRef>
+          <a:effectRef idx="0">
+            <a:schemeClr val="accent1"/>
+          </a:effectRef>
+          <a:fontRef idx="minor">
+            <a:schemeClr val="lt1"/>
+          </a:fontRef>
+        </p:style>
+        <p:txBody>
+          <a:bodyPr rtlCol="0" anchor="ctr"/>
+          <a:lstStyle/>
+          <a:p>
+            <a:pPr algn="ctr"/>
+            <a:endParaRPr kumimoji="1" lang="ja-JP" altLang="en-US"/>
+          </a:p>
+        </p:txBody>
+      </p:sp>
+      <p:sp>
+        <p:nvSpPr>
           <p:cNvPr id="2" name="タイトル 1">
             <a:extLst>
               <a:ext uri="{FF2B5EF4-FFF2-40B4-BE49-F238E27FC236}">
-                <a16:creationId xmlns:a16="http://schemas.microsoft.com/office/drawing/2014/main" id="{567BCC82-8CB1-3055-6FCE-39E6F1E069C2}"/>
+                <a16:creationId xmlns:a16="http://schemas.microsoft.com/office/drawing/2014/main" id="{0A9CBAF4-77F7-7A38-92D1-ABEA036B4FA9}"/>
               </a:ext>
             </a:extLst>
           </p:cNvPr>
@@ -6547,18 +6792,15 @@
           <a:lstStyle/>
           <a:p>
             <a:r>
-              <a:rPr lang="ja-JP" altLang="en-US" b="1" dirty="0">
+              <a:rPr kumimoji="1" lang="ja-JP" altLang="en-US" b="1" dirty="0">
                 <a:solidFill>
                   <a:srgbClr val="056334"/>
                 </a:solidFill>
-              </a:rPr>
-              <a:t>投稿</a:t>
-            </a:r>
-            <a:endParaRPr kumimoji="1" lang="ja-JP" altLang="en-US" b="1" dirty="0">
-              <a:solidFill>
-                <a:srgbClr val="056334"/>
-              </a:solidFill>
-            </a:endParaRPr>
+                <a:latin typeface="HGS行書体" panose="03000600000000000000" pitchFamily="66" charset="-128"/>
+                <a:ea typeface="HGS行書体" panose="03000600000000000000" pitchFamily="66" charset="-128"/>
+              </a:rPr>
+              <a:t>個人成長：遠藤</a:t>
+            </a:r>
           </a:p>
         </p:txBody>
       </p:sp>
@@ -6567,7 +6809,7 @@
           <p:cNvPr id="3" name="コンテンツ プレースホルダー 2">
             <a:extLst>
               <a:ext uri="{FF2B5EF4-FFF2-40B4-BE49-F238E27FC236}">
-                <a16:creationId xmlns:a16="http://schemas.microsoft.com/office/drawing/2014/main" id="{A4E6E213-AEA2-33B5-BFFB-4B2752698193}"/>
+                <a16:creationId xmlns:a16="http://schemas.microsoft.com/office/drawing/2014/main" id="{590BE91B-FB3C-BD4D-141A-15673B7FE364}"/>
               </a:ext>
             </a:extLst>
           </p:cNvPr>
@@ -6583,16 +6825,47 @@
           <a:bodyPr/>
           <a:lstStyle/>
           <a:p>
-            <a:endParaRPr kumimoji="1" lang="ja-JP" altLang="en-US"/>
+            <a:r>
+              <a:rPr kumimoji="1" lang="ja-JP" altLang="en-US" sz="2400" dirty="0">
+                <a:latin typeface="BIZ UDP明朝 Medium" panose="02020500000000000000" pitchFamily="18" charset="-128"/>
+                <a:ea typeface="BIZ UDP明朝 Medium" panose="02020500000000000000" pitchFamily="18" charset="-128"/>
+              </a:rPr>
+              <a:t>リーダーとしての仕事だけでなくメンバーがわすれがちな細かいこと（ロゴ作成や基本デザインなど）を率先して作業してくれた。​</a:t>
+            </a:r>
+          </a:p>
+          <a:p>
+            <a:r>
+              <a:rPr kumimoji="1" lang="ja-JP" altLang="en-US" sz="2400" dirty="0">
+                <a:latin typeface="BIZ UDP明朝 Medium" panose="02020500000000000000" pitchFamily="18" charset="-128"/>
+                <a:ea typeface="BIZ UDP明朝 Medium" panose="02020500000000000000" pitchFamily="18" charset="-128"/>
+              </a:rPr>
+              <a:t>仕事が速くて頼れるリーダーなだけでなく、ちょっと天然なギャップでチームの空気を和ませてくれた。​</a:t>
+            </a:r>
+          </a:p>
+          <a:p>
+            <a:r>
+              <a:rPr kumimoji="1" lang="ja-JP" altLang="en-US" sz="2400" dirty="0">
+                <a:latin typeface="BIZ UDP明朝 Medium" panose="02020500000000000000" pitchFamily="18" charset="-128"/>
+                <a:ea typeface="BIZ UDP明朝 Medium" panose="02020500000000000000" pitchFamily="18" charset="-128"/>
+              </a:rPr>
+              <a:t>おだやかに、でも締めるところは締める理想的なリーダーでした！</a:t>
+            </a:r>
+            <a:r>
+              <a:rPr kumimoji="1" lang="ja-JP" altLang="en-US" dirty="0">
+                <a:latin typeface="BIZ UDP明朝 Medium" panose="02020500000000000000" pitchFamily="18" charset="-128"/>
+                <a:ea typeface="BIZ UDP明朝 Medium" panose="02020500000000000000" pitchFamily="18" charset="-128"/>
+              </a:rPr>
+              <a:t>​</a:t>
+            </a:r>
           </a:p>
         </p:txBody>
       </p:sp>
       <p:pic>
         <p:nvPicPr>
-          <p:cNvPr id="4" name="図 3" descr="ロゴ&#10;&#10;自動的に生成された説明">
-            <a:extLst>
-              <a:ext uri="{FF2B5EF4-FFF2-40B4-BE49-F238E27FC236}">
-                <a16:creationId xmlns:a16="http://schemas.microsoft.com/office/drawing/2014/main" id="{4978530E-7CCF-8574-2333-E41FD37D8154}"/>
+          <p:cNvPr id="6" name="図 5" descr="ロゴ&#10;&#10;自動的に生成された説明">
+            <a:extLst>
+              <a:ext uri="{FF2B5EF4-FFF2-40B4-BE49-F238E27FC236}">
+                <a16:creationId xmlns:a16="http://schemas.microsoft.com/office/drawing/2014/main" id="{85836D15-C73A-688D-0D9C-2252DCA1C984}"/>
               </a:ext>
             </a:extLst>
           </p:cNvPr>
@@ -6615,8 +6888,8 @@
         </p:blipFill>
         <p:spPr>
           <a:xfrm>
-            <a:off x="10203791" y="5910470"/>
-            <a:ext cx="1611972" cy="752254"/>
+            <a:off x="10270436" y="5919485"/>
+            <a:ext cx="1081500" cy="504700"/>
           </a:xfrm>
           <a:prstGeom prst="rect">
             <a:avLst/>
@@ -6626,7 +6899,7 @@
     </p:spTree>
     <p:extLst>
       <p:ext uri="{BB962C8B-B14F-4D97-AF65-F5344CB8AC3E}">
-        <p14:creationId xmlns:p14="http://schemas.microsoft.com/office/powerpoint/2010/main" val="869612550"/>
+        <p14:creationId xmlns:p14="http://schemas.microsoft.com/office/powerpoint/2010/main" val="3207308"/>
       </p:ext>
     </p:extLst>
   </p:cSld>
@@ -6655,18 +6928,70 @@
       </p:grpSpPr>
       <p:sp>
         <p:nvSpPr>
+          <p:cNvPr id="5" name="正方形/長方形 4">
+            <a:extLst>
+              <a:ext uri="{FF2B5EF4-FFF2-40B4-BE49-F238E27FC236}">
+                <a16:creationId xmlns:a16="http://schemas.microsoft.com/office/drawing/2014/main" id="{5E1F6250-142C-5288-79C3-5ECFAF528BE8}"/>
+              </a:ext>
+            </a:extLst>
+          </p:cNvPr>
+          <p:cNvSpPr/>
+          <p:nvPr/>
+        </p:nvSpPr>
+        <p:spPr>
+          <a:xfrm>
+            <a:off x="682487" y="301487"/>
+            <a:ext cx="10827026" cy="6255026"/>
+          </a:xfrm>
+          <a:prstGeom prst="rect">
+            <a:avLst/>
+          </a:prstGeom>
+          <a:solidFill>
+            <a:schemeClr val="bg1"/>
+          </a:solidFill>
+          <a:ln>
+            <a:noFill/>
+          </a:ln>
+        </p:spPr>
+        <p:style>
+          <a:lnRef idx="2">
+            <a:schemeClr val="accent1">
+              <a:shade val="50000"/>
+            </a:schemeClr>
+          </a:lnRef>
+          <a:fillRef idx="1">
+            <a:schemeClr val="accent1"/>
+          </a:fillRef>
+          <a:effectRef idx="0">
+            <a:schemeClr val="accent1"/>
+          </a:effectRef>
+          <a:fontRef idx="minor">
+            <a:schemeClr val="lt1"/>
+          </a:fontRef>
+        </p:style>
+        <p:txBody>
+          <a:bodyPr rtlCol="0" anchor="ctr"/>
+          <a:lstStyle/>
+          <a:p>
+            <a:pPr algn="ctr"/>
+            <a:endParaRPr kumimoji="1" lang="ja-JP" altLang="en-US"/>
+          </a:p>
+        </p:txBody>
+      </p:sp>
+      <p:sp>
+        <p:nvSpPr>
           <p:cNvPr id="2" name="タイトル 1">
             <a:extLst>
               <a:ext uri="{FF2B5EF4-FFF2-40B4-BE49-F238E27FC236}">
-                <a16:creationId xmlns:a16="http://schemas.microsoft.com/office/drawing/2014/main" id="{97B0C93D-798D-1298-F0A4-2BC05BA2B9C8}"/>
-              </a:ext>
-            </a:extLst>
-          </p:cNvPr>
-          <p:cNvSpPr>
-            <a:spLocks noGrp="1"/>
-          </p:cNvSpPr>
-          <p:nvPr>
-            <p:ph type="ctrTitle"/>
+                <a16:creationId xmlns:a16="http://schemas.microsoft.com/office/drawing/2014/main" id="{E05A2A36-4ADC-26AD-02CC-38D1664B27D7}"/>
+              </a:ext>
+            </a:extLst>
+          </p:cNvPr>
+          <p:cNvSpPr>
+            <a:spLocks noGrp="1"/>
+          </p:cNvSpPr>
+          <p:nvPr>
+            <p:ph type="title"/>
           </p:nvPr>
         </p:nvSpPr>
         <p:spPr/>
@@ -6679,18 +7004,71 @@
                 <a:solidFill>
                   <a:srgbClr val="056334"/>
                 </a:solidFill>
-              </a:rPr>
-              <a:t>個人成長</a:t>
+                <a:latin typeface="HGS行書体" panose="03000600000000000000" pitchFamily="66" charset="-128"/>
+                <a:ea typeface="HGS行書体" panose="03000600000000000000" pitchFamily="66" charset="-128"/>
+              </a:rPr>
+              <a:t>個人成長：伊藤</a:t>
+            </a:r>
+          </a:p>
+        </p:txBody>
+      </p:sp>
+      <p:sp>
+        <p:nvSpPr>
+          <p:cNvPr id="3" name="コンテンツ プレースホルダー 2">
+            <a:extLst>
+              <a:ext uri="{FF2B5EF4-FFF2-40B4-BE49-F238E27FC236}">
+                <a16:creationId xmlns:a16="http://schemas.microsoft.com/office/drawing/2014/main" id="{937B6F24-6D7E-BC20-D021-80FE71CC78AD}"/>
+              </a:ext>
+            </a:extLst>
+          </p:cNvPr>
+          <p:cNvSpPr>
+            <a:spLocks noGrp="1"/>
+          </p:cNvSpPr>
+          <p:nvPr>
+            <p:ph idx="1"/>
+          </p:nvPr>
+        </p:nvSpPr>
+        <p:spPr/>
+        <p:txBody>
+          <a:bodyPr>
+            <a:normAutofit/>
+          </a:bodyPr>
+          <a:lstStyle/>
+          <a:p>
+            <a:r>
+              <a:rPr kumimoji="1" lang="ja-JP" altLang="en-US" sz="2400" dirty="0">
+                <a:latin typeface="BIZ UDP明朝 Medium" panose="02020500000000000000" pitchFamily="18" charset="-128"/>
+                <a:ea typeface="BIZ UDP明朝 Medium" panose="02020500000000000000" pitchFamily="18" charset="-128"/>
+              </a:rPr>
+              <a:t>コミュニケーション能力がとにかく高い！いつもチームのために色々気を遣ってくれてありがとう。​</a:t>
+            </a:r>
+          </a:p>
+          <a:p>
+            <a:r>
+              <a:rPr kumimoji="1" lang="ja-JP" altLang="en-US" sz="2400" dirty="0">
+                <a:latin typeface="BIZ UDP明朝 Medium" panose="02020500000000000000" pitchFamily="18" charset="-128"/>
+                <a:ea typeface="BIZ UDP明朝 Medium" panose="02020500000000000000" pitchFamily="18" charset="-128"/>
+              </a:rPr>
+              <a:t>伊藤君パワーでいろいろ円滑に決まったと思います！初日から一貫してすごかった。​</a:t>
+            </a:r>
+          </a:p>
+          <a:p>
+            <a:r>
+              <a:rPr kumimoji="1" lang="ja-JP" altLang="en-US" sz="2400" dirty="0">
+                <a:latin typeface="BIZ UDP明朝 Medium" panose="02020500000000000000" pitchFamily="18" charset="-128"/>
+                <a:ea typeface="BIZ UDP明朝 Medium" panose="02020500000000000000" pitchFamily="18" charset="-128"/>
+              </a:rPr>
+              <a:t>常に意見を出してくれるうえ、話を進めてくれる。作業中でもすぐに手を止めて仲間の話に耳を傾けてくれた。</a:t>
             </a:r>
           </a:p>
         </p:txBody>
       </p:sp>
       <p:pic>
         <p:nvPicPr>
-          <p:cNvPr id="4" name="図 3" descr="ロゴ&#10;&#10;自動的に生成された説明">
-            <a:extLst>
-              <a:ext uri="{FF2B5EF4-FFF2-40B4-BE49-F238E27FC236}">
-                <a16:creationId xmlns:a16="http://schemas.microsoft.com/office/drawing/2014/main" id="{70CB9536-37CA-6230-016B-4767D8470B7E}"/>
+          <p:cNvPr id="6" name="図 5" descr="ロゴ&#10;&#10;自動的に生成された説明">
+            <a:extLst>
+              <a:ext uri="{FF2B5EF4-FFF2-40B4-BE49-F238E27FC236}">
+                <a16:creationId xmlns:a16="http://schemas.microsoft.com/office/drawing/2014/main" id="{3F6DA17E-CE4C-2506-8A72-F9F19B377C8F}"/>
               </a:ext>
             </a:extLst>
           </p:cNvPr>
@@ -6713,8 +7091,8 @@
         </p:blipFill>
         <p:spPr>
           <a:xfrm>
-            <a:off x="10203791" y="5910470"/>
-            <a:ext cx="1611972" cy="752254"/>
+            <a:off x="10270436" y="5919485"/>
+            <a:ext cx="1081500" cy="504700"/>
           </a:xfrm>
           <a:prstGeom prst="rect">
             <a:avLst/>
@@ -6724,7 +7102,7 @@
     </p:spTree>
     <p:extLst>
       <p:ext uri="{BB962C8B-B14F-4D97-AF65-F5344CB8AC3E}">
-        <p14:creationId xmlns:p14="http://schemas.microsoft.com/office/powerpoint/2010/main" val="1813133881"/>
+        <p14:creationId xmlns:p14="http://schemas.microsoft.com/office/powerpoint/2010/main" val="3396783837"/>
       </p:ext>
     </p:extLst>
   </p:cSld>
@@ -6753,10 +7131,62 @@
       </p:grpSpPr>
       <p:sp>
         <p:nvSpPr>
+          <p:cNvPr id="5" name="正方形/長方形 4">
+            <a:extLst>
+              <a:ext uri="{FF2B5EF4-FFF2-40B4-BE49-F238E27FC236}">
+                <a16:creationId xmlns:a16="http://schemas.microsoft.com/office/drawing/2014/main" id="{B8680004-F781-74CC-BB98-EF4F22DF59DE}"/>
+              </a:ext>
+            </a:extLst>
+          </p:cNvPr>
+          <p:cNvSpPr/>
+          <p:nvPr/>
+        </p:nvSpPr>
+        <p:spPr>
+          <a:xfrm>
+            <a:off x="682487" y="301487"/>
+            <a:ext cx="10827026" cy="6255026"/>
+          </a:xfrm>
+          <a:prstGeom prst="rect">
+            <a:avLst/>
+          </a:prstGeom>
+          <a:solidFill>
+            <a:schemeClr val="bg1"/>
+          </a:solidFill>
+          <a:ln>
+            <a:noFill/>
+          </a:ln>
+        </p:spPr>
+        <p:style>
+          <a:lnRef idx="2">
+            <a:schemeClr val="accent1">
+              <a:shade val="50000"/>
+            </a:schemeClr>
+          </a:lnRef>
+          <a:fillRef idx="1">
+            <a:schemeClr val="accent1"/>
+          </a:fillRef>
+          <a:effectRef idx="0">
+            <a:schemeClr val="accent1"/>
+          </a:effectRef>
+          <a:fontRef idx="minor">
+            <a:schemeClr val="lt1"/>
+          </a:fontRef>
+        </p:style>
+        <p:txBody>
+          <a:bodyPr rtlCol="0" anchor="ctr"/>
+          <a:lstStyle/>
+          <a:p>
+            <a:pPr algn="ctr"/>
+            <a:endParaRPr kumimoji="1" lang="ja-JP" altLang="en-US"/>
+          </a:p>
+        </p:txBody>
+      </p:sp>
+      <p:sp>
+        <p:nvSpPr>
           <p:cNvPr id="2" name="タイトル 1">
             <a:extLst>
               <a:ext uri="{FF2B5EF4-FFF2-40B4-BE49-F238E27FC236}">
-                <a16:creationId xmlns:a16="http://schemas.microsoft.com/office/drawing/2014/main" id="{0E222BD2-3CDF-54D3-DD4C-B4FB90575888}"/>
+                <a16:creationId xmlns:a16="http://schemas.microsoft.com/office/drawing/2014/main" id="{A155AD28-3590-A967-BD95-4908AD33C565}"/>
               </a:ext>
             </a:extLst>
           </p:cNvPr>
@@ -6777,8 +7207,10 @@
                 <a:solidFill>
                   <a:srgbClr val="056334"/>
                 </a:solidFill>
-              </a:rPr>
-              <a:t>個人成長</a:t>
+                <a:latin typeface="HGS行書体" panose="03000600000000000000" pitchFamily="66" charset="-128"/>
+                <a:ea typeface="HGS行書体" panose="03000600000000000000" pitchFamily="66" charset="-128"/>
+              </a:rPr>
+              <a:t>個人成長：石田</a:t>
             </a:r>
           </a:p>
         </p:txBody>
@@ -6788,7 +7220,7 @@
           <p:cNvPr id="3" name="コンテンツ プレースホルダー 2">
             <a:extLst>
               <a:ext uri="{FF2B5EF4-FFF2-40B4-BE49-F238E27FC236}">
-                <a16:creationId xmlns:a16="http://schemas.microsoft.com/office/drawing/2014/main" id="{FEC85ACD-7664-D22B-A5D9-0A976D8B3A97}"/>
+                <a16:creationId xmlns:a16="http://schemas.microsoft.com/office/drawing/2014/main" id="{A8CB6F8D-C515-85D1-0362-92A7DDE473F8}"/>
               </a:ext>
             </a:extLst>
           </p:cNvPr>
@@ -6799,67 +7231,38 @@
             <p:ph idx="1"/>
           </p:nvPr>
         </p:nvSpPr>
-        <p:spPr>
-          <a:xfrm>
-            <a:off x="838200" y="2146851"/>
-            <a:ext cx="10515600" cy="4030111"/>
-          </a:xfrm>
-        </p:spPr>
-        <p:txBody>
-          <a:bodyPr/>
+        <p:spPr/>
+        <p:txBody>
+          <a:bodyPr>
+            <a:normAutofit/>
+          </a:bodyPr>
           <a:lstStyle/>
           <a:p>
             <a:r>
-              <a:rPr kumimoji="1" lang="ja-JP" altLang="en-US" dirty="0"/>
-              <a:t>個人的に成長したと感じている点</a:t>
-            </a:r>
-            <a:endParaRPr kumimoji="1" lang="en-US" altLang="ja-JP" dirty="0"/>
-          </a:p>
-          <a:p>
-            <a:pPr marL="0" indent="0">
-              <a:buNone/>
-            </a:pPr>
-            <a:r>
-              <a:rPr lang="ja-JP" altLang="en-US" dirty="0"/>
-              <a:t>　口頭説明</a:t>
-            </a:r>
-            <a:endParaRPr lang="en-US" altLang="ja-JP" dirty="0"/>
-          </a:p>
-          <a:p>
-            <a:pPr marL="0" indent="0">
-              <a:buNone/>
-            </a:pPr>
-            <a:endParaRPr kumimoji="1" lang="en-US" altLang="ja-JP" dirty="0"/>
-          </a:p>
-          <a:p>
-            <a:r>
-              <a:rPr lang="ja-JP" altLang="en-US" dirty="0"/>
-              <a:t>チームメンバーから見た、成長している点</a:t>
-            </a:r>
-            <a:endParaRPr lang="en-US" altLang="ja-JP" dirty="0"/>
-          </a:p>
-          <a:p>
-            <a:pPr marL="0" indent="0">
-              <a:buNone/>
-            </a:pPr>
-            <a:r>
-              <a:rPr kumimoji="1" lang="ja-JP" altLang="en-US" dirty="0"/>
-              <a:t>　</a:t>
-            </a:r>
-            <a:r>
-              <a:rPr lang="ja-JP" altLang="en-US" dirty="0"/>
-              <a:t>スライドに列挙</a:t>
-            </a:r>
-            <a:endParaRPr kumimoji="1" lang="ja-JP" altLang="en-US" dirty="0"/>
+              <a:rPr kumimoji="1" lang="ja-JP" altLang="en-US" sz="2400" dirty="0">
+                <a:latin typeface="BIZ UDP明朝 Medium" panose="02020500000000000000" pitchFamily="18" charset="-128"/>
+                <a:ea typeface="BIZ UDP明朝 Medium" panose="02020500000000000000" pitchFamily="18" charset="-128"/>
+              </a:rPr>
+              <a:t>発想力が豊かで驚かされた。​アイコンや色彩のセンス素晴らしい。ペルソナ分析は夏帆ちゃんなくして成立しなかった。​</a:t>
+            </a:r>
+          </a:p>
+          <a:p>
+            <a:r>
+              <a:rPr kumimoji="1" lang="ja-JP" altLang="en-US" sz="2400" dirty="0">
+                <a:latin typeface="BIZ UDP明朝 Medium" panose="02020500000000000000" pitchFamily="18" charset="-128"/>
+                <a:ea typeface="BIZ UDP明朝 Medium" panose="02020500000000000000" pitchFamily="18" charset="-128"/>
+              </a:rPr>
+              <a:t>データベースの整理や議事録など細かい仕事を請け負ってくれて本当に助かった！デザインセンスも尊敬しています。​</a:t>
+            </a:r>
           </a:p>
         </p:txBody>
       </p:sp>
       <p:pic>
         <p:nvPicPr>
-          <p:cNvPr id="4" name="図 3" descr="ロゴ&#10;&#10;自動的に生成された説明">
-            <a:extLst>
-              <a:ext uri="{FF2B5EF4-FFF2-40B4-BE49-F238E27FC236}">
-                <a16:creationId xmlns:a16="http://schemas.microsoft.com/office/drawing/2014/main" id="{08DC59E1-3CB9-AE7D-C46C-A3B1CE376F05}"/>
+          <p:cNvPr id="6" name="図 5" descr="ロゴ&#10;&#10;自動的に生成された説明">
+            <a:extLst>
+              <a:ext uri="{FF2B5EF4-FFF2-40B4-BE49-F238E27FC236}">
+                <a16:creationId xmlns:a16="http://schemas.microsoft.com/office/drawing/2014/main" id="{BA0E6A30-6F78-129F-BA33-5EEB58A2A38B}"/>
               </a:ext>
             </a:extLst>
           </p:cNvPr>
@@ -6882,8 +7285,8 @@
         </p:blipFill>
         <p:spPr>
           <a:xfrm>
-            <a:off x="10203791" y="5910470"/>
-            <a:ext cx="1611972" cy="752254"/>
+            <a:off x="10270436" y="5919485"/>
+            <a:ext cx="1081500" cy="504700"/>
           </a:xfrm>
           <a:prstGeom prst="rect">
             <a:avLst/>
@@ -6893,7 +7296,7 @@
     </p:spTree>
     <p:extLst>
       <p:ext uri="{BB962C8B-B14F-4D97-AF65-F5344CB8AC3E}">
-        <p14:creationId xmlns:p14="http://schemas.microsoft.com/office/powerpoint/2010/main" val="1936513148"/>
+        <p14:creationId xmlns:p14="http://schemas.microsoft.com/office/powerpoint/2010/main" val="4049935424"/>
       </p:ext>
     </p:extLst>
   </p:cSld>
@@ -6922,10 +7325,62 @@
       </p:grpSpPr>
       <p:sp>
         <p:nvSpPr>
+          <p:cNvPr id="5" name="正方形/長方形 4">
+            <a:extLst>
+              <a:ext uri="{FF2B5EF4-FFF2-40B4-BE49-F238E27FC236}">
+                <a16:creationId xmlns:a16="http://schemas.microsoft.com/office/drawing/2014/main" id="{E1565CBB-E5E9-D95A-71CA-1AAC9078E03B}"/>
+              </a:ext>
+            </a:extLst>
+          </p:cNvPr>
+          <p:cNvSpPr/>
+          <p:nvPr/>
+        </p:nvSpPr>
+        <p:spPr>
+          <a:xfrm>
+            <a:off x="682487" y="301487"/>
+            <a:ext cx="10827026" cy="6255026"/>
+          </a:xfrm>
+          <a:prstGeom prst="rect">
+            <a:avLst/>
+          </a:prstGeom>
+          <a:solidFill>
+            <a:schemeClr val="bg1"/>
+          </a:solidFill>
+          <a:ln>
+            <a:noFill/>
+          </a:ln>
+        </p:spPr>
+        <p:style>
+          <a:lnRef idx="2">
+            <a:schemeClr val="accent1">
+              <a:shade val="50000"/>
+            </a:schemeClr>
+          </a:lnRef>
+          <a:fillRef idx="1">
+            <a:schemeClr val="accent1"/>
+          </a:fillRef>
+          <a:effectRef idx="0">
+            <a:schemeClr val="accent1"/>
+          </a:effectRef>
+          <a:fontRef idx="minor">
+            <a:schemeClr val="lt1"/>
+          </a:fontRef>
+        </p:style>
+        <p:txBody>
+          <a:bodyPr rtlCol="0" anchor="ctr"/>
+          <a:lstStyle/>
+          <a:p>
+            <a:pPr algn="ctr"/>
+            <a:endParaRPr kumimoji="1" lang="ja-JP" altLang="en-US"/>
+          </a:p>
+        </p:txBody>
+      </p:sp>
+      <p:sp>
+        <p:nvSpPr>
           <p:cNvPr id="2" name="タイトル 1">
             <a:extLst>
               <a:ext uri="{FF2B5EF4-FFF2-40B4-BE49-F238E27FC236}">
-                <a16:creationId xmlns:a16="http://schemas.microsoft.com/office/drawing/2014/main" id="{0A9CBAF4-77F7-7A38-92D1-ABEA036B4FA9}"/>
+                <a16:creationId xmlns:a16="http://schemas.microsoft.com/office/drawing/2014/main" id="{6A5614FF-780D-088C-3161-49C0AC587D66}"/>
               </a:ext>
             </a:extLst>
           </p:cNvPr>
@@ -6946,8 +7401,10 @@
                 <a:solidFill>
                   <a:srgbClr val="056334"/>
                 </a:solidFill>
-              </a:rPr>
-              <a:t>個人成長：遠藤</a:t>
+                <a:latin typeface="HGS行書体" panose="03000600000000000000" pitchFamily="66" charset="-128"/>
+                <a:ea typeface="HGS行書体" panose="03000600000000000000" pitchFamily="66" charset="-128"/>
+              </a:rPr>
+              <a:t>個人成長：菊地</a:t>
             </a:r>
           </a:p>
         </p:txBody>
@@ -6957,7 +7414,7 @@
           <p:cNvPr id="3" name="コンテンツ プレースホルダー 2">
             <a:extLst>
               <a:ext uri="{FF2B5EF4-FFF2-40B4-BE49-F238E27FC236}">
-                <a16:creationId xmlns:a16="http://schemas.microsoft.com/office/drawing/2014/main" id="{590BE91B-FB3C-BD4D-141A-15673B7FE364}"/>
+                <a16:creationId xmlns:a16="http://schemas.microsoft.com/office/drawing/2014/main" id="{EA0F3B9F-13C9-9EFB-5A4B-48A232C2AECB}"/>
               </a:ext>
             </a:extLst>
           </p:cNvPr>
@@ -6970,19 +7427,45 @@
         </p:nvSpPr>
         <p:spPr/>
         <p:txBody>
-          <a:bodyPr/>
+          <a:bodyPr>
+            <a:normAutofit/>
+          </a:bodyPr>
           <a:lstStyle/>
           <a:p>
-            <a:endParaRPr kumimoji="1" lang="ja-JP" altLang="en-US" dirty="0"/>
+            <a:r>
+              <a:rPr kumimoji="1" lang="ja-JP" altLang="en-US" sz="2400" dirty="0">
+                <a:latin typeface="BIZ UDP明朝 Medium" panose="02020500000000000000" pitchFamily="18" charset="-128"/>
+                <a:ea typeface="BIZ UDP明朝 Medium" panose="02020500000000000000" pitchFamily="18" charset="-128"/>
+              </a:rPr>
+              <a:t>実現が難しそうなところもしっかりこなしてくれたミスター仕事人​</a:t>
+            </a:r>
+          </a:p>
+          <a:p>
+            <a:r>
+              <a:rPr kumimoji="1" lang="ja-JP" altLang="en-US" sz="2400" dirty="0">
+                <a:latin typeface="BIZ UDP明朝 Medium" panose="02020500000000000000" pitchFamily="18" charset="-128"/>
+                <a:ea typeface="BIZ UDP明朝 Medium" panose="02020500000000000000" pitchFamily="18" charset="-128"/>
+              </a:rPr>
+              <a:t>自分で積極的に調べて知識の仕入れをしていく姿勢が素晴らしいなと思いました！​</a:t>
+            </a:r>
+          </a:p>
+          <a:p>
+            <a:r>
+              <a:rPr kumimoji="1" lang="ja-JP" altLang="en-US" sz="2400" dirty="0">
+                <a:latin typeface="BIZ UDP明朝 Medium" panose="02020500000000000000" pitchFamily="18" charset="-128"/>
+                <a:ea typeface="BIZ UDP明朝 Medium" panose="02020500000000000000" pitchFamily="18" charset="-128"/>
+              </a:rPr>
+              <a:t>静かにコツコツ作り上げていく姿が印象的！あと発表が毎回簡潔でわかりやすかったです。​</a:t>
+            </a:r>
           </a:p>
         </p:txBody>
       </p:sp>
       <p:pic>
         <p:nvPicPr>
-          <p:cNvPr id="4" name="図 3" descr="ロゴ&#10;&#10;自動的に生成された説明">
-            <a:extLst>
-              <a:ext uri="{FF2B5EF4-FFF2-40B4-BE49-F238E27FC236}">
-                <a16:creationId xmlns:a16="http://schemas.microsoft.com/office/drawing/2014/main" id="{11D40829-874E-E1D8-D2F0-0C800FBD6BAE}"/>
+          <p:cNvPr id="6" name="図 5" descr="ロゴ&#10;&#10;自動的に生成された説明">
+            <a:extLst>
+              <a:ext uri="{FF2B5EF4-FFF2-40B4-BE49-F238E27FC236}">
+                <a16:creationId xmlns:a16="http://schemas.microsoft.com/office/drawing/2014/main" id="{03BD5850-BE72-26B9-64AF-081CAC9A6811}"/>
               </a:ext>
             </a:extLst>
           </p:cNvPr>
@@ -7005,8 +7488,8 @@
         </p:blipFill>
         <p:spPr>
           <a:xfrm>
-            <a:off x="10203791" y="5910470"/>
-            <a:ext cx="1611972" cy="752254"/>
+            <a:off x="10270436" y="5919485"/>
+            <a:ext cx="1081500" cy="504700"/>
           </a:xfrm>
           <a:prstGeom prst="rect">
             <a:avLst/>
@@ -7016,7 +7499,7 @@
     </p:spTree>
     <p:extLst>
       <p:ext uri="{BB962C8B-B14F-4D97-AF65-F5344CB8AC3E}">
-        <p14:creationId xmlns:p14="http://schemas.microsoft.com/office/powerpoint/2010/main" val="3207308"/>
+        <p14:creationId xmlns:p14="http://schemas.microsoft.com/office/powerpoint/2010/main" val="2926862431"/>
       </p:ext>
     </p:extLst>
   </p:cSld>
@@ -7045,10 +7528,62 @@
       </p:grpSpPr>
       <p:sp>
         <p:nvSpPr>
+          <p:cNvPr id="5" name="正方形/長方形 4">
+            <a:extLst>
+              <a:ext uri="{FF2B5EF4-FFF2-40B4-BE49-F238E27FC236}">
+                <a16:creationId xmlns:a16="http://schemas.microsoft.com/office/drawing/2014/main" id="{46B59CCC-09B9-82CE-F891-DBFE645617FB}"/>
+              </a:ext>
+            </a:extLst>
+          </p:cNvPr>
+          <p:cNvSpPr/>
+          <p:nvPr/>
+        </p:nvSpPr>
+        <p:spPr>
+          <a:xfrm>
+            <a:off x="682487" y="301487"/>
+            <a:ext cx="10827026" cy="6255026"/>
+          </a:xfrm>
+          <a:prstGeom prst="rect">
+            <a:avLst/>
+          </a:prstGeom>
+          <a:solidFill>
+            <a:schemeClr val="bg1"/>
+          </a:solidFill>
+          <a:ln>
+            <a:noFill/>
+          </a:ln>
+        </p:spPr>
+        <p:style>
+          <a:lnRef idx="2">
+            <a:schemeClr val="accent1">
+              <a:shade val="50000"/>
+            </a:schemeClr>
+          </a:lnRef>
+          <a:fillRef idx="1">
+            <a:schemeClr val="accent1"/>
+          </a:fillRef>
+          <a:effectRef idx="0">
+            <a:schemeClr val="accent1"/>
+          </a:effectRef>
+          <a:fontRef idx="minor">
+            <a:schemeClr val="lt1"/>
+          </a:fontRef>
+        </p:style>
+        <p:txBody>
+          <a:bodyPr rtlCol="0" anchor="ctr"/>
+          <a:lstStyle/>
+          <a:p>
+            <a:pPr algn="ctr"/>
+            <a:endParaRPr kumimoji="1" lang="ja-JP" altLang="en-US"/>
+          </a:p>
+        </p:txBody>
+      </p:sp>
+      <p:sp>
+        <p:nvSpPr>
           <p:cNvPr id="2" name="タイトル 1">
             <a:extLst>
               <a:ext uri="{FF2B5EF4-FFF2-40B4-BE49-F238E27FC236}">
-                <a16:creationId xmlns:a16="http://schemas.microsoft.com/office/drawing/2014/main" id="{E05A2A36-4ADC-26AD-02CC-38D1664B27D7}"/>
+                <a16:creationId xmlns:a16="http://schemas.microsoft.com/office/drawing/2014/main" id="{863C13F7-6F70-0265-46B9-8B304315B195}"/>
               </a:ext>
             </a:extLst>
           </p:cNvPr>
@@ -7069,8 +7604,10 @@
                 <a:solidFill>
                   <a:srgbClr val="056334"/>
                 </a:solidFill>
-              </a:rPr>
-              <a:t>個人成長：伊藤</a:t>
+                <a:latin typeface="HGS行書体" panose="03000600000000000000" pitchFamily="66" charset="-128"/>
+                <a:ea typeface="HGS行書体" panose="03000600000000000000" pitchFamily="66" charset="-128"/>
+              </a:rPr>
+              <a:t>個人成長：高山</a:t>
             </a:r>
           </a:p>
         </p:txBody>
@@ -7080,7 +7617,7 @@
           <p:cNvPr id="3" name="コンテンツ プレースホルダー 2">
             <a:extLst>
               <a:ext uri="{FF2B5EF4-FFF2-40B4-BE49-F238E27FC236}">
-                <a16:creationId xmlns:a16="http://schemas.microsoft.com/office/drawing/2014/main" id="{937B6F24-6D7E-BC20-D021-80FE71CC78AD}"/>
+                <a16:creationId xmlns:a16="http://schemas.microsoft.com/office/drawing/2014/main" id="{418F4827-B523-FA5B-4F69-94E5962243DD}"/>
               </a:ext>
             </a:extLst>
           </p:cNvPr>
@@ -7093,19 +7630,61 @@
         </p:nvSpPr>
         <p:spPr/>
         <p:txBody>
-          <a:bodyPr/>
+          <a:bodyPr>
+            <a:normAutofit/>
+          </a:bodyPr>
           <a:lstStyle/>
           <a:p>
-            <a:endParaRPr kumimoji="1" lang="ja-JP" altLang="en-US"/>
+            <a:r>
+              <a:rPr kumimoji="1" lang="ja-JP" altLang="en-US" sz="2400" dirty="0">
+                <a:latin typeface="BIZ UDP明朝 Medium" panose="02020500000000000000" pitchFamily="18" charset="-128"/>
+                <a:ea typeface="BIZ UDP明朝 Medium" panose="02020500000000000000" pitchFamily="18" charset="-128"/>
+              </a:rPr>
+              <a:t>技術のサポートだけでなく、苦手だと言っていたコミュニケーションも一生懸命頑張ってくれたこのグループ最大の功労者。大先生。​</a:t>
+            </a:r>
+          </a:p>
+          <a:p>
+            <a:r>
+              <a:rPr kumimoji="1" lang="ja-JP" altLang="en-US" sz="2400" dirty="0">
+                <a:latin typeface="BIZ UDP明朝 Medium" panose="02020500000000000000" pitchFamily="18" charset="-128"/>
+                <a:ea typeface="BIZ UDP明朝 Medium" panose="02020500000000000000" pitchFamily="18" charset="-128"/>
+              </a:rPr>
+              <a:t>いつもプログラミングで行き詰まった時に助けてくれて、本当にありがとう。日報入力などの雑務も頑張りましょう！​</a:t>
+            </a:r>
+          </a:p>
+          <a:p>
+            <a:r>
+              <a:rPr kumimoji="1" lang="ja-JP" altLang="en-US" sz="2400" dirty="0">
+                <a:latin typeface="BIZ UDP明朝 Medium" panose="02020500000000000000" pitchFamily="18" charset="-128"/>
+                <a:ea typeface="BIZ UDP明朝 Medium" panose="02020500000000000000" pitchFamily="18" charset="-128"/>
+              </a:rPr>
+              <a:t>質問する前からつまずきそうなところの対策を考えておいてくれている、まさに先生。本当にありがとう！​</a:t>
+            </a:r>
+          </a:p>
+          <a:p>
+            <a:r>
+              <a:rPr kumimoji="1" lang="en-US" altLang="ja-JP" sz="2400" dirty="0">
+                <a:latin typeface="BIZ UDP明朝 Medium" panose="02020500000000000000" pitchFamily="18" charset="-128"/>
+                <a:ea typeface="BIZ UDP明朝 Medium" panose="02020500000000000000" pitchFamily="18" charset="-128"/>
+              </a:rPr>
+              <a:t>1</a:t>
+            </a:r>
+            <a:r>
+              <a:rPr kumimoji="1" lang="ja-JP" altLang="en-US" sz="2400" dirty="0">
+                <a:latin typeface="BIZ UDP明朝 Medium" panose="02020500000000000000" pitchFamily="18" charset="-128"/>
+                <a:ea typeface="BIZ UDP明朝 Medium" panose="02020500000000000000" pitchFamily="18" charset="-128"/>
+              </a:rPr>
+              <a:t>日の大半を仲間のサポートに費やすことがありながら、担当した部分は文句なしの仕上がりで作ってくれた。</a:t>
+            </a:r>
           </a:p>
         </p:txBody>
       </p:sp>
       <p:pic>
         <p:nvPicPr>
-          <p:cNvPr id="4" name="図 3" descr="ロゴ&#10;&#10;自動的に生成された説明">
-            <a:extLst>
-              <a:ext uri="{FF2B5EF4-FFF2-40B4-BE49-F238E27FC236}">
-                <a16:creationId xmlns:a16="http://schemas.microsoft.com/office/drawing/2014/main" id="{32E3CA50-29C6-15F7-E570-5ED1F2A5CECC}"/>
+          <p:cNvPr id="6" name="図 5" descr="ロゴ&#10;&#10;自動的に生成された説明">
+            <a:extLst>
+              <a:ext uri="{FF2B5EF4-FFF2-40B4-BE49-F238E27FC236}">
+                <a16:creationId xmlns:a16="http://schemas.microsoft.com/office/drawing/2014/main" id="{068DEB50-8A1F-C91B-7050-36028ABCC124}"/>
               </a:ext>
             </a:extLst>
           </p:cNvPr>
@@ -7128,8 +7707,8 @@
         </p:blipFill>
         <p:spPr>
           <a:xfrm>
-            <a:off x="10203791" y="5910470"/>
-            <a:ext cx="1611972" cy="752254"/>
+            <a:off x="10270436" y="5919485"/>
+            <a:ext cx="1081500" cy="504700"/>
           </a:xfrm>
           <a:prstGeom prst="rect">
             <a:avLst/>
@@ -7139,7 +7718,7 @@
     </p:spTree>
     <p:extLst>
       <p:ext uri="{BB962C8B-B14F-4D97-AF65-F5344CB8AC3E}">
-        <p14:creationId xmlns:p14="http://schemas.microsoft.com/office/powerpoint/2010/main" val="3396783837"/>
+        <p14:creationId xmlns:p14="http://schemas.microsoft.com/office/powerpoint/2010/main" val="588876093"/>
       </p:ext>
     </p:extLst>
   </p:cSld>
@@ -7168,10 +7747,62 @@
       </p:grpSpPr>
       <p:sp>
         <p:nvSpPr>
+          <p:cNvPr id="5" name="正方形/長方形 4">
+            <a:extLst>
+              <a:ext uri="{FF2B5EF4-FFF2-40B4-BE49-F238E27FC236}">
+                <a16:creationId xmlns:a16="http://schemas.microsoft.com/office/drawing/2014/main" id="{BA75C993-8C78-8A80-6524-8E66008DC5C3}"/>
+              </a:ext>
+            </a:extLst>
+          </p:cNvPr>
+          <p:cNvSpPr/>
+          <p:nvPr/>
+        </p:nvSpPr>
+        <p:spPr>
+          <a:xfrm>
+            <a:off x="682487" y="301487"/>
+            <a:ext cx="10827026" cy="6255026"/>
+          </a:xfrm>
+          <a:prstGeom prst="rect">
+            <a:avLst/>
+          </a:prstGeom>
+          <a:solidFill>
+            <a:schemeClr val="bg1"/>
+          </a:solidFill>
+          <a:ln>
+            <a:noFill/>
+          </a:ln>
+        </p:spPr>
+        <p:style>
+          <a:lnRef idx="2">
+            <a:schemeClr val="accent1">
+              <a:shade val="50000"/>
+            </a:schemeClr>
+          </a:lnRef>
+          <a:fillRef idx="1">
+            <a:schemeClr val="accent1"/>
+          </a:fillRef>
+          <a:effectRef idx="0">
+            <a:schemeClr val="accent1"/>
+          </a:effectRef>
+          <a:fontRef idx="minor">
+            <a:schemeClr val="lt1"/>
+          </a:fontRef>
+        </p:style>
+        <p:txBody>
+          <a:bodyPr rtlCol="0" anchor="ctr"/>
+          <a:lstStyle/>
+          <a:p>
+            <a:pPr algn="ctr"/>
+            <a:endParaRPr kumimoji="1" lang="ja-JP" altLang="en-US"/>
+          </a:p>
+        </p:txBody>
+      </p:sp>
+      <p:sp>
+        <p:nvSpPr>
           <p:cNvPr id="2" name="タイトル 1">
             <a:extLst>
               <a:ext uri="{FF2B5EF4-FFF2-40B4-BE49-F238E27FC236}">
-                <a16:creationId xmlns:a16="http://schemas.microsoft.com/office/drawing/2014/main" id="{A155AD28-3590-A967-BD95-4908AD33C565}"/>
+                <a16:creationId xmlns:a16="http://schemas.microsoft.com/office/drawing/2014/main" id="{23453D38-AFCD-D094-F943-96F0DF4032FD}"/>
               </a:ext>
             </a:extLst>
           </p:cNvPr>
@@ -7192,8 +7823,10 @@
                 <a:solidFill>
                   <a:srgbClr val="056334"/>
                 </a:solidFill>
-              </a:rPr>
-              <a:t>個人成長：石田</a:t>
+                <a:latin typeface="HGS行書体" panose="03000600000000000000" pitchFamily="66" charset="-128"/>
+                <a:ea typeface="HGS行書体" panose="03000600000000000000" pitchFamily="66" charset="-128"/>
+              </a:rPr>
+              <a:t>個人成長：橋本</a:t>
             </a:r>
           </a:p>
         </p:txBody>
@@ -7203,7 +7836,7 @@
           <p:cNvPr id="3" name="コンテンツ プレースホルダー 2">
             <a:extLst>
               <a:ext uri="{FF2B5EF4-FFF2-40B4-BE49-F238E27FC236}">
-                <a16:creationId xmlns:a16="http://schemas.microsoft.com/office/drawing/2014/main" id="{A8CB6F8D-C515-85D1-0362-92A7DDE473F8}"/>
+                <a16:creationId xmlns:a16="http://schemas.microsoft.com/office/drawing/2014/main" id="{F1DA795F-5718-E496-CD4F-4F0E6FCD762F}"/>
               </a:ext>
             </a:extLst>
           </p:cNvPr>
@@ -7216,19 +7849,36 @@
         </p:nvSpPr>
         <p:spPr/>
         <p:txBody>
-          <a:bodyPr/>
+          <a:bodyPr>
+            <a:normAutofit/>
+          </a:bodyPr>
           <a:lstStyle/>
           <a:p>
-            <a:endParaRPr kumimoji="1" lang="ja-JP" altLang="en-US"/>
+            <a:r>
+              <a:rPr kumimoji="1" lang="ja-JP" altLang="en-US" sz="2400" dirty="0">
+                <a:latin typeface="BIZ UDP明朝 Medium" panose="02020500000000000000" pitchFamily="18" charset="-128"/>
+                <a:ea typeface="BIZ UDP明朝 Medium" panose="02020500000000000000" pitchFamily="18" charset="-128"/>
+              </a:rPr>
+              <a:t>苦手とする業務の担当を自ら立候補する積極性に尊敬した。　プレゼンであそこまで人を楽しませられるのはあなたしかいない。​</a:t>
+            </a:r>
+          </a:p>
+          <a:p>
+            <a:r>
+              <a:rPr kumimoji="1" lang="ja-JP" altLang="en-US" sz="2400" dirty="0">
+                <a:latin typeface="BIZ UDP明朝 Medium" panose="02020500000000000000" pitchFamily="18" charset="-128"/>
+                <a:ea typeface="BIZ UDP明朝 Medium" panose="02020500000000000000" pitchFamily="18" charset="-128"/>
+              </a:rPr>
+              <a:t>チーム開発初日にコミュニケーションが苦手なので頑張ると言っていて、しっかり実行しているところに感動！発表が毎回楽しみでした。​</a:t>
+            </a:r>
           </a:p>
         </p:txBody>
       </p:sp>
       <p:pic>
         <p:nvPicPr>
-          <p:cNvPr id="4" name="図 3" descr="ロゴ&#10;&#10;自動的に生成された説明">
-            <a:extLst>
-              <a:ext uri="{FF2B5EF4-FFF2-40B4-BE49-F238E27FC236}">
-                <a16:creationId xmlns:a16="http://schemas.microsoft.com/office/drawing/2014/main" id="{8B23AFC2-5F28-D27D-86BC-067454EE0882}"/>
+          <p:cNvPr id="6" name="図 5" descr="ロゴ&#10;&#10;自動的に生成された説明">
+            <a:extLst>
+              <a:ext uri="{FF2B5EF4-FFF2-40B4-BE49-F238E27FC236}">
+                <a16:creationId xmlns:a16="http://schemas.microsoft.com/office/drawing/2014/main" id="{F0233E8C-AA06-0312-5BBA-59FD5DE49155}"/>
               </a:ext>
             </a:extLst>
           </p:cNvPr>
@@ -7251,8 +7901,8 @@
         </p:blipFill>
         <p:spPr>
           <a:xfrm>
-            <a:off x="10203791" y="5910470"/>
-            <a:ext cx="1611972" cy="752254"/>
+            <a:off x="10270436" y="5919485"/>
+            <a:ext cx="1081500" cy="504700"/>
           </a:xfrm>
           <a:prstGeom prst="rect">
             <a:avLst/>
@@ -7262,7 +7912,7 @@
     </p:spTree>
     <p:extLst>
       <p:ext uri="{BB962C8B-B14F-4D97-AF65-F5344CB8AC3E}">
-        <p14:creationId xmlns:p14="http://schemas.microsoft.com/office/powerpoint/2010/main" val="4049935424"/>
+        <p14:creationId xmlns:p14="http://schemas.microsoft.com/office/powerpoint/2010/main" val="133445490"/>
       </p:ext>
     </p:extLst>
   </p:cSld>
@@ -7291,347 +7941,241 @@
       </p:grpSpPr>
       <p:sp>
         <p:nvSpPr>
-          <p:cNvPr id="2" name="タイトル 1">
-            <a:extLst>
-              <a:ext uri="{FF2B5EF4-FFF2-40B4-BE49-F238E27FC236}">
-                <a16:creationId xmlns:a16="http://schemas.microsoft.com/office/drawing/2014/main" id="{6A5614FF-780D-088C-3161-49C0AC587D66}"/>
-              </a:ext>
-            </a:extLst>
-          </p:cNvPr>
-          <p:cNvSpPr>
-            <a:spLocks noGrp="1"/>
-          </p:cNvSpPr>
-          <p:nvPr>
-            <p:ph type="title"/>
-          </p:nvPr>
-        </p:nvSpPr>
-        <p:spPr/>
-        <p:txBody>
-          <a:bodyPr/>
+          <p:cNvPr id="37" name="正方形/長方形 36">
+            <a:extLst>
+              <a:ext uri="{FF2B5EF4-FFF2-40B4-BE49-F238E27FC236}">
+                <a16:creationId xmlns:a16="http://schemas.microsoft.com/office/drawing/2014/main" id="{A5EAC9EC-E63B-9F2C-AD19-8F8EA46A4D6F}"/>
+              </a:ext>
+            </a:extLst>
+          </p:cNvPr>
+          <p:cNvSpPr/>
+          <p:nvPr/>
+        </p:nvSpPr>
+        <p:spPr>
+          <a:xfrm>
+            <a:off x="682487" y="235227"/>
+            <a:ext cx="10827026" cy="6255026"/>
+          </a:xfrm>
+          <a:prstGeom prst="rect">
+            <a:avLst/>
+          </a:prstGeom>
+          <a:solidFill>
+            <a:schemeClr val="bg1"/>
+          </a:solidFill>
+          <a:ln>
+            <a:noFill/>
+          </a:ln>
+        </p:spPr>
+        <p:style>
+          <a:lnRef idx="2">
+            <a:schemeClr val="accent1">
+              <a:shade val="50000"/>
+            </a:schemeClr>
+          </a:lnRef>
+          <a:fillRef idx="1">
+            <a:schemeClr val="accent1"/>
+          </a:fillRef>
+          <a:effectRef idx="0">
+            <a:schemeClr val="accent1"/>
+          </a:effectRef>
+          <a:fontRef idx="minor">
+            <a:schemeClr val="lt1"/>
+          </a:fontRef>
+        </p:style>
+        <p:txBody>
+          <a:bodyPr rtlCol="0" anchor="ctr"/>
           <a:lstStyle/>
           <a:p>
-            <a:r>
-              <a:rPr kumimoji="1" lang="ja-JP" altLang="en-US" b="1" dirty="0">
-                <a:solidFill>
-                  <a:srgbClr val="056334"/>
-                </a:solidFill>
-              </a:rPr>
-              <a:t>個人成長：菊地</a:t>
-            </a:r>
-          </a:p>
-        </p:txBody>
-      </p:sp>
-      <p:sp>
-        <p:nvSpPr>
-          <p:cNvPr id="3" name="コンテンツ プレースホルダー 2">
-            <a:extLst>
-              <a:ext uri="{FF2B5EF4-FFF2-40B4-BE49-F238E27FC236}">
-                <a16:creationId xmlns:a16="http://schemas.microsoft.com/office/drawing/2014/main" id="{EA0F3B9F-13C9-9EFB-5A4B-48A232C2AECB}"/>
-              </a:ext>
-            </a:extLst>
-          </p:cNvPr>
-          <p:cNvSpPr>
-            <a:spLocks noGrp="1"/>
-          </p:cNvSpPr>
-          <p:nvPr>
-            <p:ph idx="1"/>
-          </p:nvPr>
-        </p:nvSpPr>
-        <p:spPr/>
-        <p:txBody>
-          <a:bodyPr/>
-          <a:lstStyle/>
-          <a:p>
+            <a:pPr algn="ctr"/>
             <a:endParaRPr kumimoji="1" lang="ja-JP" altLang="en-US"/>
           </a:p>
         </p:txBody>
       </p:sp>
       <p:pic>
         <p:nvPicPr>
-          <p:cNvPr id="4" name="図 3" descr="ロゴ&#10;&#10;自動的に生成された説明">
-            <a:extLst>
-              <a:ext uri="{FF2B5EF4-FFF2-40B4-BE49-F238E27FC236}">
-                <a16:creationId xmlns:a16="http://schemas.microsoft.com/office/drawing/2014/main" id="{F4E8FD51-B4D4-09FD-A7C1-60B9612C46D2}"/>
+          <p:cNvPr id="1036" name="Picture 12">
+            <a:extLst>
+              <a:ext uri="{FF2B5EF4-FFF2-40B4-BE49-F238E27FC236}">
+                <a16:creationId xmlns:a16="http://schemas.microsoft.com/office/drawing/2014/main" id="{0CD25576-0D6C-46E1-67CF-7F62DF766819}"/>
               </a:ext>
             </a:extLst>
           </p:cNvPr>
           <p:cNvPicPr>
-            <a:picLocks noChangeAspect="1"/>
+            <a:picLocks noChangeAspect="1" noChangeArrowheads="1"/>
           </p:cNvPicPr>
           <p:nvPr/>
         </p:nvPicPr>
         <p:blipFill>
-          <a:blip r:embed="rId2">
+          <a:blip r:embed="rId3">
+            <a:duotone>
+              <a:prstClr val="black"/>
+              <a:srgbClr val="FF0000">
+                <a:tint val="45000"/>
+                <a:satMod val="400000"/>
+              </a:srgbClr>
+            </a:duotone>
             <a:extLst>
               <a:ext uri="{28A0092B-C50C-407E-A947-70E740481C1C}">
                 <a14:useLocalDpi xmlns:a14="http://schemas.microsoft.com/office/drawing/2010/main" val="0"/>
               </a:ext>
             </a:extLst>
           </a:blip>
+          <a:srcRect/>
           <a:stretch>
             <a:fillRect/>
           </a:stretch>
         </p:blipFill>
-        <p:spPr>
+        <p:spPr bwMode="auto">
           <a:xfrm>
-            <a:off x="10203791" y="5910470"/>
-            <a:ext cx="1611972" cy="752254"/>
+            <a:off x="425098" y="1"/>
+            <a:ext cx="11341804" cy="1930400"/>
           </a:xfrm>
           <a:prstGeom prst="rect">
             <a:avLst/>
           </a:prstGeom>
+          <a:noFill/>
+          <a:extLst>
+            <a:ext uri="{909E8E84-426E-40DD-AFC4-6F175D3DCCD1}">
+              <a14:hiddenFill xmlns:a14="http://schemas.microsoft.com/office/drawing/2010/main">
+                <a:solidFill>
+                  <a:srgbClr val="FFFFFF"/>
+                </a:solidFill>
+              </a14:hiddenFill>
+            </a:ext>
+          </a:extLst>
         </p:spPr>
       </p:pic>
+      <p:sp>
+        <p:nvSpPr>
+          <p:cNvPr id="3" name="字幕 2">
+            <a:extLst>
+              <a:ext uri="{FF2B5EF4-FFF2-40B4-BE49-F238E27FC236}">
+                <a16:creationId xmlns:a16="http://schemas.microsoft.com/office/drawing/2014/main" id="{B9C9FA85-31F3-4C52-2DB3-21CCC84B3594}"/>
+              </a:ext>
+            </a:extLst>
+          </p:cNvPr>
+          <p:cNvSpPr>
+            <a:spLocks noGrp="1"/>
+          </p:cNvSpPr>
+          <p:nvPr>
+            <p:ph type="subTitle" idx="1"/>
+          </p:nvPr>
+        </p:nvSpPr>
+        <p:spPr>
+          <a:xfrm>
+            <a:off x="2223287" y="688356"/>
+            <a:ext cx="7997216" cy="929814"/>
+          </a:xfrm>
+        </p:spPr>
+        <p:txBody>
+          <a:bodyPr>
+            <a:noAutofit/>
+          </a:bodyPr>
+          <a:lstStyle/>
+          <a:p>
+            <a:r>
+              <a:rPr lang="en-US" altLang="ja-JP" sz="4000" dirty="0">
+                <a:solidFill>
+                  <a:schemeClr val="bg1"/>
+                </a:solidFill>
+                <a:latin typeface="HGS行書体" panose="03000600000000000000" pitchFamily="66" charset="-128"/>
+                <a:ea typeface="HGS行書体" panose="03000600000000000000" pitchFamily="66" charset="-128"/>
+              </a:rPr>
+              <a:t>B3 </a:t>
+            </a:r>
+            <a:r>
+              <a:rPr lang="ja-JP" altLang="en-US" sz="4000" dirty="0">
+                <a:solidFill>
+                  <a:schemeClr val="bg1"/>
+                </a:solidFill>
+                <a:latin typeface="HGS行書体" panose="03000600000000000000" pitchFamily="66" charset="-128"/>
+                <a:ea typeface="HGS行書体" panose="03000600000000000000" pitchFamily="66" charset="-128"/>
+              </a:rPr>
+              <a:t>炙りえんがわより愛を込めて</a:t>
+            </a:r>
+            <a:endParaRPr lang="en-US" altLang="ja-JP" sz="4000" dirty="0">
+              <a:solidFill>
+                <a:schemeClr val="bg1"/>
+              </a:solidFill>
+              <a:latin typeface="HGS行書体" panose="03000600000000000000" pitchFamily="66" charset="-128"/>
+              <a:ea typeface="HGS行書体" panose="03000600000000000000" pitchFamily="66" charset="-128"/>
+            </a:endParaRPr>
+          </a:p>
+        </p:txBody>
+      </p:sp>
+      <p:sp>
+        <p:nvSpPr>
+          <p:cNvPr id="5" name="タイトル 4">
+            <a:extLst>
+              <a:ext uri="{FF2B5EF4-FFF2-40B4-BE49-F238E27FC236}">
+                <a16:creationId xmlns:a16="http://schemas.microsoft.com/office/drawing/2014/main" id="{024DB6ED-1995-07CC-6153-6684553392AF}"/>
+              </a:ext>
+            </a:extLst>
+          </p:cNvPr>
+          <p:cNvSpPr>
+            <a:spLocks noGrp="1"/>
+          </p:cNvSpPr>
+          <p:nvPr>
+            <p:ph type="ctrTitle"/>
+          </p:nvPr>
+        </p:nvSpPr>
+        <p:spPr>
+          <a:xfrm>
+            <a:off x="1457739" y="2235752"/>
+            <a:ext cx="9528312" cy="2386495"/>
+          </a:xfrm>
+        </p:spPr>
+        <p:txBody>
+          <a:bodyPr>
+            <a:normAutofit/>
+          </a:bodyPr>
+          <a:lstStyle/>
+          <a:p>
+            <a:r>
+              <a:rPr lang="ja-JP" altLang="en-US" sz="4400" dirty="0">
+                <a:solidFill>
+                  <a:srgbClr val="056334"/>
+                </a:solidFill>
+                <a:latin typeface="HGS行書体" panose="03000600000000000000" pitchFamily="66" charset="-128"/>
+                <a:ea typeface="HGS行書体" panose="03000600000000000000" pitchFamily="66" charset="-128"/>
+              </a:rPr>
+              <a:t>毎度ありがとうございました！</a:t>
+            </a:r>
+            <a:br>
+              <a:rPr lang="en-US" altLang="ja-JP" sz="4400" dirty="0">
+                <a:solidFill>
+                  <a:srgbClr val="056334"/>
+                </a:solidFill>
+                <a:latin typeface="HGS行書体" panose="03000600000000000000" pitchFamily="66" charset="-128"/>
+                <a:ea typeface="HGS行書体" panose="03000600000000000000" pitchFamily="66" charset="-128"/>
+              </a:rPr>
+            </a:br>
+            <a:br>
+              <a:rPr lang="en-US" altLang="ja-JP" sz="4400" dirty="0">
+                <a:solidFill>
+                  <a:srgbClr val="056334"/>
+                </a:solidFill>
+                <a:latin typeface="HGS行書体" panose="03000600000000000000" pitchFamily="66" charset="-128"/>
+                <a:ea typeface="HGS行書体" panose="03000600000000000000" pitchFamily="66" charset="-128"/>
+              </a:rPr>
+            </a:br>
+            <a:r>
+              <a:rPr lang="ja-JP" altLang="en-US" sz="4400" dirty="0">
+                <a:solidFill>
+                  <a:srgbClr val="056334"/>
+                </a:solidFill>
+                <a:latin typeface="HGS行書体" panose="03000600000000000000" pitchFamily="66" charset="-128"/>
+                <a:ea typeface="HGS行書体" panose="03000600000000000000" pitchFamily="66" charset="-128"/>
+              </a:rPr>
+              <a:t>またのご利用お待ちしております。</a:t>
+            </a:r>
+          </a:p>
+        </p:txBody>
+      </p:sp>
     </p:spTree>
     <p:extLst>
       <p:ext uri="{BB962C8B-B14F-4D97-AF65-F5344CB8AC3E}">
-        <p14:creationId xmlns:p14="http://schemas.microsoft.com/office/powerpoint/2010/main" val="2926862431"/>
-      </p:ext>
-    </p:extLst>
-  </p:cSld>
-  <p:clrMapOvr>
-    <a:masterClrMapping/>
-  </p:clrMapOvr>
-</p:sld>
-</file>
-
-<file path=ppt/slides/slide18.xml><?xml version="1.0" encoding="utf-8"?>
-<p:sld xmlns:a="http://schemas.openxmlformats.org/drawingml/2006/main" xmlns:r="http://schemas.openxmlformats.org/officeDocument/2006/relationships" xmlns:p="http://schemas.openxmlformats.org/presentationml/2006/main">
-  <p:cSld>
-    <p:spTree>
-      <p:nvGrpSpPr>
-        <p:cNvPr id="1" name=""/>
-        <p:cNvGrpSpPr/>
-        <p:nvPr/>
-      </p:nvGrpSpPr>
-      <p:grpSpPr>
-        <a:xfrm>
-          <a:off x="0" y="0"/>
-          <a:ext cx="0" cy="0"/>
-          <a:chOff x="0" y="0"/>
-          <a:chExt cx="0" cy="0"/>
-        </a:xfrm>
-      </p:grpSpPr>
-      <p:sp>
-        <p:nvSpPr>
-          <p:cNvPr id="2" name="タイトル 1">
-            <a:extLst>
-              <a:ext uri="{FF2B5EF4-FFF2-40B4-BE49-F238E27FC236}">
-                <a16:creationId xmlns:a16="http://schemas.microsoft.com/office/drawing/2014/main" id="{863C13F7-6F70-0265-46B9-8B304315B195}"/>
-              </a:ext>
-            </a:extLst>
-          </p:cNvPr>
-          <p:cNvSpPr>
-            <a:spLocks noGrp="1"/>
-          </p:cNvSpPr>
-          <p:nvPr>
-            <p:ph type="title"/>
-          </p:nvPr>
-        </p:nvSpPr>
-        <p:spPr/>
-        <p:txBody>
-          <a:bodyPr/>
-          <a:lstStyle/>
-          <a:p>
-            <a:r>
-              <a:rPr kumimoji="1" lang="ja-JP" altLang="en-US" b="1" dirty="0">
-                <a:solidFill>
-                  <a:srgbClr val="056334"/>
-                </a:solidFill>
-              </a:rPr>
-              <a:t>個人成長：高山</a:t>
-            </a:r>
-          </a:p>
-        </p:txBody>
-      </p:sp>
-      <p:sp>
-        <p:nvSpPr>
-          <p:cNvPr id="3" name="コンテンツ プレースホルダー 2">
-            <a:extLst>
-              <a:ext uri="{FF2B5EF4-FFF2-40B4-BE49-F238E27FC236}">
-                <a16:creationId xmlns:a16="http://schemas.microsoft.com/office/drawing/2014/main" id="{418F4827-B523-FA5B-4F69-94E5962243DD}"/>
-              </a:ext>
-            </a:extLst>
-          </p:cNvPr>
-          <p:cNvSpPr>
-            <a:spLocks noGrp="1"/>
-          </p:cNvSpPr>
-          <p:nvPr>
-            <p:ph idx="1"/>
-          </p:nvPr>
-        </p:nvSpPr>
-        <p:spPr/>
-        <p:txBody>
-          <a:bodyPr/>
-          <a:lstStyle/>
-          <a:p>
-            <a:endParaRPr kumimoji="1" lang="ja-JP" altLang="en-US"/>
-          </a:p>
-        </p:txBody>
-      </p:sp>
-      <p:pic>
-        <p:nvPicPr>
-          <p:cNvPr id="4" name="図 3" descr="ロゴ&#10;&#10;自動的に生成された説明">
-            <a:extLst>
-              <a:ext uri="{FF2B5EF4-FFF2-40B4-BE49-F238E27FC236}">
-                <a16:creationId xmlns:a16="http://schemas.microsoft.com/office/drawing/2014/main" id="{AE902B99-A994-80C4-3975-BB3FE48FC958}"/>
-              </a:ext>
-            </a:extLst>
-          </p:cNvPr>
-          <p:cNvPicPr>
-            <a:picLocks noChangeAspect="1"/>
-          </p:cNvPicPr>
-          <p:nvPr/>
-        </p:nvPicPr>
-        <p:blipFill>
-          <a:blip r:embed="rId2">
-            <a:extLst>
-              <a:ext uri="{28A0092B-C50C-407E-A947-70E740481C1C}">
-                <a14:useLocalDpi xmlns:a14="http://schemas.microsoft.com/office/drawing/2010/main" val="0"/>
-              </a:ext>
-            </a:extLst>
-          </a:blip>
-          <a:stretch>
-            <a:fillRect/>
-          </a:stretch>
-        </p:blipFill>
-        <p:spPr>
-          <a:xfrm>
-            <a:off x="10203791" y="5910470"/>
-            <a:ext cx="1611972" cy="752254"/>
-          </a:xfrm>
-          <a:prstGeom prst="rect">
-            <a:avLst/>
-          </a:prstGeom>
-        </p:spPr>
-      </p:pic>
-    </p:spTree>
-    <p:extLst>
-      <p:ext uri="{BB962C8B-B14F-4D97-AF65-F5344CB8AC3E}">
-        <p14:creationId xmlns:p14="http://schemas.microsoft.com/office/powerpoint/2010/main" val="588876093"/>
-      </p:ext>
-    </p:extLst>
-  </p:cSld>
-  <p:clrMapOvr>
-    <a:masterClrMapping/>
-  </p:clrMapOvr>
-</p:sld>
-</file>
-
-<file path=ppt/slides/slide19.xml><?xml version="1.0" encoding="utf-8"?>
-<p:sld xmlns:a="http://schemas.openxmlformats.org/drawingml/2006/main" xmlns:r="http://schemas.openxmlformats.org/officeDocument/2006/relationships" xmlns:p="http://schemas.openxmlformats.org/presentationml/2006/main">
-  <p:cSld>
-    <p:spTree>
-      <p:nvGrpSpPr>
-        <p:cNvPr id="1" name=""/>
-        <p:cNvGrpSpPr/>
-        <p:nvPr/>
-      </p:nvGrpSpPr>
-      <p:grpSpPr>
-        <a:xfrm>
-          <a:off x="0" y="0"/>
-          <a:ext cx="0" cy="0"/>
-          <a:chOff x="0" y="0"/>
-          <a:chExt cx="0" cy="0"/>
-        </a:xfrm>
-      </p:grpSpPr>
-      <p:sp>
-        <p:nvSpPr>
-          <p:cNvPr id="2" name="タイトル 1">
-            <a:extLst>
-              <a:ext uri="{FF2B5EF4-FFF2-40B4-BE49-F238E27FC236}">
-                <a16:creationId xmlns:a16="http://schemas.microsoft.com/office/drawing/2014/main" id="{23453D38-AFCD-D094-F943-96F0DF4032FD}"/>
-              </a:ext>
-            </a:extLst>
-          </p:cNvPr>
-          <p:cNvSpPr>
-            <a:spLocks noGrp="1"/>
-          </p:cNvSpPr>
-          <p:nvPr>
-            <p:ph type="title"/>
-          </p:nvPr>
-        </p:nvSpPr>
-        <p:spPr/>
-        <p:txBody>
-          <a:bodyPr/>
-          <a:lstStyle/>
-          <a:p>
-            <a:r>
-              <a:rPr kumimoji="1" lang="ja-JP" altLang="en-US" b="1" dirty="0">
-                <a:solidFill>
-                  <a:srgbClr val="056334"/>
-                </a:solidFill>
-              </a:rPr>
-              <a:t>個人成長：橋本</a:t>
-            </a:r>
-          </a:p>
-        </p:txBody>
-      </p:sp>
-      <p:sp>
-        <p:nvSpPr>
-          <p:cNvPr id="3" name="コンテンツ プレースホルダー 2">
-            <a:extLst>
-              <a:ext uri="{FF2B5EF4-FFF2-40B4-BE49-F238E27FC236}">
-                <a16:creationId xmlns:a16="http://schemas.microsoft.com/office/drawing/2014/main" id="{F1DA795F-5718-E496-CD4F-4F0E6FCD762F}"/>
-              </a:ext>
-            </a:extLst>
-          </p:cNvPr>
-          <p:cNvSpPr>
-            <a:spLocks noGrp="1"/>
-          </p:cNvSpPr>
-          <p:nvPr>
-            <p:ph idx="1"/>
-          </p:nvPr>
-        </p:nvSpPr>
-        <p:spPr/>
-        <p:txBody>
-          <a:bodyPr/>
-          <a:lstStyle/>
-          <a:p>
-            <a:endParaRPr kumimoji="1" lang="ja-JP" altLang="en-US"/>
-          </a:p>
-        </p:txBody>
-      </p:sp>
-      <p:pic>
-        <p:nvPicPr>
-          <p:cNvPr id="4" name="図 3" descr="ロゴ&#10;&#10;自動的に生成された説明">
-            <a:extLst>
-              <a:ext uri="{FF2B5EF4-FFF2-40B4-BE49-F238E27FC236}">
-                <a16:creationId xmlns:a16="http://schemas.microsoft.com/office/drawing/2014/main" id="{68658EF4-981B-E433-0011-5B181F986CA7}"/>
-              </a:ext>
-            </a:extLst>
-          </p:cNvPr>
-          <p:cNvPicPr>
-            <a:picLocks noChangeAspect="1"/>
-          </p:cNvPicPr>
-          <p:nvPr/>
-        </p:nvPicPr>
-        <p:blipFill>
-          <a:blip r:embed="rId2">
-            <a:extLst>
-              <a:ext uri="{28A0092B-C50C-407E-A947-70E740481C1C}">
-                <a14:useLocalDpi xmlns:a14="http://schemas.microsoft.com/office/drawing/2010/main" val="0"/>
-              </a:ext>
-            </a:extLst>
-          </a:blip>
-          <a:stretch>
-            <a:fillRect/>
-          </a:stretch>
-        </p:blipFill>
-        <p:spPr>
-          <a:xfrm>
-            <a:off x="10203791" y="5910470"/>
-            <a:ext cx="1611972" cy="752254"/>
-          </a:xfrm>
-          <a:prstGeom prst="rect">
-            <a:avLst/>
-          </a:prstGeom>
-        </p:spPr>
-      </p:pic>
-    </p:spTree>
-    <p:extLst>
-      <p:ext uri="{BB962C8B-B14F-4D97-AF65-F5344CB8AC3E}">
-        <p14:creationId xmlns:p14="http://schemas.microsoft.com/office/powerpoint/2010/main" val="133445490"/>
+        <p14:creationId xmlns:p14="http://schemas.microsoft.com/office/powerpoint/2010/main" val="712348235"/>
       </p:ext>
     </p:extLst>
   </p:cSld>
@@ -7660,6 +8204,802 @@
       </p:grpSpPr>
       <p:sp>
         <p:nvSpPr>
+          <p:cNvPr id="6" name="正方形/長方形 5">
+            <a:extLst>
+              <a:ext uri="{FF2B5EF4-FFF2-40B4-BE49-F238E27FC236}">
+                <a16:creationId xmlns:a16="http://schemas.microsoft.com/office/drawing/2014/main" id="{0F4F5560-4DDF-95AE-553A-22C0E1AC37B9}"/>
+              </a:ext>
+            </a:extLst>
+          </p:cNvPr>
+          <p:cNvSpPr/>
+          <p:nvPr/>
+        </p:nvSpPr>
+        <p:spPr>
+          <a:xfrm>
+            <a:off x="682487" y="301487"/>
+            <a:ext cx="10827026" cy="6255026"/>
+          </a:xfrm>
+          <a:prstGeom prst="rect">
+            <a:avLst/>
+          </a:prstGeom>
+          <a:solidFill>
+            <a:schemeClr val="bg1"/>
+          </a:solidFill>
+          <a:ln>
+            <a:noFill/>
+          </a:ln>
+        </p:spPr>
+        <p:style>
+          <a:lnRef idx="2">
+            <a:schemeClr val="accent1">
+              <a:shade val="50000"/>
+            </a:schemeClr>
+          </a:lnRef>
+          <a:fillRef idx="1">
+            <a:schemeClr val="accent1"/>
+          </a:fillRef>
+          <a:effectRef idx="0">
+            <a:schemeClr val="accent1"/>
+          </a:effectRef>
+          <a:fontRef idx="minor">
+            <a:schemeClr val="lt1"/>
+          </a:fontRef>
+        </p:style>
+        <p:txBody>
+          <a:bodyPr rtlCol="0" anchor="ctr"/>
+          <a:lstStyle/>
+          <a:p>
+            <a:pPr algn="ctr"/>
+            <a:endParaRPr kumimoji="1" lang="ja-JP" altLang="en-US"/>
+          </a:p>
+        </p:txBody>
+      </p:sp>
+      <p:sp>
+        <p:nvSpPr>
+          <p:cNvPr id="3" name="コンテンツ プレースホルダー 2">
+            <a:extLst>
+              <a:ext uri="{FF2B5EF4-FFF2-40B4-BE49-F238E27FC236}">
+                <a16:creationId xmlns:a16="http://schemas.microsoft.com/office/drawing/2014/main" id="{C8C30089-0585-7397-D2CA-6DB74C1DC5B2}"/>
+              </a:ext>
+            </a:extLst>
+          </p:cNvPr>
+          <p:cNvSpPr>
+            <a:spLocks noGrp="1"/>
+          </p:cNvSpPr>
+          <p:nvPr>
+            <p:ph idx="1"/>
+          </p:nvPr>
+        </p:nvSpPr>
+        <p:spPr>
+          <a:xfrm>
+            <a:off x="4167808" y="2446083"/>
+            <a:ext cx="3882887" cy="2192178"/>
+          </a:xfrm>
+        </p:spPr>
+        <p:txBody>
+          <a:bodyPr>
+            <a:normAutofit fontScale="92500"/>
+          </a:bodyPr>
+          <a:lstStyle/>
+          <a:p>
+            <a:pPr>
+              <a:buFont typeface="Wingdings" panose="05000000000000000000" pitchFamily="2" charset="2"/>
+              <a:buChar char="Ø"/>
+            </a:pPr>
+            <a:r>
+              <a:rPr lang="en-US" altLang="ja-JP" sz="3200" b="1" u="sng" dirty="0">
+                <a:latin typeface="BIZ UDP明朝 Medium" panose="02020500000000000000" pitchFamily="18" charset="-128"/>
+                <a:ea typeface="BIZ UDP明朝 Medium" panose="02020500000000000000" pitchFamily="18" charset="-128"/>
+              </a:rPr>
+              <a:t>FLIFRE</a:t>
+            </a:r>
+            <a:r>
+              <a:rPr lang="ja-JP" altLang="en-US" sz="3200" b="1" u="sng" dirty="0">
+                <a:latin typeface="BIZ UDP明朝 Medium" panose="02020500000000000000" pitchFamily="18" charset="-128"/>
+                <a:ea typeface="BIZ UDP明朝 Medium" panose="02020500000000000000" pitchFamily="18" charset="-128"/>
+              </a:rPr>
+              <a:t>の開発背景</a:t>
+            </a:r>
+            <a:endParaRPr lang="en-US" altLang="ja-JP" sz="3200" b="1" u="sng" dirty="0">
+              <a:latin typeface="BIZ UDP明朝 Medium" panose="02020500000000000000" pitchFamily="18" charset="-128"/>
+              <a:ea typeface="BIZ UDP明朝 Medium" panose="02020500000000000000" pitchFamily="18" charset="-128"/>
+            </a:endParaRPr>
+          </a:p>
+          <a:p>
+            <a:pPr>
+              <a:buFont typeface="Wingdings" panose="05000000000000000000" pitchFamily="2" charset="2"/>
+              <a:buChar char="Ø"/>
+            </a:pPr>
+            <a:r>
+              <a:rPr kumimoji="1" lang="en-US" altLang="ja-JP" sz="3200" b="1" u="sng" dirty="0">
+                <a:latin typeface="BIZ UDP明朝 Medium" panose="02020500000000000000" pitchFamily="18" charset="-128"/>
+                <a:ea typeface="BIZ UDP明朝 Medium" panose="02020500000000000000" pitchFamily="18" charset="-128"/>
+              </a:rPr>
+              <a:t>FLIFRE</a:t>
+            </a:r>
+            <a:r>
+              <a:rPr kumimoji="1" lang="ja-JP" altLang="en-US" sz="3200" b="1" u="sng" dirty="0">
+                <a:latin typeface="BIZ UDP明朝 Medium" panose="02020500000000000000" pitchFamily="18" charset="-128"/>
+                <a:ea typeface="BIZ UDP明朝 Medium" panose="02020500000000000000" pitchFamily="18" charset="-128"/>
+              </a:rPr>
+              <a:t>について</a:t>
+            </a:r>
+            <a:endParaRPr kumimoji="1" lang="en-US" altLang="ja-JP" sz="3200" b="1" u="sng" dirty="0">
+              <a:latin typeface="BIZ UDP明朝 Medium" panose="02020500000000000000" pitchFamily="18" charset="-128"/>
+              <a:ea typeface="BIZ UDP明朝 Medium" panose="02020500000000000000" pitchFamily="18" charset="-128"/>
+            </a:endParaRPr>
+          </a:p>
+          <a:p>
+            <a:pPr>
+              <a:buFont typeface="Wingdings" panose="05000000000000000000" pitchFamily="2" charset="2"/>
+              <a:buChar char="Ø"/>
+            </a:pPr>
+            <a:r>
+              <a:rPr lang="ja-JP" altLang="en-US" sz="3200" b="1" u="sng" dirty="0">
+                <a:latin typeface="BIZ UDP明朝 Medium" panose="02020500000000000000" pitchFamily="18" charset="-128"/>
+                <a:ea typeface="BIZ UDP明朝 Medium" panose="02020500000000000000" pitchFamily="18" charset="-128"/>
+              </a:rPr>
+              <a:t>機能説明</a:t>
+            </a:r>
+            <a:endParaRPr lang="en-US" altLang="ja-JP" sz="3200" b="1" u="sng" dirty="0">
+              <a:latin typeface="BIZ UDP明朝 Medium" panose="02020500000000000000" pitchFamily="18" charset="-128"/>
+              <a:ea typeface="BIZ UDP明朝 Medium" panose="02020500000000000000" pitchFamily="18" charset="-128"/>
+            </a:endParaRPr>
+          </a:p>
+          <a:p>
+            <a:pPr>
+              <a:buFont typeface="Wingdings" panose="05000000000000000000" pitchFamily="2" charset="2"/>
+              <a:buChar char="Ø"/>
+            </a:pPr>
+            <a:r>
+              <a:rPr kumimoji="1" lang="ja-JP" altLang="en-US" sz="3200" b="1" u="sng" dirty="0">
+                <a:latin typeface="BIZ UDP明朝 Medium" panose="02020500000000000000" pitchFamily="18" charset="-128"/>
+                <a:ea typeface="BIZ UDP明朝 Medium" panose="02020500000000000000" pitchFamily="18" charset="-128"/>
+              </a:rPr>
+              <a:t>個人成長</a:t>
+            </a:r>
+            <a:endParaRPr kumimoji="1" lang="en-US" altLang="ja-JP" sz="3200" b="1" u="sng" dirty="0">
+              <a:latin typeface="BIZ UDP明朝 Medium" panose="02020500000000000000" pitchFamily="18" charset="-128"/>
+              <a:ea typeface="BIZ UDP明朝 Medium" panose="02020500000000000000" pitchFamily="18" charset="-128"/>
+            </a:endParaRPr>
+          </a:p>
+        </p:txBody>
+      </p:sp>
+      <p:pic>
+        <p:nvPicPr>
+          <p:cNvPr id="8" name="Picture 12">
+            <a:extLst>
+              <a:ext uri="{FF2B5EF4-FFF2-40B4-BE49-F238E27FC236}">
+                <a16:creationId xmlns:a16="http://schemas.microsoft.com/office/drawing/2014/main" id="{0FBE787C-D67B-E2E9-9B42-F577A275141F}"/>
+              </a:ext>
+            </a:extLst>
+          </p:cNvPr>
+          <p:cNvPicPr>
+            <a:picLocks noChangeAspect="1" noChangeArrowheads="1"/>
+          </p:cNvPicPr>
+          <p:nvPr/>
+        </p:nvPicPr>
+        <p:blipFill>
+          <a:blip r:embed="rId2">
+            <a:duotone>
+              <a:prstClr val="black"/>
+              <a:srgbClr val="FF0000">
+                <a:tint val="45000"/>
+                <a:satMod val="400000"/>
+              </a:srgbClr>
+            </a:duotone>
+            <a:extLst>
+              <a:ext uri="{28A0092B-C50C-407E-A947-70E740481C1C}">
+                <a14:useLocalDpi xmlns:a14="http://schemas.microsoft.com/office/drawing/2010/main" val="0"/>
+              </a:ext>
+            </a:extLst>
+          </a:blip>
+          <a:srcRect/>
+          <a:stretch>
+            <a:fillRect/>
+          </a:stretch>
+        </p:blipFill>
+        <p:spPr bwMode="auto">
+          <a:xfrm>
+            <a:off x="438350" y="98251"/>
+            <a:ext cx="11341804" cy="1930400"/>
+          </a:xfrm>
+          <a:prstGeom prst="rect">
+            <a:avLst/>
+          </a:prstGeom>
+          <a:noFill/>
+          <a:extLst>
+            <a:ext uri="{909E8E84-426E-40DD-AFC4-6F175D3DCCD1}">
+              <a14:hiddenFill xmlns:a14="http://schemas.microsoft.com/office/drawing/2010/main">
+                <a:solidFill>
+                  <a:srgbClr val="FFFFFF"/>
+                </a:solidFill>
+              </a14:hiddenFill>
+            </a:ext>
+          </a:extLst>
+        </p:spPr>
+      </p:pic>
+      <p:sp>
+        <p:nvSpPr>
+          <p:cNvPr id="9" name="字幕 2">
+            <a:extLst>
+              <a:ext uri="{FF2B5EF4-FFF2-40B4-BE49-F238E27FC236}">
+                <a16:creationId xmlns:a16="http://schemas.microsoft.com/office/drawing/2014/main" id="{6BEAD35A-4747-FED1-165B-F77B563C2A38}"/>
+              </a:ext>
+            </a:extLst>
+          </p:cNvPr>
+          <p:cNvSpPr txBox="1">
+            <a:spLocks/>
+          </p:cNvSpPr>
+          <p:nvPr/>
+        </p:nvSpPr>
+        <p:spPr>
+          <a:xfrm>
+            <a:off x="3699972" y="736218"/>
+            <a:ext cx="4792055" cy="929814"/>
+          </a:xfrm>
+          <a:prstGeom prst="rect">
+            <a:avLst/>
+          </a:prstGeom>
+        </p:spPr>
+        <p:txBody>
+          <a:bodyPr vert="horz" lIns="91440" tIns="45720" rIns="91440" bIns="45720" rtlCol="0">
+            <a:noAutofit/>
+          </a:bodyPr>
+          <a:lstStyle>
+            <a:lvl1pPr marL="228600" indent="-228600" algn="l" defTabSz="914400" rtl="0" eaLnBrk="1" latinLnBrk="0" hangingPunct="1">
+              <a:lnSpc>
+                <a:spcPct val="90000"/>
+              </a:lnSpc>
+              <a:spcBef>
+                <a:spcPts val="1000"/>
+              </a:spcBef>
+              <a:buFont typeface="Arial" panose="020B0604020202020204" pitchFamily="34" charset="0"/>
+              <a:buChar char="•"/>
+              <a:defRPr kumimoji="1" sz="2800" kern="1200">
+                <a:solidFill>
+                  <a:schemeClr val="tx1"/>
+                </a:solidFill>
+                <a:latin typeface="+mn-lt"/>
+                <a:ea typeface="+mn-ea"/>
+                <a:cs typeface="+mn-cs"/>
+              </a:defRPr>
+            </a:lvl1pPr>
+            <a:lvl2pPr marL="685800" indent="-228600" algn="l" defTabSz="914400" rtl="0" eaLnBrk="1" latinLnBrk="0" hangingPunct="1">
+              <a:lnSpc>
+                <a:spcPct val="90000"/>
+              </a:lnSpc>
+              <a:spcBef>
+                <a:spcPts val="500"/>
+              </a:spcBef>
+              <a:buFont typeface="Arial" panose="020B0604020202020204" pitchFamily="34" charset="0"/>
+              <a:buChar char="•"/>
+              <a:defRPr kumimoji="1" sz="2400" kern="1200">
+                <a:solidFill>
+                  <a:schemeClr val="tx1"/>
+                </a:solidFill>
+                <a:latin typeface="+mn-lt"/>
+                <a:ea typeface="+mn-ea"/>
+                <a:cs typeface="+mn-cs"/>
+              </a:defRPr>
+            </a:lvl2pPr>
+            <a:lvl3pPr marL="1143000" indent="-228600" algn="l" defTabSz="914400" rtl="0" eaLnBrk="1" latinLnBrk="0" hangingPunct="1">
+              <a:lnSpc>
+                <a:spcPct val="90000"/>
+              </a:lnSpc>
+              <a:spcBef>
+                <a:spcPts val="500"/>
+              </a:spcBef>
+              <a:buFont typeface="Arial" panose="020B0604020202020204" pitchFamily="34" charset="0"/>
+              <a:buChar char="•"/>
+              <a:defRPr kumimoji="1" sz="2000" kern="1200">
+                <a:solidFill>
+                  <a:schemeClr val="tx1"/>
+                </a:solidFill>
+                <a:latin typeface="+mn-lt"/>
+                <a:ea typeface="+mn-ea"/>
+                <a:cs typeface="+mn-cs"/>
+              </a:defRPr>
+            </a:lvl3pPr>
+            <a:lvl4pPr marL="1600200" indent="-228600" algn="l" defTabSz="914400" rtl="0" eaLnBrk="1" latinLnBrk="0" hangingPunct="1">
+              <a:lnSpc>
+                <a:spcPct val="90000"/>
+              </a:lnSpc>
+              <a:spcBef>
+                <a:spcPts val="500"/>
+              </a:spcBef>
+              <a:buFont typeface="Arial" panose="020B0604020202020204" pitchFamily="34" charset="0"/>
+              <a:buChar char="•"/>
+              <a:defRPr kumimoji="1" sz="1800" kern="1200">
+                <a:solidFill>
+                  <a:schemeClr val="tx1"/>
+                </a:solidFill>
+                <a:latin typeface="+mn-lt"/>
+                <a:ea typeface="+mn-ea"/>
+                <a:cs typeface="+mn-cs"/>
+              </a:defRPr>
+            </a:lvl4pPr>
+            <a:lvl5pPr marL="2057400" indent="-228600" algn="l" defTabSz="914400" rtl="0" eaLnBrk="1" latinLnBrk="0" hangingPunct="1">
+              <a:lnSpc>
+                <a:spcPct val="90000"/>
+              </a:lnSpc>
+              <a:spcBef>
+                <a:spcPts val="500"/>
+              </a:spcBef>
+              <a:buFont typeface="Arial" panose="020B0604020202020204" pitchFamily="34" charset="0"/>
+              <a:buChar char="•"/>
+              <a:defRPr kumimoji="1" sz="1800" kern="1200">
+                <a:solidFill>
+                  <a:schemeClr val="tx1"/>
+                </a:solidFill>
+                <a:latin typeface="+mn-lt"/>
+                <a:ea typeface="+mn-ea"/>
+                <a:cs typeface="+mn-cs"/>
+              </a:defRPr>
+            </a:lvl5pPr>
+            <a:lvl6pPr marL="2514600" indent="-228600" algn="l" defTabSz="914400" rtl="0" eaLnBrk="1" latinLnBrk="0" hangingPunct="1">
+              <a:lnSpc>
+                <a:spcPct val="90000"/>
+              </a:lnSpc>
+              <a:spcBef>
+                <a:spcPts val="500"/>
+              </a:spcBef>
+              <a:buFont typeface="Arial" panose="020B0604020202020204" pitchFamily="34" charset="0"/>
+              <a:buChar char="•"/>
+              <a:defRPr kumimoji="1" sz="1800" kern="1200">
+                <a:solidFill>
+                  <a:schemeClr val="tx1"/>
+                </a:solidFill>
+                <a:latin typeface="+mn-lt"/>
+                <a:ea typeface="+mn-ea"/>
+                <a:cs typeface="+mn-cs"/>
+              </a:defRPr>
+            </a:lvl6pPr>
+            <a:lvl7pPr marL="2971800" indent="-228600" algn="l" defTabSz="914400" rtl="0" eaLnBrk="1" latinLnBrk="0" hangingPunct="1">
+              <a:lnSpc>
+                <a:spcPct val="90000"/>
+              </a:lnSpc>
+              <a:spcBef>
+                <a:spcPts val="500"/>
+              </a:spcBef>
+              <a:buFont typeface="Arial" panose="020B0604020202020204" pitchFamily="34" charset="0"/>
+              <a:buChar char="•"/>
+              <a:defRPr kumimoji="1" sz="1800" kern="1200">
+                <a:solidFill>
+                  <a:schemeClr val="tx1"/>
+                </a:solidFill>
+                <a:latin typeface="+mn-lt"/>
+                <a:ea typeface="+mn-ea"/>
+                <a:cs typeface="+mn-cs"/>
+              </a:defRPr>
+            </a:lvl7pPr>
+            <a:lvl8pPr marL="3429000" indent="-228600" algn="l" defTabSz="914400" rtl="0" eaLnBrk="1" latinLnBrk="0" hangingPunct="1">
+              <a:lnSpc>
+                <a:spcPct val="90000"/>
+              </a:lnSpc>
+              <a:spcBef>
+                <a:spcPts val="500"/>
+              </a:spcBef>
+              <a:buFont typeface="Arial" panose="020B0604020202020204" pitchFamily="34" charset="0"/>
+              <a:buChar char="•"/>
+              <a:defRPr kumimoji="1" sz="1800" kern="1200">
+                <a:solidFill>
+                  <a:schemeClr val="tx1"/>
+                </a:solidFill>
+                <a:latin typeface="+mn-lt"/>
+                <a:ea typeface="+mn-ea"/>
+                <a:cs typeface="+mn-cs"/>
+              </a:defRPr>
+            </a:lvl8pPr>
+            <a:lvl9pPr marL="3886200" indent="-228600" algn="l" defTabSz="914400" rtl="0" eaLnBrk="1" latinLnBrk="0" hangingPunct="1">
+              <a:lnSpc>
+                <a:spcPct val="90000"/>
+              </a:lnSpc>
+              <a:spcBef>
+                <a:spcPts val="500"/>
+              </a:spcBef>
+              <a:buFont typeface="Arial" panose="020B0604020202020204" pitchFamily="34" charset="0"/>
+              <a:buChar char="•"/>
+              <a:defRPr kumimoji="1" sz="1800" kern="1200">
+                <a:solidFill>
+                  <a:schemeClr val="tx1"/>
+                </a:solidFill>
+                <a:latin typeface="+mn-lt"/>
+                <a:ea typeface="+mn-ea"/>
+                <a:cs typeface="+mn-cs"/>
+              </a:defRPr>
+            </a:lvl9pPr>
+          </a:lstStyle>
+          <a:p>
+            <a:pPr marL="0" indent="0">
+              <a:buNone/>
+            </a:pPr>
+            <a:r>
+              <a:rPr lang="ja-JP" altLang="en-US" sz="4800" dirty="0">
+                <a:solidFill>
+                  <a:schemeClr val="bg1"/>
+                </a:solidFill>
+                <a:latin typeface="HGS行書体" panose="03000600000000000000" pitchFamily="66" charset="-128"/>
+                <a:ea typeface="HGS行書体" panose="03000600000000000000" pitchFamily="66" charset="-128"/>
+              </a:rPr>
+              <a:t>本日のお品書き</a:t>
+            </a:r>
+            <a:endParaRPr lang="en-US" altLang="ja-JP" sz="4800" dirty="0">
+              <a:solidFill>
+                <a:schemeClr val="bg1"/>
+              </a:solidFill>
+              <a:latin typeface="HGS行書体" panose="03000600000000000000" pitchFamily="66" charset="-128"/>
+              <a:ea typeface="HGS行書体" panose="03000600000000000000" pitchFamily="66" charset="-128"/>
+            </a:endParaRPr>
+          </a:p>
+        </p:txBody>
+      </p:sp>
+      <p:pic>
+        <p:nvPicPr>
+          <p:cNvPr id="10" name="Picture 8">
+            <a:extLst>
+              <a:ext uri="{FF2B5EF4-FFF2-40B4-BE49-F238E27FC236}">
+                <a16:creationId xmlns:a16="http://schemas.microsoft.com/office/drawing/2014/main" id="{7BDE0EBF-610B-2B20-59A4-E0EB40BB561B}"/>
+              </a:ext>
+            </a:extLst>
+          </p:cNvPr>
+          <p:cNvPicPr>
+            <a:picLocks noChangeAspect="1" noChangeArrowheads="1"/>
+          </p:cNvPicPr>
+          <p:nvPr/>
+        </p:nvPicPr>
+        <p:blipFill>
+          <a:blip r:embed="rId3">
+            <a:extLst>
+              <a:ext uri="{28A0092B-C50C-407E-A947-70E740481C1C}">
+                <a14:useLocalDpi xmlns:a14="http://schemas.microsoft.com/office/drawing/2010/main" val="0"/>
+              </a:ext>
+            </a:extLst>
+          </a:blip>
+          <a:srcRect/>
+          <a:stretch>
+            <a:fillRect/>
+          </a:stretch>
+        </p:blipFill>
+        <p:spPr bwMode="auto">
+          <a:xfrm flipH="1">
+            <a:off x="10334551" y="4518568"/>
+            <a:ext cx="1224753" cy="1781459"/>
+          </a:xfrm>
+          <a:prstGeom prst="rect">
+            <a:avLst/>
+          </a:prstGeom>
+          <a:noFill/>
+          <a:extLst>
+            <a:ext uri="{909E8E84-426E-40DD-AFC4-6F175D3DCCD1}">
+              <a14:hiddenFill xmlns:a14="http://schemas.microsoft.com/office/drawing/2010/main">
+                <a:solidFill>
+                  <a:srgbClr val="FFFFFF"/>
+                </a:solidFill>
+              </a14:hiddenFill>
+            </a:ext>
+          </a:extLst>
+        </p:spPr>
+      </p:pic>
+      <p:pic>
+        <p:nvPicPr>
+          <p:cNvPr id="11" name="Picture 10">
+            <a:extLst>
+              <a:ext uri="{FF2B5EF4-FFF2-40B4-BE49-F238E27FC236}">
+                <a16:creationId xmlns:a16="http://schemas.microsoft.com/office/drawing/2014/main" id="{38D0EDB7-B120-9D93-ACE5-88B024691689}"/>
+              </a:ext>
+            </a:extLst>
+          </p:cNvPr>
+          <p:cNvPicPr>
+            <a:picLocks noChangeAspect="1" noChangeArrowheads="1"/>
+          </p:cNvPicPr>
+          <p:nvPr/>
+        </p:nvPicPr>
+        <p:blipFill>
+          <a:blip r:embed="rId4">
+            <a:extLst>
+              <a:ext uri="{28A0092B-C50C-407E-A947-70E740481C1C}">
+                <a14:useLocalDpi xmlns:a14="http://schemas.microsoft.com/office/drawing/2010/main" val="0"/>
+              </a:ext>
+            </a:extLst>
+          </a:blip>
+          <a:srcRect/>
+          <a:stretch>
+            <a:fillRect/>
+          </a:stretch>
+        </p:blipFill>
+        <p:spPr bwMode="auto">
+          <a:xfrm flipH="1">
+            <a:off x="9344518" y="4517165"/>
+            <a:ext cx="1229747" cy="1756781"/>
+          </a:xfrm>
+          <a:prstGeom prst="rect">
+            <a:avLst/>
+          </a:prstGeom>
+          <a:noFill/>
+          <a:extLst>
+            <a:ext uri="{909E8E84-426E-40DD-AFC4-6F175D3DCCD1}">
+              <a14:hiddenFill xmlns:a14="http://schemas.microsoft.com/office/drawing/2010/main">
+                <a:solidFill>
+                  <a:srgbClr val="FFFFFF"/>
+                </a:solidFill>
+              </a14:hiddenFill>
+            </a:ext>
+          </a:extLst>
+        </p:spPr>
+      </p:pic>
+      <p:pic>
+        <p:nvPicPr>
+          <p:cNvPr id="12" name="Picture 8">
+            <a:extLst>
+              <a:ext uri="{FF2B5EF4-FFF2-40B4-BE49-F238E27FC236}">
+                <a16:creationId xmlns:a16="http://schemas.microsoft.com/office/drawing/2014/main" id="{A2D940D0-A081-2D7B-61F1-061E0929A43E}"/>
+              </a:ext>
+            </a:extLst>
+          </p:cNvPr>
+          <p:cNvPicPr>
+            <a:picLocks noChangeAspect="1" noChangeArrowheads="1"/>
+          </p:cNvPicPr>
+          <p:nvPr/>
+        </p:nvPicPr>
+        <p:blipFill>
+          <a:blip r:embed="rId3">
+            <a:extLst>
+              <a:ext uri="{28A0092B-C50C-407E-A947-70E740481C1C}">
+                <a14:useLocalDpi xmlns:a14="http://schemas.microsoft.com/office/drawing/2010/main" val="0"/>
+              </a:ext>
+            </a:extLst>
+          </a:blip>
+          <a:srcRect/>
+          <a:stretch>
+            <a:fillRect/>
+          </a:stretch>
+        </p:blipFill>
+        <p:spPr bwMode="auto">
+          <a:xfrm>
+            <a:off x="710224" y="4492487"/>
+            <a:ext cx="1224753" cy="1781459"/>
+          </a:xfrm>
+          <a:prstGeom prst="rect">
+            <a:avLst/>
+          </a:prstGeom>
+          <a:noFill/>
+          <a:extLst>
+            <a:ext uri="{909E8E84-426E-40DD-AFC4-6F175D3DCCD1}">
+              <a14:hiddenFill xmlns:a14="http://schemas.microsoft.com/office/drawing/2010/main">
+                <a:solidFill>
+                  <a:srgbClr val="FFFFFF"/>
+                </a:solidFill>
+              </a14:hiddenFill>
+            </a:ext>
+          </a:extLst>
+        </p:spPr>
+      </p:pic>
+      <p:pic>
+        <p:nvPicPr>
+          <p:cNvPr id="13" name="Picture 8">
+            <a:extLst>
+              <a:ext uri="{FF2B5EF4-FFF2-40B4-BE49-F238E27FC236}">
+                <a16:creationId xmlns:a16="http://schemas.microsoft.com/office/drawing/2014/main" id="{A25C3A3F-6059-89F1-6967-C72AB4246B49}"/>
+              </a:ext>
+            </a:extLst>
+          </p:cNvPr>
+          <p:cNvPicPr>
+            <a:picLocks noChangeAspect="1" noChangeArrowheads="1"/>
+          </p:cNvPicPr>
+          <p:nvPr/>
+        </p:nvPicPr>
+        <p:blipFill>
+          <a:blip r:embed="rId3">
+            <a:extLst>
+              <a:ext uri="{28A0092B-C50C-407E-A947-70E740481C1C}">
+                <a14:useLocalDpi xmlns:a14="http://schemas.microsoft.com/office/drawing/2010/main" val="0"/>
+              </a:ext>
+            </a:extLst>
+          </a:blip>
+          <a:srcRect/>
+          <a:stretch>
+            <a:fillRect/>
+          </a:stretch>
+        </p:blipFill>
+        <p:spPr bwMode="auto">
+          <a:xfrm>
+            <a:off x="2656786" y="4518568"/>
+            <a:ext cx="1224753" cy="1781459"/>
+          </a:xfrm>
+          <a:prstGeom prst="rect">
+            <a:avLst/>
+          </a:prstGeom>
+          <a:noFill/>
+          <a:extLst>
+            <a:ext uri="{909E8E84-426E-40DD-AFC4-6F175D3DCCD1}">
+              <a14:hiddenFill xmlns:a14="http://schemas.microsoft.com/office/drawing/2010/main">
+                <a:solidFill>
+                  <a:srgbClr val="FFFFFF"/>
+                </a:solidFill>
+              </a14:hiddenFill>
+            </a:ext>
+          </a:extLst>
+        </p:spPr>
+      </p:pic>
+      <p:pic>
+        <p:nvPicPr>
+          <p:cNvPr id="14" name="Picture 10">
+            <a:extLst>
+              <a:ext uri="{FF2B5EF4-FFF2-40B4-BE49-F238E27FC236}">
+                <a16:creationId xmlns:a16="http://schemas.microsoft.com/office/drawing/2014/main" id="{CBA3D6A5-A45F-9487-439C-81A0EAE97A9A}"/>
+              </a:ext>
+            </a:extLst>
+          </p:cNvPr>
+          <p:cNvPicPr>
+            <a:picLocks noChangeAspect="1" noChangeArrowheads="1"/>
+          </p:cNvPicPr>
+          <p:nvPr/>
+        </p:nvPicPr>
+        <p:blipFill>
+          <a:blip r:embed="rId4">
+            <a:extLst>
+              <a:ext uri="{28A0092B-C50C-407E-A947-70E740481C1C}">
+                <a14:useLocalDpi xmlns:a14="http://schemas.microsoft.com/office/drawing/2010/main" val="0"/>
+              </a:ext>
+            </a:extLst>
+          </a:blip>
+          <a:srcRect/>
+          <a:stretch>
+            <a:fillRect/>
+          </a:stretch>
+        </p:blipFill>
+        <p:spPr bwMode="auto">
+          <a:xfrm>
+            <a:off x="1675975" y="4505736"/>
+            <a:ext cx="1229747" cy="1756781"/>
+          </a:xfrm>
+          <a:prstGeom prst="rect">
+            <a:avLst/>
+          </a:prstGeom>
+          <a:noFill/>
+          <a:extLst>
+            <a:ext uri="{909E8E84-426E-40DD-AFC4-6F175D3DCCD1}">
+              <a14:hiddenFill xmlns:a14="http://schemas.microsoft.com/office/drawing/2010/main">
+                <a:solidFill>
+                  <a:srgbClr val="FFFFFF"/>
+                </a:solidFill>
+              </a14:hiddenFill>
+            </a:ext>
+          </a:extLst>
+        </p:spPr>
+      </p:pic>
+      <p:pic>
+        <p:nvPicPr>
+          <p:cNvPr id="15" name="Picture 8">
+            <a:extLst>
+              <a:ext uri="{FF2B5EF4-FFF2-40B4-BE49-F238E27FC236}">
+                <a16:creationId xmlns:a16="http://schemas.microsoft.com/office/drawing/2014/main" id="{AD578ABE-6B68-FD76-4B48-C38AB27E7FE6}"/>
+              </a:ext>
+            </a:extLst>
+          </p:cNvPr>
+          <p:cNvPicPr>
+            <a:picLocks noChangeAspect="1" noChangeArrowheads="1"/>
+          </p:cNvPicPr>
+          <p:nvPr/>
+        </p:nvPicPr>
+        <p:blipFill>
+          <a:blip r:embed="rId3">
+            <a:extLst>
+              <a:ext uri="{28A0092B-C50C-407E-A947-70E740481C1C}">
+                <a14:useLocalDpi xmlns:a14="http://schemas.microsoft.com/office/drawing/2010/main" val="0"/>
+              </a:ext>
+            </a:extLst>
+          </a:blip>
+          <a:srcRect/>
+          <a:stretch>
+            <a:fillRect/>
+          </a:stretch>
+        </p:blipFill>
+        <p:spPr bwMode="auto">
+          <a:xfrm flipH="1">
+            <a:off x="8428352" y="4518568"/>
+            <a:ext cx="1224753" cy="1781459"/>
+          </a:xfrm>
+          <a:prstGeom prst="rect">
+            <a:avLst/>
+          </a:prstGeom>
+          <a:noFill/>
+          <a:extLst>
+            <a:ext uri="{909E8E84-426E-40DD-AFC4-6F175D3DCCD1}">
+              <a14:hiddenFill xmlns:a14="http://schemas.microsoft.com/office/drawing/2010/main">
+                <a:solidFill>
+                  <a:srgbClr val="FFFFFF"/>
+                </a:solidFill>
+              </a14:hiddenFill>
+            </a:ext>
+          </a:extLst>
+        </p:spPr>
+      </p:pic>
+    </p:spTree>
+    <p:extLst>
+      <p:ext uri="{BB962C8B-B14F-4D97-AF65-F5344CB8AC3E}">
+        <p14:creationId xmlns:p14="http://schemas.microsoft.com/office/powerpoint/2010/main" val="1004917846"/>
+      </p:ext>
+    </p:extLst>
+  </p:cSld>
+  <p:clrMapOvr>
+    <a:masterClrMapping/>
+  </p:clrMapOvr>
+</p:sld>
+</file>
+
+<file path=ppt/slides/slide3.xml><?xml version="1.0" encoding="utf-8"?>
+<p:sld xmlns:a="http://schemas.openxmlformats.org/drawingml/2006/main" xmlns:r="http://schemas.openxmlformats.org/officeDocument/2006/relationships" xmlns:p="http://schemas.openxmlformats.org/presentationml/2006/main">
+  <p:cSld>
+    <p:spTree>
+      <p:nvGrpSpPr>
+        <p:cNvPr id="1" name=""/>
+        <p:cNvGrpSpPr/>
+        <p:nvPr/>
+      </p:nvGrpSpPr>
+      <p:grpSpPr>
+        <a:xfrm>
+          <a:off x="0" y="0"/>
+          <a:ext cx="0" cy="0"/>
+          <a:chOff x="0" y="0"/>
+          <a:chExt cx="0" cy="0"/>
+        </a:xfrm>
+      </p:grpSpPr>
+      <p:sp>
+        <p:nvSpPr>
+          <p:cNvPr id="6" name="正方形/長方形 5">
+            <a:extLst>
+              <a:ext uri="{FF2B5EF4-FFF2-40B4-BE49-F238E27FC236}">
+                <a16:creationId xmlns:a16="http://schemas.microsoft.com/office/drawing/2014/main" id="{0F4F5560-4DDF-95AE-553A-22C0E1AC37B9}"/>
+              </a:ext>
+            </a:extLst>
+          </p:cNvPr>
+          <p:cNvSpPr/>
+          <p:nvPr/>
+        </p:nvSpPr>
+        <p:spPr>
+          <a:xfrm>
+            <a:off x="682487" y="301487"/>
+            <a:ext cx="10827026" cy="6255026"/>
+          </a:xfrm>
+          <a:prstGeom prst="rect">
+            <a:avLst/>
+          </a:prstGeom>
+          <a:solidFill>
+            <a:schemeClr val="bg1"/>
+          </a:solidFill>
+          <a:ln>
+            <a:noFill/>
+          </a:ln>
+        </p:spPr>
+        <p:style>
+          <a:lnRef idx="2">
+            <a:schemeClr val="accent1">
+              <a:shade val="50000"/>
+            </a:schemeClr>
+          </a:lnRef>
+          <a:fillRef idx="1">
+            <a:schemeClr val="accent1"/>
+          </a:fillRef>
+          <a:effectRef idx="0">
+            <a:schemeClr val="accent1"/>
+          </a:effectRef>
+          <a:fontRef idx="minor">
+            <a:schemeClr val="lt1"/>
+          </a:fontRef>
+        </p:style>
+        <p:txBody>
+          <a:bodyPr rtlCol="0" anchor="ctr"/>
+          <a:lstStyle/>
+          <a:p>
+            <a:pPr algn="ctr"/>
+            <a:endParaRPr kumimoji="1" lang="ja-JP" altLang="en-US"/>
+          </a:p>
+        </p:txBody>
+      </p:sp>
+      <p:sp>
+        <p:nvSpPr>
           <p:cNvPr id="2" name="タイトル 1">
             <a:extLst>
               <a:ext uri="{FF2B5EF4-FFF2-40B4-BE49-F238E27FC236}">
@@ -7677,7 +9017,7 @@
         <p:spPr>
           <a:xfrm>
             <a:off x="3318803" y="301453"/>
-            <a:ext cx="2777197" cy="1325563"/>
+            <a:ext cx="3466310" cy="1325563"/>
           </a:xfrm>
         </p:spPr>
         <p:txBody>
@@ -7685,13 +9025,22 @@
           <a:lstStyle/>
           <a:p>
             <a:r>
-              <a:rPr kumimoji="1" lang="ja-JP" altLang="en-US" b="1" dirty="0">
+              <a:rPr lang="ja-JP" altLang="en-US" b="1" dirty="0">
                 <a:solidFill>
                   <a:srgbClr val="056334"/>
                 </a:solidFill>
-              </a:rPr>
-              <a:t>について</a:t>
-            </a:r>
+                <a:latin typeface="HGS行書体" panose="03000600000000000000" pitchFamily="66" charset="-128"/>
+                <a:ea typeface="HGS行書体" panose="03000600000000000000" pitchFamily="66" charset="-128"/>
+              </a:rPr>
+              <a:t>の開発背景</a:t>
+            </a:r>
+            <a:endParaRPr kumimoji="1" lang="ja-JP" altLang="en-US" b="1" dirty="0">
+              <a:solidFill>
+                <a:srgbClr val="056334"/>
+              </a:solidFill>
+              <a:latin typeface="HGS行書体" panose="03000600000000000000" pitchFamily="66" charset="-128"/>
+              <a:ea typeface="HGS行書体" panose="03000600000000000000" pitchFamily="66" charset="-128"/>
+            </a:endParaRPr>
           </a:p>
         </p:txBody>
       </p:sp>
@@ -7711,134 +9060,240 @@
             <p:ph idx="1"/>
           </p:nvPr>
         </p:nvSpPr>
-        <p:spPr/>
-        <p:txBody>
-          <a:bodyPr/>
+        <p:spPr>
+          <a:xfrm>
+            <a:off x="864704" y="2028651"/>
+            <a:ext cx="10515600" cy="3775801"/>
+          </a:xfrm>
+        </p:spPr>
+        <p:txBody>
+          <a:bodyPr>
+            <a:normAutofit fontScale="92500"/>
+          </a:bodyPr>
           <a:lstStyle/>
           <a:p>
-            <a:r>
-              <a:rPr kumimoji="1" lang="ja-JP" altLang="en-US" dirty="0"/>
-              <a:t>「</a:t>
-            </a:r>
-            <a:r>
-              <a:rPr kumimoji="1" lang="en-US" altLang="ja-JP" dirty="0">
-                <a:solidFill>
-                  <a:srgbClr val="FF0000"/>
-                </a:solidFill>
-              </a:rPr>
-              <a:t>Netflix</a:t>
-            </a:r>
-            <a:r>
-              <a:rPr kumimoji="1" lang="en-US" altLang="ja-JP" dirty="0"/>
-              <a:t> </a:t>
-            </a:r>
-            <a:r>
-              <a:rPr kumimoji="1" lang="en-US" altLang="ja-JP" dirty="0">
-                <a:solidFill>
-                  <a:srgbClr val="FF0000"/>
-                </a:solidFill>
-              </a:rPr>
-              <a:t>freak</a:t>
-            </a:r>
-            <a:r>
-              <a:rPr kumimoji="1" lang="en-US" altLang="ja-JP" dirty="0"/>
-              <a:t>(Netflix </a:t>
-            </a:r>
-            <a:r>
-              <a:rPr kumimoji="1" lang="ja-JP" altLang="en-US" dirty="0"/>
-              <a:t>愛好家</a:t>
-            </a:r>
-            <a:r>
-              <a:rPr kumimoji="1" lang="en-US" altLang="ja-JP" dirty="0"/>
-              <a:t>)</a:t>
-            </a:r>
-            <a:r>
-              <a:rPr kumimoji="1" lang="ja-JP" altLang="en-US" dirty="0"/>
-              <a:t>」という造語の略称</a:t>
-            </a:r>
-            <a:endParaRPr kumimoji="1" lang="en-US" altLang="ja-JP" dirty="0"/>
-          </a:p>
-          <a:p>
-            <a:r>
-              <a:rPr kumimoji="1" lang="ja-JP" altLang="en-US" dirty="0"/>
-              <a:t>コロナ禍で家での活動時間が増えた影響で、サブスクリプションサービスを利用する人が増えた。</a:t>
-            </a:r>
-            <a:endParaRPr kumimoji="1" lang="en-US" altLang="ja-JP" dirty="0"/>
+            <a:pPr>
+              <a:buFont typeface="Wingdings" panose="05000000000000000000" pitchFamily="2" charset="2"/>
+              <a:buChar char="Ø"/>
+            </a:pPr>
+            <a:r>
+              <a:rPr kumimoji="1" lang="ja-JP" altLang="en-US" b="1" u="sng" dirty="0">
+                <a:latin typeface="BIZ UDP明朝 Medium" panose="02020500000000000000" pitchFamily="18" charset="-128"/>
+                <a:ea typeface="BIZ UDP明朝 Medium" panose="02020500000000000000" pitchFamily="18" charset="-128"/>
+              </a:rPr>
+              <a:t>コロナ禍</a:t>
+            </a:r>
+            <a:r>
+              <a:rPr lang="ja-JP" altLang="en-US" b="1" u="sng" dirty="0">
+                <a:latin typeface="BIZ UDP明朝 Medium" panose="02020500000000000000" pitchFamily="18" charset="-128"/>
+                <a:ea typeface="BIZ UDP明朝 Medium" panose="02020500000000000000" pitchFamily="18" charset="-128"/>
+              </a:rPr>
+              <a:t>において</a:t>
+            </a:r>
+            <a:r>
+              <a:rPr kumimoji="1" lang="ja-JP" altLang="en-US" b="1" u="sng" dirty="0">
+                <a:latin typeface="BIZ UDP明朝 Medium" panose="02020500000000000000" pitchFamily="18" charset="-128"/>
+                <a:ea typeface="BIZ UDP明朝 Medium" panose="02020500000000000000" pitchFamily="18" charset="-128"/>
+              </a:rPr>
+              <a:t>家での活動時間が増えた影響で、サブスクリプションサービスを利用する人が増えた</a:t>
+            </a:r>
+            <a:endParaRPr kumimoji="1" lang="en-US" altLang="ja-JP" b="1" u="sng" dirty="0">
+              <a:latin typeface="BIZ UDP明朝 Medium" panose="02020500000000000000" pitchFamily="18" charset="-128"/>
+              <a:ea typeface="BIZ UDP明朝 Medium" panose="02020500000000000000" pitchFamily="18" charset="-128"/>
+            </a:endParaRPr>
           </a:p>
           <a:p>
             <a:pPr marL="0" indent="0">
               <a:buNone/>
             </a:pPr>
             <a:r>
-              <a:rPr lang="ja-JP" altLang="en-US" dirty="0"/>
+              <a:rPr lang="ja-JP" altLang="en-US" dirty="0">
+                <a:latin typeface="BIZ UDP明朝 Medium" panose="02020500000000000000" pitchFamily="18" charset="-128"/>
+                <a:ea typeface="BIZ UDP明朝 Medium" panose="02020500000000000000" pitchFamily="18" charset="-128"/>
+              </a:rPr>
               <a:t>→</a:t>
             </a:r>
             <a:r>
-              <a:rPr kumimoji="1" lang="ja-JP" altLang="en-US" dirty="0"/>
-              <a:t>特に</a:t>
-            </a:r>
-            <a:r>
-              <a:rPr kumimoji="1" lang="en-US" altLang="ja-JP" dirty="0"/>
+              <a:rPr lang="en-US" altLang="ja-JP" dirty="0">
+                <a:latin typeface="BIZ UDP明朝 Medium" panose="02020500000000000000" pitchFamily="18" charset="-128"/>
+                <a:ea typeface="BIZ UDP明朝 Medium" panose="02020500000000000000" pitchFamily="18" charset="-128"/>
+              </a:rPr>
               <a:t>Netflix</a:t>
             </a:r>
             <a:r>
-              <a:rPr kumimoji="1" lang="ja-JP" altLang="en-US" dirty="0"/>
-              <a:t>は</a:t>
-            </a:r>
-            <a:r>
-              <a:rPr kumimoji="1" lang="en-US" altLang="ja-JP" dirty="0"/>
-              <a:t>20</a:t>
-            </a:r>
-            <a:r>
-              <a:rPr kumimoji="1" lang="ja-JP" altLang="en-US" dirty="0"/>
-              <a:t>代の利用者は全体の約</a:t>
-            </a:r>
-            <a:r>
-              <a:rPr kumimoji="1" lang="en-US" altLang="ja-JP" dirty="0"/>
-              <a:t>4</a:t>
-            </a:r>
-            <a:r>
-              <a:rPr kumimoji="1" lang="ja-JP" altLang="en-US" dirty="0"/>
-              <a:t>割を占める。</a:t>
-            </a:r>
-            <a:endParaRPr kumimoji="1" lang="en-US" altLang="ja-JP" dirty="0"/>
+              <a:rPr lang="ja-JP" altLang="en-US" dirty="0">
+                <a:latin typeface="BIZ UDP明朝 Medium" panose="02020500000000000000" pitchFamily="18" charset="-128"/>
+                <a:ea typeface="BIZ UDP明朝 Medium" panose="02020500000000000000" pitchFamily="18" charset="-128"/>
+              </a:rPr>
+              <a:t>はアマゾンプライムの次に会員数が多い</a:t>
+            </a:r>
+            <a:r>
+              <a:rPr lang="en-US" altLang="ja-JP" dirty="0">
+                <a:latin typeface="BIZ UDP明朝 Medium" panose="02020500000000000000" pitchFamily="18" charset="-128"/>
+                <a:ea typeface="BIZ UDP明朝 Medium" panose="02020500000000000000" pitchFamily="18" charset="-128"/>
+              </a:rPr>
+              <a:t>(</a:t>
+            </a:r>
+            <a:r>
+              <a:rPr lang="ja-JP" altLang="en-US" dirty="0">
+                <a:latin typeface="BIZ UDP明朝 Medium" panose="02020500000000000000" pitchFamily="18" charset="-128"/>
+                <a:ea typeface="BIZ UDP明朝 Medium" panose="02020500000000000000" pitchFamily="18" charset="-128"/>
+              </a:rPr>
+              <a:t>国内で</a:t>
+            </a:r>
+            <a:r>
+              <a:rPr lang="en-US" altLang="ja-JP" dirty="0">
+                <a:latin typeface="BIZ UDP明朝 Medium" panose="02020500000000000000" pitchFamily="18" charset="-128"/>
+                <a:ea typeface="BIZ UDP明朝 Medium" panose="02020500000000000000" pitchFamily="18" charset="-128"/>
+              </a:rPr>
+              <a:t>600</a:t>
+            </a:r>
+            <a:r>
+              <a:rPr lang="ja-JP" altLang="en-US" dirty="0">
+                <a:latin typeface="BIZ UDP明朝 Medium" panose="02020500000000000000" pitchFamily="18" charset="-128"/>
+                <a:ea typeface="BIZ UDP明朝 Medium" panose="02020500000000000000" pitchFamily="18" charset="-128"/>
+              </a:rPr>
+              <a:t>万人</a:t>
+            </a:r>
+            <a:r>
+              <a:rPr lang="en-US" altLang="ja-JP" dirty="0">
+                <a:latin typeface="BIZ UDP明朝 Medium" panose="02020500000000000000" pitchFamily="18" charset="-128"/>
+                <a:ea typeface="BIZ UDP明朝 Medium" panose="02020500000000000000" pitchFamily="18" charset="-128"/>
+              </a:rPr>
+              <a:t>)</a:t>
+            </a:r>
           </a:p>
           <a:p>
             <a:pPr marL="0" indent="0">
               <a:buNone/>
             </a:pPr>
-            <a:endParaRPr kumimoji="1" lang="ja-JP" altLang="en-US" dirty="0"/>
-          </a:p>
-          <a:p>
-            <a:r>
-              <a:rPr kumimoji="1" lang="ja-JP" altLang="en-US" dirty="0"/>
-              <a:t>現状で</a:t>
-            </a:r>
-            <a:r>
-              <a:rPr kumimoji="1" lang="en-US" altLang="ja-JP" dirty="0"/>
-              <a:t>Netflix</a:t>
-            </a:r>
-            <a:r>
-              <a:rPr kumimoji="1" lang="ja-JP" altLang="en-US" dirty="0"/>
-              <a:t>には評価機能やコメント機能がない。</a:t>
-            </a:r>
-            <a:endParaRPr kumimoji="1" lang="en-US" altLang="ja-JP" dirty="0"/>
+            <a:r>
+              <a:rPr kumimoji="1" lang="ja-JP" altLang="en-US" dirty="0">
+                <a:latin typeface="BIZ UDP明朝 Medium" panose="02020500000000000000" pitchFamily="18" charset="-128"/>
+                <a:ea typeface="BIZ UDP明朝 Medium" panose="02020500000000000000" pitchFamily="18" charset="-128"/>
+              </a:rPr>
+              <a:t>　そして</a:t>
+            </a:r>
+            <a:r>
+              <a:rPr kumimoji="1" lang="en-US" altLang="ja-JP" dirty="0">
+                <a:latin typeface="BIZ UDP明朝 Medium" panose="02020500000000000000" pitchFamily="18" charset="-128"/>
+                <a:ea typeface="BIZ UDP明朝 Medium" panose="02020500000000000000" pitchFamily="18" charset="-128"/>
+              </a:rPr>
+              <a:t>20</a:t>
+            </a:r>
+            <a:r>
+              <a:rPr kumimoji="1" lang="ja-JP" altLang="en-US" dirty="0">
+                <a:latin typeface="BIZ UDP明朝 Medium" panose="02020500000000000000" pitchFamily="18" charset="-128"/>
+                <a:ea typeface="BIZ UDP明朝 Medium" panose="02020500000000000000" pitchFamily="18" charset="-128"/>
+              </a:rPr>
+              <a:t>代の利用者が全体の約</a:t>
+            </a:r>
+            <a:r>
+              <a:rPr kumimoji="1" lang="en-US" altLang="ja-JP" dirty="0">
+                <a:latin typeface="BIZ UDP明朝 Medium" panose="02020500000000000000" pitchFamily="18" charset="-128"/>
+                <a:ea typeface="BIZ UDP明朝 Medium" panose="02020500000000000000" pitchFamily="18" charset="-128"/>
+              </a:rPr>
+              <a:t>4</a:t>
+            </a:r>
+            <a:r>
+              <a:rPr kumimoji="1" lang="ja-JP" altLang="en-US" dirty="0">
+                <a:latin typeface="BIZ UDP明朝 Medium" panose="02020500000000000000" pitchFamily="18" charset="-128"/>
+                <a:ea typeface="BIZ UDP明朝 Medium" panose="02020500000000000000" pitchFamily="18" charset="-128"/>
+              </a:rPr>
+              <a:t>割を占める</a:t>
+            </a:r>
+            <a:endParaRPr kumimoji="1" lang="en-US" altLang="ja-JP" dirty="0">
+              <a:latin typeface="BIZ UDP明朝 Medium" panose="02020500000000000000" pitchFamily="18" charset="-128"/>
+              <a:ea typeface="BIZ UDP明朝 Medium" panose="02020500000000000000" pitchFamily="18" charset="-128"/>
+            </a:endParaRPr>
           </a:p>
           <a:p>
             <a:pPr marL="0" indent="0">
               <a:buNone/>
             </a:pPr>
-            <a:r>
-              <a:rPr lang="ja-JP" altLang="en-US" dirty="0"/>
+            <a:endParaRPr kumimoji="1" lang="ja-JP" altLang="en-US" dirty="0">
+              <a:latin typeface="BIZ UDP明朝 Medium" panose="02020500000000000000" pitchFamily="18" charset="-128"/>
+              <a:ea typeface="BIZ UDP明朝 Medium" panose="02020500000000000000" pitchFamily="18" charset="-128"/>
+            </a:endParaRPr>
+          </a:p>
+          <a:p>
+            <a:pPr>
+              <a:buFont typeface="Wingdings" panose="05000000000000000000" pitchFamily="2" charset="2"/>
+              <a:buChar char="Ø"/>
+            </a:pPr>
+            <a:r>
+              <a:rPr kumimoji="1" lang="ja-JP" altLang="en-US" b="1" u="sng" dirty="0">
+                <a:latin typeface="BIZ UDP明朝 Medium" panose="02020500000000000000" pitchFamily="18" charset="-128"/>
+                <a:ea typeface="BIZ UDP明朝 Medium" panose="02020500000000000000" pitchFamily="18" charset="-128"/>
+              </a:rPr>
+              <a:t>現状で</a:t>
+            </a:r>
+            <a:r>
+              <a:rPr kumimoji="1" lang="en-US" altLang="ja-JP" b="1" u="sng" dirty="0">
+                <a:latin typeface="BIZ UDP明朝 Medium" panose="02020500000000000000" pitchFamily="18" charset="-128"/>
+                <a:ea typeface="BIZ UDP明朝 Medium" panose="02020500000000000000" pitchFamily="18" charset="-128"/>
+              </a:rPr>
+              <a:t>Netflix</a:t>
+            </a:r>
+            <a:r>
+              <a:rPr kumimoji="1" lang="ja-JP" altLang="en-US" b="1" u="sng" dirty="0">
+                <a:latin typeface="BIZ UDP明朝 Medium" panose="02020500000000000000" pitchFamily="18" charset="-128"/>
+                <a:ea typeface="BIZ UDP明朝 Medium" panose="02020500000000000000" pitchFamily="18" charset="-128"/>
+              </a:rPr>
+              <a:t>には評価機能やコメント機能がない</a:t>
+            </a:r>
+            <a:endParaRPr kumimoji="1" lang="en-US" altLang="ja-JP" b="1" u="sng" dirty="0">
+              <a:latin typeface="BIZ UDP明朝 Medium" panose="02020500000000000000" pitchFamily="18" charset="-128"/>
+              <a:ea typeface="BIZ UDP明朝 Medium" panose="02020500000000000000" pitchFamily="18" charset="-128"/>
+            </a:endParaRPr>
+          </a:p>
+          <a:p>
+            <a:pPr marL="0" indent="0">
+              <a:buNone/>
+            </a:pPr>
+            <a:r>
+              <a:rPr lang="ja-JP" altLang="en-US" dirty="0">
+                <a:latin typeface="BIZ UDP明朝 Medium" panose="02020500000000000000" pitchFamily="18" charset="-128"/>
+                <a:ea typeface="BIZ UDP明朝 Medium" panose="02020500000000000000" pitchFamily="18" charset="-128"/>
+              </a:rPr>
               <a:t>→</a:t>
             </a:r>
             <a:r>
-              <a:rPr kumimoji="1" lang="en-US" altLang="ja-JP" dirty="0"/>
+              <a:rPr kumimoji="1" lang="en-US" altLang="ja-JP" dirty="0">
+                <a:latin typeface="BIZ UDP明朝 Medium" panose="02020500000000000000" pitchFamily="18" charset="-128"/>
+                <a:ea typeface="BIZ UDP明朝 Medium" panose="02020500000000000000" pitchFamily="18" charset="-128"/>
+              </a:rPr>
               <a:t>FLIFRE</a:t>
             </a:r>
             <a:r>
-              <a:rPr kumimoji="1" lang="ja-JP" altLang="en-US" dirty="0"/>
-              <a:t>を介して作品の評価をユーザー間で共有できるようにしてもらおう！</a:t>
+              <a:rPr kumimoji="1" lang="ja-JP" altLang="en-US" dirty="0">
+                <a:latin typeface="BIZ UDP明朝 Medium" panose="02020500000000000000" pitchFamily="18" charset="-128"/>
+                <a:ea typeface="BIZ UDP明朝 Medium" panose="02020500000000000000" pitchFamily="18" charset="-128"/>
+              </a:rPr>
+              <a:t>を介して作品の評価をユーザー間で共有できるようにして</a:t>
+            </a:r>
+            <a:endParaRPr kumimoji="1" lang="en-US" altLang="ja-JP" dirty="0">
+              <a:latin typeface="BIZ UDP明朝 Medium" panose="02020500000000000000" pitchFamily="18" charset="-128"/>
+              <a:ea typeface="BIZ UDP明朝 Medium" panose="02020500000000000000" pitchFamily="18" charset="-128"/>
+            </a:endParaRPr>
+          </a:p>
+          <a:p>
+            <a:pPr marL="0" indent="0">
+              <a:buNone/>
+            </a:pPr>
+            <a:r>
+              <a:rPr lang="ja-JP" altLang="en-US" dirty="0">
+                <a:latin typeface="BIZ UDP明朝 Medium" panose="02020500000000000000" pitchFamily="18" charset="-128"/>
+                <a:ea typeface="BIZ UDP明朝 Medium" panose="02020500000000000000" pitchFamily="18" charset="-128"/>
+              </a:rPr>
+              <a:t>　</a:t>
+            </a:r>
+            <a:r>
+              <a:rPr kumimoji="1" lang="ja-JP" altLang="en-US" dirty="0">
+                <a:latin typeface="BIZ UDP明朝 Medium" panose="02020500000000000000" pitchFamily="18" charset="-128"/>
+                <a:ea typeface="BIZ UDP明朝 Medium" panose="02020500000000000000" pitchFamily="18" charset="-128"/>
+              </a:rPr>
+              <a:t>もらおう！</a:t>
             </a:r>
           </a:p>
           <a:p>
@@ -7898,7 +9353,7 @@
 </p:sld>
 </file>
 
-<file path=ppt/slides/slide20.xml><?xml version="1.0" encoding="utf-8"?>
+<file path=ppt/slides/slide4.xml><?xml version="1.0" encoding="utf-8"?>
 <p:sld xmlns:a="http://schemas.openxmlformats.org/drawingml/2006/main" xmlns:r="http://schemas.openxmlformats.org/officeDocument/2006/relationships" xmlns:p="http://schemas.openxmlformats.org/presentationml/2006/main">
   <p:cSld>
     <p:spTree>
@@ -7915,478 +9370,58 @@
           <a:chExt cx="0" cy="0"/>
         </a:xfrm>
       </p:grpSpPr>
-      <p:pic>
-        <p:nvPicPr>
-          <p:cNvPr id="1036" name="Picture 12">
-            <a:extLst>
-              <a:ext uri="{FF2B5EF4-FFF2-40B4-BE49-F238E27FC236}">
-                <a16:creationId xmlns:a16="http://schemas.microsoft.com/office/drawing/2014/main" id="{0CD25576-0D6C-46E1-67CF-7F62DF766819}"/>
-              </a:ext>
-            </a:extLst>
-          </p:cNvPr>
-          <p:cNvPicPr>
-            <a:picLocks noChangeAspect="1" noChangeArrowheads="1"/>
-          </p:cNvPicPr>
+      <p:sp>
+        <p:nvSpPr>
+          <p:cNvPr id="7" name="正方形/長方形 6">
+            <a:extLst>
+              <a:ext uri="{FF2B5EF4-FFF2-40B4-BE49-F238E27FC236}">
+                <a16:creationId xmlns:a16="http://schemas.microsoft.com/office/drawing/2014/main" id="{F315BA8D-3AE3-F2B0-BF93-664742398F26}"/>
+              </a:ext>
+            </a:extLst>
+          </p:cNvPr>
+          <p:cNvSpPr/>
           <p:nvPr/>
-        </p:nvPicPr>
-        <p:blipFill>
-          <a:blip r:embed="rId3">
-            <a:duotone>
-              <a:schemeClr val="accent6">
-                <a:shade val="45000"/>
-                <a:satMod val="135000"/>
-              </a:schemeClr>
-              <a:prstClr val="white"/>
-            </a:duotone>
-            <a:extLst>
-              <a:ext uri="{28A0092B-C50C-407E-A947-70E740481C1C}">
-                <a14:useLocalDpi xmlns:a14="http://schemas.microsoft.com/office/drawing/2010/main" val="0"/>
-              </a:ext>
-            </a:extLst>
-          </a:blip>
-          <a:srcRect/>
-          <a:stretch>
-            <a:fillRect/>
-          </a:stretch>
-        </p:blipFill>
-        <p:spPr bwMode="auto">
+        </p:nvSpPr>
+        <p:spPr>
           <a:xfrm>
-            <a:off x="731962" y="1"/>
-            <a:ext cx="10728076" cy="1930400"/>
+            <a:off x="682487" y="301487"/>
+            <a:ext cx="10827026" cy="6255026"/>
           </a:xfrm>
           <a:prstGeom prst="rect">
             <a:avLst/>
           </a:prstGeom>
-          <a:noFill/>
-          <a:extLst>
-            <a:ext uri="{909E8E84-426E-40DD-AFC4-6F175D3DCCD1}">
-              <a14:hiddenFill xmlns:a14="http://schemas.microsoft.com/office/drawing/2010/main">
-                <a:solidFill>
-                  <a:srgbClr val="FFFFFF"/>
-                </a:solidFill>
-              </a14:hiddenFill>
-            </a:ext>
-          </a:extLst>
+          <a:solidFill>
+            <a:schemeClr val="bg1"/>
+          </a:solidFill>
+          <a:ln>
+            <a:noFill/>
+          </a:ln>
         </p:spPr>
-      </p:pic>
-      <p:sp>
-        <p:nvSpPr>
-          <p:cNvPr id="3" name="字幕 2">
-            <a:extLst>
-              <a:ext uri="{FF2B5EF4-FFF2-40B4-BE49-F238E27FC236}">
-                <a16:creationId xmlns:a16="http://schemas.microsoft.com/office/drawing/2014/main" id="{B9C9FA85-31F3-4C52-2DB3-21CCC84B3594}"/>
-              </a:ext>
-            </a:extLst>
-          </p:cNvPr>
-          <p:cNvSpPr>
-            <a:spLocks noGrp="1"/>
-          </p:cNvSpPr>
-          <p:nvPr>
-            <p:ph type="subTitle" idx="1"/>
-          </p:nvPr>
-        </p:nvSpPr>
-        <p:spPr>
-          <a:xfrm>
-            <a:off x="2392487" y="584959"/>
-            <a:ext cx="7407025" cy="929814"/>
-          </a:xfrm>
-        </p:spPr>
-        <p:txBody>
-          <a:bodyPr>
-            <a:noAutofit/>
-          </a:bodyPr>
+        <p:style>
+          <a:lnRef idx="2">
+            <a:schemeClr val="accent1">
+              <a:shade val="50000"/>
+            </a:schemeClr>
+          </a:lnRef>
+          <a:fillRef idx="1">
+            <a:schemeClr val="accent1"/>
+          </a:fillRef>
+          <a:effectRef idx="0">
+            <a:schemeClr val="accent1"/>
+          </a:effectRef>
+          <a:fontRef idx="minor">
+            <a:schemeClr val="lt1"/>
+          </a:fontRef>
+        </p:style>
+        <p:txBody>
+          <a:bodyPr rtlCol="0" anchor="ctr"/>
           <a:lstStyle/>
           <a:p>
-            <a:r>
-              <a:rPr lang="en-US" altLang="ja-JP" sz="4800">
-                <a:solidFill>
-                  <a:schemeClr val="bg1"/>
-                </a:solidFill>
-                <a:latin typeface="HGS行書体" panose="03000600000000000000" pitchFamily="66" charset="-128"/>
-                <a:ea typeface="HGS行書体" panose="03000600000000000000" pitchFamily="66" charset="-128"/>
-              </a:rPr>
-              <a:t>B3 </a:t>
-            </a:r>
-            <a:r>
-              <a:rPr lang="ja-JP" altLang="en-US" sz="4800">
-                <a:solidFill>
-                  <a:schemeClr val="bg1"/>
-                </a:solidFill>
-                <a:latin typeface="HGS行書体" panose="03000600000000000000" pitchFamily="66" charset="-128"/>
-                <a:ea typeface="HGS行書体" panose="03000600000000000000" pitchFamily="66" charset="-128"/>
-              </a:rPr>
-              <a:t>炙りえんがわ</a:t>
-            </a:r>
-            <a:endParaRPr lang="en-US" altLang="ja-JP" sz="4800" dirty="0">
-              <a:solidFill>
-                <a:schemeClr val="bg1"/>
-              </a:solidFill>
-              <a:latin typeface="HGS行書体" panose="03000600000000000000" pitchFamily="66" charset="-128"/>
-              <a:ea typeface="HGS行書体" panose="03000600000000000000" pitchFamily="66" charset="-128"/>
-            </a:endParaRPr>
-          </a:p>
-        </p:txBody>
-      </p:sp>
-      <p:pic>
-        <p:nvPicPr>
-          <p:cNvPr id="1032" name="Picture 8">
-            <a:extLst>
-              <a:ext uri="{FF2B5EF4-FFF2-40B4-BE49-F238E27FC236}">
-                <a16:creationId xmlns:a16="http://schemas.microsoft.com/office/drawing/2014/main" id="{58AAFB82-1920-F453-21BA-A85B229D3377}"/>
-              </a:ext>
-            </a:extLst>
-          </p:cNvPr>
-          <p:cNvPicPr>
-            <a:picLocks noChangeAspect="1" noChangeArrowheads="1"/>
-          </p:cNvPicPr>
-          <p:nvPr/>
-        </p:nvPicPr>
-        <p:blipFill>
-          <a:blip r:embed="rId4">
-            <a:extLst>
-              <a:ext uri="{28A0092B-C50C-407E-A947-70E740481C1C}">
-                <a14:useLocalDpi xmlns:a14="http://schemas.microsoft.com/office/drawing/2010/main" val="0"/>
-              </a:ext>
-            </a:extLst>
-          </a:blip>
-          <a:srcRect/>
-          <a:stretch>
-            <a:fillRect/>
-          </a:stretch>
-        </p:blipFill>
-        <p:spPr bwMode="auto">
-          <a:xfrm>
-            <a:off x="616215" y="3545608"/>
-            <a:ext cx="1900238" cy="2763983"/>
-          </a:xfrm>
-          <a:prstGeom prst="rect">
-            <a:avLst/>
-          </a:prstGeom>
-          <a:noFill/>
-          <a:extLst>
-            <a:ext uri="{909E8E84-426E-40DD-AFC4-6F175D3DCCD1}">
-              <a14:hiddenFill xmlns:a14="http://schemas.microsoft.com/office/drawing/2010/main">
-                <a:solidFill>
-                  <a:srgbClr val="FFFFFF"/>
-                </a:solidFill>
-              </a14:hiddenFill>
-            </a:ext>
-          </a:extLst>
-        </p:spPr>
-      </p:pic>
-      <p:pic>
-        <p:nvPicPr>
-          <p:cNvPr id="1034" name="Picture 10">
-            <a:extLst>
-              <a:ext uri="{FF2B5EF4-FFF2-40B4-BE49-F238E27FC236}">
-                <a16:creationId xmlns:a16="http://schemas.microsoft.com/office/drawing/2014/main" id="{B57438F9-2BFD-C78C-6957-E190FD9AF275}"/>
-              </a:ext>
-            </a:extLst>
-          </p:cNvPr>
-          <p:cNvPicPr>
-            <a:picLocks noChangeAspect="1" noChangeArrowheads="1"/>
-          </p:cNvPicPr>
-          <p:nvPr/>
-        </p:nvPicPr>
-        <p:blipFill>
-          <a:blip r:embed="rId5">
-            <a:extLst>
-              <a:ext uri="{28A0092B-C50C-407E-A947-70E740481C1C}">
-                <a14:useLocalDpi xmlns:a14="http://schemas.microsoft.com/office/drawing/2010/main" val="0"/>
-              </a:ext>
-            </a:extLst>
-          </a:blip>
-          <a:srcRect/>
-          <a:stretch>
-            <a:fillRect/>
-          </a:stretch>
-        </p:blipFill>
-        <p:spPr bwMode="auto">
-          <a:xfrm flipH="1">
-            <a:off x="9777147" y="3594964"/>
-            <a:ext cx="1900239" cy="2714627"/>
-          </a:xfrm>
-          <a:prstGeom prst="rect">
-            <a:avLst/>
-          </a:prstGeom>
-          <a:noFill/>
-          <a:extLst>
-            <a:ext uri="{909E8E84-426E-40DD-AFC4-6F175D3DCCD1}">
-              <a14:hiddenFill xmlns:a14="http://schemas.microsoft.com/office/drawing/2010/main">
-                <a:solidFill>
-                  <a:srgbClr val="FFFFFF"/>
-                </a:solidFill>
-              </a14:hiddenFill>
-            </a:ext>
-          </a:extLst>
-        </p:spPr>
-      </p:pic>
-      <p:pic>
-        <p:nvPicPr>
-          <p:cNvPr id="8" name="Picture 6">
-            <a:extLst>
-              <a:ext uri="{FF2B5EF4-FFF2-40B4-BE49-F238E27FC236}">
-                <a16:creationId xmlns:a16="http://schemas.microsoft.com/office/drawing/2014/main" id="{A4C4055A-E209-6536-8A2B-212A0176FAAF}"/>
-              </a:ext>
-            </a:extLst>
-          </p:cNvPr>
-          <p:cNvPicPr>
-            <a:picLocks noChangeAspect="1" noChangeArrowheads="1"/>
-          </p:cNvPicPr>
-          <p:nvPr/>
-        </p:nvPicPr>
-        <p:blipFill>
-          <a:blip r:embed="rId6">
-            <a:extLst>
-              <a:ext uri="{28A0092B-C50C-407E-A947-70E740481C1C}">
-                <a14:useLocalDpi xmlns:a14="http://schemas.microsoft.com/office/drawing/2010/main" val="0"/>
-              </a:ext>
-            </a:extLst>
-          </a:blip>
-          <a:srcRect/>
-          <a:stretch>
-            <a:fillRect/>
-          </a:stretch>
-        </p:blipFill>
-        <p:spPr bwMode="auto">
-          <a:xfrm rot="20742482">
-            <a:off x="140668" y="5691187"/>
-            <a:ext cx="951092" cy="833395"/>
-          </a:xfrm>
-          <a:prstGeom prst="rect">
-            <a:avLst/>
-          </a:prstGeom>
-          <a:noFill/>
-          <a:extLst>
-            <a:ext uri="{909E8E84-426E-40DD-AFC4-6F175D3DCCD1}">
-              <a14:hiddenFill xmlns:a14="http://schemas.microsoft.com/office/drawing/2010/main">
-                <a:solidFill>
-                  <a:srgbClr val="FFFFFF"/>
-                </a:solidFill>
-              </a14:hiddenFill>
-            </a:ext>
-          </a:extLst>
-        </p:spPr>
-      </p:pic>
-      <p:pic>
-        <p:nvPicPr>
-          <p:cNvPr id="9" name="Picture 2">
-            <a:extLst>
-              <a:ext uri="{FF2B5EF4-FFF2-40B4-BE49-F238E27FC236}">
-                <a16:creationId xmlns:a16="http://schemas.microsoft.com/office/drawing/2014/main" id="{2BC982C6-47BF-1032-1FEC-48744E03CB1C}"/>
-              </a:ext>
-            </a:extLst>
-          </p:cNvPr>
-          <p:cNvPicPr>
-            <a:picLocks noChangeAspect="1" noChangeArrowheads="1"/>
-          </p:cNvPicPr>
-          <p:nvPr/>
-        </p:nvPicPr>
-        <p:blipFill>
-          <a:blip r:embed="rId7">
-            <a:extLst>
-              <a:ext uri="{28A0092B-C50C-407E-A947-70E740481C1C}">
-                <a14:useLocalDpi xmlns:a14="http://schemas.microsoft.com/office/drawing/2010/main" val="0"/>
-              </a:ext>
-            </a:extLst>
-          </a:blip>
-          <a:srcRect/>
-          <a:stretch>
-            <a:fillRect/>
-          </a:stretch>
-        </p:blipFill>
-        <p:spPr bwMode="auto">
-          <a:xfrm rot="21437601" flipH="1">
-            <a:off x="9507489" y="5815102"/>
-            <a:ext cx="766928" cy="810254"/>
-          </a:xfrm>
-          <a:prstGeom prst="rect">
-            <a:avLst/>
-          </a:prstGeom>
-          <a:noFill/>
-          <a:extLst>
-            <a:ext uri="{909E8E84-426E-40DD-AFC4-6F175D3DCCD1}">
-              <a14:hiddenFill xmlns:a14="http://schemas.microsoft.com/office/drawing/2010/main">
-                <a:solidFill>
-                  <a:srgbClr val="FFFFFF"/>
-                </a:solidFill>
-              </a14:hiddenFill>
-            </a:ext>
-          </a:extLst>
-        </p:spPr>
-      </p:pic>
-      <p:pic>
-        <p:nvPicPr>
-          <p:cNvPr id="11" name="Picture 4">
-            <a:extLst>
-              <a:ext uri="{FF2B5EF4-FFF2-40B4-BE49-F238E27FC236}">
-                <a16:creationId xmlns:a16="http://schemas.microsoft.com/office/drawing/2014/main" id="{A83031DD-8346-005C-22D3-9F5D8D1C8652}"/>
-              </a:ext>
-            </a:extLst>
-          </p:cNvPr>
-          <p:cNvPicPr>
-            <a:picLocks noChangeAspect="1" noChangeArrowheads="1"/>
-          </p:cNvPicPr>
-          <p:nvPr/>
-        </p:nvPicPr>
-        <p:blipFill>
-          <a:blip r:embed="rId8">
-            <a:extLst>
-              <a:ext uri="{28A0092B-C50C-407E-A947-70E740481C1C}">
-                <a14:useLocalDpi xmlns:a14="http://schemas.microsoft.com/office/drawing/2010/main" val="0"/>
-              </a:ext>
-            </a:extLst>
-          </a:blip>
-          <a:srcRect/>
-          <a:stretch>
-            <a:fillRect/>
-          </a:stretch>
-        </p:blipFill>
-        <p:spPr bwMode="auto">
-          <a:xfrm>
-            <a:off x="11178128" y="5888736"/>
-            <a:ext cx="588774" cy="590006"/>
-          </a:xfrm>
-          <a:prstGeom prst="rect">
-            <a:avLst/>
-          </a:prstGeom>
-          <a:noFill/>
-          <a:extLst>
-            <a:ext uri="{909E8E84-426E-40DD-AFC4-6F175D3DCCD1}">
-              <a14:hiddenFill xmlns:a14="http://schemas.microsoft.com/office/drawing/2010/main">
-                <a:solidFill>
-                  <a:srgbClr val="FFFFFF"/>
-                </a:solidFill>
-              </a14:hiddenFill>
-            </a:ext>
-          </a:extLst>
-        </p:spPr>
-      </p:pic>
-      <p:pic>
-        <p:nvPicPr>
-          <p:cNvPr id="1026" name="Picture 2">
-            <a:extLst>
-              <a:ext uri="{FF2B5EF4-FFF2-40B4-BE49-F238E27FC236}">
-                <a16:creationId xmlns:a16="http://schemas.microsoft.com/office/drawing/2014/main" id="{15B49DEE-1D82-97C5-15D4-31B6E278CADB}"/>
-              </a:ext>
-            </a:extLst>
-          </p:cNvPr>
-          <p:cNvPicPr>
-            <a:picLocks noChangeAspect="1" noChangeArrowheads="1"/>
-          </p:cNvPicPr>
-          <p:nvPr/>
-        </p:nvPicPr>
-        <p:blipFill>
-          <a:blip r:embed="rId9">
-            <a:extLst>
-              <a:ext uri="{28A0092B-C50C-407E-A947-70E740481C1C}">
-                <a14:useLocalDpi xmlns:a14="http://schemas.microsoft.com/office/drawing/2010/main" val="0"/>
-              </a:ext>
-            </a:extLst>
-          </a:blip>
-          <a:srcRect/>
-          <a:stretch>
-            <a:fillRect/>
-          </a:stretch>
-        </p:blipFill>
-        <p:spPr bwMode="auto">
-          <a:xfrm>
-            <a:off x="2156357" y="5797445"/>
-            <a:ext cx="773110" cy="737307"/>
-          </a:xfrm>
-          <a:prstGeom prst="rect">
-            <a:avLst/>
-          </a:prstGeom>
-          <a:noFill/>
-          <a:extLst>
-            <a:ext uri="{909E8E84-426E-40DD-AFC4-6F175D3DCCD1}">
-              <a14:hiddenFill xmlns:a14="http://schemas.microsoft.com/office/drawing/2010/main">
-                <a:solidFill>
-                  <a:srgbClr val="FFFFFF"/>
-                </a:solidFill>
-              </a14:hiddenFill>
-            </a:ext>
-          </a:extLst>
-        </p:spPr>
-      </p:pic>
-      <p:sp>
-        <p:nvSpPr>
-          <p:cNvPr id="5" name="タイトル 4">
-            <a:extLst>
-              <a:ext uri="{FF2B5EF4-FFF2-40B4-BE49-F238E27FC236}">
-                <a16:creationId xmlns:a16="http://schemas.microsoft.com/office/drawing/2014/main" id="{024DB6ED-1995-07CC-6153-6684553392AF}"/>
-              </a:ext>
-            </a:extLst>
-          </p:cNvPr>
-          <p:cNvSpPr>
-            <a:spLocks noGrp="1"/>
-          </p:cNvSpPr>
-          <p:nvPr>
-            <p:ph type="ctrTitle"/>
-          </p:nvPr>
-        </p:nvSpPr>
-        <p:spPr>
-          <a:xfrm>
-            <a:off x="1524000" y="2398643"/>
-            <a:ext cx="9144000" cy="1111320"/>
-          </a:xfrm>
-        </p:spPr>
-        <p:txBody>
-          <a:bodyPr>
-            <a:normAutofit/>
-          </a:bodyPr>
-          <a:lstStyle/>
-          <a:p>
-            <a:r>
-              <a:rPr lang="ja-JP" altLang="en-US" sz="4800">
-                <a:solidFill>
-                  <a:srgbClr val="056334"/>
-                </a:solidFill>
-                <a:latin typeface="HGS行書体" panose="03000600000000000000" pitchFamily="66" charset="-128"/>
-                <a:ea typeface="HGS行書体" panose="03000600000000000000" pitchFamily="66" charset="-128"/>
-              </a:rPr>
-              <a:t>毎度ありがとうございました！</a:t>
-            </a:r>
-            <a:endParaRPr lang="ja-JP" altLang="en-US" sz="4800" dirty="0">
-              <a:solidFill>
-                <a:srgbClr val="056334"/>
-              </a:solidFill>
-              <a:latin typeface="HGS行書体" panose="03000600000000000000" pitchFamily="66" charset="-128"/>
-              <a:ea typeface="HGS行書体" panose="03000600000000000000" pitchFamily="66" charset="-128"/>
-            </a:endParaRPr>
-          </a:p>
-        </p:txBody>
-      </p:sp>
-    </p:spTree>
-    <p:extLst>
-      <p:ext uri="{BB962C8B-B14F-4D97-AF65-F5344CB8AC3E}">
-        <p14:creationId xmlns:p14="http://schemas.microsoft.com/office/powerpoint/2010/main" val="712348235"/>
-      </p:ext>
-    </p:extLst>
-  </p:cSld>
-  <p:clrMapOvr>
-    <a:masterClrMapping/>
-  </p:clrMapOvr>
-</p:sld>
-</file>
-
-<file path=ppt/slides/slide3.xml><?xml version="1.0" encoding="utf-8"?>
-<p:sld xmlns:a="http://schemas.openxmlformats.org/drawingml/2006/main" xmlns:r="http://schemas.openxmlformats.org/officeDocument/2006/relationships" xmlns:p="http://schemas.openxmlformats.org/presentationml/2006/main">
-  <p:cSld>
-    <p:spTree>
-      <p:nvGrpSpPr>
-        <p:cNvPr id="1" name=""/>
-        <p:cNvGrpSpPr/>
-        <p:nvPr/>
-      </p:nvGrpSpPr>
-      <p:grpSpPr>
-        <a:xfrm>
-          <a:off x="0" y="0"/>
-          <a:ext cx="0" cy="0"/>
-          <a:chOff x="0" y="0"/>
-          <a:chExt cx="0" cy="0"/>
-        </a:xfrm>
-      </p:grpSpPr>
+            <a:pPr algn="ctr"/>
+            <a:endParaRPr kumimoji="1" lang="ja-JP" altLang="en-US"/>
+          </a:p>
+        </p:txBody>
+      </p:sp>
       <p:sp>
         <p:nvSpPr>
           <p:cNvPr id="2" name="タイトル 1">
@@ -8418,6 +9453,8 @@
                 <a:solidFill>
                   <a:srgbClr val="056334"/>
                 </a:solidFill>
+                <a:latin typeface="HGS行書体" panose="03000600000000000000" pitchFamily="66" charset="-128"/>
+                <a:ea typeface="HGS行書体" panose="03000600000000000000" pitchFamily="66" charset="-128"/>
               </a:rPr>
               <a:t>について</a:t>
             </a:r>
@@ -8440,72 +9477,209 @@
             <p:ph idx="1"/>
           </p:nvPr>
         </p:nvSpPr>
-        <p:spPr/>
+        <p:spPr>
+          <a:xfrm>
+            <a:off x="904460" y="1865381"/>
+            <a:ext cx="10515600" cy="4351338"/>
+          </a:xfrm>
+        </p:spPr>
         <p:txBody>
           <a:bodyPr>
-            <a:normAutofit/>
+            <a:normAutofit fontScale="92500"/>
           </a:bodyPr>
           <a:lstStyle/>
           <a:p>
-            <a:r>
-              <a:rPr kumimoji="1" lang="ja-JP" altLang="en-US" dirty="0"/>
+            <a:pPr>
+              <a:buFont typeface="Wingdings" panose="05000000000000000000" pitchFamily="2" charset="2"/>
+              <a:buChar char="Ø"/>
+            </a:pPr>
+            <a:r>
+              <a:rPr kumimoji="1" lang="ja-JP" altLang="en-US" b="1" u="sng" dirty="0">
+                <a:latin typeface="BIZ UDP明朝 Medium" panose="02020500000000000000" pitchFamily="18" charset="-128"/>
+                <a:ea typeface="BIZ UDP明朝 Medium" panose="02020500000000000000" pitchFamily="18" charset="-128"/>
+              </a:rPr>
               <a:t>想定ユーザー</a:t>
             </a:r>
-            <a:endParaRPr kumimoji="1" lang="en-US" altLang="ja-JP" dirty="0"/>
+            <a:endParaRPr kumimoji="1" lang="en-US" altLang="ja-JP" b="1" u="sng" dirty="0">
+              <a:latin typeface="BIZ UDP明朝 Medium" panose="02020500000000000000" pitchFamily="18" charset="-128"/>
+              <a:ea typeface="BIZ UDP明朝 Medium" panose="02020500000000000000" pitchFamily="18" charset="-128"/>
+            </a:endParaRPr>
           </a:p>
           <a:p>
             <a:pPr marL="0" indent="0">
               <a:buNone/>
             </a:pPr>
             <a:r>
-              <a:rPr kumimoji="1" lang="en-US" altLang="ja-JP" dirty="0"/>
+              <a:rPr kumimoji="1" lang="en-US" altLang="ja-JP" dirty="0">
+                <a:latin typeface="BIZ UDP明朝 Medium" panose="02020500000000000000" pitchFamily="18" charset="-128"/>
+                <a:ea typeface="BIZ UDP明朝 Medium" panose="02020500000000000000" pitchFamily="18" charset="-128"/>
+              </a:rPr>
               <a:t>Netflix</a:t>
             </a:r>
             <a:r>
-              <a:rPr kumimoji="1" lang="ja-JP" altLang="en-US" dirty="0"/>
+              <a:rPr kumimoji="1" lang="ja-JP" altLang="en-US" dirty="0">
+                <a:latin typeface="BIZ UDP明朝 Medium" panose="02020500000000000000" pitchFamily="18" charset="-128"/>
+                <a:ea typeface="BIZ UDP明朝 Medium" panose="02020500000000000000" pitchFamily="18" charset="-128"/>
+              </a:rPr>
               <a:t>のヘビーユーザー</a:t>
             </a:r>
             <a:r>
-              <a:rPr kumimoji="1" lang="en-US" altLang="ja-JP" dirty="0"/>
+              <a:rPr kumimoji="1" lang="en-US" altLang="ja-JP" dirty="0">
+                <a:latin typeface="BIZ UDP明朝 Medium" panose="02020500000000000000" pitchFamily="18" charset="-128"/>
+                <a:ea typeface="BIZ UDP明朝 Medium" panose="02020500000000000000" pitchFamily="18" charset="-128"/>
+              </a:rPr>
               <a:t>(</a:t>
             </a:r>
             <a:r>
-              <a:rPr kumimoji="1" lang="ja-JP" altLang="en-US" dirty="0"/>
+              <a:rPr kumimoji="1" lang="ja-JP" altLang="en-US" dirty="0">
+                <a:latin typeface="BIZ UDP明朝 Medium" panose="02020500000000000000" pitchFamily="18" charset="-128"/>
+                <a:ea typeface="BIZ UDP明朝 Medium" panose="02020500000000000000" pitchFamily="18" charset="-128"/>
+              </a:rPr>
               <a:t>特に</a:t>
             </a:r>
             <a:r>
-              <a:rPr kumimoji="1" lang="en-US" altLang="ja-JP" dirty="0"/>
+              <a:rPr kumimoji="1" lang="en-US" altLang="ja-JP" dirty="0">
+                <a:latin typeface="BIZ UDP明朝 Medium" panose="02020500000000000000" pitchFamily="18" charset="-128"/>
+                <a:ea typeface="BIZ UDP明朝 Medium" panose="02020500000000000000" pitchFamily="18" charset="-128"/>
+              </a:rPr>
               <a:t>20</a:t>
             </a:r>
             <a:r>
-              <a:rPr kumimoji="1" lang="ja-JP" altLang="en-US" dirty="0"/>
+              <a:rPr kumimoji="1" lang="ja-JP" altLang="en-US" dirty="0">
+                <a:latin typeface="BIZ UDP明朝 Medium" panose="02020500000000000000" pitchFamily="18" charset="-128"/>
+                <a:ea typeface="BIZ UDP明朝 Medium" panose="02020500000000000000" pitchFamily="18" charset="-128"/>
+              </a:rPr>
               <a:t>代の若年層</a:t>
             </a:r>
             <a:r>
-              <a:rPr kumimoji="1" lang="en-US" altLang="ja-JP" dirty="0"/>
-              <a:t>)</a:t>
-            </a:r>
-            <a:r>
-              <a:rPr kumimoji="1" lang="ja-JP" altLang="en-US" dirty="0"/>
-              <a:t>が新たな作品との出会いを求めて利用。</a:t>
-            </a:r>
+              <a:rPr lang="ja-JP" altLang="en-US" dirty="0">
+                <a:latin typeface="BIZ UDP明朝 Medium" panose="02020500000000000000" pitchFamily="18" charset="-128"/>
+                <a:ea typeface="BIZ UDP明朝 Medium" panose="02020500000000000000" pitchFamily="18" charset="-128"/>
+              </a:rPr>
+              <a:t>）</a:t>
+            </a:r>
+            <a:endParaRPr lang="en-US" altLang="ja-JP" dirty="0">
+              <a:latin typeface="BIZ UDP明朝 Medium" panose="02020500000000000000" pitchFamily="18" charset="-128"/>
+              <a:ea typeface="BIZ UDP明朝 Medium" panose="02020500000000000000" pitchFamily="18" charset="-128"/>
+            </a:endParaRPr>
           </a:p>
           <a:p>
             <a:pPr marL="0" indent="0">
               <a:buNone/>
             </a:pPr>
-            <a:endParaRPr kumimoji="1" lang="en-US" altLang="ja-JP" dirty="0"/>
-          </a:p>
-          <a:p>
-            <a:r>
-              <a:rPr lang="en-US" altLang="ja-JP" dirty="0"/>
+            <a:r>
+              <a:rPr kumimoji="1" lang="ja-JP" altLang="en-US" dirty="0">
+                <a:latin typeface="BIZ UDP明朝 Medium" panose="02020500000000000000" pitchFamily="18" charset="-128"/>
+                <a:ea typeface="BIZ UDP明朝 Medium" panose="02020500000000000000" pitchFamily="18" charset="-128"/>
+              </a:rPr>
+              <a:t>→</a:t>
+            </a:r>
+            <a:r>
+              <a:rPr kumimoji="1" lang="en-US" altLang="ja-JP" dirty="0">
+                <a:latin typeface="BIZ UDP明朝 Medium" panose="02020500000000000000" pitchFamily="18" charset="-128"/>
+                <a:ea typeface="BIZ UDP明朝 Medium" panose="02020500000000000000" pitchFamily="18" charset="-128"/>
+              </a:rPr>
               <a:t>FLIFRE</a:t>
             </a:r>
             <a:r>
-              <a:rPr lang="ja-JP" altLang="en-US" dirty="0"/>
+              <a:rPr kumimoji="1" lang="ja-JP" altLang="en-US" dirty="0">
+                <a:latin typeface="BIZ UDP明朝 Medium" panose="02020500000000000000" pitchFamily="18" charset="-128"/>
+                <a:ea typeface="BIZ UDP明朝 Medium" panose="02020500000000000000" pitchFamily="18" charset="-128"/>
+              </a:rPr>
+              <a:t>は「</a:t>
+            </a:r>
+            <a:r>
+              <a:rPr kumimoji="1" lang="en-US" altLang="ja-JP" dirty="0">
+                <a:solidFill>
+                  <a:srgbClr val="FF0000"/>
+                </a:solidFill>
+                <a:latin typeface="BIZ UDP明朝 Medium" panose="02020500000000000000" pitchFamily="18" charset="-128"/>
+                <a:ea typeface="BIZ UDP明朝 Medium" panose="02020500000000000000" pitchFamily="18" charset="-128"/>
+              </a:rPr>
+              <a:t>Netflix</a:t>
+            </a:r>
+            <a:r>
+              <a:rPr kumimoji="1" lang="en-US" altLang="ja-JP" dirty="0">
+                <a:latin typeface="BIZ UDP明朝 Medium" panose="02020500000000000000" pitchFamily="18" charset="-128"/>
+                <a:ea typeface="BIZ UDP明朝 Medium" panose="02020500000000000000" pitchFamily="18" charset="-128"/>
+              </a:rPr>
+              <a:t> </a:t>
+            </a:r>
+            <a:r>
+              <a:rPr kumimoji="1" lang="en-US" altLang="ja-JP" dirty="0">
+                <a:solidFill>
+                  <a:srgbClr val="FF0000"/>
+                </a:solidFill>
+                <a:latin typeface="BIZ UDP明朝 Medium" panose="02020500000000000000" pitchFamily="18" charset="-128"/>
+                <a:ea typeface="BIZ UDP明朝 Medium" panose="02020500000000000000" pitchFamily="18" charset="-128"/>
+              </a:rPr>
+              <a:t>freak</a:t>
+            </a:r>
+            <a:r>
+              <a:rPr kumimoji="1" lang="en-US" altLang="ja-JP" dirty="0">
+                <a:latin typeface="BIZ UDP明朝 Medium" panose="02020500000000000000" pitchFamily="18" charset="-128"/>
+                <a:ea typeface="BIZ UDP明朝 Medium" panose="02020500000000000000" pitchFamily="18" charset="-128"/>
+              </a:rPr>
+              <a:t>(Netflix </a:t>
+            </a:r>
+            <a:r>
+              <a:rPr kumimoji="1" lang="ja-JP" altLang="en-US" dirty="0">
+                <a:latin typeface="BIZ UDP明朝 Medium" panose="02020500000000000000" pitchFamily="18" charset="-128"/>
+                <a:ea typeface="BIZ UDP明朝 Medium" panose="02020500000000000000" pitchFamily="18" charset="-128"/>
+              </a:rPr>
+              <a:t>愛好家</a:t>
+            </a:r>
+            <a:r>
+              <a:rPr kumimoji="1" lang="en-US" altLang="ja-JP" dirty="0">
+                <a:latin typeface="BIZ UDP明朝 Medium" panose="02020500000000000000" pitchFamily="18" charset="-128"/>
+                <a:ea typeface="BIZ UDP明朝 Medium" panose="02020500000000000000" pitchFamily="18" charset="-128"/>
+              </a:rPr>
+              <a:t>)</a:t>
+            </a:r>
+            <a:r>
+              <a:rPr kumimoji="1" lang="ja-JP" altLang="en-US" dirty="0">
+                <a:latin typeface="BIZ UDP明朝 Medium" panose="02020500000000000000" pitchFamily="18" charset="-128"/>
+                <a:ea typeface="BIZ UDP明朝 Medium" panose="02020500000000000000" pitchFamily="18" charset="-128"/>
+              </a:rPr>
+              <a:t>」という造語の略称</a:t>
+            </a:r>
+            <a:endParaRPr kumimoji="1" lang="en-US" altLang="ja-JP" dirty="0">
+              <a:latin typeface="BIZ UDP明朝 Medium" panose="02020500000000000000" pitchFamily="18" charset="-128"/>
+              <a:ea typeface="BIZ UDP明朝 Medium" panose="02020500000000000000" pitchFamily="18" charset="-128"/>
+            </a:endParaRPr>
+          </a:p>
+          <a:p>
+            <a:pPr marL="0" indent="0">
+              <a:buNone/>
+            </a:pPr>
+            <a:endParaRPr kumimoji="1" lang="en-US" altLang="ja-JP" dirty="0">
+              <a:latin typeface="BIZ UDP明朝 Medium" panose="02020500000000000000" pitchFamily="18" charset="-128"/>
+              <a:ea typeface="BIZ UDP明朝 Medium" panose="02020500000000000000" pitchFamily="18" charset="-128"/>
+            </a:endParaRPr>
+          </a:p>
+          <a:p>
+            <a:pPr>
+              <a:buFont typeface="Wingdings" panose="05000000000000000000" pitchFamily="2" charset="2"/>
+              <a:buChar char="Ø"/>
+            </a:pPr>
+            <a:r>
+              <a:rPr lang="en-US" altLang="ja-JP" b="1" u="sng" dirty="0">
+                <a:latin typeface="BIZ UDP明朝 Medium" panose="02020500000000000000" pitchFamily="18" charset="-128"/>
+                <a:ea typeface="BIZ UDP明朝 Medium" panose="02020500000000000000" pitchFamily="18" charset="-128"/>
+              </a:rPr>
+              <a:t>FLIFRE</a:t>
+            </a:r>
+            <a:r>
+              <a:rPr lang="ja-JP" altLang="en-US" b="1" u="sng" dirty="0">
+                <a:latin typeface="BIZ UDP明朝 Medium" panose="02020500000000000000" pitchFamily="18" charset="-128"/>
+                <a:ea typeface="BIZ UDP明朝 Medium" panose="02020500000000000000" pitchFamily="18" charset="-128"/>
+              </a:rPr>
               <a:t>の大きな特徴</a:t>
             </a:r>
-            <a:endParaRPr kumimoji="1" lang="en-US" altLang="ja-JP" dirty="0"/>
+            <a:endParaRPr kumimoji="1" lang="en-US" altLang="ja-JP" b="1" u="sng" dirty="0">
+              <a:latin typeface="BIZ UDP明朝 Medium" panose="02020500000000000000" pitchFamily="18" charset="-128"/>
+              <a:ea typeface="BIZ UDP明朝 Medium" panose="02020500000000000000" pitchFamily="18" charset="-128"/>
+            </a:endParaRPr>
           </a:p>
           <a:p>
             <a:pPr marL="514350" indent="-514350">
@@ -8513,10 +9687,16 @@
               <a:buAutoNum type="circleNumDbPlain"/>
             </a:pPr>
             <a:r>
-              <a:rPr kumimoji="1" lang="ja-JP" altLang="en-US" dirty="0"/>
+              <a:rPr kumimoji="1" lang="ja-JP" altLang="en-US" dirty="0">
+                <a:latin typeface="BIZ UDP明朝 Medium" panose="02020500000000000000" pitchFamily="18" charset="-128"/>
+                <a:ea typeface="BIZ UDP明朝 Medium" panose="02020500000000000000" pitchFamily="18" charset="-128"/>
+              </a:rPr>
               <a:t>見たいジャンルに迷ったときのルーレット機能</a:t>
             </a:r>
-            <a:endParaRPr kumimoji="1" lang="en-US" altLang="ja-JP" dirty="0"/>
+            <a:endParaRPr kumimoji="1" lang="en-US" altLang="ja-JP" dirty="0">
+              <a:latin typeface="BIZ UDP明朝 Medium" panose="02020500000000000000" pitchFamily="18" charset="-128"/>
+              <a:ea typeface="BIZ UDP明朝 Medium" panose="02020500000000000000" pitchFamily="18" charset="-128"/>
+            </a:endParaRPr>
           </a:p>
           <a:p>
             <a:pPr marL="514350" indent="-514350">
@@ -8524,38 +9704,67 @@
               <a:buAutoNum type="circleNumDbPlain"/>
             </a:pPr>
             <a:r>
-              <a:rPr kumimoji="1" lang="en-US" altLang="ja-JP" dirty="0"/>
+              <a:rPr kumimoji="1" lang="en-US" altLang="ja-JP" dirty="0">
+                <a:latin typeface="BIZ UDP明朝 Medium" panose="02020500000000000000" pitchFamily="18" charset="-128"/>
+                <a:ea typeface="BIZ UDP明朝 Medium" panose="02020500000000000000" pitchFamily="18" charset="-128"/>
+              </a:rPr>
               <a:t>FLIFRE</a:t>
             </a:r>
             <a:r>
-              <a:rPr kumimoji="1" lang="ja-JP" altLang="en-US" dirty="0"/>
+              <a:rPr kumimoji="1" lang="ja-JP" altLang="en-US" dirty="0">
+                <a:latin typeface="BIZ UDP明朝 Medium" panose="02020500000000000000" pitchFamily="18" charset="-128"/>
+                <a:ea typeface="BIZ UDP明朝 Medium" panose="02020500000000000000" pitchFamily="18" charset="-128"/>
+              </a:rPr>
               <a:t>ユーザーによるレビューを共有する機能</a:t>
             </a:r>
-            <a:endParaRPr kumimoji="1" lang="en-US" altLang="ja-JP" dirty="0"/>
+            <a:endParaRPr kumimoji="1" lang="en-US" altLang="ja-JP" dirty="0">
+              <a:latin typeface="BIZ UDP明朝 Medium" panose="02020500000000000000" pitchFamily="18" charset="-128"/>
+              <a:ea typeface="BIZ UDP明朝 Medium" panose="02020500000000000000" pitchFamily="18" charset="-128"/>
+            </a:endParaRPr>
           </a:p>
           <a:p>
             <a:pPr marL="0" indent="0">
               <a:buNone/>
             </a:pPr>
             <a:r>
-              <a:rPr kumimoji="1" lang="ja-JP" altLang="en-US" dirty="0"/>
+              <a:rPr kumimoji="1" lang="ja-JP" altLang="en-US" dirty="0">
+                <a:latin typeface="BIZ UDP明朝 Medium" panose="02020500000000000000" pitchFamily="18" charset="-128"/>
+                <a:ea typeface="BIZ UDP明朝 Medium" panose="02020500000000000000" pitchFamily="18" charset="-128"/>
+              </a:rPr>
               <a:t>→まだ見ぬ作品を見つける架け橋となりうる”</a:t>
             </a:r>
             <a:r>
-              <a:rPr kumimoji="1" lang="en-US" altLang="ja-JP" dirty="0"/>
+              <a:rPr kumimoji="1" lang="en-US" altLang="ja-JP" dirty="0">
+                <a:latin typeface="BIZ UDP明朝 Medium" panose="02020500000000000000" pitchFamily="18" charset="-128"/>
+                <a:ea typeface="BIZ UDP明朝 Medium" panose="02020500000000000000" pitchFamily="18" charset="-128"/>
+              </a:rPr>
               <a:t>Netflix</a:t>
             </a:r>
             <a:r>
-              <a:rPr kumimoji="1" lang="ja-JP" altLang="en-US" dirty="0"/>
+              <a:rPr kumimoji="1" lang="ja-JP" altLang="en-US" dirty="0">
+                <a:latin typeface="BIZ UDP明朝 Medium" panose="02020500000000000000" pitchFamily="18" charset="-128"/>
+                <a:ea typeface="BIZ UDP明朝 Medium" panose="02020500000000000000" pitchFamily="18" charset="-128"/>
+              </a:rPr>
               <a:t>版</a:t>
             </a:r>
             <a:r>
-              <a:rPr kumimoji="1" lang="en-US" altLang="ja-JP" dirty="0"/>
+              <a:rPr kumimoji="1" lang="en-US" altLang="ja-JP" dirty="0">
+                <a:latin typeface="BIZ UDP明朝 Medium" panose="02020500000000000000" pitchFamily="18" charset="-128"/>
+                <a:ea typeface="BIZ UDP明朝 Medium" panose="02020500000000000000" pitchFamily="18" charset="-128"/>
+              </a:rPr>
               <a:t>Twitter”</a:t>
             </a:r>
-            <a:r>
-              <a:rPr kumimoji="1" lang="ja-JP" altLang="en-US" dirty="0"/>
-              <a:t>を目指す！</a:t>
+          </a:p>
+          <a:p>
+            <a:pPr marL="0" indent="0">
+              <a:buNone/>
+            </a:pPr>
+            <a:r>
+              <a:rPr kumimoji="1" lang="ja-JP" altLang="en-US" dirty="0">
+                <a:latin typeface="BIZ UDP明朝 Medium" panose="02020500000000000000" pitchFamily="18" charset="-128"/>
+                <a:ea typeface="BIZ UDP明朝 Medium" panose="02020500000000000000" pitchFamily="18" charset="-128"/>
+              </a:rPr>
+              <a:t>　を目指す！</a:t>
             </a:r>
           </a:p>
           <a:p>
@@ -8621,7 +9830,7 @@
 </p:sld>
 </file>
 
-<file path=ppt/slides/slide4.xml><?xml version="1.0" encoding="utf-8"?>
+<file path=ppt/slides/slide5.xml><?xml version="1.0" encoding="utf-8"?>
 <p:sld xmlns:a="http://schemas.openxmlformats.org/drawingml/2006/main" xmlns:r="http://schemas.openxmlformats.org/officeDocument/2006/relationships" xmlns:p="http://schemas.openxmlformats.org/presentationml/2006/main">
   <p:cSld>
     <p:bg>
@@ -8669,11 +9878,14 @@
           <a:p>
             <a:r>
               <a:rPr lang="ja-JP" altLang="en-US" dirty="0">
-                <a:ea typeface="游ゴシック Light"/>
-              </a:rPr>
-              <a:t>ペルソナ</a:t>
-            </a:r>
-            <a:endParaRPr lang="ja-JP" altLang="en-US" dirty="0"/>
+                <a:solidFill>
+                  <a:schemeClr val="bg1"/>
+                </a:solidFill>
+                <a:latin typeface="BIZ UDP明朝 Medium" panose="02020500000000000000" pitchFamily="18" charset="-128"/>
+                <a:ea typeface="BIZ UDP明朝 Medium" panose="02020500000000000000" pitchFamily="18" charset="-128"/>
+              </a:rPr>
+              <a:t>ペルソナ例</a:t>
+            </a:r>
           </a:p>
         </p:txBody>
       </p:sp>
@@ -8707,70 +9919,95 @@
           <a:p>
             <a:r>
               <a:rPr lang="ja-JP" b="1" dirty="0">
-                <a:ea typeface="+mn-lt"/>
+                <a:solidFill>
+                  <a:srgbClr val="056334"/>
+                </a:solidFill>
+                <a:latin typeface="BIZ UDP明朝 Medium" panose="02020500000000000000" pitchFamily="18" charset="-128"/>
+                <a:ea typeface="BIZ UDP明朝 Medium" panose="02020500000000000000" pitchFamily="18" charset="-128"/>
                 <a:cs typeface="+mn-lt"/>
               </a:rPr>
               <a:t>休みの日は友人と出かける以外</a:t>
             </a:r>
             <a:r>
               <a:rPr lang="ja-JP" altLang="en-US" b="1" dirty="0">
-                <a:ea typeface="+mn-lt"/>
+                <a:solidFill>
+                  <a:srgbClr val="056334"/>
+                </a:solidFill>
+                <a:latin typeface="BIZ UDP明朝 Medium" panose="02020500000000000000" pitchFamily="18" charset="-128"/>
+                <a:ea typeface="BIZ UDP明朝 Medium" panose="02020500000000000000" pitchFamily="18" charset="-128"/>
                 <a:cs typeface="+mn-lt"/>
               </a:rPr>
               <a:t>は</a:t>
             </a:r>
             <a:r>
               <a:rPr lang="ja-JP" b="1" dirty="0">
-                <a:ea typeface="+mn-lt"/>
+                <a:solidFill>
+                  <a:srgbClr val="056334"/>
+                </a:solidFill>
+                <a:latin typeface="BIZ UDP明朝 Medium" panose="02020500000000000000" pitchFamily="18" charset="-128"/>
+                <a:ea typeface="BIZ UDP明朝 Medium" panose="02020500000000000000" pitchFamily="18" charset="-128"/>
                 <a:cs typeface="+mn-lt"/>
               </a:rPr>
               <a:t>家で映画見たり</a:t>
             </a:r>
             <a:r>
               <a:rPr lang="ja-JP" altLang="en-US" b="1" dirty="0">
-                <a:ea typeface="+mn-lt"/>
+                <a:solidFill>
+                  <a:srgbClr val="056334"/>
+                </a:solidFill>
+                <a:latin typeface="BIZ UDP明朝 Medium" panose="02020500000000000000" pitchFamily="18" charset="-128"/>
+                <a:ea typeface="BIZ UDP明朝 Medium" panose="02020500000000000000" pitchFamily="18" charset="-128"/>
                 <a:cs typeface="+mn-lt"/>
               </a:rPr>
               <a:t>ゲームしたりと</a:t>
             </a:r>
             <a:r>
               <a:rPr lang="ja-JP" b="1" dirty="0">
-                <a:ea typeface="+mn-lt"/>
+                <a:solidFill>
+                  <a:srgbClr val="056334"/>
+                </a:solidFill>
+                <a:latin typeface="BIZ UDP明朝 Medium" panose="02020500000000000000" pitchFamily="18" charset="-128"/>
+                <a:ea typeface="BIZ UDP明朝 Medium" panose="02020500000000000000" pitchFamily="18" charset="-128"/>
                 <a:cs typeface="+mn-lt"/>
               </a:rPr>
               <a:t>のんびりしていることが多い。</a:t>
             </a:r>
             <a:r>
               <a:rPr lang="ja-JP" altLang="en-US" dirty="0">
-                <a:ea typeface="+mn-lt"/>
+                <a:latin typeface="BIZ UDP明朝 Medium" panose="02020500000000000000" pitchFamily="18" charset="-128"/>
+                <a:ea typeface="BIZ UDP明朝 Medium" panose="02020500000000000000" pitchFamily="18" charset="-128"/>
                 <a:cs typeface="+mn-lt"/>
               </a:rPr>
               <a:t>仕事</a:t>
             </a:r>
             <a:r>
               <a:rPr lang="ja-JP" dirty="0">
-                <a:ea typeface="+mn-lt"/>
+                <a:latin typeface="BIZ UDP明朝 Medium" panose="02020500000000000000" pitchFamily="18" charset="-128"/>
+                <a:ea typeface="BIZ UDP明朝 Medium" panose="02020500000000000000" pitchFamily="18" charset="-128"/>
                 <a:cs typeface="+mn-lt"/>
               </a:rPr>
               <a:t>に</a:t>
             </a:r>
             <a:r>
               <a:rPr lang="ja-JP" altLang="en-US" dirty="0">
-                <a:ea typeface="+mn-lt"/>
+                <a:latin typeface="BIZ UDP明朝 Medium" panose="02020500000000000000" pitchFamily="18" charset="-128"/>
+                <a:ea typeface="BIZ UDP明朝 Medium" panose="02020500000000000000" pitchFamily="18" charset="-128"/>
                 <a:cs typeface="+mn-lt"/>
               </a:rPr>
               <a:t>対</a:t>
             </a:r>
             <a:r>
               <a:rPr lang="ja-JP" dirty="0">
-                <a:ea typeface="+mn-lt"/>
+                <a:latin typeface="BIZ UDP明朝 Medium" panose="02020500000000000000" pitchFamily="18" charset="-128"/>
+                <a:ea typeface="BIZ UDP明朝 Medium" panose="02020500000000000000" pitchFamily="18" charset="-128"/>
                 <a:cs typeface="+mn-lt"/>
               </a:rPr>
               <a:t>する不満は特になく、楽しく行えている</a:t>
             </a:r>
             <a:r>
               <a:rPr lang="ja-JP" altLang="en-US" dirty="0">
-                <a:ea typeface="+mn-lt"/>
+                <a:latin typeface="BIZ UDP明朝 Medium" panose="02020500000000000000" pitchFamily="18" charset="-128"/>
+                <a:ea typeface="BIZ UDP明朝 Medium" panose="02020500000000000000" pitchFamily="18" charset="-128"/>
                 <a:cs typeface="+mn-lt"/>
               </a:rPr>
               <a:t>。</a:t>
@@ -8779,37 +10016,43 @@
           <a:p>
             <a:r>
               <a:rPr lang="ja-JP" dirty="0">
-                <a:ea typeface="游ゴシック"/>
+                <a:latin typeface="BIZ UDP明朝 Medium" panose="02020500000000000000" pitchFamily="18" charset="-128"/>
+                <a:ea typeface="BIZ UDP明朝 Medium" panose="02020500000000000000" pitchFamily="18" charset="-128"/>
               </a:rPr>
               <a:t>消極的な一面がある</a:t>
             </a:r>
             <a:r>
               <a:rPr lang="ja-JP" altLang="en-US" dirty="0">
-                <a:ea typeface="游ゴシック"/>
+                <a:latin typeface="BIZ UDP明朝 Medium" panose="02020500000000000000" pitchFamily="18" charset="-128"/>
+                <a:ea typeface="BIZ UDP明朝 Medium" panose="02020500000000000000" pitchFamily="18" charset="-128"/>
               </a:rPr>
               <a:t>。どちらかというと</a:t>
             </a:r>
             <a:r>
               <a:rPr lang="ja-JP" dirty="0">
-                <a:ea typeface="游ゴシック"/>
+                <a:latin typeface="BIZ UDP明朝 Medium" panose="02020500000000000000" pitchFamily="18" charset="-128"/>
+                <a:ea typeface="BIZ UDP明朝 Medium" panose="02020500000000000000" pitchFamily="18" charset="-128"/>
               </a:rPr>
               <a:t>一人遊びが好き</a:t>
             </a:r>
             <a:r>
               <a:rPr lang="ja-JP" altLang="en-US" dirty="0">
-                <a:ea typeface="游ゴシック"/>
+                <a:latin typeface="BIZ UDP明朝 Medium" panose="02020500000000000000" pitchFamily="18" charset="-128"/>
+                <a:ea typeface="BIZ UDP明朝 Medium" panose="02020500000000000000" pitchFamily="18" charset="-128"/>
               </a:rPr>
               <a:t>。</a:t>
             </a:r>
             <a:endParaRPr lang="ja-JP" dirty="0">
-              <a:ea typeface="+mn-lt"/>
+              <a:latin typeface="BIZ UDP明朝 Medium" panose="02020500000000000000" pitchFamily="18" charset="-128"/>
+              <a:ea typeface="BIZ UDP明朝 Medium" panose="02020500000000000000" pitchFamily="18" charset="-128"/>
               <a:cs typeface="+mn-lt"/>
             </a:endParaRPr>
           </a:p>
           <a:p>
             <a:r>
               <a:rPr lang="ja-JP" altLang="en-US" dirty="0">
-                <a:ea typeface="游ゴシック"/>
+                <a:latin typeface="BIZ UDP明朝 Medium" panose="02020500000000000000" pitchFamily="18" charset="-128"/>
+                <a:ea typeface="BIZ UDP明朝 Medium" panose="02020500000000000000" pitchFamily="18" charset="-128"/>
               </a:rPr>
               <a:t>お金を浪費するのが嫌い。節約家。でも競馬だけはやめられない。最近はウマ娘に移行。</a:t>
             </a:r>
@@ -8817,13 +10060,18 @@
           <a:p>
             <a:r>
               <a:rPr lang="ja-JP" altLang="en-US" dirty="0">
-                <a:ea typeface="游ゴシック"/>
+                <a:latin typeface="BIZ UDP明朝 Medium" panose="02020500000000000000" pitchFamily="18" charset="-128"/>
+                <a:ea typeface="BIZ UDP明朝 Medium" panose="02020500000000000000" pitchFamily="18" charset="-128"/>
               </a:rPr>
               <a:t>集中力が高く仕事が早い。</a:t>
             </a:r>
             <a:r>
               <a:rPr lang="ja-JP" b="1" dirty="0">
-                <a:ea typeface="游ゴシック"/>
+                <a:solidFill>
+                  <a:srgbClr val="056334"/>
+                </a:solidFill>
+                <a:latin typeface="BIZ UDP明朝 Medium" panose="02020500000000000000" pitchFamily="18" charset="-128"/>
+                <a:ea typeface="BIZ UDP明朝 Medium" panose="02020500000000000000" pitchFamily="18" charset="-128"/>
               </a:rPr>
               <a:t>効率厨。</a:t>
             </a:r>
@@ -8831,72 +10079,84 @@
           <a:p>
             <a:r>
               <a:rPr lang="ja-JP" altLang="en-US" dirty="0">
-                <a:ea typeface="游ゴシック"/>
+                <a:latin typeface="BIZ UDP明朝 Medium" panose="02020500000000000000" pitchFamily="18" charset="-128"/>
+                <a:ea typeface="BIZ UDP明朝 Medium" panose="02020500000000000000" pitchFamily="18" charset="-128"/>
               </a:rPr>
               <a:t>家では</a:t>
             </a:r>
             <a:r>
               <a:rPr lang="ja-JP" dirty="0">
-                <a:ea typeface="游ゴシック"/>
+                <a:latin typeface="BIZ UDP明朝 Medium" panose="02020500000000000000" pitchFamily="18" charset="-128"/>
+                <a:ea typeface="BIZ UDP明朝 Medium" panose="02020500000000000000" pitchFamily="18" charset="-128"/>
               </a:rPr>
               <a:t>ヨギボーの上が定位置</a:t>
             </a:r>
             <a:r>
               <a:rPr lang="ja-JP" altLang="en-US" dirty="0">
-                <a:ea typeface="游ゴシック"/>
+                <a:latin typeface="BIZ UDP明朝 Medium" panose="02020500000000000000" pitchFamily="18" charset="-128"/>
+                <a:ea typeface="BIZ UDP明朝 Medium" panose="02020500000000000000" pitchFamily="18" charset="-128"/>
               </a:rPr>
               <a:t>。</a:t>
             </a:r>
             <a:r>
               <a:rPr lang="ja-JP" dirty="0">
-                <a:ea typeface="游ゴシック"/>
+                <a:latin typeface="BIZ UDP明朝 Medium" panose="02020500000000000000" pitchFamily="18" charset="-128"/>
+                <a:ea typeface="BIZ UDP明朝 Medium" panose="02020500000000000000" pitchFamily="18" charset="-128"/>
               </a:rPr>
               <a:t>リングフィットを買おうとは思っている</a:t>
             </a:r>
             <a:r>
               <a:rPr lang="en-US" altLang="ja-JP" dirty="0">
-                <a:ea typeface="游ゴシック"/>
+                <a:latin typeface="BIZ UDP明朝 Medium" panose="02020500000000000000" pitchFamily="18" charset="-128"/>
+                <a:ea typeface="BIZ UDP明朝 Medium" panose="02020500000000000000" pitchFamily="18" charset="-128"/>
               </a:rPr>
               <a:t>(</a:t>
             </a:r>
             <a:r>
               <a:rPr lang="en-US" altLang="ja-JP" dirty="0" err="1">
-                <a:ea typeface="游ゴシック"/>
+                <a:latin typeface="BIZ UDP明朝 Medium" panose="02020500000000000000" pitchFamily="18" charset="-128"/>
+                <a:ea typeface="BIZ UDP明朝 Medium" panose="02020500000000000000" pitchFamily="18" charset="-128"/>
               </a:rPr>
               <a:t>買ってない</a:t>
             </a:r>
             <a:r>
               <a:rPr lang="en-US" altLang="ja-JP" dirty="0">
-                <a:ea typeface="游ゴシック"/>
+                <a:latin typeface="BIZ UDP明朝 Medium" panose="02020500000000000000" pitchFamily="18" charset="-128"/>
+                <a:ea typeface="BIZ UDP明朝 Medium" panose="02020500000000000000" pitchFamily="18" charset="-128"/>
               </a:rPr>
               <a:t>)</a:t>
             </a:r>
             <a:r>
               <a:rPr lang="ja-JP" dirty="0">
-                <a:ea typeface="游ゴシック"/>
+                <a:latin typeface="BIZ UDP明朝 Medium" panose="02020500000000000000" pitchFamily="18" charset="-128"/>
+                <a:ea typeface="BIZ UDP明朝 Medium" panose="02020500000000000000" pitchFamily="18" charset="-128"/>
               </a:rPr>
               <a:t>。</a:t>
             </a:r>
             <a:endParaRPr lang="ja-JP" dirty="0">
-              <a:ea typeface="+mn-lt"/>
+              <a:latin typeface="BIZ UDP明朝 Medium" panose="02020500000000000000" pitchFamily="18" charset="-128"/>
+              <a:ea typeface="BIZ UDP明朝 Medium" panose="02020500000000000000" pitchFamily="18" charset="-128"/>
               <a:cs typeface="+mn-lt"/>
             </a:endParaRPr>
           </a:p>
           <a:p>
             <a:r>
               <a:rPr lang="ja-JP" altLang="en-US" dirty="0">
-                <a:ea typeface="游ゴシック"/>
+                <a:latin typeface="BIZ UDP明朝 Medium" panose="02020500000000000000" pitchFamily="18" charset="-128"/>
+                <a:ea typeface="BIZ UDP明朝 Medium" panose="02020500000000000000" pitchFamily="18" charset="-128"/>
               </a:rPr>
               <a:t>最近はAPEXにハマっている。キレるタイプではなくそこそこ上手い。</a:t>
             </a:r>
             <a:endParaRPr lang="ja-JP" dirty="0">
-              <a:ea typeface="游ゴシック"/>
+              <a:latin typeface="BIZ UDP明朝 Medium" panose="02020500000000000000" pitchFamily="18" charset="-128"/>
+              <a:ea typeface="BIZ UDP明朝 Medium" panose="02020500000000000000" pitchFamily="18" charset="-128"/>
             </a:endParaRPr>
           </a:p>
           <a:p>
             <a:r>
               <a:rPr lang="ja-JP" altLang="en-US" dirty="0">
-                <a:ea typeface="游ゴシック"/>
+                <a:latin typeface="BIZ UDP明朝 Medium" panose="02020500000000000000" pitchFamily="18" charset="-128"/>
+                <a:ea typeface="BIZ UDP明朝 Medium" panose="02020500000000000000" pitchFamily="18" charset="-128"/>
               </a:rPr>
               <a:t>家事はあまり得意ではない。部屋は段ボールが積まれて汚いが、デスク回りだけは綺麗にしている。</a:t>
             </a:r>
@@ -8933,41 +10193,48 @@
           <a:p>
             <a:r>
               <a:rPr lang="ja-JP" altLang="en-US" dirty="0">
-                <a:ea typeface="游ゴシック"/>
+                <a:latin typeface="BIZ UDP明朝 Medium" panose="02020500000000000000" pitchFamily="18" charset="-128"/>
+                <a:ea typeface="BIZ UDP明朝 Medium" panose="02020500000000000000" pitchFamily="18" charset="-128"/>
               </a:rPr>
               <a:t>氏名：</a:t>
             </a:r>
             <a:r>
               <a:rPr lang="en-US" altLang="ja-JP" dirty="0">
-                <a:ea typeface="游ゴシック"/>
+                <a:latin typeface="BIZ UDP明朝 Medium" panose="02020500000000000000" pitchFamily="18" charset="-128"/>
+                <a:ea typeface="BIZ UDP明朝 Medium" panose="02020500000000000000" pitchFamily="18" charset="-128"/>
               </a:rPr>
               <a:t>T</a:t>
             </a:r>
             <a:endParaRPr lang="ja-JP" altLang="en-US" dirty="0">
-              <a:ea typeface="游ゴシック"/>
+              <a:latin typeface="BIZ UDP明朝 Medium" panose="02020500000000000000" pitchFamily="18" charset="-128"/>
+              <a:ea typeface="BIZ UDP明朝 Medium" panose="02020500000000000000" pitchFamily="18" charset="-128"/>
             </a:endParaRPr>
           </a:p>
           <a:p>
             <a:r>
               <a:rPr lang="ja-JP" altLang="en-US" dirty="0">
-                <a:ea typeface="游ゴシック"/>
+                <a:latin typeface="BIZ UDP明朝 Medium" panose="02020500000000000000" pitchFamily="18" charset="-128"/>
+                <a:ea typeface="BIZ UDP明朝 Medium" panose="02020500000000000000" pitchFamily="18" charset="-128"/>
               </a:rPr>
               <a:t>性別：男性</a:t>
             </a:r>
             <a:endParaRPr lang="en-US" altLang="ja-JP" dirty="0">
-              <a:ea typeface="游ゴシック"/>
+              <a:latin typeface="BIZ UDP明朝 Medium" panose="02020500000000000000" pitchFamily="18" charset="-128"/>
+              <a:ea typeface="BIZ UDP明朝 Medium" panose="02020500000000000000" pitchFamily="18" charset="-128"/>
             </a:endParaRPr>
           </a:p>
           <a:p>
             <a:r>
               <a:rPr lang="ja-JP" altLang="en-US" dirty="0">
-                <a:ea typeface="游ゴシック"/>
+                <a:latin typeface="BIZ UDP明朝 Medium" panose="02020500000000000000" pitchFamily="18" charset="-128"/>
+                <a:ea typeface="BIZ UDP明朝 Medium" panose="02020500000000000000" pitchFamily="18" charset="-128"/>
               </a:rPr>
               <a:t>年齢：</a:t>
             </a:r>
             <a:r>
               <a:rPr lang="en-US" altLang="ja-JP" dirty="0">
-                <a:ea typeface="游ゴシック"/>
+                <a:latin typeface="BIZ UDP明朝 Medium" panose="02020500000000000000" pitchFamily="18" charset="-128"/>
+                <a:ea typeface="BIZ UDP明朝 Medium" panose="02020500000000000000" pitchFamily="18" charset="-128"/>
               </a:rPr>
               <a:t>25</a:t>
             </a:r>
@@ -8975,72 +10242,89 @@
           <a:p>
             <a:r>
               <a:rPr lang="ja-JP" altLang="en-US" dirty="0">
-                <a:ea typeface="游ゴシック"/>
+                <a:latin typeface="BIZ UDP明朝 Medium" panose="02020500000000000000" pitchFamily="18" charset="-128"/>
+                <a:ea typeface="BIZ UDP明朝 Medium" panose="02020500000000000000" pitchFamily="18" charset="-128"/>
               </a:rPr>
               <a:t>職業：</a:t>
             </a:r>
             <a:r>
               <a:rPr lang="en-US" altLang="ja-JP" dirty="0">
-                <a:ea typeface="游ゴシック"/>
+                <a:latin typeface="BIZ UDP明朝 Medium" panose="02020500000000000000" pitchFamily="18" charset="-128"/>
+                <a:ea typeface="BIZ UDP明朝 Medium" panose="02020500000000000000" pitchFamily="18" charset="-128"/>
               </a:rPr>
               <a:t>SE</a:t>
             </a:r>
             <a:r>
               <a:rPr lang="ja-JP" altLang="en-US" dirty="0">
-                <a:ea typeface="游ゴシック"/>
+                <a:latin typeface="BIZ UDP明朝 Medium" panose="02020500000000000000" pitchFamily="18" charset="-128"/>
+                <a:ea typeface="BIZ UDP明朝 Medium" panose="02020500000000000000" pitchFamily="18" charset="-128"/>
               </a:rPr>
               <a:t>（週</a:t>
             </a:r>
             <a:r>
               <a:rPr lang="en-US" altLang="ja-JP" dirty="0">
-                <a:ea typeface="游ゴシック"/>
+                <a:latin typeface="BIZ UDP明朝 Medium" panose="02020500000000000000" pitchFamily="18" charset="-128"/>
+                <a:ea typeface="BIZ UDP明朝 Medium" panose="02020500000000000000" pitchFamily="18" charset="-128"/>
               </a:rPr>
               <a:t>3</a:t>
             </a:r>
             <a:r>
               <a:rPr lang="ja-JP" altLang="en-US" dirty="0">
-                <a:ea typeface="游ゴシック"/>
+                <a:latin typeface="BIZ UDP明朝 Medium" panose="02020500000000000000" pitchFamily="18" charset="-128"/>
+                <a:ea typeface="BIZ UDP明朝 Medium" panose="02020500000000000000" pitchFamily="18" charset="-128"/>
               </a:rPr>
               <a:t>リモート）</a:t>
             </a:r>
             <a:endParaRPr lang="en-US" altLang="ja-JP" dirty="0">
-              <a:ea typeface="游ゴシック"/>
+              <a:latin typeface="BIZ UDP明朝 Medium" panose="02020500000000000000" pitchFamily="18" charset="-128"/>
+              <a:ea typeface="BIZ UDP明朝 Medium" panose="02020500000000000000" pitchFamily="18" charset="-128"/>
             </a:endParaRPr>
           </a:p>
           <a:p>
             <a:r>
               <a:rPr lang="ja-JP" altLang="en-US" dirty="0">
-                <a:ea typeface="游ゴシック"/>
+                <a:latin typeface="BIZ UDP明朝 Medium" panose="02020500000000000000" pitchFamily="18" charset="-128"/>
+                <a:ea typeface="BIZ UDP明朝 Medium" panose="02020500000000000000" pitchFamily="18" charset="-128"/>
               </a:rPr>
               <a:t>年収：</a:t>
             </a:r>
             <a:r>
               <a:rPr lang="en-US" altLang="ja-JP" dirty="0">
-                <a:ea typeface="游ゴシック"/>
+                <a:latin typeface="BIZ UDP明朝 Medium" panose="02020500000000000000" pitchFamily="18" charset="-128"/>
+                <a:ea typeface="BIZ UDP明朝 Medium" panose="02020500000000000000" pitchFamily="18" charset="-128"/>
               </a:rPr>
               <a:t>400</a:t>
             </a:r>
             <a:r>
               <a:rPr lang="ja-JP" altLang="en-US" dirty="0">
-                <a:ea typeface="游ゴシック"/>
+                <a:latin typeface="BIZ UDP明朝 Medium" panose="02020500000000000000" pitchFamily="18" charset="-128"/>
+                <a:ea typeface="BIZ UDP明朝 Medium" panose="02020500000000000000" pitchFamily="18" charset="-128"/>
               </a:rPr>
               <a:t>万</a:t>
             </a:r>
             <a:endParaRPr lang="en-US" altLang="ja-JP" dirty="0">
-              <a:ea typeface="游ゴシック"/>
+              <a:latin typeface="BIZ UDP明朝 Medium" panose="02020500000000000000" pitchFamily="18" charset="-128"/>
+              <a:ea typeface="BIZ UDP明朝 Medium" panose="02020500000000000000" pitchFamily="18" charset="-128"/>
             </a:endParaRPr>
           </a:p>
           <a:p>
             <a:r>
-              <a:rPr lang="ja-JP" altLang="en-US" dirty="0"/>
+              <a:rPr lang="ja-JP" altLang="en-US" dirty="0">
+                <a:latin typeface="BIZ UDP明朝 Medium" panose="02020500000000000000" pitchFamily="18" charset="-128"/>
+                <a:ea typeface="BIZ UDP明朝 Medium" panose="02020500000000000000" pitchFamily="18" charset="-128"/>
+              </a:rPr>
               <a:t>学歴：大卒</a:t>
             </a:r>
-            <a:endParaRPr lang="en-US" altLang="ja-JP" dirty="0"/>
+            <a:endParaRPr lang="en-US" altLang="ja-JP" dirty="0">
+              <a:latin typeface="BIZ UDP明朝 Medium" panose="02020500000000000000" pitchFamily="18" charset="-128"/>
+              <a:ea typeface="BIZ UDP明朝 Medium" panose="02020500000000000000" pitchFamily="18" charset="-128"/>
+            </a:endParaRPr>
           </a:p>
           <a:p>
             <a:r>
               <a:rPr lang="ja-JP" altLang="en-US" dirty="0">
-                <a:ea typeface="游ゴシック"/>
+                <a:latin typeface="BIZ UDP明朝 Medium" panose="02020500000000000000" pitchFamily="18" charset="-128"/>
+                <a:ea typeface="BIZ UDP明朝 Medium" panose="02020500000000000000" pitchFamily="18" charset="-128"/>
               </a:rPr>
               <a:t>出身地：埼玉</a:t>
             </a:r>
@@ -9048,29 +10332,49 @@
           <a:p>
             <a:r>
               <a:rPr lang="ja-JP" altLang="en-US" dirty="0">
-                <a:ea typeface="游ゴシック"/>
+                <a:latin typeface="BIZ UDP明朝 Medium" panose="02020500000000000000" pitchFamily="18" charset="-128"/>
+                <a:ea typeface="BIZ UDP明朝 Medium" panose="02020500000000000000" pitchFamily="18" charset="-128"/>
               </a:rPr>
               <a:t>家族構成：父・母(ひとりっ子)</a:t>
             </a:r>
           </a:p>
           <a:p>
             <a:r>
-              <a:rPr lang="ja-JP" altLang="en-US" dirty="0"/>
+              <a:rPr lang="ja-JP" altLang="en-US" b="1" dirty="0">
+                <a:solidFill>
+                  <a:srgbClr val="056334"/>
+                </a:solidFill>
+                <a:latin typeface="BIZ UDP明朝 Medium" panose="02020500000000000000" pitchFamily="18" charset="-128"/>
+                <a:ea typeface="BIZ UDP明朝 Medium" panose="02020500000000000000" pitchFamily="18" charset="-128"/>
+              </a:rPr>
               <a:t>趣味：サブスクの鬼</a:t>
             </a:r>
-            <a:endParaRPr lang="en-US" altLang="ja-JP" dirty="0"/>
-          </a:p>
-          <a:p>
-            <a:r>
-              <a:rPr lang="ja-JP" altLang="en-US" dirty="0"/>
+            <a:endParaRPr lang="en-US" altLang="ja-JP" b="1" dirty="0">
+              <a:solidFill>
+                <a:srgbClr val="056334"/>
+              </a:solidFill>
+              <a:latin typeface="BIZ UDP明朝 Medium" panose="02020500000000000000" pitchFamily="18" charset="-128"/>
+              <a:ea typeface="BIZ UDP明朝 Medium" panose="02020500000000000000" pitchFamily="18" charset="-128"/>
+            </a:endParaRPr>
+          </a:p>
+          <a:p>
+            <a:r>
+              <a:rPr lang="ja-JP" altLang="en-US" dirty="0">
+                <a:latin typeface="BIZ UDP明朝 Medium" panose="02020500000000000000" pitchFamily="18" charset="-128"/>
+                <a:ea typeface="BIZ UDP明朝 Medium" panose="02020500000000000000" pitchFamily="18" charset="-128"/>
+              </a:rPr>
               <a:t>すまい：東京（ひとり暮らし）</a:t>
             </a:r>
-            <a:endParaRPr lang="en-US" altLang="ja-JP" dirty="0"/>
+            <a:endParaRPr lang="en-US" altLang="ja-JP" dirty="0">
+              <a:latin typeface="BIZ UDP明朝 Medium" panose="02020500000000000000" pitchFamily="18" charset="-128"/>
+              <a:ea typeface="BIZ UDP明朝 Medium" panose="02020500000000000000" pitchFamily="18" charset="-128"/>
+            </a:endParaRPr>
           </a:p>
           <a:p>
             <a:r>
               <a:rPr lang="ja-JP" altLang="en-US" dirty="0">
-                <a:ea typeface="游ゴシック"/>
+                <a:latin typeface="BIZ UDP明朝 Medium" panose="02020500000000000000" pitchFamily="18" charset="-128"/>
+                <a:ea typeface="BIZ UDP明朝 Medium" panose="02020500000000000000" pitchFamily="18" charset="-128"/>
               </a:rPr>
               <a:t>性格：インドア系、口数少なめ、見た目で損するタイプ、おだやか</a:t>
             </a:r>
@@ -9110,48 +10414,55 @@
           <a:p>
             <a:r>
               <a:rPr lang="en-US" altLang="ja-JP" dirty="0">
-                <a:ea typeface="+mn-lt"/>
+                <a:latin typeface="BIZ UDP明朝 Medium" panose="02020500000000000000" pitchFamily="18" charset="-128"/>
+                <a:ea typeface="BIZ UDP明朝 Medium" panose="02020500000000000000" pitchFamily="18" charset="-128"/>
                 <a:cs typeface="+mn-lt"/>
               </a:rPr>
               <a:t>LINE</a:t>
             </a:r>
             <a:r>
               <a:rPr lang="ja-JP" dirty="0">
-                <a:ea typeface="+mn-lt"/>
+                <a:latin typeface="BIZ UDP明朝 Medium" panose="02020500000000000000" pitchFamily="18" charset="-128"/>
+                <a:ea typeface="BIZ UDP明朝 Medium" panose="02020500000000000000" pitchFamily="18" charset="-128"/>
                 <a:cs typeface="+mn-lt"/>
               </a:rPr>
               <a:t>：</a:t>
             </a:r>
             <a:r>
               <a:rPr lang="ja-JP" altLang="en-US" dirty="0">
-                <a:ea typeface="+mn-lt"/>
+                <a:latin typeface="BIZ UDP明朝 Medium" panose="02020500000000000000" pitchFamily="18" charset="-128"/>
+                <a:ea typeface="BIZ UDP明朝 Medium" panose="02020500000000000000" pitchFamily="18" charset="-128"/>
                 <a:cs typeface="+mn-lt"/>
               </a:rPr>
               <a:t>必要最低限(連絡先は2桁)。</a:t>
             </a:r>
             <a:endParaRPr lang="ja-JP" dirty="0">
-              <a:ea typeface="+mn-lt"/>
+              <a:latin typeface="BIZ UDP明朝 Medium" panose="02020500000000000000" pitchFamily="18" charset="-128"/>
+              <a:ea typeface="BIZ UDP明朝 Medium" panose="02020500000000000000" pitchFamily="18" charset="-128"/>
               <a:cs typeface="+mn-lt"/>
             </a:endParaRPr>
           </a:p>
           <a:p>
             <a:r>
               <a:rPr lang="en-US" altLang="ja-JP" dirty="0">
-                <a:ea typeface="+mn-lt"/>
+                <a:latin typeface="BIZ UDP明朝 Medium" panose="02020500000000000000" pitchFamily="18" charset="-128"/>
+                <a:ea typeface="BIZ UDP明朝 Medium" panose="02020500000000000000" pitchFamily="18" charset="-128"/>
                 <a:cs typeface="+mn-lt"/>
               </a:rPr>
               <a:t>Twitter</a:t>
             </a:r>
             <a:r>
               <a:rPr lang="ja-JP" dirty="0">
-                <a:ea typeface="+mn-lt"/>
+                <a:latin typeface="BIZ UDP明朝 Medium" panose="02020500000000000000" pitchFamily="18" charset="-128"/>
+                <a:ea typeface="BIZ UDP明朝 Medium" panose="02020500000000000000" pitchFamily="18" charset="-128"/>
                 <a:cs typeface="+mn-lt"/>
               </a:rPr>
               <a:t>：</a:t>
             </a:r>
             <a:r>
               <a:rPr lang="ja-JP" altLang="en-US" dirty="0">
-                <a:ea typeface="+mn-lt"/>
+                <a:latin typeface="BIZ UDP明朝 Medium" panose="02020500000000000000" pitchFamily="18" charset="-128"/>
+                <a:ea typeface="BIZ UDP明朝 Medium" panose="02020500000000000000" pitchFamily="18" charset="-128"/>
                 <a:cs typeface="+mn-lt"/>
               </a:rPr>
               <a:t>投稿はせず見る専。かなりの頻度で見ている。</a:t>
@@ -9160,14 +10471,16 @@
           <a:p>
             <a:r>
               <a:rPr lang="en-US" altLang="ja-JP" dirty="0">
-                <a:ea typeface="+mn-lt"/>
+                <a:latin typeface="BIZ UDP明朝 Medium" panose="02020500000000000000" pitchFamily="18" charset="-128"/>
+                <a:ea typeface="BIZ UDP明朝 Medium" panose="02020500000000000000" pitchFamily="18" charset="-128"/>
                 <a:cs typeface="+mn-lt"/>
               </a:rPr>
               <a:t>Instagram</a:t>
             </a:r>
             <a:r>
               <a:rPr lang="ja-JP" altLang="en-US" dirty="0">
-                <a:ea typeface="+mn-lt"/>
+                <a:latin typeface="BIZ UDP明朝 Medium" panose="02020500000000000000" pitchFamily="18" charset="-128"/>
+                <a:ea typeface="BIZ UDP明朝 Medium" panose="02020500000000000000" pitchFamily="18" charset="-128"/>
                 <a:cs typeface="+mn-lt"/>
               </a:rPr>
               <a:t>：大学時代までは付き合いで使っていたが卒業後に消した。</a:t>
@@ -9176,38 +10489,49 @@
           <a:p>
             <a:r>
               <a:rPr lang="en-US" altLang="ja-JP" dirty="0">
-                <a:ea typeface="+mn-lt"/>
+                <a:latin typeface="BIZ UDP明朝 Medium" panose="02020500000000000000" pitchFamily="18" charset="-128"/>
+                <a:ea typeface="BIZ UDP明朝 Medium" panose="02020500000000000000" pitchFamily="18" charset="-128"/>
                 <a:cs typeface="+mn-lt"/>
               </a:rPr>
               <a:t>Facebook：</a:t>
             </a:r>
             <a:r>
               <a:rPr lang="ja-JP" altLang="en-US" dirty="0">
-                <a:ea typeface="+mn-lt"/>
+                <a:latin typeface="BIZ UDP明朝 Medium" panose="02020500000000000000" pitchFamily="18" charset="-128"/>
+                <a:ea typeface="BIZ UDP明朝 Medium" panose="02020500000000000000" pitchFamily="18" charset="-128"/>
                 <a:cs typeface="+mn-lt"/>
               </a:rPr>
               <a:t>もう</a:t>
             </a:r>
             <a:r>
               <a:rPr lang="en-US" altLang="ja-JP" dirty="0" err="1">
-                <a:ea typeface="+mn-lt"/>
+                <a:latin typeface="BIZ UDP明朝 Medium" panose="02020500000000000000" pitchFamily="18" charset="-128"/>
+                <a:ea typeface="BIZ UDP明朝 Medium" panose="02020500000000000000" pitchFamily="18" charset="-128"/>
                 <a:cs typeface="+mn-lt"/>
               </a:rPr>
               <a:t>使っていない</a:t>
             </a:r>
             <a:r>
               <a:rPr lang="en-US" altLang="ja-JP" dirty="0">
-                <a:ea typeface="+mn-lt"/>
+                <a:latin typeface="BIZ UDP明朝 Medium" panose="02020500000000000000" pitchFamily="18" charset="-128"/>
+                <a:ea typeface="BIZ UDP明朝 Medium" panose="02020500000000000000" pitchFamily="18" charset="-128"/>
                 <a:cs typeface="+mn-lt"/>
               </a:rPr>
               <a:t>。</a:t>
             </a:r>
-            <a:endParaRPr lang="en-US" dirty="0"/>
+            <a:endParaRPr lang="en-US" dirty="0">
+              <a:latin typeface="BIZ UDP明朝 Medium" panose="02020500000000000000" pitchFamily="18" charset="-128"/>
+              <a:ea typeface="BIZ UDP明朝 Medium" panose="02020500000000000000" pitchFamily="18" charset="-128"/>
+            </a:endParaRPr>
           </a:p>
           <a:p>
             <a:r>
               <a:rPr lang="ja-JP" altLang="en-US" b="1" dirty="0">
-                <a:ea typeface="游ゴシック"/>
+                <a:solidFill>
+                  <a:srgbClr val="056334"/>
+                </a:solidFill>
+                <a:latin typeface="BIZ UDP明朝 Medium" panose="02020500000000000000" pitchFamily="18" charset="-128"/>
+                <a:ea typeface="BIZ UDP明朝 Medium" panose="02020500000000000000" pitchFamily="18" charset="-128"/>
               </a:rPr>
               <a:t>Netflix：ヘビーユーザー。</a:t>
             </a:r>
@@ -9243,167 +10567,210 @@
           <a:lstStyle/>
           <a:p>
             <a:r>
-              <a:rPr lang="ja-JP">
-                <a:ea typeface="+mn-lt"/>
+              <a:rPr lang="ja-JP" dirty="0">
+                <a:latin typeface="BIZ UDP明朝 Medium" panose="02020500000000000000" pitchFamily="18" charset="-128"/>
+                <a:ea typeface="BIZ UDP明朝 Medium" panose="02020500000000000000" pitchFamily="18" charset="-128"/>
                 <a:cs typeface="+mn-lt"/>
               </a:rPr>
               <a:t>不満：家事が</a:t>
             </a:r>
             <a:r>
-              <a:rPr lang="ja-JP" altLang="en-US">
-                <a:ea typeface="+mn-lt"/>
+              <a:rPr lang="ja-JP" altLang="en-US" dirty="0">
+                <a:latin typeface="BIZ UDP明朝 Medium" panose="02020500000000000000" pitchFamily="18" charset="-128"/>
+                <a:ea typeface="BIZ UDP明朝 Medium" panose="02020500000000000000" pitchFamily="18" charset="-128"/>
                 <a:cs typeface="+mn-lt"/>
               </a:rPr>
               <a:t>正直面倒くさい。</a:t>
             </a:r>
-            <a:endParaRPr lang="ja-JP">
-              <a:ea typeface="+mn-lt"/>
+            <a:endParaRPr lang="ja-JP" dirty="0">
+              <a:latin typeface="BIZ UDP明朝 Medium" panose="02020500000000000000" pitchFamily="18" charset="-128"/>
+              <a:ea typeface="BIZ UDP明朝 Medium" panose="02020500000000000000" pitchFamily="18" charset="-128"/>
               <a:cs typeface="+mn-lt"/>
             </a:endParaRPr>
           </a:p>
           <a:p>
             <a:r>
-              <a:rPr lang="ja-JP" altLang="en-US">
-                <a:ea typeface="游ゴシック"/>
+              <a:rPr lang="ja-JP" altLang="en-US" dirty="0">
+                <a:latin typeface="BIZ UDP明朝 Medium" panose="02020500000000000000" pitchFamily="18" charset="-128"/>
+                <a:ea typeface="BIZ UDP明朝 Medium" panose="02020500000000000000" pitchFamily="18" charset="-128"/>
               </a:rPr>
               <a:t>節約を効率的にできるようにしたい。</a:t>
             </a:r>
           </a:p>
           <a:p>
             <a:r>
-              <a:rPr lang="ja-JP" altLang="en-US" b="1">
-                <a:ea typeface="+mn-lt"/>
+              <a:rPr lang="ja-JP" altLang="en-US" b="1" dirty="0">
+                <a:solidFill>
+                  <a:srgbClr val="056334"/>
+                </a:solidFill>
+                <a:latin typeface="BIZ UDP明朝 Medium" panose="02020500000000000000" pitchFamily="18" charset="-128"/>
+                <a:ea typeface="BIZ UDP明朝 Medium" panose="02020500000000000000" pitchFamily="18" charset="-128"/>
                 <a:cs typeface="+mn-lt"/>
               </a:rPr>
               <a:t>Netflixで見る映画・作品に迷うのが嫌。</a:t>
             </a:r>
           </a:p>
           <a:p>
-            <a:endParaRPr lang="ja-JP" altLang="en-US">
-              <a:ea typeface="+mn-lt"/>
+            <a:endParaRPr lang="ja-JP" altLang="en-US" dirty="0">
+              <a:latin typeface="BIZ UDP明朝 Medium" panose="02020500000000000000" pitchFamily="18" charset="-128"/>
+              <a:ea typeface="BIZ UDP明朝 Medium" panose="02020500000000000000" pitchFamily="18" charset="-128"/>
               <a:cs typeface="+mn-lt"/>
             </a:endParaRPr>
           </a:p>
           <a:p>
             <a:r>
-              <a:rPr lang="ja-JP">
-                <a:ea typeface="+mn-lt"/>
+              <a:rPr lang="ja-JP" dirty="0">
+                <a:latin typeface="BIZ UDP明朝 Medium" panose="02020500000000000000" pitchFamily="18" charset="-128"/>
+                <a:ea typeface="BIZ UDP明朝 Medium" panose="02020500000000000000" pitchFamily="18" charset="-128"/>
                 <a:cs typeface="+mn-lt"/>
               </a:rPr>
               <a:t>満足：たまに学生時代の友人から</a:t>
             </a:r>
             <a:r>
-              <a:rPr lang="ja-JP" altLang="en-US">
-                <a:ea typeface="+mn-lt"/>
+              <a:rPr lang="ja-JP" altLang="en-US" dirty="0">
+                <a:latin typeface="BIZ UDP明朝 Medium" panose="02020500000000000000" pitchFamily="18" charset="-128"/>
+                <a:ea typeface="BIZ UDP明朝 Medium" panose="02020500000000000000" pitchFamily="18" charset="-128"/>
                 <a:cs typeface="+mn-lt"/>
               </a:rPr>
               <a:t>呼</a:t>
             </a:r>
             <a:r>
-              <a:rPr lang="ja-JP">
-                <a:ea typeface="+mn-lt"/>
+              <a:rPr lang="ja-JP" dirty="0">
+                <a:latin typeface="BIZ UDP明朝 Medium" panose="02020500000000000000" pitchFamily="18" charset="-128"/>
+                <a:ea typeface="BIZ UDP明朝 Medium" panose="02020500000000000000" pitchFamily="18" charset="-128"/>
                 <a:cs typeface="+mn-lt"/>
               </a:rPr>
               <a:t>ばれて飲み会</a:t>
             </a:r>
             <a:r>
-              <a:rPr lang="ja-JP" altLang="en-US">
-                <a:ea typeface="+mn-lt"/>
+              <a:rPr lang="ja-JP" altLang="en-US" dirty="0">
+                <a:latin typeface="BIZ UDP明朝 Medium" panose="02020500000000000000" pitchFamily="18" charset="-128"/>
+                <a:ea typeface="BIZ UDP明朝 Medium" panose="02020500000000000000" pitchFamily="18" charset="-128"/>
                 <a:cs typeface="+mn-lt"/>
               </a:rPr>
               <a:t>に行くのが楽しい。</a:t>
             </a:r>
-            <a:endParaRPr lang="ja-JP" altLang="en-US">
-              <a:ea typeface="游ゴシック"/>
+            <a:endParaRPr lang="ja-JP" altLang="en-US" dirty="0">
+              <a:latin typeface="BIZ UDP明朝 Medium" panose="02020500000000000000" pitchFamily="18" charset="-128"/>
+              <a:ea typeface="BIZ UDP明朝 Medium" panose="02020500000000000000" pitchFamily="18" charset="-128"/>
             </a:endParaRPr>
           </a:p>
           <a:p>
             <a:r>
-              <a:rPr lang="ja-JP" altLang="en-US">
-                <a:ea typeface="+mn-lt"/>
+              <a:rPr lang="ja-JP" altLang="en-US" dirty="0">
+                <a:latin typeface="BIZ UDP明朝 Medium" panose="02020500000000000000" pitchFamily="18" charset="-128"/>
+                <a:ea typeface="BIZ UDP明朝 Medium" panose="02020500000000000000" pitchFamily="18" charset="-128"/>
                 <a:cs typeface="+mn-lt"/>
               </a:rPr>
               <a:t>ただ出費が大きいので毎回迷う。</a:t>
             </a:r>
-            <a:endParaRPr lang="ja-JP">
-              <a:ea typeface="+mn-lt"/>
+            <a:endParaRPr lang="ja-JP" dirty="0">
+              <a:latin typeface="BIZ UDP明朝 Medium" panose="02020500000000000000" pitchFamily="18" charset="-128"/>
+              <a:ea typeface="BIZ UDP明朝 Medium" panose="02020500000000000000" pitchFamily="18" charset="-128"/>
               <a:cs typeface="+mn-lt"/>
             </a:endParaRPr>
           </a:p>
           <a:p>
-            <a:endParaRPr lang="ja-JP" altLang="en-US">
-              <a:ea typeface="+mn-lt"/>
+            <a:endParaRPr lang="ja-JP" altLang="en-US" dirty="0">
+              <a:latin typeface="BIZ UDP明朝 Medium" panose="02020500000000000000" pitchFamily="18" charset="-128"/>
+              <a:ea typeface="BIZ UDP明朝 Medium" panose="02020500000000000000" pitchFamily="18" charset="-128"/>
               <a:cs typeface="+mn-lt"/>
             </a:endParaRPr>
           </a:p>
           <a:p>
             <a:r>
-              <a:rPr lang="ja-JP" altLang="en-US">
-                <a:ea typeface="+mn-lt"/>
+              <a:rPr lang="ja-JP" altLang="en-US" dirty="0">
+                <a:latin typeface="BIZ UDP明朝 Medium" panose="02020500000000000000" pitchFamily="18" charset="-128"/>
+                <a:ea typeface="BIZ UDP明朝 Medium" panose="02020500000000000000" pitchFamily="18" charset="-128"/>
                 <a:cs typeface="+mn-lt"/>
               </a:rPr>
               <a:t>欲求：</a:t>
             </a:r>
             <a:r>
-              <a:rPr lang="ja-JP" b="1">
-                <a:ea typeface="+mn-lt"/>
+              <a:rPr lang="ja-JP" b="1" dirty="0">
+                <a:solidFill>
+                  <a:srgbClr val="056334"/>
+                </a:solidFill>
+                <a:latin typeface="BIZ UDP明朝 Medium" panose="02020500000000000000" pitchFamily="18" charset="-128"/>
+                <a:ea typeface="BIZ UDP明朝 Medium" panose="02020500000000000000" pitchFamily="18" charset="-128"/>
                 <a:cs typeface="+mn-lt"/>
               </a:rPr>
               <a:t>最新の映画</a:t>
             </a:r>
             <a:r>
-              <a:rPr lang="ja-JP" altLang="en-US" b="1">
-                <a:ea typeface="+mn-lt"/>
+              <a:rPr lang="ja-JP" altLang="en-US" b="1" dirty="0">
+                <a:solidFill>
+                  <a:srgbClr val="056334"/>
+                </a:solidFill>
+                <a:latin typeface="BIZ UDP明朝 Medium" panose="02020500000000000000" pitchFamily="18" charset="-128"/>
+                <a:ea typeface="BIZ UDP明朝 Medium" panose="02020500000000000000" pitchFamily="18" charset="-128"/>
                 <a:cs typeface="+mn-lt"/>
               </a:rPr>
               <a:t>も</a:t>
             </a:r>
             <a:r>
-              <a:rPr lang="ja-JP" b="1">
-                <a:ea typeface="+mn-lt"/>
+              <a:rPr lang="ja-JP" b="1" dirty="0">
+                <a:solidFill>
+                  <a:srgbClr val="056334"/>
+                </a:solidFill>
+                <a:latin typeface="BIZ UDP明朝 Medium" panose="02020500000000000000" pitchFamily="18" charset="-128"/>
+                <a:ea typeface="BIZ UDP明朝 Medium" panose="02020500000000000000" pitchFamily="18" charset="-128"/>
                 <a:cs typeface="+mn-lt"/>
               </a:rPr>
               <a:t>家で見たい</a:t>
             </a:r>
             <a:r>
-              <a:rPr lang="ja-JP" altLang="en-US" b="1">
-                <a:ea typeface="+mn-lt"/>
+              <a:rPr lang="ja-JP" altLang="en-US" b="1" dirty="0">
+                <a:solidFill>
+                  <a:srgbClr val="056334"/>
+                </a:solidFill>
+                <a:latin typeface="BIZ UDP明朝 Medium" panose="02020500000000000000" pitchFamily="18" charset="-128"/>
+                <a:ea typeface="BIZ UDP明朝 Medium" panose="02020500000000000000" pitchFamily="18" charset="-128"/>
                 <a:cs typeface="+mn-lt"/>
               </a:rPr>
               <a:t>。また、Netflix作品のレビューが見れたら嬉しい。</a:t>
             </a:r>
-            <a:endParaRPr lang="ja-JP" altLang="en-US" b="1">
-              <a:ea typeface="游ゴシック"/>
+            <a:endParaRPr lang="ja-JP" altLang="en-US" b="1" dirty="0">
+              <a:solidFill>
+                <a:srgbClr val="056334"/>
+              </a:solidFill>
+              <a:latin typeface="BIZ UDP明朝 Medium" panose="02020500000000000000" pitchFamily="18" charset="-128"/>
+              <a:ea typeface="BIZ UDP明朝 Medium" panose="02020500000000000000" pitchFamily="18" charset="-128"/>
             </a:endParaRPr>
           </a:p>
           <a:p>
             <a:r>
-              <a:rPr lang="ja-JP" altLang="en-US">
-                <a:ea typeface="游ゴシック"/>
+              <a:rPr lang="ja-JP" altLang="en-US" dirty="0">
+                <a:latin typeface="BIZ UDP明朝 Medium" panose="02020500000000000000" pitchFamily="18" charset="-128"/>
+                <a:ea typeface="BIZ UDP明朝 Medium" panose="02020500000000000000" pitchFamily="18" charset="-128"/>
               </a:rPr>
               <a:t>制限警告機能付きの家計簿アプリがあったら便利。</a:t>
             </a:r>
-            <a:endParaRPr lang="ja-JP">
-              <a:ea typeface="游ゴシック"/>
+            <a:endParaRPr lang="ja-JP" dirty="0">
+              <a:latin typeface="BIZ UDP明朝 Medium" panose="02020500000000000000" pitchFamily="18" charset="-128"/>
+              <a:ea typeface="BIZ UDP明朝 Medium" panose="02020500000000000000" pitchFamily="18" charset="-128"/>
             </a:endParaRPr>
           </a:p>
           <a:p>
             <a:r>
-              <a:rPr lang="ja-JP" altLang="en-US">
-                <a:ea typeface="游ゴシック"/>
+              <a:rPr lang="ja-JP" altLang="en-US" dirty="0">
+                <a:latin typeface="BIZ UDP明朝 Medium" panose="02020500000000000000" pitchFamily="18" charset="-128"/>
+                <a:ea typeface="BIZ UDP明朝 Medium" panose="02020500000000000000" pitchFamily="18" charset="-128"/>
               </a:rPr>
               <a:t>便利な家事手助けツール(ToDoリスト・リマインド・アラーム・カレンダーなど)があったら使いたい。</a:t>
             </a:r>
           </a:p>
           <a:p>
             <a:r>
-              <a:rPr lang="ja-JP">
-                <a:ea typeface="游ゴシック"/>
+              <a:rPr lang="ja-JP" dirty="0">
+                <a:latin typeface="BIZ UDP明朝 Medium" panose="02020500000000000000" pitchFamily="18" charset="-128"/>
+                <a:ea typeface="BIZ UDP明朝 Medium" panose="02020500000000000000" pitchFamily="18" charset="-128"/>
               </a:rPr>
               <a:t>愛に飢えている(恋人なし)。</a:t>
             </a:r>
-            <a:endParaRPr lang="ja-JP">
-              <a:ea typeface="+mn-lt"/>
+            <a:endParaRPr lang="ja-JP" dirty="0">
+              <a:latin typeface="BIZ UDP明朝 Medium" panose="02020500000000000000" pitchFamily="18" charset="-128"/>
+              <a:ea typeface="BIZ UDP明朝 Medium" panose="02020500000000000000" pitchFamily="18" charset="-128"/>
               <a:cs typeface="+mn-lt"/>
             </a:endParaRPr>
           </a:p>
@@ -9458,114 +10825,6 @@
 </p:sld>
 </file>
 
-<file path=ppt/slides/slide5.xml><?xml version="1.0" encoding="utf-8"?>
-<p:sld xmlns:a="http://schemas.openxmlformats.org/drawingml/2006/main" xmlns:r="http://schemas.openxmlformats.org/officeDocument/2006/relationships" xmlns:p="http://schemas.openxmlformats.org/presentationml/2006/main">
-  <p:cSld>
-    <p:spTree>
-      <p:nvGrpSpPr>
-        <p:cNvPr id="1" name=""/>
-        <p:cNvGrpSpPr/>
-        <p:nvPr/>
-      </p:nvGrpSpPr>
-      <p:grpSpPr>
-        <a:xfrm>
-          <a:off x="0" y="0"/>
-          <a:ext cx="0" cy="0"/>
-          <a:chOff x="0" y="0"/>
-          <a:chExt cx="0" cy="0"/>
-        </a:xfrm>
-      </p:grpSpPr>
-      <p:sp>
-        <p:nvSpPr>
-          <p:cNvPr id="2" name="タイトル 1">
-            <a:extLst>
-              <a:ext uri="{FF2B5EF4-FFF2-40B4-BE49-F238E27FC236}">
-                <a16:creationId xmlns:a16="http://schemas.microsoft.com/office/drawing/2014/main" id="{42489753-56A8-3B62-55FA-C6250885BA43}"/>
-              </a:ext>
-            </a:extLst>
-          </p:cNvPr>
-          <p:cNvSpPr>
-            <a:spLocks noGrp="1"/>
-          </p:cNvSpPr>
-          <p:nvPr>
-            <p:ph type="ctrTitle"/>
-          </p:nvPr>
-        </p:nvSpPr>
-        <p:spPr>
-          <a:xfrm>
-            <a:off x="1524000" y="2405575"/>
-            <a:ext cx="9144000" cy="1273200"/>
-          </a:xfrm>
-        </p:spPr>
-        <p:txBody>
-          <a:bodyPr/>
-          <a:lstStyle/>
-          <a:p>
-            <a:r>
-              <a:rPr kumimoji="1" lang="ja-JP" altLang="en-US" b="1">
-                <a:solidFill>
-                  <a:srgbClr val="056334"/>
-                </a:solidFill>
-              </a:rPr>
-              <a:t>機能説明</a:t>
-            </a:r>
-            <a:endParaRPr kumimoji="1" lang="ja-JP" altLang="en-US" b="1" dirty="0">
-              <a:solidFill>
-                <a:srgbClr val="056334"/>
-              </a:solidFill>
-            </a:endParaRPr>
-          </a:p>
-        </p:txBody>
-      </p:sp>
-      <p:pic>
-        <p:nvPicPr>
-          <p:cNvPr id="4" name="図 3" descr="ロゴ&#10;&#10;自動的に生成された説明">
-            <a:extLst>
-              <a:ext uri="{FF2B5EF4-FFF2-40B4-BE49-F238E27FC236}">
-                <a16:creationId xmlns:a16="http://schemas.microsoft.com/office/drawing/2014/main" id="{AB8FD864-4218-2AC9-436E-F99469FAC147}"/>
-              </a:ext>
-            </a:extLst>
-          </p:cNvPr>
-          <p:cNvPicPr>
-            <a:picLocks noChangeAspect="1"/>
-          </p:cNvPicPr>
-          <p:nvPr/>
-        </p:nvPicPr>
-        <p:blipFill>
-          <a:blip r:embed="rId2">
-            <a:extLst>
-              <a:ext uri="{28A0092B-C50C-407E-A947-70E740481C1C}">
-                <a14:useLocalDpi xmlns:a14="http://schemas.microsoft.com/office/drawing/2010/main" val="0"/>
-              </a:ext>
-            </a:extLst>
-          </a:blip>
-          <a:stretch>
-            <a:fillRect/>
-          </a:stretch>
-        </p:blipFill>
-        <p:spPr>
-          <a:xfrm>
-            <a:off x="10203791" y="5910470"/>
-            <a:ext cx="1611972" cy="752254"/>
-          </a:xfrm>
-          <a:prstGeom prst="rect">
-            <a:avLst/>
-          </a:prstGeom>
-        </p:spPr>
-      </p:pic>
-    </p:spTree>
-    <p:extLst>
-      <p:ext uri="{BB962C8B-B14F-4D97-AF65-F5344CB8AC3E}">
-        <p14:creationId xmlns:p14="http://schemas.microsoft.com/office/powerpoint/2010/main" val="422969420"/>
-      </p:ext>
-    </p:extLst>
-  </p:cSld>
-  <p:clrMapOvr>
-    <a:masterClrMapping/>
-  </p:clrMapOvr>
-</p:sld>
-</file>
-
 <file path=ppt/slides/slide6.xml><?xml version="1.0" encoding="utf-8"?>
 <p:sld xmlns:a="http://schemas.openxmlformats.org/drawingml/2006/main" xmlns:r="http://schemas.openxmlformats.org/officeDocument/2006/relationships" xmlns:p="http://schemas.openxmlformats.org/presentationml/2006/main">
   <p:cSld>
@@ -9585,72 +10844,101 @@
       </p:grpSpPr>
       <p:sp>
         <p:nvSpPr>
+          <p:cNvPr id="19" name="正方形/長方形 18">
+            <a:extLst>
+              <a:ext uri="{FF2B5EF4-FFF2-40B4-BE49-F238E27FC236}">
+                <a16:creationId xmlns:a16="http://schemas.microsoft.com/office/drawing/2014/main" id="{04AC9D8A-5CD7-9B97-B65D-BAC55DA27BF8}"/>
+              </a:ext>
+            </a:extLst>
+          </p:cNvPr>
+          <p:cNvSpPr/>
+          <p:nvPr/>
+        </p:nvSpPr>
+        <p:spPr>
+          <a:xfrm>
+            <a:off x="682487" y="301487"/>
+            <a:ext cx="10827026" cy="6255026"/>
+          </a:xfrm>
+          <a:prstGeom prst="rect">
+            <a:avLst/>
+          </a:prstGeom>
+          <a:solidFill>
+            <a:schemeClr val="bg1"/>
+          </a:solidFill>
+          <a:ln>
+            <a:noFill/>
+          </a:ln>
+        </p:spPr>
+        <p:style>
+          <a:lnRef idx="2">
+            <a:schemeClr val="accent1">
+              <a:shade val="50000"/>
+            </a:schemeClr>
+          </a:lnRef>
+          <a:fillRef idx="1">
+            <a:schemeClr val="accent1"/>
+          </a:fillRef>
+          <a:effectRef idx="0">
+            <a:schemeClr val="accent1"/>
+          </a:effectRef>
+          <a:fontRef idx="minor">
+            <a:schemeClr val="lt1"/>
+          </a:fontRef>
+        </p:style>
+        <p:txBody>
+          <a:bodyPr rtlCol="0" anchor="ctr"/>
+          <a:lstStyle/>
+          <a:p>
+            <a:pPr algn="ctr"/>
+            <a:endParaRPr kumimoji="1" lang="ja-JP" altLang="en-US"/>
+          </a:p>
+        </p:txBody>
+      </p:sp>
+      <p:sp>
+        <p:nvSpPr>
           <p:cNvPr id="2" name="タイトル 1">
             <a:extLst>
               <a:ext uri="{FF2B5EF4-FFF2-40B4-BE49-F238E27FC236}">
-                <a16:creationId xmlns:a16="http://schemas.microsoft.com/office/drawing/2014/main" id="{567BCC82-8CB1-3055-6FCE-39E6F1E069C2}"/>
-              </a:ext>
-            </a:extLst>
-          </p:cNvPr>
-          <p:cNvSpPr>
-            <a:spLocks noGrp="1"/>
-          </p:cNvSpPr>
-          <p:nvPr>
-            <p:ph type="title"/>
-          </p:nvPr>
-        </p:nvSpPr>
-        <p:spPr/>
+                <a16:creationId xmlns:a16="http://schemas.microsoft.com/office/drawing/2014/main" id="{42489753-56A8-3B62-55FA-C6250885BA43}"/>
+              </a:ext>
+            </a:extLst>
+          </p:cNvPr>
+          <p:cNvSpPr>
+            <a:spLocks noGrp="1"/>
+          </p:cNvSpPr>
+          <p:nvPr>
+            <p:ph type="ctrTitle"/>
+          </p:nvPr>
+        </p:nvSpPr>
+        <p:spPr>
+          <a:xfrm>
+            <a:off x="1524000" y="2405575"/>
+            <a:ext cx="9144000" cy="1273200"/>
+          </a:xfrm>
+        </p:spPr>
         <p:txBody>
           <a:bodyPr/>
           <a:lstStyle/>
           <a:p>
             <a:r>
-              <a:rPr lang="ja-JP" altLang="en-US" b="1" dirty="0">
+              <a:rPr kumimoji="1" lang="ja-JP" altLang="en-US" b="1" dirty="0">
                 <a:solidFill>
                   <a:srgbClr val="056334"/>
                 </a:solidFill>
-              </a:rPr>
-              <a:t>ログイン</a:t>
-            </a:r>
-            <a:endParaRPr kumimoji="1" lang="ja-JP" altLang="en-US" b="1" dirty="0">
-              <a:solidFill>
-                <a:srgbClr val="056334"/>
-              </a:solidFill>
-            </a:endParaRPr>
-          </a:p>
-        </p:txBody>
-      </p:sp>
-      <p:sp>
-        <p:nvSpPr>
-          <p:cNvPr id="3" name="コンテンツ プレースホルダー 2">
-            <a:extLst>
-              <a:ext uri="{FF2B5EF4-FFF2-40B4-BE49-F238E27FC236}">
-                <a16:creationId xmlns:a16="http://schemas.microsoft.com/office/drawing/2014/main" id="{A4E6E213-AEA2-33B5-BFFB-4B2752698193}"/>
-              </a:ext>
-            </a:extLst>
-          </p:cNvPr>
-          <p:cNvSpPr>
-            <a:spLocks noGrp="1"/>
-          </p:cNvSpPr>
-          <p:nvPr>
-            <p:ph idx="1"/>
-          </p:nvPr>
-        </p:nvSpPr>
-        <p:spPr/>
-        <p:txBody>
-          <a:bodyPr/>
-          <a:lstStyle/>
-          <a:p>
-            <a:endParaRPr kumimoji="1" lang="ja-JP" altLang="en-US"/>
+                <a:latin typeface="HGS行書体" panose="03000600000000000000" pitchFamily="66" charset="-128"/>
+                <a:ea typeface="HGS行書体" panose="03000600000000000000" pitchFamily="66" charset="-128"/>
+              </a:rPr>
+              <a:t>機能説明</a:t>
+            </a:r>
           </a:p>
         </p:txBody>
       </p:sp>
       <p:pic>
         <p:nvPicPr>
-          <p:cNvPr id="5" name="図 4" descr="ロゴ&#10;&#10;自動的に生成された説明">
-            <a:extLst>
-              <a:ext uri="{FF2B5EF4-FFF2-40B4-BE49-F238E27FC236}">
-                <a16:creationId xmlns:a16="http://schemas.microsoft.com/office/drawing/2014/main" id="{85E1B6C7-7CF6-6D16-6C64-224A08472BB7}"/>
+          <p:cNvPr id="4" name="図 3" descr="ロゴ&#10;&#10;自動的に生成された説明">
+            <a:extLst>
+              <a:ext uri="{FF2B5EF4-FFF2-40B4-BE49-F238E27FC236}">
+                <a16:creationId xmlns:a16="http://schemas.microsoft.com/office/drawing/2014/main" id="{AB8FD864-4218-2AC9-436E-F99469FAC147}"/>
               </a:ext>
             </a:extLst>
           </p:cNvPr>
@@ -9673,8 +10961,8 @@
         </p:blipFill>
         <p:spPr>
           <a:xfrm>
-            <a:off x="10203791" y="5910470"/>
-            <a:ext cx="1611972" cy="752254"/>
+            <a:off x="10270436" y="5919485"/>
+            <a:ext cx="1081500" cy="504700"/>
           </a:xfrm>
           <a:prstGeom prst="rect">
             <a:avLst/>
@@ -9684,7 +10972,7 @@
     </p:spTree>
     <p:extLst>
       <p:ext uri="{BB962C8B-B14F-4D97-AF65-F5344CB8AC3E}">
-        <p14:creationId xmlns:p14="http://schemas.microsoft.com/office/powerpoint/2010/main" val="1456408046"/>
+        <p14:creationId xmlns:p14="http://schemas.microsoft.com/office/powerpoint/2010/main" val="422969420"/>
       </p:ext>
     </p:extLst>
   </p:cSld>
@@ -9713,6 +11001,58 @@
       </p:grpSpPr>
       <p:sp>
         <p:nvSpPr>
+          <p:cNvPr id="6" name="正方形/長方形 5">
+            <a:extLst>
+              <a:ext uri="{FF2B5EF4-FFF2-40B4-BE49-F238E27FC236}">
+                <a16:creationId xmlns:a16="http://schemas.microsoft.com/office/drawing/2014/main" id="{B8FF7F32-EC55-2B69-D119-785CC1D16574}"/>
+              </a:ext>
+            </a:extLst>
+          </p:cNvPr>
+          <p:cNvSpPr/>
+          <p:nvPr/>
+        </p:nvSpPr>
+        <p:spPr>
+          <a:xfrm>
+            <a:off x="682487" y="301487"/>
+            <a:ext cx="10827026" cy="6255026"/>
+          </a:xfrm>
+          <a:prstGeom prst="rect">
+            <a:avLst/>
+          </a:prstGeom>
+          <a:solidFill>
+            <a:schemeClr val="bg1"/>
+          </a:solidFill>
+          <a:ln>
+            <a:noFill/>
+          </a:ln>
+        </p:spPr>
+        <p:style>
+          <a:lnRef idx="2">
+            <a:schemeClr val="accent1">
+              <a:shade val="50000"/>
+            </a:schemeClr>
+          </a:lnRef>
+          <a:fillRef idx="1">
+            <a:schemeClr val="accent1"/>
+          </a:fillRef>
+          <a:effectRef idx="0">
+            <a:schemeClr val="accent1"/>
+          </a:effectRef>
+          <a:fontRef idx="minor">
+            <a:schemeClr val="lt1"/>
+          </a:fontRef>
+        </p:style>
+        <p:txBody>
+          <a:bodyPr rtlCol="0" anchor="ctr"/>
+          <a:lstStyle/>
+          <a:p>
+            <a:pPr algn="ctr"/>
+            <a:endParaRPr kumimoji="1" lang="ja-JP" altLang="en-US"/>
+          </a:p>
+        </p:txBody>
+      </p:sp>
+      <p:sp>
+        <p:nvSpPr>
           <p:cNvPr id="2" name="タイトル 1">
             <a:extLst>
               <a:ext uri="{FF2B5EF4-FFF2-40B4-BE49-F238E27FC236}">
@@ -9733,18 +11073,15 @@
           <a:lstStyle/>
           <a:p>
             <a:r>
-              <a:rPr lang="ja-JP" altLang="en-US" b="1" dirty="0">
+              <a:rPr kumimoji="1" lang="ja-JP" altLang="en-US" b="1" dirty="0">
                 <a:solidFill>
                   <a:srgbClr val="056334"/>
                 </a:solidFill>
-              </a:rPr>
-              <a:t>トップページ</a:t>
-            </a:r>
-            <a:endParaRPr kumimoji="1" lang="ja-JP" altLang="en-US" b="1" dirty="0">
-              <a:solidFill>
-                <a:srgbClr val="056334"/>
-              </a:solidFill>
-            </a:endParaRPr>
+                <a:latin typeface="HGS行書体" panose="03000600000000000000" pitchFamily="66" charset="-128"/>
+                <a:ea typeface="HGS行書体" panose="03000600000000000000" pitchFamily="66" charset="-128"/>
+              </a:rPr>
+              <a:t>ユーザー関連の機能</a:t>
+            </a:r>
           </a:p>
         </p:txBody>
       </p:sp>
@@ -9769,16 +11106,19 @@
           <a:bodyPr/>
           <a:lstStyle/>
           <a:p>
-            <a:endParaRPr kumimoji="1" lang="ja-JP" altLang="en-US"/>
+            <a:endParaRPr kumimoji="1" lang="ja-JP" altLang="en-US" dirty="0">
+              <a:latin typeface="BIZ UDP明朝 Medium" panose="02020500000000000000" pitchFamily="18" charset="-128"/>
+              <a:ea typeface="BIZ UDP明朝 Medium" panose="02020500000000000000" pitchFamily="18" charset="-128"/>
+            </a:endParaRPr>
           </a:p>
         </p:txBody>
       </p:sp>
       <p:pic>
         <p:nvPicPr>
-          <p:cNvPr id="4" name="図 3" descr="ロゴ&#10;&#10;自動的に生成された説明">
-            <a:extLst>
-              <a:ext uri="{FF2B5EF4-FFF2-40B4-BE49-F238E27FC236}">
-                <a16:creationId xmlns:a16="http://schemas.microsoft.com/office/drawing/2014/main" id="{1604F279-F592-0128-5D03-0197050804E5}"/>
+          <p:cNvPr id="7" name="図 6" descr="ロゴ&#10;&#10;自動的に生成された説明">
+            <a:extLst>
+              <a:ext uri="{FF2B5EF4-FFF2-40B4-BE49-F238E27FC236}">
+                <a16:creationId xmlns:a16="http://schemas.microsoft.com/office/drawing/2014/main" id="{5899AC02-225B-A422-7385-7A2BE5AFEB7D}"/>
               </a:ext>
             </a:extLst>
           </p:cNvPr>
@@ -9801,8 +11141,8 @@
         </p:blipFill>
         <p:spPr>
           <a:xfrm>
-            <a:off x="10203791" y="5910470"/>
-            <a:ext cx="1611972" cy="752254"/>
+            <a:off x="10270436" y="5919485"/>
+            <a:ext cx="1081500" cy="504700"/>
           </a:xfrm>
           <a:prstGeom prst="rect">
             <a:avLst/>
@@ -9812,7 +11152,7 @@
     </p:spTree>
     <p:extLst>
       <p:ext uri="{BB962C8B-B14F-4D97-AF65-F5344CB8AC3E}">
-        <p14:creationId xmlns:p14="http://schemas.microsoft.com/office/powerpoint/2010/main" val="2935886918"/>
+        <p14:creationId xmlns:p14="http://schemas.microsoft.com/office/powerpoint/2010/main" val="1456408046"/>
       </p:ext>
     </p:extLst>
   </p:cSld>
@@ -9841,6 +11181,58 @@
       </p:grpSpPr>
       <p:sp>
         <p:nvSpPr>
+          <p:cNvPr id="5" name="正方形/長方形 4">
+            <a:extLst>
+              <a:ext uri="{FF2B5EF4-FFF2-40B4-BE49-F238E27FC236}">
+                <a16:creationId xmlns:a16="http://schemas.microsoft.com/office/drawing/2014/main" id="{96A5B499-DEBF-310B-53C2-933BD9FB2353}"/>
+              </a:ext>
+            </a:extLst>
+          </p:cNvPr>
+          <p:cNvSpPr/>
+          <p:nvPr/>
+        </p:nvSpPr>
+        <p:spPr>
+          <a:xfrm>
+            <a:off x="682487" y="301487"/>
+            <a:ext cx="10827026" cy="6255026"/>
+          </a:xfrm>
+          <a:prstGeom prst="rect">
+            <a:avLst/>
+          </a:prstGeom>
+          <a:solidFill>
+            <a:schemeClr val="bg1"/>
+          </a:solidFill>
+          <a:ln>
+            <a:noFill/>
+          </a:ln>
+        </p:spPr>
+        <p:style>
+          <a:lnRef idx="2">
+            <a:schemeClr val="accent1">
+              <a:shade val="50000"/>
+            </a:schemeClr>
+          </a:lnRef>
+          <a:fillRef idx="1">
+            <a:schemeClr val="accent1"/>
+          </a:fillRef>
+          <a:effectRef idx="0">
+            <a:schemeClr val="accent1"/>
+          </a:effectRef>
+          <a:fontRef idx="minor">
+            <a:schemeClr val="lt1"/>
+          </a:fontRef>
+        </p:style>
+        <p:txBody>
+          <a:bodyPr rtlCol="0" anchor="ctr"/>
+          <a:lstStyle/>
+          <a:p>
+            <a:pPr algn="ctr"/>
+            <a:endParaRPr kumimoji="1" lang="ja-JP" altLang="en-US"/>
+          </a:p>
+        </p:txBody>
+      </p:sp>
+      <p:sp>
+        <p:nvSpPr>
           <p:cNvPr id="2" name="タイトル 1">
             <a:extLst>
               <a:ext uri="{FF2B5EF4-FFF2-40B4-BE49-F238E27FC236}">
@@ -9861,34 +11253,15 @@
           <a:lstStyle/>
           <a:p>
             <a:r>
-              <a:rPr lang="ja-JP" altLang="en-US" b="1" dirty="0">
+              <a:rPr kumimoji="1" lang="ja-JP" altLang="en-US" b="1" dirty="0">
                 <a:solidFill>
                   <a:srgbClr val="056334"/>
                 </a:solidFill>
-              </a:rPr>
-              <a:t>マイページ</a:t>
-            </a:r>
-            <a:r>
-              <a:rPr lang="en-US" altLang="ja-JP" b="1" dirty="0">
-                <a:solidFill>
-                  <a:srgbClr val="056334"/>
-                </a:solidFill>
-              </a:rPr>
-              <a:t>/</a:t>
-            </a:r>
-            <a:r>
-              <a:rPr lang="ja-JP" altLang="en-US" b="1" dirty="0">
-                <a:solidFill>
-                  <a:srgbClr val="056334"/>
-                </a:solidFill>
-              </a:rPr>
-              <a:t>ユーザーページ</a:t>
-            </a:r>
-            <a:endParaRPr kumimoji="1" lang="ja-JP" altLang="en-US" b="1" dirty="0">
-              <a:solidFill>
-                <a:srgbClr val="056334"/>
-              </a:solidFill>
-            </a:endParaRPr>
+                <a:latin typeface="HGS行書体" panose="03000600000000000000" pitchFamily="66" charset="-128"/>
+                <a:ea typeface="HGS行書体" panose="03000600000000000000" pitchFamily="66" charset="-128"/>
+              </a:rPr>
+              <a:t>投稿関連の機能</a:t>
+            </a:r>
           </a:p>
         </p:txBody>
       </p:sp>
@@ -9913,16 +11286,19 @@
           <a:bodyPr/>
           <a:lstStyle/>
           <a:p>
-            <a:endParaRPr kumimoji="1" lang="ja-JP" altLang="en-US"/>
+            <a:endParaRPr kumimoji="1" lang="ja-JP" altLang="en-US" dirty="0">
+              <a:latin typeface="BIZ UDP明朝 Medium" panose="02020500000000000000" pitchFamily="18" charset="-128"/>
+              <a:ea typeface="BIZ UDP明朝 Medium" panose="02020500000000000000" pitchFamily="18" charset="-128"/>
+            </a:endParaRPr>
           </a:p>
         </p:txBody>
       </p:sp>
       <p:pic>
         <p:nvPicPr>
-          <p:cNvPr id="4" name="図 3" descr="ロゴ&#10;&#10;自動的に生成された説明">
-            <a:extLst>
-              <a:ext uri="{FF2B5EF4-FFF2-40B4-BE49-F238E27FC236}">
-                <a16:creationId xmlns:a16="http://schemas.microsoft.com/office/drawing/2014/main" id="{7FEB37FD-87FA-150E-6D17-C15004D126B2}"/>
+          <p:cNvPr id="6" name="図 5" descr="ロゴ&#10;&#10;自動的に生成された説明">
+            <a:extLst>
+              <a:ext uri="{FF2B5EF4-FFF2-40B4-BE49-F238E27FC236}">
+                <a16:creationId xmlns:a16="http://schemas.microsoft.com/office/drawing/2014/main" id="{732F8A9F-BB72-C13A-DD69-19780233B332}"/>
               </a:ext>
             </a:extLst>
           </p:cNvPr>
@@ -9945,8 +11321,8 @@
         </p:blipFill>
         <p:spPr>
           <a:xfrm>
-            <a:off x="10203791" y="5910470"/>
-            <a:ext cx="1611972" cy="752254"/>
+            <a:off x="10270436" y="5919485"/>
+            <a:ext cx="1081500" cy="504700"/>
           </a:xfrm>
           <a:prstGeom prst="rect">
             <a:avLst/>
@@ -9956,7 +11332,7 @@
     </p:spTree>
     <p:extLst>
       <p:ext uri="{BB962C8B-B14F-4D97-AF65-F5344CB8AC3E}">
-        <p14:creationId xmlns:p14="http://schemas.microsoft.com/office/powerpoint/2010/main" val="1909610053"/>
+        <p14:creationId xmlns:p14="http://schemas.microsoft.com/office/powerpoint/2010/main" val="717383438"/>
       </p:ext>
     </p:extLst>
   </p:cSld>
@@ -9985,21 +11361,78 @@
       </p:grpSpPr>
       <p:sp>
         <p:nvSpPr>
+          <p:cNvPr id="5" name="正方形/長方形 4">
+            <a:extLst>
+              <a:ext uri="{FF2B5EF4-FFF2-40B4-BE49-F238E27FC236}">
+                <a16:creationId xmlns:a16="http://schemas.microsoft.com/office/drawing/2014/main" id="{07EF2084-5684-EFF9-2ADE-2ABCA123B071}"/>
+              </a:ext>
+            </a:extLst>
+          </p:cNvPr>
+          <p:cNvSpPr/>
+          <p:nvPr/>
+        </p:nvSpPr>
+        <p:spPr>
+          <a:xfrm>
+            <a:off x="682487" y="301487"/>
+            <a:ext cx="10827026" cy="6255026"/>
+          </a:xfrm>
+          <a:prstGeom prst="rect">
+            <a:avLst/>
+          </a:prstGeom>
+          <a:solidFill>
+            <a:schemeClr val="bg1"/>
+          </a:solidFill>
+          <a:ln>
+            <a:noFill/>
+          </a:ln>
+        </p:spPr>
+        <p:style>
+          <a:lnRef idx="2">
+            <a:schemeClr val="accent1">
+              <a:shade val="50000"/>
+            </a:schemeClr>
+          </a:lnRef>
+          <a:fillRef idx="1">
+            <a:schemeClr val="accent1"/>
+          </a:fillRef>
+          <a:effectRef idx="0">
+            <a:schemeClr val="accent1"/>
+          </a:effectRef>
+          <a:fontRef idx="minor">
+            <a:schemeClr val="lt1"/>
+          </a:fontRef>
+        </p:style>
+        <p:txBody>
+          <a:bodyPr rtlCol="0" anchor="ctr"/>
+          <a:lstStyle/>
+          <a:p>
+            <a:pPr algn="ctr"/>
+            <a:endParaRPr kumimoji="1" lang="ja-JP" altLang="en-US"/>
+          </a:p>
+        </p:txBody>
+      </p:sp>
+      <p:sp>
+        <p:nvSpPr>
           <p:cNvPr id="2" name="タイトル 1">
             <a:extLst>
               <a:ext uri="{FF2B5EF4-FFF2-40B4-BE49-F238E27FC236}">
-                <a16:creationId xmlns:a16="http://schemas.microsoft.com/office/drawing/2014/main" id="{567BCC82-8CB1-3055-6FCE-39E6F1E069C2}"/>
-              </a:ext>
-            </a:extLst>
-          </p:cNvPr>
-          <p:cNvSpPr>
-            <a:spLocks noGrp="1"/>
-          </p:cNvSpPr>
-          <p:nvPr>
-            <p:ph type="title"/>
-          </p:nvPr>
-        </p:nvSpPr>
-        <p:spPr/>
+                <a16:creationId xmlns:a16="http://schemas.microsoft.com/office/drawing/2014/main" id="{97B0C93D-798D-1298-F0A4-2BC05BA2B9C8}"/>
+              </a:ext>
+            </a:extLst>
+          </p:cNvPr>
+          <p:cNvSpPr>
+            <a:spLocks noGrp="1"/>
+          </p:cNvSpPr>
+          <p:nvPr>
+            <p:ph type="ctrTitle"/>
+          </p:nvPr>
+        </p:nvSpPr>
+        <p:spPr>
+          <a:xfrm>
+            <a:off x="1524000" y="2120347"/>
+            <a:ext cx="9144000" cy="1389615"/>
+          </a:xfrm>
+        </p:spPr>
         <p:txBody>
           <a:bodyPr/>
           <a:lstStyle/>
@@ -10009,43 +11442,20 @@
                 <a:solidFill>
                   <a:srgbClr val="056334"/>
                 </a:solidFill>
-              </a:rPr>
-              <a:t>投稿数ランキング</a:t>
-            </a:r>
-          </a:p>
-        </p:txBody>
-      </p:sp>
-      <p:sp>
-        <p:nvSpPr>
-          <p:cNvPr id="3" name="コンテンツ プレースホルダー 2">
-            <a:extLst>
-              <a:ext uri="{FF2B5EF4-FFF2-40B4-BE49-F238E27FC236}">
-                <a16:creationId xmlns:a16="http://schemas.microsoft.com/office/drawing/2014/main" id="{A4E6E213-AEA2-33B5-BFFB-4B2752698193}"/>
-              </a:ext>
-            </a:extLst>
-          </p:cNvPr>
-          <p:cNvSpPr>
-            <a:spLocks noGrp="1"/>
-          </p:cNvSpPr>
-          <p:nvPr>
-            <p:ph idx="1"/>
-          </p:nvPr>
-        </p:nvSpPr>
-        <p:spPr/>
-        <p:txBody>
-          <a:bodyPr/>
-          <a:lstStyle/>
-          <a:p>
-            <a:endParaRPr kumimoji="1" lang="ja-JP" altLang="en-US"/>
+                <a:latin typeface="HGS行書体" panose="03000600000000000000" pitchFamily="66" charset="-128"/>
+                <a:ea typeface="HGS行書体" panose="03000600000000000000" pitchFamily="66" charset="-128"/>
+              </a:rPr>
+              <a:t>個人成長</a:t>
+            </a:r>
           </a:p>
         </p:txBody>
       </p:sp>
       <p:pic>
         <p:nvPicPr>
-          <p:cNvPr id="4" name="図 3" descr="ロゴ&#10;&#10;自動的に生成された説明">
-            <a:extLst>
-              <a:ext uri="{FF2B5EF4-FFF2-40B4-BE49-F238E27FC236}">
-                <a16:creationId xmlns:a16="http://schemas.microsoft.com/office/drawing/2014/main" id="{6F64EF70-BABC-9263-5BF9-864F7839963D}"/>
+          <p:cNvPr id="6" name="図 5" descr="ロゴ&#10;&#10;自動的に生成された説明">
+            <a:extLst>
+              <a:ext uri="{FF2B5EF4-FFF2-40B4-BE49-F238E27FC236}">
+                <a16:creationId xmlns:a16="http://schemas.microsoft.com/office/drawing/2014/main" id="{15E48D08-6D4C-7BF0-61BD-1B24D0E7D8B8}"/>
               </a:ext>
             </a:extLst>
           </p:cNvPr>
@@ -10068,8 +11478,8 @@
         </p:blipFill>
         <p:spPr>
           <a:xfrm>
-            <a:off x="10203791" y="5910470"/>
-            <a:ext cx="1611972" cy="752254"/>
+            <a:off x="10270436" y="5919485"/>
+            <a:ext cx="1081500" cy="504700"/>
           </a:xfrm>
           <a:prstGeom prst="rect">
             <a:avLst/>
@@ -10079,7 +11489,7 @@
     </p:spTree>
     <p:extLst>
       <p:ext uri="{BB962C8B-B14F-4D97-AF65-F5344CB8AC3E}">
-        <p14:creationId xmlns:p14="http://schemas.microsoft.com/office/powerpoint/2010/main" val="717383438"/>
+        <p14:creationId xmlns:p14="http://schemas.microsoft.com/office/powerpoint/2010/main" val="1813133881"/>
       </p:ext>
     </p:extLst>
   </p:cSld>
@@ -10682,148 +12092,54 @@
 <file path=ppt/theme/theme3.xml><?xml version="1.0" encoding="utf-8"?>
 <a:theme xmlns:a="http://schemas.openxmlformats.org/drawingml/2006/main" name="Office テーマ">
   <a:themeElements>
-    <a:clrScheme name="ユーザー定義 2">
+    <a:clrScheme name="ユーザー定義 5">
       <a:dk1>
-        <a:srgbClr val="5A4556"/>
+        <a:srgbClr val="000000"/>
       </a:dk1>
       <a:lt1>
         <a:sysClr val="window" lastClr="FFFFFF"/>
       </a:lt1>
       <a:dk2>
-        <a:srgbClr val="7E637E"/>
+        <a:srgbClr val="455F51"/>
       </a:dk2>
       <a:lt2>
-        <a:srgbClr val="F0F0F0"/>
+        <a:srgbClr val="E2DFCC"/>
       </a:lt2>
       <a:accent1>
-        <a:srgbClr val="DA7B77"/>
+        <a:srgbClr val="99CB38"/>
       </a:accent1>
       <a:accent2>
-        <a:srgbClr val="F7DBB9"/>
+        <a:srgbClr val="63A537"/>
       </a:accent2>
       <a:accent3>
-        <a:srgbClr val="EFBAAD"/>
+        <a:srgbClr val="000000"/>
       </a:accent3>
       <a:accent4>
-        <a:srgbClr val="D9A2AE"/>
+        <a:srgbClr val="A3060C"/>
       </a:accent4>
       <a:accent5>
-        <a:srgbClr val="7E637E"/>
+        <a:srgbClr val="63A537"/>
       </a:accent5>
       <a:accent6>
-        <a:srgbClr val="5A4556"/>
+        <a:srgbClr val="000000"/>
       </a:accent6>
       <a:hlink>
-        <a:srgbClr val="DA7B77"/>
+        <a:srgbClr val="EE7B08"/>
       </a:hlink>
       <a:folHlink>
-        <a:srgbClr val="954F72"/>
+        <a:srgbClr val="977B2D"/>
       </a:folHlink>
     </a:clrScheme>
-    <a:fontScheme name="Office">
+    <a:fontScheme name="ユーザー定義 2">
       <a:majorFont>
-        <a:latin typeface="游ゴシック Light" panose="020F0302020204030204"/>
-        <a:ea typeface=""/>
+        <a:latin typeface="BIZ UDP明朝 Medium"/>
+        <a:ea typeface="BIZ UDP明朝 Medium"/>
         <a:cs typeface=""/>
-        <a:font script="Jpan" typeface="游ゴシック Light"/>
-        <a:font script="Hang" typeface="맑은 고딕"/>
-        <a:font script="Hans" typeface="等线 Light"/>
-        <a:font script="Hant" typeface="新細明體"/>
-        <a:font script="Arab" typeface="Times New Roman"/>
-        <a:font script="Hebr" typeface="Times New Roman"/>
-        <a:font script="Thai" typeface="Angsana New"/>
-        <a:font script="Ethi" typeface="Nyala"/>
-        <a:font script="Beng" typeface="Vrinda"/>
-        <a:font script="Gujr" typeface="Shruti"/>
-        <a:font script="Khmr" typeface="MoolBoran"/>
-        <a:font script="Knda" typeface="Tunga"/>
-        <a:font script="Guru" typeface="Raavi"/>
-        <a:font script="Cans" typeface="Euphemia"/>
-        <a:font script="Cher" typeface="Plantagenet Cherokee"/>
-        <a:font script="Yiii" typeface="Microsoft Yi Baiti"/>
-        <a:font script="Tibt" typeface="Microsoft Himalaya"/>
-        <a:font script="Thaa" typeface="MV Boli"/>
-        <a:font script="Deva" typeface="Mangal"/>
-        <a:font script="Telu" typeface="Gautami"/>
-        <a:font script="Taml" typeface="Latha"/>
-        <a:font script="Syrc" typeface="Estrangelo Edessa"/>
-        <a:font script="Orya" typeface="Kalinga"/>
-        <a:font script="Mlym" typeface="Kartika"/>
-        <a:font script="Laoo" typeface="DokChampa"/>
-        <a:font script="Sinh" typeface="Iskoola Pota"/>
-        <a:font script="Mong" typeface="Mongolian Baiti"/>
-        <a:font script="Viet" typeface="Times New Roman"/>
-        <a:font script="Uigh" typeface="Microsoft Uighur"/>
-        <a:font script="Geor" typeface="Sylfaen"/>
-        <a:font script="Armn" typeface="Arial"/>
-        <a:font script="Bugi" typeface="Leelawadee UI"/>
-        <a:font script="Bopo" typeface="Microsoft JhengHei"/>
-        <a:font script="Java" typeface="Javanese Text"/>
-        <a:font script="Lisu" typeface="Segoe UI"/>
-        <a:font script="Mymr" typeface="Myanmar Text"/>
-        <a:font script="Nkoo" typeface="Ebrima"/>
-        <a:font script="Olck" typeface="Nirmala UI"/>
-        <a:font script="Osma" typeface="Ebrima"/>
-        <a:font script="Phag" typeface="Phagspa"/>
-        <a:font script="Syrn" typeface="Estrangelo Edessa"/>
-        <a:font script="Syrj" typeface="Estrangelo Edessa"/>
-        <a:font script="Syre" typeface="Estrangelo Edessa"/>
-        <a:font script="Sora" typeface="Nirmala UI"/>
-        <a:font script="Tale" typeface="Microsoft Tai Le"/>
-        <a:font script="Talu" typeface="Microsoft New Tai Lue"/>
-        <a:font script="Tfng" typeface="Ebrima"/>
       </a:majorFont>
       <a:minorFont>
-        <a:latin typeface="游ゴシック" panose="020F0502020204030204"/>
-        <a:ea typeface=""/>
+        <a:latin typeface="BIZ UDP明朝 Medium"/>
+        <a:ea typeface="BIZ UDP明朝 Medium"/>
         <a:cs typeface=""/>
-        <a:font script="Jpan" typeface="游ゴシック"/>
-        <a:font script="Hang" typeface="맑은 고딕"/>
-        <a:font script="Hans" typeface="等线"/>
-        <a:font script="Hant" typeface="新細明體"/>
-        <a:font script="Arab" typeface="Arial"/>
-        <a:font script="Hebr" typeface="Arial"/>
-        <a:font script="Thai" typeface="Cordia New"/>
-        <a:font script="Ethi" typeface="Nyala"/>
-        <a:font script="Beng" typeface="Vrinda"/>
-        <a:font script="Gujr" typeface="Shruti"/>
-        <a:font script="Khmr" typeface="DaunPenh"/>
-        <a:font script="Knda" typeface="Tunga"/>
-        <a:font script="Guru" typeface="Raavi"/>
-        <a:font script="Cans" typeface="Euphemia"/>
-        <a:font script="Cher" typeface="Plantagenet Cherokee"/>
-        <a:font script="Yiii" typeface="Microsoft Yi Baiti"/>
-        <a:font script="Tibt" typeface="Microsoft Himalaya"/>
-        <a:font script="Thaa" typeface="MV Boli"/>
-        <a:font script="Deva" typeface="Mangal"/>
-        <a:font script="Telu" typeface="Gautami"/>
-        <a:font script="Taml" typeface="Latha"/>
-        <a:font script="Syrc" typeface="Estrangelo Edessa"/>
-        <a:font script="Orya" typeface="Kalinga"/>
-        <a:font script="Mlym" typeface="Kartika"/>
-        <a:font script="Laoo" typeface="DokChampa"/>
-        <a:font script="Sinh" typeface="Iskoola Pota"/>
-        <a:font script="Mong" typeface="Mongolian Baiti"/>
-        <a:font script="Viet" typeface="Arial"/>
-        <a:font script="Uigh" typeface="Microsoft Uighur"/>
-        <a:font script="Geor" typeface="Sylfaen"/>
-        <a:font script="Armn" typeface="Arial"/>
-        <a:font script="Bugi" typeface="Leelawadee UI"/>
-        <a:font script="Bopo" typeface="Microsoft JhengHei"/>
-        <a:font script="Java" typeface="Javanese Text"/>
-        <a:font script="Lisu" typeface="Segoe UI"/>
-        <a:font script="Mymr" typeface="Myanmar Text"/>
-        <a:font script="Nkoo" typeface="Ebrima"/>
-        <a:font script="Olck" typeface="Nirmala UI"/>
-        <a:font script="Osma" typeface="Ebrima"/>
-        <a:font script="Phag" typeface="Phagspa"/>
-        <a:font script="Syrn" typeface="Estrangelo Edessa"/>
-        <a:font script="Syrj" typeface="Estrangelo Edessa"/>
-        <a:font script="Syre" typeface="Estrangelo Edessa"/>
-        <a:font script="Sora" typeface="Nirmala UI"/>
-        <a:font script="Tale" typeface="Microsoft Tai Le"/>
-        <a:font script="Talu" typeface="Microsoft New Tai Lue"/>
-        <a:font script="Tfng" typeface="Ebrima"/>
       </a:minorFont>
     </a:fontScheme>
     <a:fmtScheme name="Office">

--- a/doc/B3炙りえんがわ_成果発表会資料.pptx
+++ b/doc/B3炙りえんがわ_成果発表会資料.pptx
@@ -6524,6 +6524,7 @@
           <a:bodyPr/>
           <a:lstStyle/>
           <a:p>
+            <a:pPr algn="ctr"/>
             <a:r>
               <a:rPr kumimoji="1" lang="ja-JP" altLang="en-US" b="1" dirty="0">
                 <a:solidFill>
@@ -6786,11 +6787,17 @@
             <p:ph type="title"/>
           </p:nvPr>
         </p:nvSpPr>
-        <p:spPr/>
+        <p:spPr>
+          <a:xfrm>
+            <a:off x="836336" y="367734"/>
+            <a:ext cx="10515600" cy="1325563"/>
+          </a:xfrm>
+        </p:spPr>
         <p:txBody>
           <a:bodyPr/>
           <a:lstStyle/>
           <a:p>
+            <a:pPr algn="ctr"/>
             <a:r>
               <a:rPr kumimoji="1" lang="ja-JP" altLang="en-US" b="1" dirty="0">
                 <a:solidFill>
@@ -6825,6 +6832,10 @@
           <a:bodyPr/>
           <a:lstStyle/>
           <a:p>
+            <a:pPr>
+              <a:buFont typeface="BIZ UDP明朝 Medium" panose="02020500000000000000" pitchFamily="18" charset="-128"/>
+              <a:buChar char="♥"/>
+            </a:pPr>
             <a:r>
               <a:rPr kumimoji="1" lang="ja-JP" altLang="en-US" sz="2400" dirty="0">
                 <a:latin typeface="BIZ UDP明朝 Medium" panose="02020500000000000000" pitchFamily="18" charset="-128"/>
@@ -6834,6 +6845,10 @@
             </a:r>
           </a:p>
           <a:p>
+            <a:pPr>
+              <a:buFont typeface="BIZ UDP明朝 Medium" panose="02020500000000000000" pitchFamily="18" charset="-128"/>
+              <a:buChar char="♥"/>
+            </a:pPr>
             <a:r>
               <a:rPr kumimoji="1" lang="ja-JP" altLang="en-US" sz="2400" dirty="0">
                 <a:latin typeface="BIZ UDP明朝 Medium" panose="02020500000000000000" pitchFamily="18" charset="-128"/>
@@ -6843,6 +6858,10 @@
             </a:r>
           </a:p>
           <a:p>
+            <a:pPr>
+              <a:buFont typeface="BIZ UDP明朝 Medium" panose="02020500000000000000" pitchFamily="18" charset="-128"/>
+              <a:buChar char="♥"/>
+            </a:pPr>
             <a:r>
               <a:rPr kumimoji="1" lang="ja-JP" altLang="en-US" sz="2400" dirty="0">
                 <a:latin typeface="BIZ UDP明朝 Medium" panose="02020500000000000000" pitchFamily="18" charset="-128"/>
@@ -6999,6 +7018,7 @@
           <a:bodyPr/>
           <a:lstStyle/>
           <a:p>
+            <a:pPr algn="ctr"/>
             <a:r>
               <a:rPr kumimoji="1" lang="ja-JP" altLang="en-US" b="1" dirty="0">
                 <a:solidFill>
@@ -7035,6 +7055,10 @@
           </a:bodyPr>
           <a:lstStyle/>
           <a:p>
+            <a:pPr>
+              <a:buFont typeface="BIZ UDP明朝 Medium" panose="02020500000000000000" pitchFamily="18" charset="-128"/>
+              <a:buChar char="♥"/>
+            </a:pPr>
             <a:r>
               <a:rPr kumimoji="1" lang="ja-JP" altLang="en-US" sz="2400" dirty="0">
                 <a:latin typeface="BIZ UDP明朝 Medium" panose="02020500000000000000" pitchFamily="18" charset="-128"/>
@@ -7044,6 +7068,10 @@
             </a:r>
           </a:p>
           <a:p>
+            <a:pPr>
+              <a:buFont typeface="BIZ UDP明朝 Medium" panose="02020500000000000000" pitchFamily="18" charset="-128"/>
+              <a:buChar char="♥"/>
+            </a:pPr>
             <a:r>
               <a:rPr kumimoji="1" lang="ja-JP" altLang="en-US" sz="2400" dirty="0">
                 <a:latin typeface="BIZ UDP明朝 Medium" panose="02020500000000000000" pitchFamily="18" charset="-128"/>
@@ -7053,6 +7081,10 @@
             </a:r>
           </a:p>
           <a:p>
+            <a:pPr>
+              <a:buFont typeface="BIZ UDP明朝 Medium" panose="02020500000000000000" pitchFamily="18" charset="-128"/>
+              <a:buChar char="♥"/>
+            </a:pPr>
             <a:r>
               <a:rPr kumimoji="1" lang="ja-JP" altLang="en-US" sz="2400" dirty="0">
                 <a:latin typeface="BIZ UDP明朝 Medium" panose="02020500000000000000" pitchFamily="18" charset="-128"/>
@@ -7202,6 +7234,7 @@
           <a:bodyPr/>
           <a:lstStyle/>
           <a:p>
+            <a:pPr algn="ctr"/>
             <a:r>
               <a:rPr kumimoji="1" lang="ja-JP" altLang="en-US" b="1" dirty="0">
                 <a:solidFill>
@@ -7238,6 +7271,10 @@
           </a:bodyPr>
           <a:lstStyle/>
           <a:p>
+            <a:pPr>
+              <a:buFont typeface="BIZ UDP明朝 Medium" panose="02020500000000000000" pitchFamily="18" charset="-128"/>
+              <a:buChar char="♥"/>
+            </a:pPr>
             <a:r>
               <a:rPr kumimoji="1" lang="ja-JP" altLang="en-US" sz="2400" dirty="0">
                 <a:latin typeface="BIZ UDP明朝 Medium" panose="02020500000000000000" pitchFamily="18" charset="-128"/>
@@ -7247,6 +7284,10 @@
             </a:r>
           </a:p>
           <a:p>
+            <a:pPr>
+              <a:buFont typeface="BIZ UDP明朝 Medium" panose="02020500000000000000" pitchFamily="18" charset="-128"/>
+              <a:buChar char="♥"/>
+            </a:pPr>
             <a:r>
               <a:rPr kumimoji="1" lang="ja-JP" altLang="en-US" sz="2400" dirty="0">
                 <a:latin typeface="BIZ UDP明朝 Medium" panose="02020500000000000000" pitchFamily="18" charset="-128"/>
@@ -7396,6 +7437,7 @@
           <a:bodyPr/>
           <a:lstStyle/>
           <a:p>
+            <a:pPr algn="ctr"/>
             <a:r>
               <a:rPr kumimoji="1" lang="ja-JP" altLang="en-US" b="1" dirty="0">
                 <a:solidFill>
@@ -7432,6 +7474,10 @@
           </a:bodyPr>
           <a:lstStyle/>
           <a:p>
+            <a:pPr>
+              <a:buFont typeface="BIZ UDP明朝 Medium" panose="02020500000000000000" pitchFamily="18" charset="-128"/>
+              <a:buChar char="♥"/>
+            </a:pPr>
             <a:r>
               <a:rPr kumimoji="1" lang="ja-JP" altLang="en-US" sz="2400" dirty="0">
                 <a:latin typeface="BIZ UDP明朝 Medium" panose="02020500000000000000" pitchFamily="18" charset="-128"/>
@@ -7441,6 +7487,10 @@
             </a:r>
           </a:p>
           <a:p>
+            <a:pPr>
+              <a:buFont typeface="BIZ UDP明朝 Medium" panose="02020500000000000000" pitchFamily="18" charset="-128"/>
+              <a:buChar char="♥"/>
+            </a:pPr>
             <a:r>
               <a:rPr kumimoji="1" lang="ja-JP" altLang="en-US" sz="2400" dirty="0">
                 <a:latin typeface="BIZ UDP明朝 Medium" panose="02020500000000000000" pitchFamily="18" charset="-128"/>
@@ -7450,6 +7500,10 @@
             </a:r>
           </a:p>
           <a:p>
+            <a:pPr>
+              <a:buFont typeface="BIZ UDP明朝 Medium" panose="02020500000000000000" pitchFamily="18" charset="-128"/>
+              <a:buChar char="♥"/>
+            </a:pPr>
             <a:r>
               <a:rPr kumimoji="1" lang="ja-JP" altLang="en-US" sz="2400" dirty="0">
                 <a:latin typeface="BIZ UDP明朝 Medium" panose="02020500000000000000" pitchFamily="18" charset="-128"/>
@@ -7599,6 +7653,7 @@
           <a:bodyPr/>
           <a:lstStyle/>
           <a:p>
+            <a:pPr algn="ctr"/>
             <a:r>
               <a:rPr kumimoji="1" lang="ja-JP" altLang="en-US" b="1" dirty="0">
                 <a:solidFill>
@@ -7635,6 +7690,10 @@
           </a:bodyPr>
           <a:lstStyle/>
           <a:p>
+            <a:pPr>
+              <a:buFont typeface="BIZ UDP明朝 Medium" panose="02020500000000000000" pitchFamily="18" charset="-128"/>
+              <a:buChar char="♥"/>
+            </a:pPr>
             <a:r>
               <a:rPr kumimoji="1" lang="ja-JP" altLang="en-US" sz="2400" dirty="0">
                 <a:latin typeface="BIZ UDP明朝 Medium" panose="02020500000000000000" pitchFamily="18" charset="-128"/>
@@ -7644,6 +7703,10 @@
             </a:r>
           </a:p>
           <a:p>
+            <a:pPr>
+              <a:buFont typeface="BIZ UDP明朝 Medium" panose="02020500000000000000" pitchFamily="18" charset="-128"/>
+              <a:buChar char="♥"/>
+            </a:pPr>
             <a:r>
               <a:rPr kumimoji="1" lang="ja-JP" altLang="en-US" sz="2400" dirty="0">
                 <a:latin typeface="BIZ UDP明朝 Medium" panose="02020500000000000000" pitchFamily="18" charset="-128"/>
@@ -7653,6 +7716,10 @@
             </a:r>
           </a:p>
           <a:p>
+            <a:pPr>
+              <a:buFont typeface="BIZ UDP明朝 Medium" panose="02020500000000000000" pitchFamily="18" charset="-128"/>
+              <a:buChar char="♥"/>
+            </a:pPr>
             <a:r>
               <a:rPr kumimoji="1" lang="ja-JP" altLang="en-US" sz="2400" dirty="0">
                 <a:latin typeface="BIZ UDP明朝 Medium" panose="02020500000000000000" pitchFamily="18" charset="-128"/>
@@ -7662,6 +7729,10 @@
             </a:r>
           </a:p>
           <a:p>
+            <a:pPr>
+              <a:buFont typeface="BIZ UDP明朝 Medium" panose="02020500000000000000" pitchFamily="18" charset="-128"/>
+              <a:buChar char="♥"/>
+            </a:pPr>
             <a:r>
               <a:rPr kumimoji="1" lang="en-US" altLang="ja-JP" sz="2400" dirty="0">
                 <a:latin typeface="BIZ UDP明朝 Medium" panose="02020500000000000000" pitchFamily="18" charset="-128"/>
@@ -7818,6 +7889,7 @@
           <a:bodyPr/>
           <a:lstStyle/>
           <a:p>
+            <a:pPr algn="ctr"/>
             <a:r>
               <a:rPr kumimoji="1" lang="ja-JP" altLang="en-US" b="1" dirty="0">
                 <a:solidFill>
@@ -7854,6 +7926,10 @@
           </a:bodyPr>
           <a:lstStyle/>
           <a:p>
+            <a:pPr>
+              <a:buFont typeface="BIZ UDP明朝 Medium" panose="02020500000000000000" pitchFamily="18" charset="-128"/>
+              <a:buChar char="♥"/>
+            </a:pPr>
             <a:r>
               <a:rPr kumimoji="1" lang="ja-JP" altLang="en-US" sz="2400" dirty="0">
                 <a:latin typeface="BIZ UDP明朝 Medium" panose="02020500000000000000" pitchFamily="18" charset="-128"/>
@@ -7863,6 +7939,10 @@
             </a:r>
           </a:p>
           <a:p>
+            <a:pPr>
+              <a:buFont typeface="BIZ UDP明朝 Medium" panose="02020500000000000000" pitchFamily="18" charset="-128"/>
+              <a:buChar char="♥"/>
+            </a:pPr>
             <a:r>
               <a:rPr kumimoji="1" lang="ja-JP" altLang="en-US" sz="2400" dirty="0">
                 <a:latin typeface="BIZ UDP明朝 Medium" panose="02020500000000000000" pitchFamily="18" charset="-128"/>
@@ -8121,13 +8201,13 @@
         </p:nvSpPr>
         <p:spPr>
           <a:xfrm>
-            <a:off x="1457739" y="2235752"/>
-            <a:ext cx="9528312" cy="2386495"/>
+            <a:off x="1457739" y="2766116"/>
+            <a:ext cx="9528312" cy="1193247"/>
           </a:xfrm>
         </p:spPr>
         <p:txBody>
           <a:bodyPr>
-            <a:normAutofit/>
+            <a:normAutofit fontScale="90000"/>
           </a:bodyPr>
           <a:lstStyle/>
           <a:p>
@@ -8150,15 +8230,6 @@
                 <a:ea typeface="HGS行書体" panose="03000600000000000000" pitchFamily="66" charset="-128"/>
               </a:rPr>
             </a:br>
-            <a:br>
-              <a:rPr lang="en-US" altLang="ja-JP" sz="4400" dirty="0">
-                <a:solidFill>
-                  <a:srgbClr val="056334"/>
-                </a:solidFill>
-                <a:latin typeface="HGS行書体" panose="03000600000000000000" pitchFamily="66" charset="-128"/>
-                <a:ea typeface="HGS行書体" panose="03000600000000000000" pitchFamily="66" charset="-128"/>
-              </a:rPr>
-            </a:br>
             <a:r>
               <a:rPr lang="ja-JP" altLang="en-US" sz="4400" dirty="0">
                 <a:solidFill>
@@ -8172,6 +8243,42 @@
           </a:p>
         </p:txBody>
       </p:sp>
+      <p:pic>
+        <p:nvPicPr>
+          <p:cNvPr id="38" name="図 37" descr="ロゴ&#10;&#10;自動的に生成された説明">
+            <a:extLst>
+              <a:ext uri="{FF2B5EF4-FFF2-40B4-BE49-F238E27FC236}">
+                <a16:creationId xmlns:a16="http://schemas.microsoft.com/office/drawing/2014/main" id="{C20B676E-3BE3-326E-FBC8-91CDDF223F8D}"/>
+              </a:ext>
+            </a:extLst>
+          </p:cNvPr>
+          <p:cNvPicPr>
+            <a:picLocks noChangeAspect="1"/>
+          </p:cNvPicPr>
+          <p:nvPr/>
+        </p:nvPicPr>
+        <p:blipFill>
+          <a:blip r:embed="rId4">
+            <a:extLst>
+              <a:ext uri="{28A0092B-C50C-407E-A947-70E740481C1C}">
+                <a14:useLocalDpi xmlns:a14="http://schemas.microsoft.com/office/drawing/2010/main" val="0"/>
+              </a:ext>
+            </a:extLst>
+          </a:blip>
+          <a:stretch>
+            <a:fillRect/>
+          </a:stretch>
+        </p:blipFill>
+        <p:spPr>
+          <a:xfrm>
+            <a:off x="10270436" y="5919485"/>
+            <a:ext cx="1081500" cy="504700"/>
+          </a:xfrm>
+          <a:prstGeom prst="rect">
+            <a:avLst/>
+          </a:prstGeom>
+        </p:spPr>
+      </p:pic>
     </p:spTree>
     <p:extLst>
       <p:ext uri="{BB962C8B-B14F-4D97-AF65-F5344CB8AC3E}">
@@ -9016,7 +9123,7 @@
         </p:nvSpPr>
         <p:spPr>
           <a:xfrm>
-            <a:off x="3318803" y="301453"/>
+            <a:off x="5767811" y="390766"/>
             <a:ext cx="3466310" cy="1325563"/>
           </a:xfrm>
         </p:spPr>
@@ -9332,7 +9439,7 @@
         </p:blipFill>
         <p:spPr>
           <a:xfrm>
-            <a:off x="971843" y="361608"/>
+            <a:off x="3481811" y="520148"/>
             <a:ext cx="2286000" cy="1066800"/>
           </a:xfrm>
           <a:prstGeom prst="rect">
@@ -9440,7 +9547,7 @@
         </p:nvSpPr>
         <p:spPr>
           <a:xfrm>
-            <a:off x="3257843" y="301453"/>
+            <a:off x="6069496" y="403020"/>
             <a:ext cx="2552114" cy="1325563"/>
           </a:xfrm>
         </p:spPr>
@@ -9809,7 +9916,7 @@
         </p:blipFill>
         <p:spPr>
           <a:xfrm>
-            <a:off x="971843" y="361608"/>
+            <a:off x="3876260" y="530364"/>
             <a:ext cx="2286000" cy="1066800"/>
           </a:xfrm>
           <a:prstGeom prst="rect">
@@ -11072,6 +11179,7 @@
           <a:bodyPr/>
           <a:lstStyle/>
           <a:p>
+            <a:pPr algn="ctr"/>
             <a:r>
               <a:rPr kumimoji="1" lang="ja-JP" altLang="en-US" b="1" dirty="0">
                 <a:solidFill>
@@ -11252,6 +11360,7 @@
           <a:bodyPr/>
           <a:lstStyle/>
           <a:p>
+            <a:pPr algn="ctr"/>
             <a:r>
               <a:rPr kumimoji="1" lang="ja-JP" altLang="en-US" b="1" dirty="0">
                 <a:solidFill>

--- a/doc/B3炙りえんがわ_成果発表会資料.pptx
+++ b/doc/B3炙りえんがわ_成果発表会資料.pptx
@@ -6876,6 +6876,23 @@
               </a:rPr>
               <a:t>​</a:t>
             </a:r>
+            <a:endParaRPr kumimoji="1" lang="en-US" altLang="ja-JP" dirty="0">
+              <a:latin typeface="BIZ UDP明朝 Medium" panose="02020500000000000000" pitchFamily="18" charset="-128"/>
+              <a:ea typeface="BIZ UDP明朝 Medium" panose="02020500000000000000" pitchFamily="18" charset="-128"/>
+            </a:endParaRPr>
+          </a:p>
+          <a:p>
+            <a:pPr>
+              <a:buFont typeface="BIZ UDP明朝 Medium" panose="02020500000000000000" pitchFamily="18" charset="-128"/>
+              <a:buChar char="♥"/>
+            </a:pPr>
+            <a:r>
+              <a:rPr kumimoji="1" lang="ja-JP" altLang="en-US" dirty="0">
+                <a:latin typeface="BIZ UDP明朝 Medium" panose="02020500000000000000" pitchFamily="18" charset="-128"/>
+                <a:ea typeface="BIZ UDP明朝 Medium" panose="02020500000000000000" pitchFamily="18" charset="-128"/>
+              </a:rPr>
+              <a:t>リーダーとしてチームを引っ張り、まとめてくれてとても頼りになりました。​</a:t>
+            </a:r>
           </a:p>
         </p:txBody>
       </p:sp>
@@ -7090,7 +7107,24 @@
                 <a:latin typeface="BIZ UDP明朝 Medium" panose="02020500000000000000" pitchFamily="18" charset="-128"/>
                 <a:ea typeface="BIZ UDP明朝 Medium" panose="02020500000000000000" pitchFamily="18" charset="-128"/>
               </a:rPr>
-              <a:t>常に意見を出してくれるうえ、話を進めてくれる。作業中でもすぐに手を止めて仲間の話に耳を傾けてくれた。</a:t>
+              <a:t>常に意見を出してくれるうえ、話を進めてくれる。作業中でもすぐに手を止めて仲間の話に耳を傾けてくれた。ムービーメーカーで、チームに限らずクラス全体を活気あるものにしてくれてありがとう！​</a:t>
+            </a:r>
+            <a:endParaRPr kumimoji="1" lang="en-US" altLang="ja-JP" sz="2400" dirty="0">
+              <a:latin typeface="BIZ UDP明朝 Medium" panose="02020500000000000000" pitchFamily="18" charset="-128"/>
+              <a:ea typeface="BIZ UDP明朝 Medium" panose="02020500000000000000" pitchFamily="18" charset="-128"/>
+            </a:endParaRPr>
+          </a:p>
+          <a:p>
+            <a:pPr>
+              <a:buFont typeface="BIZ UDP明朝 Medium" panose="02020500000000000000" pitchFamily="18" charset="-128"/>
+              <a:buChar char="♥"/>
+            </a:pPr>
+            <a:r>
+              <a:rPr kumimoji="1" lang="ja-JP" altLang="en-US" sz="2400" dirty="0">
+                <a:latin typeface="BIZ UDP明朝 Medium" panose="02020500000000000000" pitchFamily="18" charset="-128"/>
+                <a:ea typeface="BIZ UDP明朝 Medium" panose="02020500000000000000" pitchFamily="18" charset="-128"/>
+              </a:rPr>
+              <a:t>話し上手は聞き上手という言葉の通りでコミュニケーションのエキスパート、様々な場面でとても頼りになりました。</a:t>
             </a:r>
           </a:p>
         </p:txBody>
@@ -7295,6 +7329,40 @@
               </a:rPr>
               <a:t>データベースの整理や議事録など細かい仕事を請け負ってくれて本当に助かった！デザインセンスも尊敬しています。​</a:t>
             </a:r>
+            <a:endParaRPr kumimoji="1" lang="en-US" altLang="ja-JP" sz="2400" dirty="0">
+              <a:latin typeface="BIZ UDP明朝 Medium" panose="02020500000000000000" pitchFamily="18" charset="-128"/>
+              <a:ea typeface="BIZ UDP明朝 Medium" panose="02020500000000000000" pitchFamily="18" charset="-128"/>
+            </a:endParaRPr>
+          </a:p>
+          <a:p>
+            <a:pPr>
+              <a:buFont typeface="BIZ UDP明朝 Medium" panose="02020500000000000000" pitchFamily="18" charset="-128"/>
+              <a:buChar char="♥"/>
+            </a:pPr>
+            <a:r>
+              <a:rPr kumimoji="1" lang="ja-JP" altLang="en-US" sz="2400" dirty="0">
+                <a:latin typeface="BIZ UDP明朝 Medium" panose="02020500000000000000" pitchFamily="18" charset="-128"/>
+                <a:ea typeface="BIZ UDP明朝 Medium" panose="02020500000000000000" pitchFamily="18" charset="-128"/>
+              </a:rPr>
+              <a:t>分からなければ聞き、できることは進んで取り掛かり、とても要領よく作業を進めてくれた。担当関係なく、終わっていない作業があれば率先して進めてくれたのは本当に感謝！</a:t>
+            </a:r>
+            <a:endParaRPr kumimoji="1" lang="en-US" altLang="ja-JP" sz="2400" dirty="0">
+              <a:latin typeface="BIZ UDP明朝 Medium" panose="02020500000000000000" pitchFamily="18" charset="-128"/>
+              <a:ea typeface="BIZ UDP明朝 Medium" panose="02020500000000000000" pitchFamily="18" charset="-128"/>
+            </a:endParaRPr>
+          </a:p>
+          <a:p>
+            <a:pPr>
+              <a:buFont typeface="BIZ UDP明朝 Medium" panose="02020500000000000000" pitchFamily="18" charset="-128"/>
+              <a:buChar char="♥"/>
+            </a:pPr>
+            <a:r>
+              <a:rPr kumimoji="1" lang="ja-JP" altLang="en-US" sz="2400" dirty="0">
+                <a:latin typeface="BIZ UDP明朝 Medium" panose="02020500000000000000" pitchFamily="18" charset="-128"/>
+                <a:ea typeface="BIZ UDP明朝 Medium" panose="02020500000000000000" pitchFamily="18" charset="-128"/>
+              </a:rPr>
+              <a:t>問題に対して適切な意見や指摘をいただき重要な場面でとても頼りになりました。</a:t>
+            </a:r>
           </a:p>
         </p:txBody>
       </p:sp>
@@ -7511,6 +7579,23 @@
               </a:rPr>
               <a:t>静かにコツコツ作り上げていく姿が印象的！あと発表が毎回簡潔でわかりやすかったです。​</a:t>
             </a:r>
+            <a:endParaRPr kumimoji="1" lang="en-US" altLang="ja-JP" sz="2400" dirty="0">
+              <a:latin typeface="BIZ UDP明朝 Medium" panose="02020500000000000000" pitchFamily="18" charset="-128"/>
+              <a:ea typeface="BIZ UDP明朝 Medium" panose="02020500000000000000" pitchFamily="18" charset="-128"/>
+            </a:endParaRPr>
+          </a:p>
+          <a:p>
+            <a:pPr>
+              <a:buFont typeface="BIZ UDP明朝 Medium" panose="02020500000000000000" pitchFamily="18" charset="-128"/>
+              <a:buChar char="♥"/>
+            </a:pPr>
+            <a:r>
+              <a:rPr kumimoji="1" lang="ja-JP" altLang="en-US" sz="2400" dirty="0">
+                <a:latin typeface="BIZ UDP明朝 Medium" panose="02020500000000000000" pitchFamily="18" charset="-128"/>
+                <a:ea typeface="BIZ UDP明朝 Medium" panose="02020500000000000000" pitchFamily="18" charset="-128"/>
+              </a:rPr>
+              <a:t>コンセプトに合ったアイディアを盛り込んでくれて、躓いた時は自分で調べながら確実に仕上げてくれた。</a:t>
+            </a:r>
           </a:p>
         </p:txBody>
       </p:sp>
@@ -7745,7 +7830,66 @@
                 <a:latin typeface="BIZ UDP明朝 Medium" panose="02020500000000000000" pitchFamily="18" charset="-128"/>
                 <a:ea typeface="BIZ UDP明朝 Medium" panose="02020500000000000000" pitchFamily="18" charset="-128"/>
               </a:rPr>
-              <a:t>日の大半を仲間のサポートに費やすことがありながら、担当した部分は文句なしの仕上がりで作ってくれた。</a:t>
+              <a:t>日の大半を仲間のサポートに費やすことがありながら、担当した部分は文句なしの仕上がりで作ってくれた。同じチームじゃなかったら</a:t>
+            </a:r>
+            <a:r>
+              <a:rPr kumimoji="1" lang="en-US" altLang="ja-JP" sz="2400" dirty="0">
+                <a:latin typeface="BIZ UDP明朝 Medium" panose="02020500000000000000" pitchFamily="18" charset="-128"/>
+                <a:ea typeface="BIZ UDP明朝 Medium" panose="02020500000000000000" pitchFamily="18" charset="-128"/>
+              </a:rPr>
+              <a:t>FLIFRE</a:t>
+            </a:r>
+            <a:r>
+              <a:rPr kumimoji="1" lang="ja-JP" altLang="en-US" sz="2400" dirty="0">
+                <a:latin typeface="BIZ UDP明朝 Medium" panose="02020500000000000000" pitchFamily="18" charset="-128"/>
+                <a:ea typeface="BIZ UDP明朝 Medium" panose="02020500000000000000" pitchFamily="18" charset="-128"/>
+              </a:rPr>
+              <a:t>のクオリティはもっと低くかったに違いない。</a:t>
+            </a:r>
+            <a:endParaRPr kumimoji="1" lang="en-US" altLang="ja-JP" sz="2400" dirty="0">
+              <a:latin typeface="BIZ UDP明朝 Medium" panose="02020500000000000000" pitchFamily="18" charset="-128"/>
+              <a:ea typeface="BIZ UDP明朝 Medium" panose="02020500000000000000" pitchFamily="18" charset="-128"/>
+            </a:endParaRPr>
+          </a:p>
+          <a:p>
+            <a:pPr>
+              <a:buFont typeface="BIZ UDP明朝 Medium" panose="02020500000000000000" pitchFamily="18" charset="-128"/>
+              <a:buChar char="♥"/>
+            </a:pPr>
+            <a:r>
+              <a:rPr kumimoji="1" lang="ja-JP" altLang="en-US" sz="2400" dirty="0">
+                <a:latin typeface="BIZ UDP明朝 Medium" panose="02020500000000000000" pitchFamily="18" charset="-128"/>
+                <a:ea typeface="BIZ UDP明朝 Medium" panose="02020500000000000000" pitchFamily="18" charset="-128"/>
+              </a:rPr>
+              <a:t>技術面でのチームの支えで</a:t>
+            </a:r>
+            <a:r>
+              <a:rPr kumimoji="1" lang="en-US" altLang="ja-JP" sz="2400" dirty="0">
+                <a:latin typeface="BIZ UDP明朝 Medium" panose="02020500000000000000" pitchFamily="18" charset="-128"/>
+                <a:ea typeface="BIZ UDP明朝 Medium" panose="02020500000000000000" pitchFamily="18" charset="-128"/>
+              </a:rPr>
+              <a:t>1</a:t>
+            </a:r>
+            <a:r>
+              <a:rPr kumimoji="1" lang="ja-JP" altLang="en-US" sz="2400" dirty="0">
+                <a:latin typeface="BIZ UDP明朝 Medium" panose="02020500000000000000" pitchFamily="18" charset="-128"/>
+                <a:ea typeface="BIZ UDP明朝 Medium" panose="02020500000000000000" pitchFamily="18" charset="-128"/>
+              </a:rPr>
+              <a:t>人</a:t>
+            </a:r>
+            <a:r>
+              <a:rPr kumimoji="1" lang="en-US" altLang="ja-JP" sz="2400" dirty="0">
+                <a:latin typeface="BIZ UDP明朝 Medium" panose="02020500000000000000" pitchFamily="18" charset="-128"/>
+                <a:ea typeface="BIZ UDP明朝 Medium" panose="02020500000000000000" pitchFamily="18" charset="-128"/>
+              </a:rPr>
+              <a:t>1</a:t>
+            </a:r>
+            <a:r>
+              <a:rPr kumimoji="1" lang="ja-JP" altLang="en-US" sz="2400" dirty="0">
+                <a:latin typeface="BIZ UDP明朝 Medium" panose="02020500000000000000" pitchFamily="18" charset="-128"/>
+                <a:ea typeface="BIZ UDP明朝 Medium" panose="02020500000000000000" pitchFamily="18" charset="-128"/>
+              </a:rPr>
+              <a:t>人に真摯に向き合う姿はとても頼りになりました。</a:t>
             </a:r>
           </a:p>
         </p:txBody>
@@ -7949,6 +8093,40 @@
                 <a:ea typeface="BIZ UDP明朝 Medium" panose="02020500000000000000" pitchFamily="18" charset="-128"/>
               </a:rPr>
               <a:t>チーム開発初日にコミュニケーションが苦手なので頑張ると言っていて、しっかり実行しているところに感動！発表が毎回楽しみでした。​</a:t>
+            </a:r>
+            <a:endParaRPr kumimoji="1" lang="en-US" altLang="ja-JP" sz="2400" dirty="0">
+              <a:latin typeface="BIZ UDP明朝 Medium" panose="02020500000000000000" pitchFamily="18" charset="-128"/>
+              <a:ea typeface="BIZ UDP明朝 Medium" panose="02020500000000000000" pitchFamily="18" charset="-128"/>
+            </a:endParaRPr>
+          </a:p>
+          <a:p>
+            <a:pPr>
+              <a:buFont typeface="BIZ UDP明朝 Medium" panose="02020500000000000000" pitchFamily="18" charset="-128"/>
+              <a:buChar char="♥"/>
+            </a:pPr>
+            <a:r>
+              <a:rPr kumimoji="1" lang="ja-JP" altLang="en-US" sz="2400" dirty="0">
+                <a:latin typeface="BIZ UDP明朝 Medium" panose="02020500000000000000" pitchFamily="18" charset="-128"/>
+                <a:ea typeface="BIZ UDP明朝 Medium" panose="02020500000000000000" pitchFamily="18" charset="-128"/>
+              </a:rPr>
+              <a:t>どこまでできた、どこがわからないなど報連相をこまめにしてくれた。先生や仲間に積極的に質問し、最後までやり遂げようとする責任感は見習いたい。</a:t>
+            </a:r>
+            <a:endParaRPr kumimoji="1" lang="en-US" altLang="ja-JP" sz="2400" dirty="0">
+              <a:latin typeface="BIZ UDP明朝 Medium" panose="02020500000000000000" pitchFamily="18" charset="-128"/>
+              <a:ea typeface="BIZ UDP明朝 Medium" panose="02020500000000000000" pitchFamily="18" charset="-128"/>
+            </a:endParaRPr>
+          </a:p>
+          <a:p>
+            <a:pPr>
+              <a:buFont typeface="BIZ UDP明朝 Medium" panose="02020500000000000000" pitchFamily="18" charset="-128"/>
+              <a:buChar char="♥"/>
+            </a:pPr>
+            <a:r>
+              <a:rPr kumimoji="1" lang="ja-JP" altLang="en-US" sz="2400" dirty="0">
+                <a:latin typeface="BIZ UDP明朝 Medium" panose="02020500000000000000" pitchFamily="18" charset="-128"/>
+                <a:ea typeface="BIZ UDP明朝 Medium" panose="02020500000000000000" pitchFamily="18" charset="-128"/>
+              </a:rPr>
+              <a:t>仕事を見つけ積極的に作業に取り組んでいただきとても頼りになりました。</a:t>
             </a:r>
           </a:p>
         </p:txBody>
